--- a/讲义/09_vue进阶-mvvm/ppt.pptx
+++ b/讲义/09_vue进阶-mvvm/ppt.pptx
@@ -6,9 +6,10 @@
   </p:sldMasterIdLst>
   <p:sldIdLst>
     <p:sldId id="259" r:id="rId2"/>
-    <p:sldId id="256" r:id="rId3"/>
-    <p:sldId id="257" r:id="rId4"/>
-    <p:sldId id="258" r:id="rId5"/>
+    <p:sldId id="260" r:id="rId3"/>
+    <p:sldId id="261" r:id="rId4"/>
+    <p:sldId id="262" r:id="rId5"/>
+    <p:sldId id="258" r:id="rId6"/>
   </p:sldIdLst>
   <p:sldSz cx="12192000" cy="6858000"/>
   <p:notesSz cx="6858000" cy="9144000"/>
@@ -262,7 +263,7 @@
           <a:p>
             <a:fld id="{54D8E8BF-6091-4187-9128-2A9871D362A1}" type="datetimeFigureOut">
               <a:rPr lang="zh-CN" altLang="en-US" smtClean="0"/>
-              <a:t>2020/2/27</a:t>
+              <a:t>2020/3/22</a:t>
             </a:fld>
             <a:endParaRPr lang="zh-CN" altLang="en-US"/>
           </a:p>
@@ -460,7 +461,7 @@
           <a:p>
             <a:fld id="{54D8E8BF-6091-4187-9128-2A9871D362A1}" type="datetimeFigureOut">
               <a:rPr lang="zh-CN" altLang="en-US" smtClean="0"/>
-              <a:t>2020/2/27</a:t>
+              <a:t>2020/3/22</a:t>
             </a:fld>
             <a:endParaRPr lang="zh-CN" altLang="en-US"/>
           </a:p>
@@ -668,7 +669,7 @@
           <a:p>
             <a:fld id="{54D8E8BF-6091-4187-9128-2A9871D362A1}" type="datetimeFigureOut">
               <a:rPr lang="zh-CN" altLang="en-US" smtClean="0"/>
-              <a:t>2020/2/27</a:t>
+              <a:t>2020/3/22</a:t>
             </a:fld>
             <a:endParaRPr lang="zh-CN" altLang="en-US"/>
           </a:p>
@@ -866,7 +867,7 @@
           <a:p>
             <a:fld id="{54D8E8BF-6091-4187-9128-2A9871D362A1}" type="datetimeFigureOut">
               <a:rPr lang="zh-CN" altLang="en-US" smtClean="0"/>
-              <a:t>2020/2/27</a:t>
+              <a:t>2020/3/22</a:t>
             </a:fld>
             <a:endParaRPr lang="zh-CN" altLang="en-US"/>
           </a:p>
@@ -1141,7 +1142,7 @@
           <a:p>
             <a:fld id="{54D8E8BF-6091-4187-9128-2A9871D362A1}" type="datetimeFigureOut">
               <a:rPr lang="zh-CN" altLang="en-US" smtClean="0"/>
-              <a:t>2020/2/27</a:t>
+              <a:t>2020/3/22</a:t>
             </a:fld>
             <a:endParaRPr lang="zh-CN" altLang="en-US"/>
           </a:p>
@@ -1406,7 +1407,7 @@
           <a:p>
             <a:fld id="{54D8E8BF-6091-4187-9128-2A9871D362A1}" type="datetimeFigureOut">
               <a:rPr lang="zh-CN" altLang="en-US" smtClean="0"/>
-              <a:t>2020/2/27</a:t>
+              <a:t>2020/3/22</a:t>
             </a:fld>
             <a:endParaRPr lang="zh-CN" altLang="en-US"/>
           </a:p>
@@ -1818,7 +1819,7 @@
           <a:p>
             <a:fld id="{54D8E8BF-6091-4187-9128-2A9871D362A1}" type="datetimeFigureOut">
               <a:rPr lang="zh-CN" altLang="en-US" smtClean="0"/>
-              <a:t>2020/2/27</a:t>
+              <a:t>2020/3/22</a:t>
             </a:fld>
             <a:endParaRPr lang="zh-CN" altLang="en-US"/>
           </a:p>
@@ -1959,7 +1960,7 @@
           <a:p>
             <a:fld id="{54D8E8BF-6091-4187-9128-2A9871D362A1}" type="datetimeFigureOut">
               <a:rPr lang="zh-CN" altLang="en-US" smtClean="0"/>
-              <a:t>2020/2/27</a:t>
+              <a:t>2020/3/22</a:t>
             </a:fld>
             <a:endParaRPr lang="zh-CN" altLang="en-US"/>
           </a:p>
@@ -2072,7 +2073,7 @@
           <a:p>
             <a:fld id="{54D8E8BF-6091-4187-9128-2A9871D362A1}" type="datetimeFigureOut">
               <a:rPr lang="zh-CN" altLang="en-US" smtClean="0"/>
-              <a:t>2020/2/27</a:t>
+              <a:t>2020/3/22</a:t>
             </a:fld>
             <a:endParaRPr lang="zh-CN" altLang="en-US"/>
           </a:p>
@@ -2383,7 +2384,7 @@
           <a:p>
             <a:fld id="{54D8E8BF-6091-4187-9128-2A9871D362A1}" type="datetimeFigureOut">
               <a:rPr lang="zh-CN" altLang="en-US" smtClean="0"/>
-              <a:t>2020/2/27</a:t>
+              <a:t>2020/3/22</a:t>
             </a:fld>
             <a:endParaRPr lang="zh-CN" altLang="en-US"/>
           </a:p>
@@ -2671,7 +2672,7 @@
           <a:p>
             <a:fld id="{54D8E8BF-6091-4187-9128-2A9871D362A1}" type="datetimeFigureOut">
               <a:rPr lang="zh-CN" altLang="en-US" smtClean="0"/>
-              <a:t>2020/2/27</a:t>
+              <a:t>2020/3/22</a:t>
             </a:fld>
             <a:endParaRPr lang="zh-CN" altLang="en-US"/>
           </a:p>
@@ -2912,7 +2913,7 @@
           <a:p>
             <a:fld id="{54D8E8BF-6091-4187-9128-2A9871D362A1}" type="datetimeFigureOut">
               <a:rPr lang="zh-CN" altLang="en-US" smtClean="0"/>
-              <a:t>2020/2/27</a:t>
+              <a:t>2020/3/22</a:t>
             </a:fld>
             <a:endParaRPr lang="zh-CN" altLang="en-US"/>
           </a:p>
@@ -4712,10 +4713,10 @@
       </p:grpSpPr>
       <p:sp>
         <p:nvSpPr>
-          <p:cNvPr id="4" name="矩形 3">
-            <a:extLst>
-              <a:ext uri="{FF2B5EF4-FFF2-40B4-BE49-F238E27FC236}">
-                <a16:creationId xmlns:a16="http://schemas.microsoft.com/office/drawing/2014/main" id="{D3B5C410-128C-4F45-B980-96301381F47C}"/>
+          <p:cNvPr id="131" name="矩形: 圆角 130">
+            <a:extLst>
+              <a:ext uri="{FF2B5EF4-FFF2-40B4-BE49-F238E27FC236}">
+                <a16:creationId xmlns:a16="http://schemas.microsoft.com/office/drawing/2014/main" id="{F4EBF2B2-1ADB-4D1E-8AE4-A7307EFE3592}"/>
               </a:ext>
             </a:extLst>
           </p:cNvPr>
@@ -4724,8 +4725,57 @@
         </p:nvSpPr>
         <p:spPr>
           <a:xfrm>
-            <a:off x="1131216" y="817775"/>
-            <a:ext cx="3374795" cy="5222450"/>
+            <a:off x="2099990" y="643380"/>
+            <a:ext cx="6947261" cy="4843366"/>
+          </a:xfrm>
+          <a:prstGeom prst="roundRect">
+            <a:avLst>
+              <a:gd name="adj" fmla="val 3702"/>
+            </a:avLst>
+          </a:prstGeom>
+          <a:solidFill>
+            <a:srgbClr val="DDDDDD"/>
+          </a:solidFill>
+        </p:spPr>
+        <p:style>
+          <a:lnRef idx="0">
+            <a:schemeClr val="accent3"/>
+          </a:lnRef>
+          <a:fillRef idx="3">
+            <a:schemeClr val="accent3"/>
+          </a:fillRef>
+          <a:effectRef idx="3">
+            <a:schemeClr val="accent3"/>
+          </a:effectRef>
+          <a:fontRef idx="minor">
+            <a:schemeClr val="lt1"/>
+          </a:fontRef>
+        </p:style>
+        <p:txBody>
+          <a:bodyPr rtlCol="0" anchor="ctr"/>
+          <a:lstStyle/>
+          <a:p>
+            <a:pPr algn="ctr"/>
+            <a:endParaRPr lang="zh-CN" altLang="en-US" sz="1400"/>
+          </a:p>
+        </p:txBody>
+      </p:sp>
+      <p:sp>
+        <p:nvSpPr>
+          <p:cNvPr id="5" name="矩形 4">
+            <a:extLst>
+              <a:ext uri="{FF2B5EF4-FFF2-40B4-BE49-F238E27FC236}">
+                <a16:creationId xmlns:a16="http://schemas.microsoft.com/office/drawing/2014/main" id="{B839201F-1FAC-487B-BCBA-6C7B69356EA0}"/>
+              </a:ext>
+            </a:extLst>
+          </p:cNvPr>
+          <p:cNvSpPr/>
+          <p:nvPr/>
+        </p:nvSpPr>
+        <p:spPr>
+          <a:xfrm>
+            <a:off x="2275032" y="1551288"/>
+            <a:ext cx="1315642" cy="646331"/>
           </a:xfrm>
           <a:prstGeom prst="rect">
             <a:avLst/>
@@ -4757,16 +4807,688 @@
           <a:lstStyle/>
           <a:p>
             <a:pPr algn="ctr"/>
+            <a:r>
+              <a:rPr lang="zh-CN" altLang="en-US" sz="1600">
+                <a:solidFill>
+                  <a:srgbClr val="002060"/>
+                </a:solidFill>
+              </a:rPr>
+              <a:t>数据拦截</a:t>
+            </a:r>
+            <a:endParaRPr lang="en-US" altLang="zh-CN" sz="1600">
+              <a:solidFill>
+                <a:srgbClr val="002060"/>
+              </a:solidFill>
+            </a:endParaRPr>
+          </a:p>
+          <a:p>
+            <a:pPr algn="ctr"/>
+            <a:r>
+              <a:rPr lang="zh-CN" altLang="en-US" sz="1200">
+                <a:solidFill>
+                  <a:srgbClr val="002060"/>
+                </a:solidFill>
+              </a:rPr>
+              <a:t>处理每个属性</a:t>
+            </a:r>
+          </a:p>
+        </p:txBody>
+      </p:sp>
+      <p:sp>
+        <p:nvSpPr>
+          <p:cNvPr id="6" name="矩形 5">
+            <a:extLst>
+              <a:ext uri="{FF2B5EF4-FFF2-40B4-BE49-F238E27FC236}">
+                <a16:creationId xmlns:a16="http://schemas.microsoft.com/office/drawing/2014/main" id="{3D5302A7-922F-4FBC-8F03-1BFF71439B5F}"/>
+              </a:ext>
+            </a:extLst>
+          </p:cNvPr>
+          <p:cNvSpPr/>
+          <p:nvPr/>
+        </p:nvSpPr>
+        <p:spPr>
+          <a:xfrm>
+            <a:off x="3878522" y="1456804"/>
+            <a:ext cx="1361809" cy="380073"/>
+          </a:xfrm>
+          <a:prstGeom prst="rect">
+            <a:avLst/>
+          </a:prstGeom>
+          <a:effectLst>
+            <a:outerShdw blurRad="50800" dist="38100" dir="10800000" algn="r" rotWithShape="0">
+              <a:prstClr val="black">
+                <a:alpha val="40000"/>
+              </a:prstClr>
+            </a:outerShdw>
+          </a:effectLst>
+        </p:spPr>
+        <p:style>
+          <a:lnRef idx="1">
+            <a:schemeClr val="accent4"/>
+          </a:lnRef>
+          <a:fillRef idx="3">
+            <a:schemeClr val="accent4"/>
+          </a:fillRef>
+          <a:effectRef idx="2">
+            <a:schemeClr val="accent4"/>
+          </a:effectRef>
+          <a:fontRef idx="minor">
+            <a:schemeClr val="lt1"/>
+          </a:fontRef>
+        </p:style>
+        <p:txBody>
+          <a:bodyPr rtlCol="0" anchor="ctr"/>
+          <a:lstStyle/>
+          <a:p>
+            <a:pPr algn="ctr"/>
+            <a:r>
+              <a:rPr lang="en-US" altLang="zh-CN" sz="1600">
+                <a:solidFill>
+                  <a:srgbClr val="002060"/>
+                </a:solidFill>
+              </a:rPr>
+              <a:t>get</a:t>
+            </a:r>
+            <a:endParaRPr lang="zh-CN" altLang="en-US" sz="1600">
+              <a:solidFill>
+                <a:srgbClr val="002060"/>
+              </a:solidFill>
+            </a:endParaRPr>
+          </a:p>
+        </p:txBody>
+      </p:sp>
+      <p:cxnSp>
+        <p:nvCxnSpPr>
+          <p:cNvPr id="8" name="连接符: 曲线 7">
+            <a:extLst>
+              <a:ext uri="{FF2B5EF4-FFF2-40B4-BE49-F238E27FC236}">
+                <a16:creationId xmlns:a16="http://schemas.microsoft.com/office/drawing/2014/main" id="{210C8A4E-2F1D-4CBA-91DB-E7C572162EC9}"/>
+              </a:ext>
+            </a:extLst>
+          </p:cNvPr>
+          <p:cNvCxnSpPr>
+            <a:cxnSpLocks/>
+            <a:stCxn id="5" idx="3"/>
+            <a:endCxn id="6" idx="1"/>
+          </p:cNvCxnSpPr>
+          <p:nvPr/>
+        </p:nvCxnSpPr>
+        <p:spPr>
+          <a:xfrm flipV="1">
+            <a:off x="3590674" y="1646841"/>
+            <a:ext cx="287848" cy="227613"/>
+          </a:xfrm>
+          <a:prstGeom prst="curvedConnector3">
+            <a:avLst/>
+          </a:prstGeom>
+          <a:ln w="28575">
+            <a:tailEnd type="triangle"/>
+          </a:ln>
+        </p:spPr>
+        <p:style>
+          <a:lnRef idx="1">
+            <a:schemeClr val="accent1"/>
+          </a:lnRef>
+          <a:fillRef idx="0">
+            <a:schemeClr val="accent1"/>
+          </a:fillRef>
+          <a:effectRef idx="0">
+            <a:schemeClr val="accent1"/>
+          </a:effectRef>
+          <a:fontRef idx="minor">
+            <a:schemeClr val="tx1"/>
+          </a:fontRef>
+        </p:style>
+      </p:cxnSp>
+      <p:sp>
+        <p:nvSpPr>
+          <p:cNvPr id="13" name="矩形 12">
+            <a:extLst>
+              <a:ext uri="{FF2B5EF4-FFF2-40B4-BE49-F238E27FC236}">
+                <a16:creationId xmlns:a16="http://schemas.microsoft.com/office/drawing/2014/main" id="{EFC51569-861D-4EB2-85AD-657A8B0F7238}"/>
+              </a:ext>
+            </a:extLst>
+          </p:cNvPr>
+          <p:cNvSpPr/>
+          <p:nvPr/>
+        </p:nvSpPr>
+        <p:spPr>
+          <a:xfrm>
+            <a:off x="3878521" y="2111880"/>
+            <a:ext cx="1361809" cy="407378"/>
+          </a:xfrm>
+          <a:prstGeom prst="rect">
+            <a:avLst/>
+          </a:prstGeom>
+          <a:effectLst>
+            <a:outerShdw blurRad="50800" dist="38100" dir="10800000" algn="r" rotWithShape="0">
+              <a:prstClr val="black">
+                <a:alpha val="40000"/>
+              </a:prstClr>
+            </a:outerShdw>
+          </a:effectLst>
+        </p:spPr>
+        <p:style>
+          <a:lnRef idx="1">
+            <a:schemeClr val="accent4"/>
+          </a:lnRef>
+          <a:fillRef idx="3">
+            <a:schemeClr val="accent4"/>
+          </a:fillRef>
+          <a:effectRef idx="2">
+            <a:schemeClr val="accent4"/>
+          </a:effectRef>
+          <a:fontRef idx="minor">
+            <a:schemeClr val="lt1"/>
+          </a:fontRef>
+        </p:style>
+        <p:txBody>
+          <a:bodyPr rtlCol="0" anchor="ctr"/>
+          <a:lstStyle/>
+          <a:p>
+            <a:pPr algn="ctr"/>
+            <a:r>
+              <a:rPr lang="en-US" altLang="zh-CN" sz="1600">
+                <a:solidFill>
+                  <a:srgbClr val="002060"/>
+                </a:solidFill>
+              </a:rPr>
+              <a:t>set</a:t>
+            </a:r>
+            <a:endParaRPr lang="zh-CN" altLang="en-US" sz="1600">
+              <a:solidFill>
+                <a:srgbClr val="002060"/>
+              </a:solidFill>
+            </a:endParaRPr>
+          </a:p>
+        </p:txBody>
+      </p:sp>
+      <p:sp>
+        <p:nvSpPr>
+          <p:cNvPr id="19" name="矩形 18">
+            <a:extLst>
+              <a:ext uri="{FF2B5EF4-FFF2-40B4-BE49-F238E27FC236}">
+                <a16:creationId xmlns:a16="http://schemas.microsoft.com/office/drawing/2014/main" id="{F54A3790-1D3B-4CD9-8310-F9CC61D7184F}"/>
+              </a:ext>
+            </a:extLst>
+          </p:cNvPr>
+          <p:cNvSpPr/>
+          <p:nvPr/>
+        </p:nvSpPr>
+        <p:spPr>
+          <a:xfrm>
+            <a:off x="6206826" y="946049"/>
+            <a:ext cx="2608913" cy="4256704"/>
+          </a:xfrm>
+          <a:prstGeom prst="rect">
+            <a:avLst/>
+          </a:prstGeom>
+        </p:spPr>
+        <p:style>
+          <a:lnRef idx="0">
+            <a:schemeClr val="accent3"/>
+          </a:lnRef>
+          <a:fillRef idx="3">
+            <a:schemeClr val="accent3"/>
+          </a:fillRef>
+          <a:effectRef idx="3">
+            <a:schemeClr val="accent3"/>
+          </a:effectRef>
+          <a:fontRef idx="minor">
+            <a:schemeClr val="lt1"/>
+          </a:fontRef>
+        </p:style>
+        <p:txBody>
+          <a:bodyPr rtlCol="0" anchor="ctr"/>
+          <a:lstStyle/>
+          <a:p>
+            <a:pPr algn="ctr"/>
+            <a:endParaRPr lang="zh-CN" altLang="en-US" sz="3200">
+              <a:solidFill>
+                <a:srgbClr val="002060"/>
+              </a:solidFill>
+            </a:endParaRPr>
+          </a:p>
+        </p:txBody>
+      </p:sp>
+      <p:sp>
+        <p:nvSpPr>
+          <p:cNvPr id="27" name="矩形 26">
+            <a:extLst>
+              <a:ext uri="{FF2B5EF4-FFF2-40B4-BE49-F238E27FC236}">
+                <a16:creationId xmlns:a16="http://schemas.microsoft.com/office/drawing/2014/main" id="{CF2A3FF5-12A8-4B8E-833B-907830FDBC50}"/>
+              </a:ext>
+            </a:extLst>
+          </p:cNvPr>
+          <p:cNvSpPr/>
+          <p:nvPr/>
+        </p:nvSpPr>
+        <p:spPr>
+          <a:xfrm>
+            <a:off x="7668749" y="1184228"/>
+            <a:ext cx="946152" cy="374054"/>
+          </a:xfrm>
+          <a:prstGeom prst="rect">
+            <a:avLst/>
+          </a:prstGeom>
+        </p:spPr>
+        <p:style>
+          <a:lnRef idx="0">
+            <a:schemeClr val="accent2"/>
+          </a:lnRef>
+          <a:fillRef idx="3">
+            <a:schemeClr val="accent2"/>
+          </a:fillRef>
+          <a:effectRef idx="3">
+            <a:schemeClr val="accent2"/>
+          </a:effectRef>
+          <a:fontRef idx="minor">
+            <a:schemeClr val="lt1"/>
+          </a:fontRef>
+        </p:style>
+        <p:txBody>
+          <a:bodyPr rtlCol="0" anchor="ctr"/>
+          <a:lstStyle/>
+          <a:p>
+            <a:pPr algn="ctr"/>
+            <a:r>
+              <a:rPr lang="zh-CN" altLang="en-US" sz="1600">
+                <a:solidFill>
+                  <a:srgbClr val="002060"/>
+                </a:solidFill>
+              </a:rPr>
+              <a:t>观察者</a:t>
+            </a:r>
+            <a:r>
+              <a:rPr lang="en-US" altLang="zh-CN" sz="1600">
+                <a:solidFill>
+                  <a:srgbClr val="002060"/>
+                </a:solidFill>
+              </a:rPr>
+              <a:t>1</a:t>
+            </a:r>
+            <a:endParaRPr lang="zh-CN" altLang="en-US" sz="1600">
+              <a:solidFill>
+                <a:srgbClr val="002060"/>
+              </a:solidFill>
+            </a:endParaRPr>
+          </a:p>
+        </p:txBody>
+      </p:sp>
+      <p:sp>
+        <p:nvSpPr>
+          <p:cNvPr id="28" name="矩形 27">
+            <a:extLst>
+              <a:ext uri="{FF2B5EF4-FFF2-40B4-BE49-F238E27FC236}">
+                <a16:creationId xmlns:a16="http://schemas.microsoft.com/office/drawing/2014/main" id="{D848238F-DE16-4393-80B4-769A04D040E0}"/>
+              </a:ext>
+            </a:extLst>
+          </p:cNvPr>
+          <p:cNvSpPr/>
+          <p:nvPr/>
+        </p:nvSpPr>
+        <p:spPr>
+          <a:xfrm>
+            <a:off x="7668748" y="1706051"/>
+            <a:ext cx="946152" cy="374054"/>
+          </a:xfrm>
+          <a:prstGeom prst="rect">
+            <a:avLst/>
+          </a:prstGeom>
+        </p:spPr>
+        <p:style>
+          <a:lnRef idx="0">
+            <a:schemeClr val="accent2"/>
+          </a:lnRef>
+          <a:fillRef idx="3">
+            <a:schemeClr val="accent2"/>
+          </a:fillRef>
+          <a:effectRef idx="3">
+            <a:schemeClr val="accent2"/>
+          </a:effectRef>
+          <a:fontRef idx="minor">
+            <a:schemeClr val="lt1"/>
+          </a:fontRef>
+        </p:style>
+        <p:txBody>
+          <a:bodyPr rtlCol="0" anchor="ctr"/>
+          <a:lstStyle/>
+          <a:p>
+            <a:pPr algn="ctr"/>
+            <a:r>
+              <a:rPr lang="zh-CN" altLang="en-US" sz="1600">
+                <a:solidFill>
+                  <a:srgbClr val="002060"/>
+                </a:solidFill>
+              </a:rPr>
+              <a:t>观察者</a:t>
+            </a:r>
+            <a:r>
+              <a:rPr lang="en-US" altLang="zh-CN" sz="1600">
+                <a:solidFill>
+                  <a:srgbClr val="002060"/>
+                </a:solidFill>
+              </a:rPr>
+              <a:t>2</a:t>
+            </a:r>
+            <a:endParaRPr lang="zh-CN" altLang="en-US" sz="1600">
+              <a:solidFill>
+                <a:srgbClr val="002060"/>
+              </a:solidFill>
+            </a:endParaRPr>
+          </a:p>
+        </p:txBody>
+      </p:sp>
+      <p:sp>
+        <p:nvSpPr>
+          <p:cNvPr id="29" name="矩形 28">
+            <a:extLst>
+              <a:ext uri="{FF2B5EF4-FFF2-40B4-BE49-F238E27FC236}">
+                <a16:creationId xmlns:a16="http://schemas.microsoft.com/office/drawing/2014/main" id="{C61636AD-3CF7-41DF-8EE6-C53F496F2E9F}"/>
+              </a:ext>
+            </a:extLst>
+          </p:cNvPr>
+          <p:cNvSpPr/>
+          <p:nvPr/>
+        </p:nvSpPr>
+        <p:spPr>
+          <a:xfrm>
+            <a:off x="7668748" y="2217085"/>
+            <a:ext cx="964936" cy="374054"/>
+          </a:xfrm>
+          <a:prstGeom prst="rect">
+            <a:avLst/>
+          </a:prstGeom>
+        </p:spPr>
+        <p:style>
+          <a:lnRef idx="0">
+            <a:schemeClr val="accent2"/>
+          </a:lnRef>
+          <a:fillRef idx="3">
+            <a:schemeClr val="accent2"/>
+          </a:fillRef>
+          <a:effectRef idx="3">
+            <a:schemeClr val="accent2"/>
+          </a:effectRef>
+          <a:fontRef idx="minor">
+            <a:schemeClr val="lt1"/>
+          </a:fontRef>
+        </p:style>
+        <p:txBody>
+          <a:bodyPr rtlCol="0" anchor="ctr"/>
+          <a:lstStyle/>
+          <a:p>
+            <a:pPr algn="ctr"/>
+            <a:r>
+              <a:rPr lang="zh-CN" altLang="en-US" sz="1600">
+                <a:solidFill>
+                  <a:srgbClr val="002060"/>
+                </a:solidFill>
+              </a:rPr>
+              <a:t>观察者</a:t>
+            </a:r>
+            <a:r>
+              <a:rPr lang="en-US" altLang="zh-CN" sz="1600">
+                <a:solidFill>
+                  <a:srgbClr val="002060"/>
+                </a:solidFill>
+              </a:rPr>
+              <a:t>3</a:t>
+            </a:r>
+            <a:endParaRPr lang="zh-CN" altLang="en-US" sz="1600">
+              <a:solidFill>
+                <a:srgbClr val="002060"/>
+              </a:solidFill>
+            </a:endParaRPr>
+          </a:p>
+        </p:txBody>
+      </p:sp>
+      <p:sp>
+        <p:nvSpPr>
+          <p:cNvPr id="31" name="矩形 30">
+            <a:extLst>
+              <a:ext uri="{FF2B5EF4-FFF2-40B4-BE49-F238E27FC236}">
+                <a16:creationId xmlns:a16="http://schemas.microsoft.com/office/drawing/2014/main" id="{95CF0D5E-51D9-46B6-AD0E-9D330AB548B1}"/>
+              </a:ext>
+            </a:extLst>
+          </p:cNvPr>
+          <p:cNvSpPr/>
+          <p:nvPr/>
+        </p:nvSpPr>
+        <p:spPr>
+          <a:xfrm>
+            <a:off x="7718475" y="3547292"/>
+            <a:ext cx="896426" cy="374054"/>
+          </a:xfrm>
+          <a:prstGeom prst="rect">
+            <a:avLst/>
+          </a:prstGeom>
+        </p:spPr>
+        <p:style>
+          <a:lnRef idx="0">
+            <a:schemeClr val="accent5"/>
+          </a:lnRef>
+          <a:fillRef idx="3">
+            <a:schemeClr val="accent5"/>
+          </a:fillRef>
+          <a:effectRef idx="3">
+            <a:schemeClr val="accent5"/>
+          </a:effectRef>
+          <a:fontRef idx="minor">
+            <a:schemeClr val="lt1"/>
+          </a:fontRef>
+        </p:style>
+        <p:txBody>
+          <a:bodyPr rtlCol="0" anchor="ctr"/>
+          <a:lstStyle/>
+          <a:p>
+            <a:pPr algn="ctr"/>
+            <a:r>
+              <a:rPr lang="zh-CN" altLang="en-US" sz="1600">
+                <a:solidFill>
+                  <a:srgbClr val="002060"/>
+                </a:solidFill>
+              </a:rPr>
+              <a:t>观察者</a:t>
+            </a:r>
+          </a:p>
+        </p:txBody>
+      </p:sp>
+      <p:sp>
+        <p:nvSpPr>
+          <p:cNvPr id="32" name="矩形 31">
+            <a:extLst>
+              <a:ext uri="{FF2B5EF4-FFF2-40B4-BE49-F238E27FC236}">
+                <a16:creationId xmlns:a16="http://schemas.microsoft.com/office/drawing/2014/main" id="{32887CD0-25A8-4362-85EF-6FEFC3235C38}"/>
+              </a:ext>
+            </a:extLst>
+          </p:cNvPr>
+          <p:cNvSpPr/>
+          <p:nvPr/>
+        </p:nvSpPr>
+        <p:spPr>
+          <a:xfrm>
+            <a:off x="7733065" y="4128950"/>
+            <a:ext cx="881836" cy="374054"/>
+          </a:xfrm>
+          <a:prstGeom prst="rect">
+            <a:avLst/>
+          </a:prstGeom>
+        </p:spPr>
+        <p:style>
+          <a:lnRef idx="0">
+            <a:schemeClr val="accent5"/>
+          </a:lnRef>
+          <a:fillRef idx="3">
+            <a:schemeClr val="accent5"/>
+          </a:fillRef>
+          <a:effectRef idx="3">
+            <a:schemeClr val="accent5"/>
+          </a:effectRef>
+          <a:fontRef idx="minor">
+            <a:schemeClr val="lt1"/>
+          </a:fontRef>
+        </p:style>
+        <p:txBody>
+          <a:bodyPr rtlCol="0" anchor="ctr"/>
+          <a:lstStyle/>
+          <a:p>
+            <a:pPr algn="ctr"/>
+            <a:r>
+              <a:rPr lang="en-US" altLang="zh-CN" sz="1600">
+                <a:solidFill>
+                  <a:srgbClr val="002060"/>
+                </a:solidFill>
+              </a:rPr>
+              <a:t>....</a:t>
+            </a:r>
+            <a:endParaRPr lang="zh-CN" altLang="en-US" sz="1600">
+              <a:solidFill>
+                <a:srgbClr val="002060"/>
+              </a:solidFill>
+            </a:endParaRPr>
+          </a:p>
+        </p:txBody>
+      </p:sp>
+      <p:sp>
+        <p:nvSpPr>
+          <p:cNvPr id="33" name="矩形 32">
+            <a:extLst>
+              <a:ext uri="{FF2B5EF4-FFF2-40B4-BE49-F238E27FC236}">
+                <a16:creationId xmlns:a16="http://schemas.microsoft.com/office/drawing/2014/main" id="{D647646E-6E67-484B-85EC-73A04F1DAA9E}"/>
+              </a:ext>
+            </a:extLst>
+          </p:cNvPr>
+          <p:cNvSpPr/>
+          <p:nvPr/>
+        </p:nvSpPr>
+        <p:spPr>
+          <a:xfrm>
+            <a:off x="7718384" y="4639984"/>
+            <a:ext cx="896426" cy="374054"/>
+          </a:xfrm>
+          <a:prstGeom prst="rect">
+            <a:avLst/>
+          </a:prstGeom>
+        </p:spPr>
+        <p:style>
+          <a:lnRef idx="0">
+            <a:schemeClr val="accent5"/>
+          </a:lnRef>
+          <a:fillRef idx="3">
+            <a:schemeClr val="accent5"/>
+          </a:fillRef>
+          <a:effectRef idx="3">
+            <a:schemeClr val="accent5"/>
+          </a:effectRef>
+          <a:fontRef idx="minor">
+            <a:schemeClr val="lt1"/>
+          </a:fontRef>
+        </p:style>
+        <p:txBody>
+          <a:bodyPr rtlCol="0" anchor="ctr"/>
+          <a:lstStyle/>
+          <a:p>
+            <a:pPr algn="ctr"/>
+            <a:r>
+              <a:rPr lang="zh-CN" altLang="en-US" sz="1600">
+                <a:solidFill>
+                  <a:srgbClr val="002060"/>
+                </a:solidFill>
+              </a:rPr>
+              <a:t>观察者</a:t>
+            </a:r>
+          </a:p>
+        </p:txBody>
+      </p:sp>
+      <p:sp>
+        <p:nvSpPr>
+          <p:cNvPr id="34" name="矩形 33">
+            <a:extLst>
+              <a:ext uri="{FF2B5EF4-FFF2-40B4-BE49-F238E27FC236}">
+                <a16:creationId xmlns:a16="http://schemas.microsoft.com/office/drawing/2014/main" id="{2B0B21F4-D452-4026-AD6E-C524522E4DD0}"/>
+              </a:ext>
+            </a:extLst>
+          </p:cNvPr>
+          <p:cNvSpPr/>
+          <p:nvPr/>
+        </p:nvSpPr>
+        <p:spPr>
+          <a:xfrm>
+            <a:off x="6234919" y="1014375"/>
+            <a:ext cx="1107996" cy="369332"/>
+          </a:xfrm>
+          <a:prstGeom prst="rect">
+            <a:avLst/>
+          </a:prstGeom>
+        </p:spPr>
+        <p:txBody>
+          <a:bodyPr wrap="none">
+            <a:spAutoFit/>
+          </a:bodyPr>
+          <a:lstStyle/>
+          <a:p>
+            <a:r>
+              <a:rPr lang="zh-CN" altLang="en-US">
+                <a:solidFill>
+                  <a:srgbClr val="002060"/>
+                </a:solidFill>
+              </a:rPr>
+              <a:t>事件中心</a:t>
+            </a:r>
             <a:endParaRPr lang="zh-CN" altLang="en-US"/>
           </a:p>
         </p:txBody>
       </p:sp>
-      <p:sp>
-        <p:nvSpPr>
-          <p:cNvPr id="19" name="矩形 18">
-            <a:extLst>
-              <a:ext uri="{FF2B5EF4-FFF2-40B4-BE49-F238E27FC236}">
-                <a16:creationId xmlns:a16="http://schemas.microsoft.com/office/drawing/2014/main" id="{F47BA972-814B-4984-BCE8-0DDB8FF0B1DC}"/>
+      <p:cxnSp>
+        <p:nvCxnSpPr>
+          <p:cNvPr id="37" name="连接符: 曲线 36">
+            <a:extLst>
+              <a:ext uri="{FF2B5EF4-FFF2-40B4-BE49-F238E27FC236}">
+                <a16:creationId xmlns:a16="http://schemas.microsoft.com/office/drawing/2014/main" id="{C4937A12-78AF-4CC7-BCCC-8B273ADC8A94}"/>
+              </a:ext>
+            </a:extLst>
+          </p:cNvPr>
+          <p:cNvCxnSpPr>
+            <a:cxnSpLocks/>
+            <a:stCxn id="5" idx="3"/>
+            <a:endCxn id="13" idx="1"/>
+          </p:cNvCxnSpPr>
+          <p:nvPr/>
+        </p:nvCxnSpPr>
+        <p:spPr>
+          <a:xfrm>
+            <a:off x="3590674" y="1874454"/>
+            <a:ext cx="287847" cy="441115"/>
+          </a:xfrm>
+          <a:prstGeom prst="curvedConnector3">
+            <a:avLst/>
+          </a:prstGeom>
+          <a:ln w="28575">
+            <a:tailEnd type="triangle"/>
+          </a:ln>
+        </p:spPr>
+        <p:style>
+          <a:lnRef idx="1">
+            <a:schemeClr val="accent1"/>
+          </a:lnRef>
+          <a:fillRef idx="0">
+            <a:schemeClr val="accent1"/>
+          </a:fillRef>
+          <a:effectRef idx="0">
+            <a:schemeClr val="accent1"/>
+          </a:effectRef>
+          <a:fontRef idx="minor">
+            <a:schemeClr val="tx1"/>
+          </a:fontRef>
+        </p:style>
+      </p:cxnSp>
+      <p:sp>
+        <p:nvSpPr>
+          <p:cNvPr id="54" name="矩形 53">
+            <a:extLst>
+              <a:ext uri="{FF2B5EF4-FFF2-40B4-BE49-F238E27FC236}">
+                <a16:creationId xmlns:a16="http://schemas.microsoft.com/office/drawing/2014/main" id="{D32EC2C7-9C28-4674-945F-55F306827CDB}"/>
               </a:ext>
             </a:extLst>
           </p:cNvPr>
@@ -4775,10 +5497,902 @@
         </p:nvSpPr>
         <p:spPr>
           <a:xfrm>
-            <a:off x="1310326" y="987475"/>
-            <a:ext cx="2997723" cy="4385803"/>
+            <a:off x="2282367" y="3985899"/>
+            <a:ext cx="1384282" cy="733794"/>
           </a:xfrm>
           <a:prstGeom prst="rect">
+            <a:avLst/>
+          </a:prstGeom>
+        </p:spPr>
+        <p:style>
+          <a:lnRef idx="0">
+            <a:schemeClr val="accent6"/>
+          </a:lnRef>
+          <a:fillRef idx="3">
+            <a:schemeClr val="accent6"/>
+          </a:fillRef>
+          <a:effectRef idx="3">
+            <a:schemeClr val="accent6"/>
+          </a:effectRef>
+          <a:fontRef idx="minor">
+            <a:schemeClr val="lt1"/>
+          </a:fontRef>
+        </p:style>
+        <p:txBody>
+          <a:bodyPr rtlCol="0" anchor="ctr"/>
+          <a:lstStyle/>
+          <a:p>
+            <a:pPr algn="ctr"/>
+            <a:r>
+              <a:rPr lang="zh-CN" altLang="en-US" sz="1600">
+                <a:solidFill>
+                  <a:srgbClr val="002060"/>
+                </a:solidFill>
+              </a:rPr>
+              <a:t>模板编译</a:t>
+            </a:r>
+            <a:endParaRPr lang="en-US" altLang="zh-CN" sz="1600">
+              <a:solidFill>
+                <a:srgbClr val="002060"/>
+              </a:solidFill>
+            </a:endParaRPr>
+          </a:p>
+          <a:p>
+            <a:pPr algn="ctr"/>
+            <a:r>
+              <a:rPr lang="zh-CN" altLang="en-US" sz="1200">
+                <a:solidFill>
+                  <a:srgbClr val="002060"/>
+                </a:solidFill>
+              </a:rPr>
+              <a:t>处理每个节点</a:t>
+            </a:r>
+          </a:p>
+        </p:txBody>
+      </p:sp>
+      <p:sp>
+        <p:nvSpPr>
+          <p:cNvPr id="58" name="矩形 57">
+            <a:extLst>
+              <a:ext uri="{FF2B5EF4-FFF2-40B4-BE49-F238E27FC236}">
+                <a16:creationId xmlns:a16="http://schemas.microsoft.com/office/drawing/2014/main" id="{8A1440FD-BFA3-4E7B-87CE-115EDF95D6B2}"/>
+              </a:ext>
+            </a:extLst>
+          </p:cNvPr>
+          <p:cNvSpPr/>
+          <p:nvPr/>
+        </p:nvSpPr>
+        <p:spPr>
+          <a:xfrm>
+            <a:off x="3928582" y="3545749"/>
+            <a:ext cx="1433453" cy="407378"/>
+          </a:xfrm>
+          <a:prstGeom prst="rect">
+            <a:avLst/>
+          </a:prstGeom>
+        </p:spPr>
+        <p:style>
+          <a:lnRef idx="0">
+            <a:schemeClr val="accent6"/>
+          </a:lnRef>
+          <a:fillRef idx="3">
+            <a:schemeClr val="accent6"/>
+          </a:fillRef>
+          <a:effectRef idx="3">
+            <a:schemeClr val="accent6"/>
+          </a:effectRef>
+          <a:fontRef idx="minor">
+            <a:schemeClr val="lt1"/>
+          </a:fontRef>
+        </p:style>
+        <p:txBody>
+          <a:bodyPr rtlCol="0" anchor="ctr"/>
+          <a:lstStyle/>
+          <a:p>
+            <a:pPr algn="ctr"/>
+            <a:r>
+              <a:rPr lang="zh-CN" altLang="en-US" sz="1600">
+                <a:solidFill>
+                  <a:srgbClr val="002060"/>
+                </a:solidFill>
+              </a:rPr>
+              <a:t>初始显示数据</a:t>
+            </a:r>
+          </a:p>
+        </p:txBody>
+      </p:sp>
+      <p:sp>
+        <p:nvSpPr>
+          <p:cNvPr id="59" name="矩形 58">
+            <a:extLst>
+              <a:ext uri="{FF2B5EF4-FFF2-40B4-BE49-F238E27FC236}">
+                <a16:creationId xmlns:a16="http://schemas.microsoft.com/office/drawing/2014/main" id="{692CE714-A893-4B44-94EC-B52FBFE869EA}"/>
+              </a:ext>
+            </a:extLst>
+          </p:cNvPr>
+          <p:cNvSpPr/>
+          <p:nvPr/>
+        </p:nvSpPr>
+        <p:spPr>
+          <a:xfrm>
+            <a:off x="3929107" y="4114963"/>
+            <a:ext cx="1461613" cy="449005"/>
+          </a:xfrm>
+          <a:prstGeom prst="rect">
+            <a:avLst/>
+          </a:prstGeom>
+        </p:spPr>
+        <p:style>
+          <a:lnRef idx="0">
+            <a:schemeClr val="accent6"/>
+          </a:lnRef>
+          <a:fillRef idx="3">
+            <a:schemeClr val="accent6"/>
+          </a:fillRef>
+          <a:effectRef idx="3">
+            <a:schemeClr val="accent6"/>
+          </a:effectRef>
+          <a:fontRef idx="minor">
+            <a:schemeClr val="lt1"/>
+          </a:fontRef>
+        </p:style>
+        <p:txBody>
+          <a:bodyPr rtlCol="0" anchor="ctr"/>
+          <a:lstStyle/>
+          <a:p>
+            <a:pPr algn="ctr"/>
+            <a:r>
+              <a:rPr lang="zh-CN" altLang="en-US" sz="1600">
+                <a:solidFill>
+                  <a:srgbClr val="002060"/>
+                </a:solidFill>
+              </a:rPr>
+              <a:t>添加观察者</a:t>
+            </a:r>
+          </a:p>
+        </p:txBody>
+      </p:sp>
+      <p:cxnSp>
+        <p:nvCxnSpPr>
+          <p:cNvPr id="60" name="连接符: 曲线 59">
+            <a:extLst>
+              <a:ext uri="{FF2B5EF4-FFF2-40B4-BE49-F238E27FC236}">
+                <a16:creationId xmlns:a16="http://schemas.microsoft.com/office/drawing/2014/main" id="{AEE02C1E-4AAC-49A0-B886-1933608F1352}"/>
+              </a:ext>
+            </a:extLst>
+          </p:cNvPr>
+          <p:cNvCxnSpPr>
+            <a:cxnSpLocks/>
+            <a:stCxn id="54" idx="3"/>
+            <a:endCxn id="58" idx="1"/>
+          </p:cNvCxnSpPr>
+          <p:nvPr/>
+        </p:nvCxnSpPr>
+        <p:spPr>
+          <a:xfrm flipV="1">
+            <a:off x="3666649" y="3749438"/>
+            <a:ext cx="261933" cy="603358"/>
+          </a:xfrm>
+          <a:prstGeom prst="curvedConnector3">
+            <a:avLst/>
+          </a:prstGeom>
+          <a:ln w="28575">
+            <a:tailEnd type="triangle"/>
+          </a:ln>
+        </p:spPr>
+        <p:style>
+          <a:lnRef idx="1">
+            <a:schemeClr val="accent1"/>
+          </a:lnRef>
+          <a:fillRef idx="0">
+            <a:schemeClr val="accent1"/>
+          </a:fillRef>
+          <a:effectRef idx="0">
+            <a:schemeClr val="accent1"/>
+          </a:effectRef>
+          <a:fontRef idx="minor">
+            <a:schemeClr val="tx1"/>
+          </a:fontRef>
+        </p:style>
+      </p:cxnSp>
+      <p:cxnSp>
+        <p:nvCxnSpPr>
+          <p:cNvPr id="66" name="连接符: 曲线 65">
+            <a:extLst>
+              <a:ext uri="{FF2B5EF4-FFF2-40B4-BE49-F238E27FC236}">
+                <a16:creationId xmlns:a16="http://schemas.microsoft.com/office/drawing/2014/main" id="{D805F971-E9CE-4E40-8B84-CF13E4DE4B97}"/>
+              </a:ext>
+            </a:extLst>
+          </p:cNvPr>
+          <p:cNvCxnSpPr>
+            <a:cxnSpLocks/>
+            <a:stCxn id="54" idx="3"/>
+            <a:endCxn id="59" idx="1"/>
+          </p:cNvCxnSpPr>
+          <p:nvPr/>
+        </p:nvCxnSpPr>
+        <p:spPr>
+          <a:xfrm flipV="1">
+            <a:off x="3666649" y="4339466"/>
+            <a:ext cx="262458" cy="13330"/>
+          </a:xfrm>
+          <a:prstGeom prst="curvedConnector3">
+            <a:avLst/>
+          </a:prstGeom>
+          <a:ln w="28575">
+            <a:tailEnd type="triangle"/>
+          </a:ln>
+        </p:spPr>
+        <p:style>
+          <a:lnRef idx="1">
+            <a:schemeClr val="accent1"/>
+          </a:lnRef>
+          <a:fillRef idx="0">
+            <a:schemeClr val="accent1"/>
+          </a:fillRef>
+          <a:effectRef idx="0">
+            <a:schemeClr val="accent1"/>
+          </a:effectRef>
+          <a:fontRef idx="minor">
+            <a:schemeClr val="tx1"/>
+          </a:fontRef>
+        </p:style>
+      </p:cxnSp>
+      <p:cxnSp>
+        <p:nvCxnSpPr>
+          <p:cNvPr id="71" name="连接符: 曲线 70">
+            <a:extLst>
+              <a:ext uri="{FF2B5EF4-FFF2-40B4-BE49-F238E27FC236}">
+                <a16:creationId xmlns:a16="http://schemas.microsoft.com/office/drawing/2014/main" id="{69A2D62E-78B6-4E21-8944-99734B1B0CCD}"/>
+              </a:ext>
+            </a:extLst>
+          </p:cNvPr>
+          <p:cNvCxnSpPr>
+            <a:cxnSpLocks/>
+            <a:stCxn id="59" idx="3"/>
+            <a:endCxn id="91" idx="1"/>
+          </p:cNvCxnSpPr>
+          <p:nvPr/>
+        </p:nvCxnSpPr>
+        <p:spPr>
+          <a:xfrm flipV="1">
+            <a:off x="5390720" y="3381287"/>
+            <a:ext cx="926925" cy="958179"/>
+          </a:xfrm>
+          <a:prstGeom prst="curvedConnector3">
+            <a:avLst>
+              <a:gd name="adj1" fmla="val 50000"/>
+            </a:avLst>
+          </a:prstGeom>
+          <a:ln w="38100">
+            <a:tailEnd type="triangle"/>
+          </a:ln>
+        </p:spPr>
+        <p:style>
+          <a:lnRef idx="1">
+            <a:schemeClr val="accent1"/>
+          </a:lnRef>
+          <a:fillRef idx="0">
+            <a:schemeClr val="accent1"/>
+          </a:fillRef>
+          <a:effectRef idx="0">
+            <a:schemeClr val="accent1"/>
+          </a:effectRef>
+          <a:fontRef idx="minor">
+            <a:schemeClr val="tx1"/>
+          </a:fontRef>
+        </p:style>
+      </p:cxnSp>
+      <p:sp>
+        <p:nvSpPr>
+          <p:cNvPr id="91" name="矩形 90">
+            <a:extLst>
+              <a:ext uri="{FF2B5EF4-FFF2-40B4-BE49-F238E27FC236}">
+                <a16:creationId xmlns:a16="http://schemas.microsoft.com/office/drawing/2014/main" id="{242D7195-9899-4BBD-94EF-133BD00F3CF8}"/>
+              </a:ext>
+            </a:extLst>
+          </p:cNvPr>
+          <p:cNvSpPr/>
+          <p:nvPr/>
+        </p:nvSpPr>
+        <p:spPr>
+          <a:xfrm>
+            <a:off x="6317645" y="3150454"/>
+            <a:ext cx="1282718" cy="461665"/>
+          </a:xfrm>
+          <a:prstGeom prst="rect">
+            <a:avLst/>
+          </a:prstGeom>
+          <a:solidFill>
+            <a:schemeClr val="bg1"/>
+          </a:solidFill>
+        </p:spPr>
+        <p:txBody>
+          <a:bodyPr wrap="square">
+            <a:spAutoFit/>
+          </a:bodyPr>
+          <a:lstStyle/>
+          <a:p>
+            <a:r>
+              <a:rPr lang="zh-CN" altLang="en-US" sz="1200">
+                <a:solidFill>
+                  <a:srgbClr val="002060"/>
+                </a:solidFill>
+              </a:rPr>
+              <a:t>添加观察者</a:t>
+            </a:r>
+            <a:endParaRPr lang="en-US" altLang="zh-CN" sz="1200">
+              <a:solidFill>
+                <a:srgbClr val="002060"/>
+              </a:solidFill>
+            </a:endParaRPr>
+          </a:p>
+          <a:p>
+            <a:r>
+              <a:rPr lang="zh-CN" altLang="en-US" sz="1200"/>
+              <a:t>监听指定事件名</a:t>
+            </a:r>
+          </a:p>
+        </p:txBody>
+      </p:sp>
+      <p:sp>
+        <p:nvSpPr>
+          <p:cNvPr id="93" name="矩形: 折角 92">
+            <a:extLst>
+              <a:ext uri="{FF2B5EF4-FFF2-40B4-BE49-F238E27FC236}">
+                <a16:creationId xmlns:a16="http://schemas.microsoft.com/office/drawing/2014/main" id="{48EE387A-96EE-4DFB-8883-9FD458BBBB6A}"/>
+              </a:ext>
+            </a:extLst>
+          </p:cNvPr>
+          <p:cNvSpPr/>
+          <p:nvPr/>
+        </p:nvSpPr>
+        <p:spPr>
+          <a:xfrm>
+            <a:off x="9735231" y="1843739"/>
+            <a:ext cx="2361364" cy="1344859"/>
+          </a:xfrm>
+          <a:prstGeom prst="foldedCorner">
+            <a:avLst/>
+          </a:prstGeom>
+        </p:spPr>
+        <p:style>
+          <a:lnRef idx="0">
+            <a:schemeClr val="accent6"/>
+          </a:lnRef>
+          <a:fillRef idx="3">
+            <a:schemeClr val="accent6"/>
+          </a:fillRef>
+          <a:effectRef idx="3">
+            <a:schemeClr val="accent6"/>
+          </a:effectRef>
+          <a:fontRef idx="minor">
+            <a:schemeClr val="lt1"/>
+          </a:fontRef>
+        </p:style>
+        <p:txBody>
+          <a:bodyPr rtlCol="0" anchor="ctr"/>
+          <a:lstStyle/>
+          <a:p>
+            <a:r>
+              <a:rPr lang="en-US" altLang="zh-CN" sz="1400">
+                <a:solidFill>
+                  <a:schemeClr val="tx1"/>
+                </a:solidFill>
+              </a:rPr>
+              <a:t>&lt;div&gt;</a:t>
+            </a:r>
+          </a:p>
+          <a:p>
+            <a:r>
+              <a:rPr lang="en-US" altLang="zh-CN" sz="1400">
+                <a:solidFill>
+                  <a:schemeClr val="tx1"/>
+                </a:solidFill>
+              </a:rPr>
+              <a:t>&lt;h2 v-html="salary"&gt;&lt;/h2&gt;</a:t>
+            </a:r>
+          </a:p>
+          <a:p>
+            <a:r>
+              <a:rPr lang="en-US" altLang="zh-CN" sz="1400">
+                <a:solidFill>
+                  <a:schemeClr val="tx1"/>
+                </a:solidFill>
+              </a:rPr>
+              <a:t>&lt;input v-model=“salary”/&gt;</a:t>
+            </a:r>
+          </a:p>
+          <a:p>
+            <a:r>
+              <a:rPr lang="en-US" altLang="zh-CN" sz="1400">
+                <a:solidFill>
+                  <a:schemeClr val="tx1"/>
+                </a:solidFill>
+              </a:rPr>
+              <a:t>&lt;p v-html="salary"&gt;&lt;/p&gt;</a:t>
+            </a:r>
+          </a:p>
+          <a:p>
+            <a:r>
+              <a:rPr lang="en-US" altLang="zh-CN" sz="1400">
+                <a:solidFill>
+                  <a:schemeClr val="tx1"/>
+                </a:solidFill>
+              </a:rPr>
+              <a:t>&lt;/div&gt;</a:t>
+            </a:r>
+            <a:endParaRPr lang="zh-CN" altLang="en-US" sz="1400">
+              <a:solidFill>
+                <a:schemeClr val="tx1"/>
+              </a:solidFill>
+            </a:endParaRPr>
+          </a:p>
+        </p:txBody>
+      </p:sp>
+      <p:sp>
+        <p:nvSpPr>
+          <p:cNvPr id="96" name="圆柱体 95">
+            <a:extLst>
+              <a:ext uri="{FF2B5EF4-FFF2-40B4-BE49-F238E27FC236}">
+                <a16:creationId xmlns:a16="http://schemas.microsoft.com/office/drawing/2014/main" id="{AC64C221-FF3F-47A1-8FCA-C03045D872F6}"/>
+              </a:ext>
+            </a:extLst>
+          </p:cNvPr>
+          <p:cNvSpPr/>
+          <p:nvPr/>
+        </p:nvSpPr>
+        <p:spPr>
+          <a:xfrm>
+            <a:off x="163480" y="643379"/>
+            <a:ext cx="1561137" cy="1736203"/>
+          </a:xfrm>
+          <a:prstGeom prst="can">
+            <a:avLst>
+              <a:gd name="adj" fmla="val 13398"/>
+            </a:avLst>
+          </a:prstGeom>
+        </p:spPr>
+        <p:style>
+          <a:lnRef idx="0">
+            <a:schemeClr val="accent4"/>
+          </a:lnRef>
+          <a:fillRef idx="3">
+            <a:schemeClr val="accent4"/>
+          </a:fillRef>
+          <a:effectRef idx="3">
+            <a:schemeClr val="accent4"/>
+          </a:effectRef>
+          <a:fontRef idx="minor">
+            <a:schemeClr val="lt1"/>
+          </a:fontRef>
+        </p:style>
+        <p:txBody>
+          <a:bodyPr rtlCol="0" anchor="ctr"/>
+          <a:lstStyle/>
+          <a:p>
+            <a:pPr algn="ctr"/>
+            <a:endParaRPr lang="zh-CN" altLang="en-US">
+              <a:solidFill>
+                <a:schemeClr val="tx1"/>
+              </a:solidFill>
+            </a:endParaRPr>
+          </a:p>
+        </p:txBody>
+      </p:sp>
+      <p:sp>
+        <p:nvSpPr>
+          <p:cNvPr id="97" name="矩形 96">
+            <a:extLst>
+              <a:ext uri="{FF2B5EF4-FFF2-40B4-BE49-F238E27FC236}">
+                <a16:creationId xmlns:a16="http://schemas.microsoft.com/office/drawing/2014/main" id="{224E9B5C-F922-42DC-BB81-5E9FBFDD5C3E}"/>
+              </a:ext>
+            </a:extLst>
+          </p:cNvPr>
+          <p:cNvSpPr/>
+          <p:nvPr/>
+        </p:nvSpPr>
+        <p:spPr>
+          <a:xfrm>
+            <a:off x="177210" y="1049815"/>
+            <a:ext cx="1634932" cy="923330"/>
+          </a:xfrm>
+          <a:prstGeom prst="rect">
+            <a:avLst/>
+          </a:prstGeom>
+        </p:spPr>
+        <p:txBody>
+          <a:bodyPr wrap="square">
+            <a:spAutoFit/>
+          </a:bodyPr>
+          <a:lstStyle/>
+          <a:p>
+            <a:r>
+              <a:rPr lang="zh-CN" altLang="en-US"/>
+              <a:t>var data = {</a:t>
+            </a:r>
+          </a:p>
+          <a:p>
+            <a:r>
+              <a:rPr lang="zh-CN" altLang="en-US"/>
+              <a:t>  salary: 1000</a:t>
+            </a:r>
+          </a:p>
+          <a:p>
+            <a:r>
+              <a:rPr lang="zh-CN" altLang="en-US"/>
+              <a:t>};</a:t>
+            </a:r>
+          </a:p>
+        </p:txBody>
+      </p:sp>
+      <p:sp>
+        <p:nvSpPr>
+          <p:cNvPr id="100" name="缺角矩形 99">
+            <a:extLst>
+              <a:ext uri="{FF2B5EF4-FFF2-40B4-BE49-F238E27FC236}">
+                <a16:creationId xmlns:a16="http://schemas.microsoft.com/office/drawing/2014/main" id="{3060236F-FC15-4B60-A680-A5C3A32705CE}"/>
+              </a:ext>
+            </a:extLst>
+          </p:cNvPr>
+          <p:cNvSpPr/>
+          <p:nvPr/>
+        </p:nvSpPr>
+        <p:spPr>
+          <a:xfrm>
+            <a:off x="6363852" y="1494152"/>
+            <a:ext cx="896427" cy="845795"/>
+          </a:xfrm>
+          <a:prstGeom prst="plaque">
+            <a:avLst/>
+          </a:prstGeom>
+        </p:spPr>
+        <p:style>
+          <a:lnRef idx="0">
+            <a:schemeClr val="accent2"/>
+          </a:lnRef>
+          <a:fillRef idx="3">
+            <a:schemeClr val="accent2"/>
+          </a:fillRef>
+          <a:effectRef idx="3">
+            <a:schemeClr val="accent2"/>
+          </a:effectRef>
+          <a:fontRef idx="minor">
+            <a:schemeClr val="lt1"/>
+          </a:fontRef>
+        </p:style>
+        <p:txBody>
+          <a:bodyPr rtlCol="0" anchor="ctr"/>
+          <a:lstStyle/>
+          <a:p>
+            <a:pPr algn="ctr"/>
+            <a:r>
+              <a:rPr lang="zh-CN" altLang="en-US">
+                <a:solidFill>
+                  <a:srgbClr val="002060"/>
+                </a:solidFill>
+              </a:rPr>
+              <a:t>事件名</a:t>
+            </a:r>
+            <a:r>
+              <a:rPr lang="en-US" altLang="zh-CN">
+                <a:solidFill>
+                  <a:srgbClr val="002060"/>
+                </a:solidFill>
+              </a:rPr>
+              <a:t>1</a:t>
+            </a:r>
+            <a:endParaRPr lang="zh-CN" altLang="en-US">
+              <a:solidFill>
+                <a:srgbClr val="002060"/>
+              </a:solidFill>
+            </a:endParaRPr>
+          </a:p>
+        </p:txBody>
+      </p:sp>
+      <p:cxnSp>
+        <p:nvCxnSpPr>
+          <p:cNvPr id="104" name="连接符: 曲线 103">
+            <a:extLst>
+              <a:ext uri="{FF2B5EF4-FFF2-40B4-BE49-F238E27FC236}">
+                <a16:creationId xmlns:a16="http://schemas.microsoft.com/office/drawing/2014/main" id="{1D721AF0-2BCB-432D-A121-B176D27B9252}"/>
+              </a:ext>
+            </a:extLst>
+          </p:cNvPr>
+          <p:cNvCxnSpPr>
+            <a:cxnSpLocks/>
+            <a:stCxn id="100" idx="3"/>
+            <a:endCxn id="27" idx="1"/>
+          </p:cNvCxnSpPr>
+          <p:nvPr/>
+        </p:nvCxnSpPr>
+        <p:spPr>
+          <a:xfrm flipV="1">
+            <a:off x="7260279" y="1371255"/>
+            <a:ext cx="408470" cy="545795"/>
+          </a:xfrm>
+          <a:prstGeom prst="curvedConnector3">
+            <a:avLst>
+              <a:gd name="adj1" fmla="val 50000"/>
+            </a:avLst>
+          </a:prstGeom>
+          <a:ln w="38100">
+            <a:tailEnd type="triangle"/>
+          </a:ln>
+        </p:spPr>
+        <p:style>
+          <a:lnRef idx="1">
+            <a:schemeClr val="accent2"/>
+          </a:lnRef>
+          <a:fillRef idx="0">
+            <a:schemeClr val="accent2"/>
+          </a:fillRef>
+          <a:effectRef idx="0">
+            <a:schemeClr val="accent2"/>
+          </a:effectRef>
+          <a:fontRef idx="minor">
+            <a:schemeClr val="tx1"/>
+          </a:fontRef>
+        </p:style>
+      </p:cxnSp>
+      <p:cxnSp>
+        <p:nvCxnSpPr>
+          <p:cNvPr id="105" name="连接符: 曲线 104">
+            <a:extLst>
+              <a:ext uri="{FF2B5EF4-FFF2-40B4-BE49-F238E27FC236}">
+                <a16:creationId xmlns:a16="http://schemas.microsoft.com/office/drawing/2014/main" id="{BB2B3C49-CF85-445A-B051-44F4DF0C3FD7}"/>
+              </a:ext>
+            </a:extLst>
+          </p:cNvPr>
+          <p:cNvCxnSpPr>
+            <a:cxnSpLocks/>
+            <a:stCxn id="100" idx="3"/>
+            <a:endCxn id="29" idx="1"/>
+          </p:cNvCxnSpPr>
+          <p:nvPr/>
+        </p:nvCxnSpPr>
+        <p:spPr>
+          <a:xfrm>
+            <a:off x="7260279" y="1917050"/>
+            <a:ext cx="408469" cy="487062"/>
+          </a:xfrm>
+          <a:prstGeom prst="curvedConnector3">
+            <a:avLst>
+              <a:gd name="adj1" fmla="val 50000"/>
+            </a:avLst>
+          </a:prstGeom>
+          <a:ln w="38100">
+            <a:tailEnd type="triangle"/>
+          </a:ln>
+        </p:spPr>
+        <p:style>
+          <a:lnRef idx="1">
+            <a:schemeClr val="accent2"/>
+          </a:lnRef>
+          <a:fillRef idx="0">
+            <a:schemeClr val="accent2"/>
+          </a:fillRef>
+          <a:effectRef idx="0">
+            <a:schemeClr val="accent2"/>
+          </a:effectRef>
+          <a:fontRef idx="minor">
+            <a:schemeClr val="tx1"/>
+          </a:fontRef>
+        </p:style>
+      </p:cxnSp>
+      <p:cxnSp>
+        <p:nvCxnSpPr>
+          <p:cNvPr id="108" name="连接符: 曲线 107">
+            <a:extLst>
+              <a:ext uri="{FF2B5EF4-FFF2-40B4-BE49-F238E27FC236}">
+                <a16:creationId xmlns:a16="http://schemas.microsoft.com/office/drawing/2014/main" id="{C89A5181-D24D-40ED-9679-C0B6596FC496}"/>
+              </a:ext>
+            </a:extLst>
+          </p:cNvPr>
+          <p:cNvCxnSpPr>
+            <a:cxnSpLocks/>
+            <a:stCxn id="100" idx="3"/>
+            <a:endCxn id="28" idx="1"/>
+          </p:cNvCxnSpPr>
+          <p:nvPr/>
+        </p:nvCxnSpPr>
+        <p:spPr>
+          <a:xfrm flipV="1">
+            <a:off x="7260279" y="1893078"/>
+            <a:ext cx="408469" cy="23972"/>
+          </a:xfrm>
+          <a:prstGeom prst="curvedConnector3">
+            <a:avLst>
+              <a:gd name="adj1" fmla="val 50000"/>
+            </a:avLst>
+          </a:prstGeom>
+          <a:ln w="38100">
+            <a:tailEnd type="triangle"/>
+          </a:ln>
+        </p:spPr>
+        <p:style>
+          <a:lnRef idx="1">
+            <a:schemeClr val="accent2"/>
+          </a:lnRef>
+          <a:fillRef idx="0">
+            <a:schemeClr val="accent2"/>
+          </a:fillRef>
+          <a:effectRef idx="0">
+            <a:schemeClr val="accent2"/>
+          </a:effectRef>
+          <a:fontRef idx="minor">
+            <a:schemeClr val="tx1"/>
+          </a:fontRef>
+        </p:style>
+      </p:cxnSp>
+      <p:cxnSp>
+        <p:nvCxnSpPr>
+          <p:cNvPr id="112" name="连接符: 曲线 111">
+            <a:extLst>
+              <a:ext uri="{FF2B5EF4-FFF2-40B4-BE49-F238E27FC236}">
+                <a16:creationId xmlns:a16="http://schemas.microsoft.com/office/drawing/2014/main" id="{CCD842AA-111D-42D1-9BFF-887848310CCF}"/>
+              </a:ext>
+            </a:extLst>
+          </p:cNvPr>
+          <p:cNvCxnSpPr>
+            <a:cxnSpLocks/>
+            <a:stCxn id="101" idx="3"/>
+            <a:endCxn id="31" idx="1"/>
+          </p:cNvCxnSpPr>
+          <p:nvPr/>
+        </p:nvCxnSpPr>
+        <p:spPr>
+          <a:xfrm flipV="1">
+            <a:off x="7316185" y="3734319"/>
+            <a:ext cx="402290" cy="622087"/>
+          </a:xfrm>
+          <a:prstGeom prst="curvedConnector3">
+            <a:avLst>
+              <a:gd name="adj1" fmla="val 50000"/>
+            </a:avLst>
+          </a:prstGeom>
+          <a:ln w="38100">
+            <a:solidFill>
+              <a:schemeClr val="accent5">
+                <a:lumMod val="75000"/>
+              </a:schemeClr>
+            </a:solidFill>
+            <a:tailEnd type="triangle"/>
+          </a:ln>
+        </p:spPr>
+        <p:style>
+          <a:lnRef idx="1">
+            <a:schemeClr val="accent2"/>
+          </a:lnRef>
+          <a:fillRef idx="0">
+            <a:schemeClr val="accent2"/>
+          </a:fillRef>
+          <a:effectRef idx="0">
+            <a:schemeClr val="accent2"/>
+          </a:effectRef>
+          <a:fontRef idx="minor">
+            <a:schemeClr val="tx1"/>
+          </a:fontRef>
+        </p:style>
+      </p:cxnSp>
+      <p:cxnSp>
+        <p:nvCxnSpPr>
+          <p:cNvPr id="113" name="连接符: 曲线 112">
+            <a:extLst>
+              <a:ext uri="{FF2B5EF4-FFF2-40B4-BE49-F238E27FC236}">
+                <a16:creationId xmlns:a16="http://schemas.microsoft.com/office/drawing/2014/main" id="{AC362207-5A49-4E61-93F3-9262CA861F37}"/>
+              </a:ext>
+            </a:extLst>
+          </p:cNvPr>
+          <p:cNvCxnSpPr>
+            <a:cxnSpLocks/>
+            <a:stCxn id="101" idx="3"/>
+            <a:endCxn id="33" idx="1"/>
+          </p:cNvCxnSpPr>
+          <p:nvPr/>
+        </p:nvCxnSpPr>
+        <p:spPr>
+          <a:xfrm>
+            <a:off x="7316185" y="4356406"/>
+            <a:ext cx="402199" cy="470605"/>
+          </a:xfrm>
+          <a:prstGeom prst="curvedConnector3">
+            <a:avLst>
+              <a:gd name="adj1" fmla="val 50000"/>
+            </a:avLst>
+          </a:prstGeom>
+          <a:ln w="38100">
+            <a:solidFill>
+              <a:schemeClr val="accent5">
+                <a:lumMod val="75000"/>
+              </a:schemeClr>
+            </a:solidFill>
+            <a:tailEnd type="triangle"/>
+          </a:ln>
+        </p:spPr>
+        <p:style>
+          <a:lnRef idx="1">
+            <a:schemeClr val="accent2"/>
+          </a:lnRef>
+          <a:fillRef idx="0">
+            <a:schemeClr val="accent2"/>
+          </a:fillRef>
+          <a:effectRef idx="0">
+            <a:schemeClr val="accent2"/>
+          </a:effectRef>
+          <a:fontRef idx="minor">
+            <a:schemeClr val="tx1"/>
+          </a:fontRef>
+        </p:style>
+      </p:cxnSp>
+      <p:cxnSp>
+        <p:nvCxnSpPr>
+          <p:cNvPr id="114" name="连接符: 曲线 113">
+            <a:extLst>
+              <a:ext uri="{FF2B5EF4-FFF2-40B4-BE49-F238E27FC236}">
+                <a16:creationId xmlns:a16="http://schemas.microsoft.com/office/drawing/2014/main" id="{5404A64E-C95D-4BED-89B7-CF1859903A37}"/>
+              </a:ext>
+            </a:extLst>
+          </p:cNvPr>
+          <p:cNvCxnSpPr>
+            <a:cxnSpLocks/>
+            <a:stCxn id="101" idx="3"/>
+            <a:endCxn id="32" idx="1"/>
+          </p:cNvCxnSpPr>
+          <p:nvPr/>
+        </p:nvCxnSpPr>
+        <p:spPr>
+          <a:xfrm flipV="1">
+            <a:off x="7316185" y="4315977"/>
+            <a:ext cx="416880" cy="40429"/>
+          </a:xfrm>
+          <a:prstGeom prst="curvedConnector3">
+            <a:avLst>
+              <a:gd name="adj1" fmla="val 50000"/>
+            </a:avLst>
+          </a:prstGeom>
+          <a:ln w="38100">
+            <a:solidFill>
+              <a:schemeClr val="accent5">
+                <a:lumMod val="75000"/>
+              </a:schemeClr>
+            </a:solidFill>
+            <a:tailEnd type="triangle"/>
+          </a:ln>
+        </p:spPr>
+        <p:style>
+          <a:lnRef idx="1">
+            <a:schemeClr val="accent2"/>
+          </a:lnRef>
+          <a:fillRef idx="0">
+            <a:schemeClr val="accent2"/>
+          </a:fillRef>
+          <a:effectRef idx="0">
+            <a:schemeClr val="accent2"/>
+          </a:effectRef>
+          <a:fontRef idx="minor">
+            <a:schemeClr val="tx1"/>
+          </a:fontRef>
+        </p:style>
+      </p:cxnSp>
+      <p:sp>
+        <p:nvSpPr>
+          <p:cNvPr id="137" name="椭圆 136">
+            <a:extLst>
+              <a:ext uri="{FF2B5EF4-FFF2-40B4-BE49-F238E27FC236}">
+                <a16:creationId xmlns:a16="http://schemas.microsoft.com/office/drawing/2014/main" id="{496C8919-E950-4752-B00C-017C7B1F18CE}"/>
+              </a:ext>
+            </a:extLst>
+          </p:cNvPr>
+          <p:cNvSpPr/>
+          <p:nvPr/>
+        </p:nvSpPr>
+        <p:spPr>
+          <a:xfrm>
+            <a:off x="127420" y="2098701"/>
+            <a:ext cx="537493" cy="544541"/>
+          </a:xfrm>
+          <a:prstGeom prst="ellipse">
             <a:avLst/>
           </a:prstGeom>
         </p:spPr>
@@ -4803,16 +6417,20 @@
           <a:lstStyle/>
           <a:p>
             <a:pPr algn="ctr"/>
-            <a:endParaRPr lang="zh-CN" altLang="en-US"/>
-          </a:p>
-        </p:txBody>
-      </p:sp>
-      <p:sp>
-        <p:nvSpPr>
-          <p:cNvPr id="8" name="云形 7">
-            <a:extLst>
-              <a:ext uri="{FF2B5EF4-FFF2-40B4-BE49-F238E27FC236}">
-                <a16:creationId xmlns:a16="http://schemas.microsoft.com/office/drawing/2014/main" id="{282163BE-F6FD-4A92-BFC5-8F90E1B8CADA}"/>
+            <a:r>
+              <a:rPr lang="en-US" altLang="zh-CN" sz="2800"/>
+              <a:t>M</a:t>
+            </a:r>
+            <a:endParaRPr lang="zh-CN" altLang="en-US" sz="2800"/>
+          </a:p>
+        </p:txBody>
+      </p:sp>
+      <p:sp>
+        <p:nvSpPr>
+          <p:cNvPr id="138" name="椭圆 137">
+            <a:extLst>
+              <a:ext uri="{FF2B5EF4-FFF2-40B4-BE49-F238E27FC236}">
+                <a16:creationId xmlns:a16="http://schemas.microsoft.com/office/drawing/2014/main" id="{6AC4D95D-6A34-4BC3-A30B-8199275295FA}"/>
               </a:ext>
             </a:extLst>
           </p:cNvPr>
@@ -4821,22 +6439,24 @@
         </p:nvSpPr>
         <p:spPr>
           <a:xfrm>
-            <a:off x="2497320" y="1142937"/>
-            <a:ext cx="1659589" cy="1091918"/>
-          </a:xfrm>
-          <a:prstGeom prst="cloud">
-            <a:avLst/>
-          </a:prstGeom>
-        </p:spPr>
-        <p:style>
-          <a:lnRef idx="0">
-            <a:schemeClr val="accent4"/>
-          </a:lnRef>
-          <a:fillRef idx="3">
-            <a:schemeClr val="accent4"/>
-          </a:fillRef>
-          <a:effectRef idx="3">
-            <a:schemeClr val="accent4"/>
+            <a:off x="11550469" y="2824492"/>
+            <a:ext cx="537493" cy="544541"/>
+          </a:xfrm>
+          <a:prstGeom prst="ellipse">
+            <a:avLst/>
+          </a:prstGeom>
+        </p:spPr>
+        <p:style>
+          <a:lnRef idx="2">
+            <a:schemeClr val="accent1">
+              <a:shade val="50000"/>
+            </a:schemeClr>
+          </a:lnRef>
+          <a:fillRef idx="1">
+            <a:schemeClr val="accent1"/>
+          </a:fillRef>
+          <a:effectRef idx="0">
+            <a:schemeClr val="accent1"/>
           </a:effectRef>
           <a:fontRef idx="minor">
             <a:schemeClr val="lt1"/>
@@ -4848,27 +6468,19 @@
           <a:p>
             <a:pPr algn="ctr"/>
             <a:r>
-              <a:rPr lang="en-US" altLang="zh-CN"/>
-              <a:t>andriod</a:t>
-            </a:r>
-            <a:r>
-              <a:rPr lang="zh-CN" altLang="en-US"/>
-              <a:t>应用</a:t>
-            </a:r>
-            <a:r>
-              <a:rPr lang="en-US" altLang="zh-CN"/>
-              <a:t>1</a:t>
-            </a:r>
-            <a:endParaRPr lang="zh-CN" altLang="en-US"/>
-          </a:p>
-        </p:txBody>
-      </p:sp>
-      <p:sp>
-        <p:nvSpPr>
-          <p:cNvPr id="14" name="云形 13">
-            <a:extLst>
-              <a:ext uri="{FF2B5EF4-FFF2-40B4-BE49-F238E27FC236}">
-                <a16:creationId xmlns:a16="http://schemas.microsoft.com/office/drawing/2014/main" id="{70B253B9-10B9-4833-AC97-B8D1827AC24E}"/>
+              <a:rPr lang="en-US" altLang="zh-CN" sz="2800"/>
+              <a:t>v</a:t>
+            </a:r>
+            <a:endParaRPr lang="zh-CN" altLang="en-US" sz="2800"/>
+          </a:p>
+        </p:txBody>
+      </p:sp>
+      <p:sp>
+        <p:nvSpPr>
+          <p:cNvPr id="140" name="矩形: 圆角 139">
+            <a:extLst>
+              <a:ext uri="{FF2B5EF4-FFF2-40B4-BE49-F238E27FC236}">
+                <a16:creationId xmlns:a16="http://schemas.microsoft.com/office/drawing/2014/main" id="{3B191D26-C276-42DE-B75B-C0364C899192}"/>
               </a:ext>
             </a:extLst>
           </p:cNvPr>
@@ -4877,22 +6489,24 @@
         </p:nvSpPr>
         <p:spPr>
           <a:xfrm>
-            <a:off x="1471847" y="2775006"/>
-            <a:ext cx="1495547" cy="910873"/>
-          </a:xfrm>
-          <a:prstGeom prst="cloud">
-            <a:avLst/>
-          </a:prstGeom>
-        </p:spPr>
-        <p:style>
-          <a:lnRef idx="0">
-            <a:schemeClr val="accent4"/>
-          </a:lnRef>
-          <a:fillRef idx="3">
-            <a:schemeClr val="accent4"/>
-          </a:fillRef>
-          <a:effectRef idx="3">
-            <a:schemeClr val="accent4"/>
+            <a:off x="1387874" y="3249009"/>
+            <a:ext cx="876838" cy="544541"/>
+          </a:xfrm>
+          <a:prstGeom prst="roundRect">
+            <a:avLst/>
+          </a:prstGeom>
+        </p:spPr>
+        <p:style>
+          <a:lnRef idx="2">
+            <a:schemeClr val="accent1">
+              <a:shade val="50000"/>
+            </a:schemeClr>
+          </a:lnRef>
+          <a:fillRef idx="1">
+            <a:schemeClr val="accent1"/>
+          </a:fillRef>
+          <a:effectRef idx="0">
+            <a:schemeClr val="accent1"/>
           </a:effectRef>
           <a:fontRef idx="minor">
             <a:schemeClr val="lt1"/>
@@ -4904,27 +6518,69 @@
           <a:p>
             <a:pPr algn="ctr"/>
             <a:r>
-              <a:rPr lang="en-US" altLang="zh-CN"/>
-              <a:t>andriod</a:t>
-            </a:r>
-            <a:r>
-              <a:rPr lang="zh-CN" altLang="en-US"/>
-              <a:t>应用</a:t>
-            </a:r>
-            <a:r>
-              <a:rPr lang="en-US" altLang="zh-CN"/>
-              <a:t>2</a:t>
-            </a:r>
-            <a:endParaRPr lang="zh-CN" altLang="en-US"/>
-          </a:p>
-        </p:txBody>
-      </p:sp>
-      <p:sp>
-        <p:nvSpPr>
-          <p:cNvPr id="17" name="矩形 16">
-            <a:extLst>
-              <a:ext uri="{FF2B5EF4-FFF2-40B4-BE49-F238E27FC236}">
-                <a16:creationId xmlns:a16="http://schemas.microsoft.com/office/drawing/2014/main" id="{314E5ABC-2821-4DCE-93BB-E42E8672D0C6}"/>
+              <a:rPr lang="en-US" altLang="zh-CN" sz="2000"/>
+              <a:t>VM</a:t>
+            </a:r>
+            <a:endParaRPr lang="zh-CN" altLang="en-US" sz="2000"/>
+          </a:p>
+        </p:txBody>
+      </p:sp>
+      <p:cxnSp>
+        <p:nvCxnSpPr>
+          <p:cNvPr id="142" name="连接符: 曲线 141">
+            <a:extLst>
+              <a:ext uri="{FF2B5EF4-FFF2-40B4-BE49-F238E27FC236}">
+                <a16:creationId xmlns:a16="http://schemas.microsoft.com/office/drawing/2014/main" id="{0E0F810F-101E-4929-82BF-F6B0B2A7AFD3}"/>
+              </a:ext>
+            </a:extLst>
+          </p:cNvPr>
+          <p:cNvCxnSpPr>
+            <a:cxnSpLocks/>
+            <a:stCxn id="97" idx="3"/>
+            <a:endCxn id="6" idx="0"/>
+          </p:cNvCxnSpPr>
+          <p:nvPr/>
+        </p:nvCxnSpPr>
+        <p:spPr>
+          <a:xfrm flipV="1">
+            <a:off x="1812142" y="1456804"/>
+            <a:ext cx="2747285" cy="54676"/>
+          </a:xfrm>
+          <a:prstGeom prst="curvedConnector4">
+            <a:avLst>
+              <a:gd name="adj1" fmla="val 37608"/>
+              <a:gd name="adj2" fmla="val 1262464"/>
+            </a:avLst>
+          </a:prstGeom>
+          <a:ln w="38100">
+            <a:solidFill>
+              <a:srgbClr val="FFC000"/>
+            </a:solidFill>
+            <a:prstDash val="dashDot"/>
+            <a:tailEnd type="triangle"/>
+          </a:ln>
+        </p:spPr>
+        <p:style>
+          <a:lnRef idx="1">
+            <a:schemeClr val="accent1"/>
+          </a:lnRef>
+          <a:fillRef idx="0">
+            <a:schemeClr val="accent1"/>
+          </a:fillRef>
+          <a:effectRef idx="0">
+            <a:schemeClr val="accent1"/>
+          </a:effectRef>
+          <a:fontRef idx="minor">
+            <a:schemeClr val="tx1"/>
+          </a:fontRef>
+        </p:style>
+      </p:cxnSp>
+      <p:sp>
+        <p:nvSpPr>
+          <p:cNvPr id="149" name="矩形 148">
+            <a:extLst>
+              <a:ext uri="{FF2B5EF4-FFF2-40B4-BE49-F238E27FC236}">
+                <a16:creationId xmlns:a16="http://schemas.microsoft.com/office/drawing/2014/main" id="{F3B9E50D-AE17-45F1-8481-3F53CA948CC6}"/>
               </a:ext>
             </a:extLst>
           </p:cNvPr>
@@ -4933,12 +6589,15 @@
         </p:nvSpPr>
         <p:spPr>
           <a:xfrm>
-            <a:off x="1238692" y="5555283"/>
-            <a:ext cx="3159839" cy="369332"/>
+            <a:off x="2753541" y="806318"/>
+            <a:ext cx="902811" cy="307777"/>
           </a:xfrm>
           <a:prstGeom prst="rect">
             <a:avLst/>
           </a:prstGeom>
+          <a:solidFill>
+            <a:schemeClr val="bg1"/>
+          </a:solidFill>
         </p:spPr>
         <p:txBody>
           <a:bodyPr wrap="none">
@@ -4947,23 +6606,710 @@
           <a:lstStyle/>
           <a:p>
             <a:r>
-              <a:rPr lang="zh-CN" altLang="en-US"/>
-              <a:t>蓝牙，电池，拍照，电话本</a:t>
-            </a:r>
-            <a:r>
-              <a:rPr lang="en-US" altLang="zh-CN"/>
-              <a:t>....</a:t>
-            </a:r>
+              <a:rPr lang="zh-CN" altLang="en-US" sz="1400"/>
+              <a:t>取出属性</a:t>
+            </a:r>
+          </a:p>
+        </p:txBody>
+      </p:sp>
+      <p:cxnSp>
+        <p:nvCxnSpPr>
+          <p:cNvPr id="154" name="连接符: 曲线 153">
+            <a:extLst>
+              <a:ext uri="{FF2B5EF4-FFF2-40B4-BE49-F238E27FC236}">
+                <a16:creationId xmlns:a16="http://schemas.microsoft.com/office/drawing/2014/main" id="{3F1D2D43-8103-4A8D-8624-27BDE9F55F4C}"/>
+              </a:ext>
+            </a:extLst>
+          </p:cNvPr>
+          <p:cNvCxnSpPr>
+            <a:cxnSpLocks/>
+            <a:stCxn id="13" idx="2"/>
+            <a:endCxn id="96" idx="3"/>
+          </p:cNvCxnSpPr>
+          <p:nvPr/>
+        </p:nvCxnSpPr>
+        <p:spPr>
+          <a:xfrm rot="5400000" flipH="1">
+            <a:off x="2681900" y="641732"/>
+            <a:ext cx="139676" cy="3615377"/>
+          </a:xfrm>
+          <a:prstGeom prst="curvedConnector3">
+            <a:avLst>
+              <a:gd name="adj1" fmla="val -163664"/>
+            </a:avLst>
+          </a:prstGeom>
+          <a:ln w="38100">
+            <a:solidFill>
+              <a:srgbClr val="FFC000"/>
+            </a:solidFill>
+            <a:prstDash val="dashDot"/>
+            <a:tailEnd type="triangle"/>
+          </a:ln>
+        </p:spPr>
+        <p:style>
+          <a:lnRef idx="1">
+            <a:schemeClr val="accent1"/>
+          </a:lnRef>
+          <a:fillRef idx="0">
+            <a:schemeClr val="accent1"/>
+          </a:fillRef>
+          <a:effectRef idx="0">
+            <a:schemeClr val="accent1"/>
+          </a:effectRef>
+          <a:fontRef idx="minor">
+            <a:schemeClr val="tx1"/>
+          </a:fontRef>
+        </p:style>
+      </p:cxnSp>
+      <p:sp>
+        <p:nvSpPr>
+          <p:cNvPr id="150" name="矩形 149">
+            <a:extLst>
+              <a:ext uri="{FF2B5EF4-FFF2-40B4-BE49-F238E27FC236}">
+                <a16:creationId xmlns:a16="http://schemas.microsoft.com/office/drawing/2014/main" id="{3801FF16-C5C4-4109-B49D-7D1804C4A37F}"/>
+              </a:ext>
+            </a:extLst>
+          </p:cNvPr>
+          <p:cNvSpPr/>
+          <p:nvPr/>
+        </p:nvSpPr>
+        <p:spPr>
+          <a:xfrm>
+            <a:off x="2334881" y="2601831"/>
+            <a:ext cx="1082348" cy="307777"/>
+          </a:xfrm>
+          <a:prstGeom prst="rect">
+            <a:avLst/>
+          </a:prstGeom>
+          <a:solidFill>
+            <a:schemeClr val="bg1"/>
+          </a:solidFill>
+        </p:spPr>
+        <p:txBody>
+          <a:bodyPr wrap="none">
+            <a:spAutoFit/>
+          </a:bodyPr>
+          <a:lstStyle/>
+          <a:p>
+            <a:r>
+              <a:rPr lang="zh-CN" altLang="en-US" sz="1400"/>
+              <a:t>更新属性值</a:t>
+            </a:r>
+          </a:p>
+        </p:txBody>
+      </p:sp>
+      <p:cxnSp>
+        <p:nvCxnSpPr>
+          <p:cNvPr id="166" name="连接符: 曲线 165">
+            <a:extLst>
+              <a:ext uri="{FF2B5EF4-FFF2-40B4-BE49-F238E27FC236}">
+                <a16:creationId xmlns:a16="http://schemas.microsoft.com/office/drawing/2014/main" id="{6EF13F2C-3A56-4EFD-B907-A019BE3A1530}"/>
+              </a:ext>
+            </a:extLst>
+          </p:cNvPr>
+          <p:cNvCxnSpPr>
+            <a:cxnSpLocks/>
+            <a:stCxn id="140" idx="0"/>
+            <a:endCxn id="5" idx="1"/>
+          </p:cNvCxnSpPr>
+          <p:nvPr/>
+        </p:nvCxnSpPr>
+        <p:spPr>
+          <a:xfrm rot="5400000" flipH="1" flipV="1">
+            <a:off x="1363385" y="2337363"/>
+            <a:ext cx="1374555" cy="448739"/>
+          </a:xfrm>
+          <a:prstGeom prst="curvedConnector2">
+            <a:avLst/>
+          </a:prstGeom>
+          <a:ln w="28575">
+            <a:tailEnd type="triangle"/>
+          </a:ln>
+        </p:spPr>
+        <p:style>
+          <a:lnRef idx="1">
+            <a:schemeClr val="accent1"/>
+          </a:lnRef>
+          <a:fillRef idx="0">
+            <a:schemeClr val="accent1"/>
+          </a:fillRef>
+          <a:effectRef idx="0">
+            <a:schemeClr val="accent1"/>
+          </a:effectRef>
+          <a:fontRef idx="minor">
+            <a:schemeClr val="tx1"/>
+          </a:fontRef>
+        </p:style>
+      </p:cxnSp>
+      <p:cxnSp>
+        <p:nvCxnSpPr>
+          <p:cNvPr id="170" name="连接符: 曲线 169">
+            <a:extLst>
+              <a:ext uri="{FF2B5EF4-FFF2-40B4-BE49-F238E27FC236}">
+                <a16:creationId xmlns:a16="http://schemas.microsoft.com/office/drawing/2014/main" id="{8D16456A-48DF-4EA1-B6BF-C130043F09BA}"/>
+              </a:ext>
+            </a:extLst>
+          </p:cNvPr>
+          <p:cNvCxnSpPr>
+            <a:cxnSpLocks/>
+            <a:stCxn id="140" idx="2"/>
+            <a:endCxn id="54" idx="1"/>
+          </p:cNvCxnSpPr>
+          <p:nvPr/>
+        </p:nvCxnSpPr>
+        <p:spPr>
+          <a:xfrm rot="16200000" flipH="1">
+            <a:off x="1774707" y="3845136"/>
+            <a:ext cx="559246" cy="456074"/>
+          </a:xfrm>
+          <a:prstGeom prst="curvedConnector2">
+            <a:avLst/>
+          </a:prstGeom>
+          <a:ln w="28575">
+            <a:tailEnd type="triangle"/>
+          </a:ln>
+        </p:spPr>
+        <p:style>
+          <a:lnRef idx="1">
+            <a:schemeClr val="accent1"/>
+          </a:lnRef>
+          <a:fillRef idx="0">
+            <a:schemeClr val="accent1"/>
+          </a:fillRef>
+          <a:effectRef idx="0">
+            <a:schemeClr val="accent1"/>
+          </a:effectRef>
+          <a:fontRef idx="minor">
+            <a:schemeClr val="tx1"/>
+          </a:fontRef>
+        </p:style>
+      </p:cxnSp>
+      <p:sp>
+        <p:nvSpPr>
+          <p:cNvPr id="191" name="矩形 190">
+            <a:extLst>
+              <a:ext uri="{FF2B5EF4-FFF2-40B4-BE49-F238E27FC236}">
+                <a16:creationId xmlns:a16="http://schemas.microsoft.com/office/drawing/2014/main" id="{D89AF707-7B98-4DE0-8C7B-99E5B09C5EC7}"/>
+              </a:ext>
+            </a:extLst>
+          </p:cNvPr>
+          <p:cNvSpPr/>
+          <p:nvPr/>
+        </p:nvSpPr>
+        <p:spPr>
+          <a:xfrm>
+            <a:off x="3928582" y="4728775"/>
+            <a:ext cx="1461613" cy="449005"/>
+          </a:xfrm>
+          <a:prstGeom prst="rect">
+            <a:avLst/>
+          </a:prstGeom>
+        </p:spPr>
+        <p:style>
+          <a:lnRef idx="0">
+            <a:schemeClr val="accent6"/>
+          </a:lnRef>
+          <a:fillRef idx="3">
+            <a:schemeClr val="accent6"/>
+          </a:fillRef>
+          <a:effectRef idx="3">
+            <a:schemeClr val="accent6"/>
+          </a:effectRef>
+          <a:fontRef idx="minor">
+            <a:schemeClr val="lt1"/>
+          </a:fontRef>
+        </p:style>
+        <p:txBody>
+          <a:bodyPr rtlCol="0" anchor="ctr"/>
+          <a:lstStyle/>
+          <a:p>
+            <a:pPr algn="ctr"/>
+            <a:r>
+              <a:rPr lang="en-US" altLang="zh-CN" sz="1600">
+                <a:solidFill>
+                  <a:srgbClr val="002060"/>
+                </a:solidFill>
+              </a:rPr>
+              <a:t>v-model</a:t>
+            </a:r>
+            <a:endParaRPr lang="zh-CN" altLang="en-US" sz="1600">
+              <a:solidFill>
+                <a:srgbClr val="002060"/>
+              </a:solidFill>
+            </a:endParaRPr>
+          </a:p>
+        </p:txBody>
+      </p:sp>
+      <p:cxnSp>
+        <p:nvCxnSpPr>
+          <p:cNvPr id="192" name="连接符: 曲线 191">
+            <a:extLst>
+              <a:ext uri="{FF2B5EF4-FFF2-40B4-BE49-F238E27FC236}">
+                <a16:creationId xmlns:a16="http://schemas.microsoft.com/office/drawing/2014/main" id="{278A3B55-19E3-4FB4-9992-47378CAD2BBD}"/>
+              </a:ext>
+            </a:extLst>
+          </p:cNvPr>
+          <p:cNvCxnSpPr>
+            <a:cxnSpLocks/>
+            <a:stCxn id="54" idx="3"/>
+            <a:endCxn id="191" idx="1"/>
+          </p:cNvCxnSpPr>
+          <p:nvPr/>
+        </p:nvCxnSpPr>
+        <p:spPr>
+          <a:xfrm>
+            <a:off x="3666649" y="4352796"/>
+            <a:ext cx="261933" cy="600482"/>
+          </a:xfrm>
+          <a:prstGeom prst="curvedConnector3">
+            <a:avLst>
+              <a:gd name="adj1" fmla="val 50000"/>
+            </a:avLst>
+          </a:prstGeom>
+          <a:ln w="28575">
+            <a:tailEnd type="triangle"/>
+          </a:ln>
+        </p:spPr>
+        <p:style>
+          <a:lnRef idx="1">
+            <a:schemeClr val="accent1"/>
+          </a:lnRef>
+          <a:fillRef idx="0">
+            <a:schemeClr val="accent1"/>
+          </a:fillRef>
+          <a:effectRef idx="0">
+            <a:schemeClr val="accent1"/>
+          </a:effectRef>
+          <a:fontRef idx="minor">
+            <a:schemeClr val="tx1"/>
+          </a:fontRef>
+        </p:style>
+      </p:cxnSp>
+      <p:cxnSp>
+        <p:nvCxnSpPr>
+          <p:cNvPr id="197" name="连接符: 曲线 196">
+            <a:extLst>
+              <a:ext uri="{FF2B5EF4-FFF2-40B4-BE49-F238E27FC236}">
+                <a16:creationId xmlns:a16="http://schemas.microsoft.com/office/drawing/2014/main" id="{D3548C1C-9DD0-441B-9BEA-EFD1D992D606}"/>
+              </a:ext>
+            </a:extLst>
+          </p:cNvPr>
+          <p:cNvCxnSpPr>
+            <a:cxnSpLocks/>
+            <a:stCxn id="226" idx="3"/>
+            <a:endCxn id="13" idx="0"/>
+          </p:cNvCxnSpPr>
+          <p:nvPr/>
+        </p:nvCxnSpPr>
+        <p:spPr>
+          <a:xfrm rot="16200000" flipH="1" flipV="1">
+            <a:off x="7495478" y="-1538090"/>
+            <a:ext cx="713918" cy="6586022"/>
+          </a:xfrm>
+          <a:prstGeom prst="curvedConnector3">
+            <a:avLst>
+              <a:gd name="adj1" fmla="val -97018"/>
+            </a:avLst>
+          </a:prstGeom>
+          <a:ln w="38100">
+            <a:solidFill>
+              <a:schemeClr val="bg1">
+                <a:lumMod val="50000"/>
+              </a:schemeClr>
+            </a:solidFill>
+            <a:prstDash val="dashDot"/>
+            <a:tailEnd type="triangle"/>
+          </a:ln>
+        </p:spPr>
+        <p:style>
+          <a:lnRef idx="1">
+            <a:schemeClr val="accent1"/>
+          </a:lnRef>
+          <a:fillRef idx="0">
+            <a:schemeClr val="accent1"/>
+          </a:fillRef>
+          <a:effectRef idx="0">
+            <a:schemeClr val="accent1"/>
+          </a:effectRef>
+          <a:fontRef idx="minor">
+            <a:schemeClr val="tx1"/>
+          </a:fontRef>
+        </p:style>
+      </p:cxnSp>
+      <p:sp>
+        <p:nvSpPr>
+          <p:cNvPr id="43" name="矩形 42">
+            <a:extLst>
+              <a:ext uri="{FF2B5EF4-FFF2-40B4-BE49-F238E27FC236}">
+                <a16:creationId xmlns:a16="http://schemas.microsoft.com/office/drawing/2014/main" id="{2739A8A2-3422-45B2-BB05-340A39A7B6B3}"/>
+              </a:ext>
+            </a:extLst>
+          </p:cNvPr>
+          <p:cNvSpPr/>
+          <p:nvPr/>
+        </p:nvSpPr>
+        <p:spPr>
+          <a:xfrm>
+            <a:off x="6315951" y="2572832"/>
+            <a:ext cx="954107" cy="461665"/>
+          </a:xfrm>
+          <a:prstGeom prst="rect">
+            <a:avLst/>
+          </a:prstGeom>
+          <a:solidFill>
+            <a:schemeClr val="bg1"/>
+          </a:solidFill>
+        </p:spPr>
+        <p:txBody>
+          <a:bodyPr wrap="none">
+            <a:spAutoFit/>
+          </a:bodyPr>
+          <a:lstStyle/>
+          <a:p>
+            <a:r>
+              <a:rPr lang="zh-CN" altLang="en-US" sz="1200">
+                <a:solidFill>
+                  <a:srgbClr val="002060"/>
+                </a:solidFill>
+              </a:rPr>
+              <a:t>触发事件</a:t>
+            </a:r>
+            <a:endParaRPr lang="en-US" altLang="zh-CN" sz="1200">
+              <a:solidFill>
+                <a:srgbClr val="002060"/>
+              </a:solidFill>
+            </a:endParaRPr>
+          </a:p>
+          <a:p>
+            <a:r>
+              <a:rPr lang="zh-CN" altLang="en-US" sz="1200"/>
+              <a:t>执行观察者</a:t>
+            </a:r>
+          </a:p>
+        </p:txBody>
+      </p:sp>
+      <p:sp>
+        <p:nvSpPr>
+          <p:cNvPr id="81" name="矩形 80">
+            <a:extLst>
+              <a:ext uri="{FF2B5EF4-FFF2-40B4-BE49-F238E27FC236}">
+                <a16:creationId xmlns:a16="http://schemas.microsoft.com/office/drawing/2014/main" id="{4F635D67-274B-44E1-B00A-CC6C4DB99810}"/>
+              </a:ext>
+            </a:extLst>
+          </p:cNvPr>
+          <p:cNvSpPr/>
+          <p:nvPr/>
+        </p:nvSpPr>
+        <p:spPr>
+          <a:xfrm>
+            <a:off x="9406036" y="803433"/>
+            <a:ext cx="1107996" cy="276999"/>
+          </a:xfrm>
+          <a:prstGeom prst="rect">
+            <a:avLst/>
+          </a:prstGeom>
+          <a:solidFill>
+            <a:schemeClr val="bg1"/>
+          </a:solidFill>
+        </p:spPr>
+        <p:txBody>
+          <a:bodyPr wrap="none">
+            <a:spAutoFit/>
+          </a:bodyPr>
+          <a:lstStyle/>
+          <a:p>
+            <a:r>
+              <a:rPr lang="zh-CN" altLang="en-US" sz="1200"/>
+              <a:t>从视图到数据</a:t>
+            </a:r>
+          </a:p>
+        </p:txBody>
+      </p:sp>
+      <p:sp>
+        <p:nvSpPr>
+          <p:cNvPr id="101" name="缺角矩形 100">
+            <a:extLst>
+              <a:ext uri="{FF2B5EF4-FFF2-40B4-BE49-F238E27FC236}">
+                <a16:creationId xmlns:a16="http://schemas.microsoft.com/office/drawing/2014/main" id="{82F75096-EB12-4A21-AB74-45C47AE8C96C}"/>
+              </a:ext>
+            </a:extLst>
+          </p:cNvPr>
+          <p:cNvSpPr/>
+          <p:nvPr/>
+        </p:nvSpPr>
+        <p:spPr>
+          <a:xfrm>
+            <a:off x="6419759" y="3959780"/>
+            <a:ext cx="896426" cy="793252"/>
+          </a:xfrm>
+          <a:prstGeom prst="plaque">
+            <a:avLst/>
+          </a:prstGeom>
+        </p:spPr>
+        <p:style>
+          <a:lnRef idx="0">
+            <a:schemeClr val="accent5"/>
+          </a:lnRef>
+          <a:fillRef idx="3">
+            <a:schemeClr val="accent5"/>
+          </a:fillRef>
+          <a:effectRef idx="3">
+            <a:schemeClr val="accent5"/>
+          </a:effectRef>
+          <a:fontRef idx="minor">
+            <a:schemeClr val="lt1"/>
+          </a:fontRef>
+        </p:style>
+        <p:txBody>
+          <a:bodyPr rtlCol="0" anchor="ctr"/>
+          <a:lstStyle/>
+          <a:p>
+            <a:pPr algn="ctr"/>
+            <a:r>
+              <a:rPr lang="zh-CN" altLang="en-US">
+                <a:solidFill>
+                  <a:srgbClr val="002060"/>
+                </a:solidFill>
+              </a:rPr>
+              <a:t>事件名</a:t>
+            </a:r>
+            <a:r>
+              <a:rPr lang="en-US" altLang="zh-CN">
+                <a:solidFill>
+                  <a:srgbClr val="002060"/>
+                </a:solidFill>
+              </a:rPr>
+              <a:t>2</a:t>
+            </a:r>
+            <a:endParaRPr lang="zh-CN" altLang="en-US">
+              <a:solidFill>
+                <a:srgbClr val="002060"/>
+              </a:solidFill>
+            </a:endParaRPr>
+          </a:p>
+        </p:txBody>
+      </p:sp>
+      <p:cxnSp>
+        <p:nvCxnSpPr>
+          <p:cNvPr id="106" name="连接符: 曲线 105">
+            <a:extLst>
+              <a:ext uri="{FF2B5EF4-FFF2-40B4-BE49-F238E27FC236}">
+                <a16:creationId xmlns:a16="http://schemas.microsoft.com/office/drawing/2014/main" id="{7BBF49DB-B969-464C-834C-42CA178B3815}"/>
+              </a:ext>
+            </a:extLst>
+          </p:cNvPr>
+          <p:cNvCxnSpPr>
+            <a:cxnSpLocks/>
+            <a:stCxn id="27" idx="3"/>
+          </p:cNvCxnSpPr>
+          <p:nvPr/>
+        </p:nvCxnSpPr>
+        <p:spPr>
+          <a:xfrm>
+            <a:off x="8614901" y="1371255"/>
+            <a:ext cx="1129573" cy="864381"/>
+          </a:xfrm>
+          <a:prstGeom prst="curvedConnector3">
+            <a:avLst>
+              <a:gd name="adj1" fmla="val 50000"/>
+            </a:avLst>
+          </a:prstGeom>
+          <a:ln>
+            <a:tailEnd type="triangle"/>
+          </a:ln>
+        </p:spPr>
+        <p:style>
+          <a:lnRef idx="3">
+            <a:schemeClr val="accent5"/>
+          </a:lnRef>
+          <a:fillRef idx="0">
+            <a:schemeClr val="accent5"/>
+          </a:fillRef>
+          <a:effectRef idx="2">
+            <a:schemeClr val="accent5"/>
+          </a:effectRef>
+          <a:fontRef idx="minor">
+            <a:schemeClr val="tx1"/>
+          </a:fontRef>
+        </p:style>
+      </p:cxnSp>
+      <p:cxnSp>
+        <p:nvCxnSpPr>
+          <p:cNvPr id="107" name="连接符: 曲线 106">
+            <a:extLst>
+              <a:ext uri="{FF2B5EF4-FFF2-40B4-BE49-F238E27FC236}">
+                <a16:creationId xmlns:a16="http://schemas.microsoft.com/office/drawing/2014/main" id="{F7B30DEA-781A-4C6C-B641-206BDC834063}"/>
+              </a:ext>
+            </a:extLst>
+          </p:cNvPr>
+          <p:cNvCxnSpPr>
+            <a:cxnSpLocks/>
+            <a:stCxn id="28" idx="3"/>
+          </p:cNvCxnSpPr>
+          <p:nvPr/>
+        </p:nvCxnSpPr>
+        <p:spPr>
+          <a:xfrm>
+            <a:off x="8614900" y="1893078"/>
+            <a:ext cx="1129574" cy="469452"/>
+          </a:xfrm>
+          <a:prstGeom prst="curvedConnector3">
+            <a:avLst>
+              <a:gd name="adj1" fmla="val 50000"/>
+            </a:avLst>
+          </a:prstGeom>
+          <a:ln>
+            <a:tailEnd type="triangle"/>
+          </a:ln>
+        </p:spPr>
+        <p:style>
+          <a:lnRef idx="3">
+            <a:schemeClr val="accent5"/>
+          </a:lnRef>
+          <a:fillRef idx="0">
+            <a:schemeClr val="accent5"/>
+          </a:fillRef>
+          <a:effectRef idx="2">
+            <a:schemeClr val="accent5"/>
+          </a:effectRef>
+          <a:fontRef idx="minor">
+            <a:schemeClr val="tx1"/>
+          </a:fontRef>
+        </p:style>
+      </p:cxnSp>
+      <p:cxnSp>
+        <p:nvCxnSpPr>
+          <p:cNvPr id="109" name="连接符: 曲线 108">
+            <a:extLst>
+              <a:ext uri="{FF2B5EF4-FFF2-40B4-BE49-F238E27FC236}">
+                <a16:creationId xmlns:a16="http://schemas.microsoft.com/office/drawing/2014/main" id="{E531C2C9-3BCE-4597-A806-25AA73A2A423}"/>
+              </a:ext>
+            </a:extLst>
+          </p:cNvPr>
+          <p:cNvCxnSpPr>
+            <a:cxnSpLocks/>
+            <a:stCxn id="29" idx="3"/>
+          </p:cNvCxnSpPr>
+          <p:nvPr/>
+        </p:nvCxnSpPr>
+        <p:spPr>
+          <a:xfrm>
+            <a:off x="8633684" y="2404112"/>
+            <a:ext cx="1085271" cy="276742"/>
+          </a:xfrm>
+          <a:prstGeom prst="curvedConnector3">
+            <a:avLst>
+              <a:gd name="adj1" fmla="val 50000"/>
+            </a:avLst>
+          </a:prstGeom>
+          <a:ln>
+            <a:tailEnd type="triangle"/>
+          </a:ln>
+        </p:spPr>
+        <p:style>
+          <a:lnRef idx="3">
+            <a:schemeClr val="accent5"/>
+          </a:lnRef>
+          <a:fillRef idx="0">
+            <a:schemeClr val="accent5"/>
+          </a:fillRef>
+          <a:effectRef idx="2">
+            <a:schemeClr val="accent5"/>
+          </a:effectRef>
+          <a:fontRef idx="minor">
+            <a:schemeClr val="tx1"/>
+          </a:fontRef>
+        </p:style>
+      </p:cxnSp>
+      <p:sp>
+        <p:nvSpPr>
+          <p:cNvPr id="163" name="矩形 162">
+            <a:extLst>
+              <a:ext uri="{FF2B5EF4-FFF2-40B4-BE49-F238E27FC236}">
+                <a16:creationId xmlns:a16="http://schemas.microsoft.com/office/drawing/2014/main" id="{AC24166C-EAB6-4A35-9D8C-0B1EC70107F0}"/>
+              </a:ext>
+            </a:extLst>
+          </p:cNvPr>
+          <p:cNvSpPr/>
+          <p:nvPr/>
+        </p:nvSpPr>
+        <p:spPr>
+          <a:xfrm rot="17177135">
+            <a:off x="9018769" y="2166298"/>
+            <a:ext cx="902811" cy="307777"/>
+          </a:xfrm>
+          <a:prstGeom prst="rect">
+            <a:avLst/>
+          </a:prstGeom>
+          <a:solidFill>
+            <a:schemeClr val="bg1"/>
+          </a:solidFill>
+        </p:spPr>
+        <p:txBody>
+          <a:bodyPr wrap="none">
+            <a:spAutoFit/>
+          </a:bodyPr>
+          <a:lstStyle/>
+          <a:p>
+            <a:r>
+              <a:rPr lang="zh-CN" altLang="en-US" sz="1400"/>
+              <a:t>更新视图</a:t>
+            </a:r>
+          </a:p>
+        </p:txBody>
+      </p:sp>
+      <p:sp>
+        <p:nvSpPr>
+          <p:cNvPr id="226" name="闪电形 225">
+            <a:extLst>
+              <a:ext uri="{FF2B5EF4-FFF2-40B4-BE49-F238E27FC236}">
+                <a16:creationId xmlns:a16="http://schemas.microsoft.com/office/drawing/2014/main" id="{187F8742-F1E2-4666-B2F9-03F2603627C8}"/>
+              </a:ext>
+            </a:extLst>
+          </p:cNvPr>
+          <p:cNvSpPr/>
+          <p:nvPr/>
+        </p:nvSpPr>
+        <p:spPr>
+          <a:xfrm rot="4838958">
+            <a:off x="10833033" y="933936"/>
+            <a:ext cx="990380" cy="941093"/>
+          </a:xfrm>
+          <a:prstGeom prst="lightningBolt">
+            <a:avLst/>
+          </a:prstGeom>
+        </p:spPr>
+        <p:style>
+          <a:lnRef idx="2">
+            <a:schemeClr val="accent3">
+              <a:shade val="50000"/>
+            </a:schemeClr>
+          </a:lnRef>
+          <a:fillRef idx="1">
+            <a:schemeClr val="accent3"/>
+          </a:fillRef>
+          <a:effectRef idx="0">
+            <a:schemeClr val="accent3"/>
+          </a:effectRef>
+          <a:fontRef idx="minor">
+            <a:schemeClr val="lt1"/>
+          </a:fontRef>
+        </p:style>
+        <p:txBody>
+          <a:bodyPr rtlCol="0" anchor="ctr"/>
+          <a:lstStyle/>
+          <a:p>
+            <a:pPr algn="ctr"/>
             <a:endParaRPr lang="zh-CN" altLang="en-US"/>
           </a:p>
         </p:txBody>
       </p:sp>
       <p:sp>
         <p:nvSpPr>
-          <p:cNvPr id="18" name="矩形 17">
-            <a:extLst>
-              <a:ext uri="{FF2B5EF4-FFF2-40B4-BE49-F238E27FC236}">
-                <a16:creationId xmlns:a16="http://schemas.microsoft.com/office/drawing/2014/main" id="{14F7E17B-9CC0-4B15-9F66-052D7291073C}"/>
+          <p:cNvPr id="227" name="矩形 226">
+            <a:extLst>
+              <a:ext uri="{FF2B5EF4-FFF2-40B4-BE49-F238E27FC236}">
+                <a16:creationId xmlns:a16="http://schemas.microsoft.com/office/drawing/2014/main" id="{B2BE4379-8055-4E4C-B63E-5DE483B67EC3}"/>
               </a:ext>
             </a:extLst>
           </p:cNvPr>
@@ -4971,9 +7317,9 @@
           <p:nvPr/>
         </p:nvSpPr>
         <p:spPr>
-          <a:xfrm>
-            <a:off x="1471847" y="4762252"/>
-            <a:ext cx="2542095" cy="538609"/>
+          <a:xfrm rot="18508605">
+            <a:off x="10716049" y="1104031"/>
+            <a:ext cx="1347313" cy="307777"/>
           </a:xfrm>
           <a:prstGeom prst="rect">
             <a:avLst/>
@@ -4987,31 +7333,199 @@
           <a:p>
             <a:pPr algn="ctr"/>
             <a:r>
-              <a:rPr lang="en-US" altLang="zh-CN">
-                <a:solidFill>
-                  <a:schemeClr val="bg1"/>
-                </a:solidFill>
-              </a:rPr>
-              <a:t>andriod</a:t>
-            </a:r>
-          </a:p>
-          <a:p>
-            <a:pPr algn="ctr"/>
-            <a:r>
-              <a:rPr lang="zh-CN" altLang="en-US" sz="1100">
-                <a:solidFill>
-                  <a:schemeClr val="bg1"/>
-                </a:solidFill>
-              </a:rPr>
-              <a:t>操作系统</a:t>
-            </a:r>
-          </a:p>
-        </p:txBody>
-      </p:sp>
+              <a:rPr lang="en-US" altLang="zh-CN" sz="1400"/>
+              <a:t>input</a:t>
+            </a:r>
+            <a:r>
+              <a:rPr lang="zh-CN" altLang="en-US" sz="1400"/>
+              <a:t>事件</a:t>
+            </a:r>
+          </a:p>
+        </p:txBody>
+      </p:sp>
+      <p:cxnSp>
+        <p:nvCxnSpPr>
+          <p:cNvPr id="257" name="连接符: 曲线 256">
+            <a:extLst>
+              <a:ext uri="{FF2B5EF4-FFF2-40B4-BE49-F238E27FC236}">
+                <a16:creationId xmlns:a16="http://schemas.microsoft.com/office/drawing/2014/main" id="{563DA110-7062-4A1C-9C9C-35B7B8A66277}"/>
+              </a:ext>
+            </a:extLst>
+          </p:cNvPr>
+          <p:cNvCxnSpPr>
+            <a:cxnSpLocks/>
+            <a:stCxn id="58" idx="3"/>
+            <a:endCxn id="93" idx="2"/>
+          </p:cNvCxnSpPr>
+          <p:nvPr/>
+        </p:nvCxnSpPr>
+        <p:spPr>
+          <a:xfrm flipV="1">
+            <a:off x="5362035" y="3188598"/>
+            <a:ext cx="5553878" cy="560840"/>
+          </a:xfrm>
+          <a:prstGeom prst="curvedConnector2">
+            <a:avLst/>
+          </a:prstGeom>
+          <a:ln w="38100">
+            <a:solidFill>
+              <a:schemeClr val="bg1">
+                <a:lumMod val="50000"/>
+              </a:schemeClr>
+            </a:solidFill>
+            <a:prstDash val="dashDot"/>
+            <a:tailEnd type="triangle"/>
+          </a:ln>
+        </p:spPr>
+        <p:style>
+          <a:lnRef idx="1">
+            <a:schemeClr val="accent1"/>
+          </a:lnRef>
+          <a:fillRef idx="0">
+            <a:schemeClr val="accent1"/>
+          </a:fillRef>
+          <a:effectRef idx="0">
+            <a:schemeClr val="accent1"/>
+          </a:effectRef>
+          <a:fontRef idx="minor">
+            <a:schemeClr val="tx1"/>
+          </a:fontRef>
+        </p:style>
+      </p:cxnSp>
+      <p:sp>
+        <p:nvSpPr>
+          <p:cNvPr id="209" name="矩形 208">
+            <a:extLst>
+              <a:ext uri="{FF2B5EF4-FFF2-40B4-BE49-F238E27FC236}">
+                <a16:creationId xmlns:a16="http://schemas.microsoft.com/office/drawing/2014/main" id="{46758EF9-3B60-492A-AD2B-1E68A85CE0E7}"/>
+              </a:ext>
+            </a:extLst>
+          </p:cNvPr>
+          <p:cNvSpPr/>
+          <p:nvPr/>
+        </p:nvSpPr>
+        <p:spPr>
+          <a:xfrm>
+            <a:off x="9293829" y="3336945"/>
+            <a:ext cx="1107996" cy="276999"/>
+          </a:xfrm>
+          <a:prstGeom prst="rect">
+            <a:avLst/>
+          </a:prstGeom>
+          <a:solidFill>
+            <a:schemeClr val="bg1"/>
+          </a:solidFill>
+        </p:spPr>
+        <p:txBody>
+          <a:bodyPr wrap="none">
+            <a:spAutoFit/>
+          </a:bodyPr>
+          <a:lstStyle/>
+          <a:p>
+            <a:r>
+              <a:rPr lang="zh-CN" altLang="en-US" sz="1200"/>
+              <a:t>从数据到视图</a:t>
+            </a:r>
+          </a:p>
+        </p:txBody>
+      </p:sp>
+      <p:cxnSp>
+        <p:nvCxnSpPr>
+          <p:cNvPr id="266" name="连接符: 曲线 265">
+            <a:extLst>
+              <a:ext uri="{FF2B5EF4-FFF2-40B4-BE49-F238E27FC236}">
+                <a16:creationId xmlns:a16="http://schemas.microsoft.com/office/drawing/2014/main" id="{14138094-EE4A-4B1E-B070-752FFCB1D5F7}"/>
+              </a:ext>
+            </a:extLst>
+          </p:cNvPr>
+          <p:cNvCxnSpPr>
+            <a:cxnSpLocks/>
+            <a:stCxn id="6" idx="3"/>
+            <a:endCxn id="58" idx="0"/>
+          </p:cNvCxnSpPr>
+          <p:nvPr/>
+        </p:nvCxnSpPr>
+        <p:spPr>
+          <a:xfrm flipH="1">
+            <a:off x="4645309" y="1646841"/>
+            <a:ext cx="595022" cy="1898908"/>
+          </a:xfrm>
+          <a:prstGeom prst="curvedConnector4">
+            <a:avLst>
+              <a:gd name="adj1" fmla="val -38419"/>
+              <a:gd name="adj2" fmla="val 55004"/>
+            </a:avLst>
+          </a:prstGeom>
+          <a:ln w="38100">
+            <a:solidFill>
+              <a:srgbClr val="FFC000"/>
+            </a:solidFill>
+            <a:prstDash val="dashDot"/>
+            <a:tailEnd type="triangle"/>
+          </a:ln>
+        </p:spPr>
+        <p:style>
+          <a:lnRef idx="1">
+            <a:schemeClr val="accent1"/>
+          </a:lnRef>
+          <a:fillRef idx="0">
+            <a:schemeClr val="accent1"/>
+          </a:fillRef>
+          <a:effectRef idx="0">
+            <a:schemeClr val="accent1"/>
+          </a:effectRef>
+          <a:fontRef idx="minor">
+            <a:schemeClr val="tx1"/>
+          </a:fontRef>
+        </p:style>
+      </p:cxnSp>
+      <p:cxnSp>
+        <p:nvCxnSpPr>
+          <p:cNvPr id="11" name="连接符: 曲线 10">
+            <a:extLst>
+              <a:ext uri="{FF2B5EF4-FFF2-40B4-BE49-F238E27FC236}">
+                <a16:creationId xmlns:a16="http://schemas.microsoft.com/office/drawing/2014/main" id="{D1DA8355-13B9-4163-8AA9-DD1C83FB873C}"/>
+              </a:ext>
+            </a:extLst>
+          </p:cNvPr>
+          <p:cNvCxnSpPr>
+            <a:cxnSpLocks/>
+            <a:stCxn id="13" idx="3"/>
+            <a:endCxn id="43" idx="1"/>
+          </p:cNvCxnSpPr>
+          <p:nvPr/>
+        </p:nvCxnSpPr>
+        <p:spPr>
+          <a:xfrm>
+            <a:off x="5240330" y="2315569"/>
+            <a:ext cx="1075621" cy="488096"/>
+          </a:xfrm>
+          <a:prstGeom prst="curvedConnector3">
+            <a:avLst/>
+          </a:prstGeom>
+          <a:ln w="38100">
+            <a:tailEnd type="triangle"/>
+          </a:ln>
+        </p:spPr>
+        <p:style>
+          <a:lnRef idx="1">
+            <a:schemeClr val="accent1"/>
+          </a:lnRef>
+          <a:fillRef idx="0">
+            <a:schemeClr val="accent1"/>
+          </a:fillRef>
+          <a:effectRef idx="0">
+            <a:schemeClr val="accent1"/>
+          </a:effectRef>
+          <a:fontRef idx="minor">
+            <a:schemeClr val="tx1"/>
+          </a:fontRef>
+        </p:style>
+      </p:cxnSp>
     </p:spTree>
     <p:extLst>
       <p:ext uri="{BB962C8B-B14F-4D97-AF65-F5344CB8AC3E}">
-        <p14:creationId xmlns:p14="http://schemas.microsoft.com/office/powerpoint/2010/main" val="2678606124"/>
+        <p14:creationId xmlns:p14="http://schemas.microsoft.com/office/powerpoint/2010/main" val="905380575"/>
       </p:ext>
     </p:extLst>
   </p:cSld>
@@ -5040,10 +7554,10 @@
       </p:grpSpPr>
       <p:sp>
         <p:nvSpPr>
-          <p:cNvPr id="4" name="矩形 3">
-            <a:extLst>
-              <a:ext uri="{FF2B5EF4-FFF2-40B4-BE49-F238E27FC236}">
-                <a16:creationId xmlns:a16="http://schemas.microsoft.com/office/drawing/2014/main" id="{D3B5C410-128C-4F45-B980-96301381F47C}"/>
+          <p:cNvPr id="131" name="矩形: 圆角 130">
+            <a:extLst>
+              <a:ext uri="{FF2B5EF4-FFF2-40B4-BE49-F238E27FC236}">
+                <a16:creationId xmlns:a16="http://schemas.microsoft.com/office/drawing/2014/main" id="{F4EBF2B2-1ADB-4D1E-8AE4-A7307EFE3592}"/>
               </a:ext>
             </a:extLst>
           </p:cNvPr>
@@ -5052,32 +7566,75 @@
         </p:nvSpPr>
         <p:spPr>
           <a:xfrm>
-            <a:off x="1131216" y="817775"/>
-            <a:ext cx="3374795" cy="5222450"/>
+            <a:off x="2099990" y="643380"/>
+            <a:ext cx="6947261" cy="4843366"/>
+          </a:xfrm>
+          <a:prstGeom prst="roundRect">
+            <a:avLst>
+              <a:gd name="adj" fmla="val 3702"/>
+            </a:avLst>
+          </a:prstGeom>
+        </p:spPr>
+        <p:style>
+          <a:lnRef idx="2">
+            <a:schemeClr val="accent3"/>
+          </a:lnRef>
+          <a:fillRef idx="1">
+            <a:schemeClr val="lt1"/>
+          </a:fillRef>
+          <a:effectRef idx="0">
+            <a:schemeClr val="accent3"/>
+          </a:effectRef>
+          <a:fontRef idx="minor">
+            <a:schemeClr val="dk1"/>
+          </a:fontRef>
+        </p:style>
+        <p:txBody>
+          <a:bodyPr rtlCol="0" anchor="ctr"/>
+          <a:lstStyle/>
+          <a:p>
+            <a:pPr algn="ctr"/>
+            <a:endParaRPr lang="zh-CN" altLang="en-US" sz="1400">
+              <a:solidFill>
+                <a:schemeClr val="tx1"/>
+              </a:solidFill>
+            </a:endParaRPr>
+          </a:p>
+        </p:txBody>
+      </p:sp>
+      <p:sp>
+        <p:nvSpPr>
+          <p:cNvPr id="5" name="矩形 4">
+            <a:extLst>
+              <a:ext uri="{FF2B5EF4-FFF2-40B4-BE49-F238E27FC236}">
+                <a16:creationId xmlns:a16="http://schemas.microsoft.com/office/drawing/2014/main" id="{B839201F-1FAC-487B-BCBA-6C7B69356EA0}"/>
+              </a:ext>
+            </a:extLst>
+          </p:cNvPr>
+          <p:cNvSpPr/>
+          <p:nvPr/>
+        </p:nvSpPr>
+        <p:spPr>
+          <a:xfrm>
+            <a:off x="2275032" y="1551288"/>
+            <a:ext cx="1315642" cy="646331"/>
           </a:xfrm>
           <a:prstGeom prst="rect">
             <a:avLst/>
           </a:prstGeom>
-          <a:effectLst>
-            <a:outerShdw blurRad="50800" dist="38100" dir="10800000" algn="r" rotWithShape="0">
-              <a:prstClr val="black">
-                <a:alpha val="40000"/>
-              </a:prstClr>
-            </a:outerShdw>
-          </a:effectLst>
-        </p:spPr>
-        <p:style>
-          <a:lnRef idx="1">
-            <a:schemeClr val="accent4"/>
-          </a:lnRef>
-          <a:fillRef idx="3">
-            <a:schemeClr val="accent4"/>
-          </a:fillRef>
-          <a:effectRef idx="2">
-            <a:schemeClr val="accent4"/>
-          </a:effectRef>
-          <a:fontRef idx="minor">
-            <a:schemeClr val="lt1"/>
+        </p:spPr>
+        <p:style>
+          <a:lnRef idx="2">
+            <a:schemeClr val="accent3"/>
+          </a:lnRef>
+          <a:fillRef idx="1">
+            <a:schemeClr val="lt1"/>
+          </a:fillRef>
+          <a:effectRef idx="0">
+            <a:schemeClr val="accent3"/>
+          </a:effectRef>
+          <a:fontRef idx="minor">
+            <a:schemeClr val="dk1"/>
           </a:fontRef>
         </p:style>
         <p:txBody>
@@ -5085,72 +7642,750 @@
           <a:lstStyle/>
           <a:p>
             <a:pPr algn="ctr"/>
-            <a:endParaRPr lang="zh-CN" altLang="en-US"/>
-          </a:p>
-        </p:txBody>
-      </p:sp>
-      <p:sp>
-        <p:nvSpPr>
-          <p:cNvPr id="7" name="文本框 6">
-            <a:extLst>
-              <a:ext uri="{FF2B5EF4-FFF2-40B4-BE49-F238E27FC236}">
-                <a16:creationId xmlns:a16="http://schemas.microsoft.com/office/drawing/2014/main" id="{F92F8020-904F-4DA0-A114-4D7F18B72CC4}"/>
-              </a:ext>
-            </a:extLst>
-          </p:cNvPr>
-          <p:cNvSpPr txBox="1"/>
-          <p:nvPr/>
-        </p:nvSpPr>
-        <p:spPr>
-          <a:xfrm>
-            <a:off x="1331652" y="5101085"/>
-            <a:ext cx="2973921" cy="769441"/>
+            <a:r>
+              <a:rPr lang="zh-CN" altLang="en-US" sz="1600">
+                <a:solidFill>
+                  <a:schemeClr val="tx1"/>
+                </a:solidFill>
+              </a:rPr>
+              <a:t>数据拦截</a:t>
+            </a:r>
+            <a:endParaRPr lang="en-US" altLang="zh-CN" sz="1600">
+              <a:solidFill>
+                <a:schemeClr val="tx1"/>
+              </a:solidFill>
+            </a:endParaRPr>
+          </a:p>
+          <a:p>
+            <a:pPr algn="ctr"/>
+            <a:r>
+              <a:rPr lang="zh-CN" altLang="en-US" sz="1200">
+                <a:solidFill>
+                  <a:schemeClr val="tx1"/>
+                </a:solidFill>
+              </a:rPr>
+              <a:t>处理每个属性</a:t>
+            </a:r>
+          </a:p>
+        </p:txBody>
+      </p:sp>
+      <p:sp>
+        <p:nvSpPr>
+          <p:cNvPr id="6" name="矩形 5">
+            <a:extLst>
+              <a:ext uri="{FF2B5EF4-FFF2-40B4-BE49-F238E27FC236}">
+                <a16:creationId xmlns:a16="http://schemas.microsoft.com/office/drawing/2014/main" id="{3D5302A7-922F-4FBC-8F03-1BFF71439B5F}"/>
+              </a:ext>
+            </a:extLst>
+          </p:cNvPr>
+          <p:cNvSpPr/>
+          <p:nvPr/>
+        </p:nvSpPr>
+        <p:spPr>
+          <a:xfrm>
+            <a:off x="3878522" y="1456804"/>
+            <a:ext cx="1361809" cy="380073"/>
           </a:xfrm>
           <a:prstGeom prst="rect">
             <a:avLst/>
           </a:prstGeom>
         </p:spPr>
         <p:style>
-          <a:lnRef idx="0">
-            <a:schemeClr val="accent3"/>
-          </a:lnRef>
-          <a:fillRef idx="3">
-            <a:schemeClr val="accent3"/>
-          </a:fillRef>
-          <a:effectRef idx="3">
-            <a:schemeClr val="accent3"/>
-          </a:effectRef>
-          <a:fontRef idx="minor">
-            <a:schemeClr val="lt1"/>
-          </a:fontRef>
-        </p:style>
-        <p:txBody>
-          <a:bodyPr wrap="square" rtlCol="0">
+          <a:lnRef idx="2">
+            <a:schemeClr val="accent3"/>
+          </a:lnRef>
+          <a:fillRef idx="1">
+            <a:schemeClr val="lt1"/>
+          </a:fillRef>
+          <a:effectRef idx="0">
+            <a:schemeClr val="accent3"/>
+          </a:effectRef>
+          <a:fontRef idx="minor">
+            <a:schemeClr val="dk1"/>
+          </a:fontRef>
+        </p:style>
+        <p:txBody>
+          <a:bodyPr rtlCol="0" anchor="ctr"/>
+          <a:lstStyle/>
+          <a:p>
+            <a:pPr algn="ctr"/>
+            <a:r>
+              <a:rPr lang="en-US" altLang="zh-CN" sz="1600">
+                <a:solidFill>
+                  <a:schemeClr val="tx1"/>
+                </a:solidFill>
+              </a:rPr>
+              <a:t>get</a:t>
+            </a:r>
+            <a:endParaRPr lang="zh-CN" altLang="en-US" sz="1600">
+              <a:solidFill>
+                <a:schemeClr val="tx1"/>
+              </a:solidFill>
+            </a:endParaRPr>
+          </a:p>
+        </p:txBody>
+      </p:sp>
+      <p:cxnSp>
+        <p:nvCxnSpPr>
+          <p:cNvPr id="8" name="连接符: 曲线 7">
+            <a:extLst>
+              <a:ext uri="{FF2B5EF4-FFF2-40B4-BE49-F238E27FC236}">
+                <a16:creationId xmlns:a16="http://schemas.microsoft.com/office/drawing/2014/main" id="{210C8A4E-2F1D-4CBA-91DB-E7C572162EC9}"/>
+              </a:ext>
+            </a:extLst>
+          </p:cNvPr>
+          <p:cNvCxnSpPr>
+            <a:cxnSpLocks/>
+            <a:stCxn id="5" idx="3"/>
+            <a:endCxn id="6" idx="1"/>
+          </p:cNvCxnSpPr>
+          <p:nvPr/>
+        </p:nvCxnSpPr>
+        <p:spPr>
+          <a:xfrm flipV="1">
+            <a:off x="3590674" y="1646841"/>
+            <a:ext cx="287848" cy="227613"/>
+          </a:xfrm>
+          <a:prstGeom prst="curvedConnector3">
+            <a:avLst/>
+          </a:prstGeom>
+          <a:ln>
+            <a:tailEnd type="triangle"/>
+          </a:ln>
+        </p:spPr>
+        <p:style>
+          <a:lnRef idx="2">
+            <a:schemeClr val="accent3"/>
+          </a:lnRef>
+          <a:fillRef idx="1">
+            <a:schemeClr val="lt1"/>
+          </a:fillRef>
+          <a:effectRef idx="0">
+            <a:schemeClr val="accent3"/>
+          </a:effectRef>
+          <a:fontRef idx="minor">
+            <a:schemeClr val="dk1"/>
+          </a:fontRef>
+        </p:style>
+      </p:cxnSp>
+      <p:sp>
+        <p:nvSpPr>
+          <p:cNvPr id="13" name="矩形 12">
+            <a:extLst>
+              <a:ext uri="{FF2B5EF4-FFF2-40B4-BE49-F238E27FC236}">
+                <a16:creationId xmlns:a16="http://schemas.microsoft.com/office/drawing/2014/main" id="{EFC51569-861D-4EB2-85AD-657A8B0F7238}"/>
+              </a:ext>
+            </a:extLst>
+          </p:cNvPr>
+          <p:cNvSpPr/>
+          <p:nvPr/>
+        </p:nvSpPr>
+        <p:spPr>
+          <a:xfrm>
+            <a:off x="3878521" y="2111880"/>
+            <a:ext cx="1361809" cy="407378"/>
+          </a:xfrm>
+          <a:prstGeom prst="rect">
+            <a:avLst/>
+          </a:prstGeom>
+        </p:spPr>
+        <p:style>
+          <a:lnRef idx="2">
+            <a:schemeClr val="accent3"/>
+          </a:lnRef>
+          <a:fillRef idx="1">
+            <a:schemeClr val="lt1"/>
+          </a:fillRef>
+          <a:effectRef idx="0">
+            <a:schemeClr val="accent3"/>
+          </a:effectRef>
+          <a:fontRef idx="minor">
+            <a:schemeClr val="dk1"/>
+          </a:fontRef>
+        </p:style>
+        <p:txBody>
+          <a:bodyPr rtlCol="0" anchor="ctr"/>
+          <a:lstStyle/>
+          <a:p>
+            <a:pPr algn="ctr"/>
+            <a:r>
+              <a:rPr lang="en-US" altLang="zh-CN" sz="1600">
+                <a:solidFill>
+                  <a:schemeClr val="tx1"/>
+                </a:solidFill>
+              </a:rPr>
+              <a:t>set</a:t>
+            </a:r>
+            <a:endParaRPr lang="zh-CN" altLang="en-US" sz="1600">
+              <a:solidFill>
+                <a:schemeClr val="tx1"/>
+              </a:solidFill>
+            </a:endParaRPr>
+          </a:p>
+        </p:txBody>
+      </p:sp>
+      <p:sp>
+        <p:nvSpPr>
+          <p:cNvPr id="19" name="矩形 18">
+            <a:extLst>
+              <a:ext uri="{FF2B5EF4-FFF2-40B4-BE49-F238E27FC236}">
+                <a16:creationId xmlns:a16="http://schemas.microsoft.com/office/drawing/2014/main" id="{F54A3790-1D3B-4CD9-8310-F9CC61D7184F}"/>
+              </a:ext>
+            </a:extLst>
+          </p:cNvPr>
+          <p:cNvSpPr/>
+          <p:nvPr/>
+        </p:nvSpPr>
+        <p:spPr>
+          <a:xfrm>
+            <a:off x="6206826" y="946049"/>
+            <a:ext cx="2608913" cy="4256704"/>
+          </a:xfrm>
+          <a:prstGeom prst="rect">
+            <a:avLst/>
+          </a:prstGeom>
+        </p:spPr>
+        <p:style>
+          <a:lnRef idx="2">
+            <a:schemeClr val="accent3"/>
+          </a:lnRef>
+          <a:fillRef idx="1">
+            <a:schemeClr val="lt1"/>
+          </a:fillRef>
+          <a:effectRef idx="0">
+            <a:schemeClr val="accent3"/>
+          </a:effectRef>
+          <a:fontRef idx="minor">
+            <a:schemeClr val="dk1"/>
+          </a:fontRef>
+        </p:style>
+        <p:txBody>
+          <a:bodyPr rtlCol="0" anchor="ctr"/>
+          <a:lstStyle/>
+          <a:p>
+            <a:pPr algn="ctr"/>
+            <a:endParaRPr lang="zh-CN" altLang="en-US" sz="3200">
+              <a:solidFill>
+                <a:schemeClr val="tx1"/>
+              </a:solidFill>
+            </a:endParaRPr>
+          </a:p>
+        </p:txBody>
+      </p:sp>
+      <p:sp>
+        <p:nvSpPr>
+          <p:cNvPr id="27" name="矩形 26">
+            <a:extLst>
+              <a:ext uri="{FF2B5EF4-FFF2-40B4-BE49-F238E27FC236}">
+                <a16:creationId xmlns:a16="http://schemas.microsoft.com/office/drawing/2014/main" id="{CF2A3FF5-12A8-4B8E-833B-907830FDBC50}"/>
+              </a:ext>
+            </a:extLst>
+          </p:cNvPr>
+          <p:cNvSpPr/>
+          <p:nvPr/>
+        </p:nvSpPr>
+        <p:spPr>
+          <a:xfrm>
+            <a:off x="7668749" y="1184228"/>
+            <a:ext cx="946152" cy="374054"/>
+          </a:xfrm>
+          <a:prstGeom prst="rect">
+            <a:avLst/>
+          </a:prstGeom>
+        </p:spPr>
+        <p:style>
+          <a:lnRef idx="2">
+            <a:schemeClr val="accent2"/>
+          </a:lnRef>
+          <a:fillRef idx="1">
+            <a:schemeClr val="lt1"/>
+          </a:fillRef>
+          <a:effectRef idx="0">
+            <a:schemeClr val="accent2"/>
+          </a:effectRef>
+          <a:fontRef idx="minor">
+            <a:schemeClr val="dk1"/>
+          </a:fontRef>
+        </p:style>
+        <p:txBody>
+          <a:bodyPr rtlCol="0" anchor="ctr"/>
+          <a:lstStyle/>
+          <a:p>
+            <a:pPr algn="ctr"/>
+            <a:r>
+              <a:rPr lang="zh-CN" altLang="en-US" sz="1600">
+                <a:solidFill>
+                  <a:schemeClr val="tx1"/>
+                </a:solidFill>
+              </a:rPr>
+              <a:t>观察者</a:t>
+            </a:r>
+            <a:r>
+              <a:rPr lang="en-US" altLang="zh-CN" sz="1600">
+                <a:solidFill>
+                  <a:schemeClr val="tx1"/>
+                </a:solidFill>
+              </a:rPr>
+              <a:t>1</a:t>
+            </a:r>
+            <a:endParaRPr lang="zh-CN" altLang="en-US" sz="1600">
+              <a:solidFill>
+                <a:schemeClr val="tx1"/>
+              </a:solidFill>
+            </a:endParaRPr>
+          </a:p>
+        </p:txBody>
+      </p:sp>
+      <p:sp>
+        <p:nvSpPr>
+          <p:cNvPr id="28" name="矩形 27">
+            <a:extLst>
+              <a:ext uri="{FF2B5EF4-FFF2-40B4-BE49-F238E27FC236}">
+                <a16:creationId xmlns:a16="http://schemas.microsoft.com/office/drawing/2014/main" id="{D848238F-DE16-4393-80B4-769A04D040E0}"/>
+              </a:ext>
+            </a:extLst>
+          </p:cNvPr>
+          <p:cNvSpPr/>
+          <p:nvPr/>
+        </p:nvSpPr>
+        <p:spPr>
+          <a:xfrm>
+            <a:off x="7668748" y="1706051"/>
+            <a:ext cx="946152" cy="374054"/>
+          </a:xfrm>
+          <a:prstGeom prst="rect">
+            <a:avLst/>
+          </a:prstGeom>
+        </p:spPr>
+        <p:style>
+          <a:lnRef idx="2">
+            <a:schemeClr val="accent2"/>
+          </a:lnRef>
+          <a:fillRef idx="1">
+            <a:schemeClr val="lt1"/>
+          </a:fillRef>
+          <a:effectRef idx="0">
+            <a:schemeClr val="accent2"/>
+          </a:effectRef>
+          <a:fontRef idx="minor">
+            <a:schemeClr val="dk1"/>
+          </a:fontRef>
+        </p:style>
+        <p:txBody>
+          <a:bodyPr rtlCol="0" anchor="ctr"/>
+          <a:lstStyle/>
+          <a:p>
+            <a:pPr algn="ctr"/>
+            <a:r>
+              <a:rPr lang="zh-CN" altLang="en-US" sz="1600">
+                <a:solidFill>
+                  <a:schemeClr val="tx1"/>
+                </a:solidFill>
+              </a:rPr>
+              <a:t>观察者</a:t>
+            </a:r>
+            <a:r>
+              <a:rPr lang="en-US" altLang="zh-CN" sz="1600">
+                <a:solidFill>
+                  <a:schemeClr val="tx1"/>
+                </a:solidFill>
+              </a:rPr>
+              <a:t>2</a:t>
+            </a:r>
+            <a:endParaRPr lang="zh-CN" altLang="en-US" sz="1600">
+              <a:solidFill>
+                <a:schemeClr val="tx1"/>
+              </a:solidFill>
+            </a:endParaRPr>
+          </a:p>
+        </p:txBody>
+      </p:sp>
+      <p:sp>
+        <p:nvSpPr>
+          <p:cNvPr id="29" name="矩形 28">
+            <a:extLst>
+              <a:ext uri="{FF2B5EF4-FFF2-40B4-BE49-F238E27FC236}">
+                <a16:creationId xmlns:a16="http://schemas.microsoft.com/office/drawing/2014/main" id="{C61636AD-3CF7-41DF-8EE6-C53F496F2E9F}"/>
+              </a:ext>
+            </a:extLst>
+          </p:cNvPr>
+          <p:cNvSpPr/>
+          <p:nvPr/>
+        </p:nvSpPr>
+        <p:spPr>
+          <a:xfrm>
+            <a:off x="7668748" y="2217085"/>
+            <a:ext cx="964936" cy="374054"/>
+          </a:xfrm>
+          <a:prstGeom prst="rect">
+            <a:avLst/>
+          </a:prstGeom>
+        </p:spPr>
+        <p:style>
+          <a:lnRef idx="2">
+            <a:schemeClr val="accent2"/>
+          </a:lnRef>
+          <a:fillRef idx="1">
+            <a:schemeClr val="lt1"/>
+          </a:fillRef>
+          <a:effectRef idx="0">
+            <a:schemeClr val="accent2"/>
+          </a:effectRef>
+          <a:fontRef idx="minor">
+            <a:schemeClr val="dk1"/>
+          </a:fontRef>
+        </p:style>
+        <p:txBody>
+          <a:bodyPr rtlCol="0" anchor="ctr"/>
+          <a:lstStyle/>
+          <a:p>
+            <a:pPr algn="ctr"/>
+            <a:r>
+              <a:rPr lang="zh-CN" altLang="en-US" sz="1600">
+                <a:solidFill>
+                  <a:schemeClr val="tx1"/>
+                </a:solidFill>
+              </a:rPr>
+              <a:t>观察者</a:t>
+            </a:r>
+            <a:r>
+              <a:rPr lang="en-US" altLang="zh-CN" sz="1600">
+                <a:solidFill>
+                  <a:schemeClr val="tx1"/>
+                </a:solidFill>
+              </a:rPr>
+              <a:t>3</a:t>
+            </a:r>
+            <a:endParaRPr lang="zh-CN" altLang="en-US" sz="1600">
+              <a:solidFill>
+                <a:schemeClr val="tx1"/>
+              </a:solidFill>
+            </a:endParaRPr>
+          </a:p>
+        </p:txBody>
+      </p:sp>
+      <p:sp>
+        <p:nvSpPr>
+          <p:cNvPr id="31" name="矩形 30">
+            <a:extLst>
+              <a:ext uri="{FF2B5EF4-FFF2-40B4-BE49-F238E27FC236}">
+                <a16:creationId xmlns:a16="http://schemas.microsoft.com/office/drawing/2014/main" id="{95CF0D5E-51D9-46B6-AD0E-9D330AB548B1}"/>
+              </a:ext>
+            </a:extLst>
+          </p:cNvPr>
+          <p:cNvSpPr/>
+          <p:nvPr/>
+        </p:nvSpPr>
+        <p:spPr>
+          <a:xfrm>
+            <a:off x="7718475" y="3547292"/>
+            <a:ext cx="896426" cy="374054"/>
+          </a:xfrm>
+          <a:prstGeom prst="rect">
+            <a:avLst/>
+          </a:prstGeom>
+        </p:spPr>
+        <p:style>
+          <a:lnRef idx="2">
+            <a:schemeClr val="accent3"/>
+          </a:lnRef>
+          <a:fillRef idx="1">
+            <a:schemeClr val="lt1"/>
+          </a:fillRef>
+          <a:effectRef idx="0">
+            <a:schemeClr val="accent3"/>
+          </a:effectRef>
+          <a:fontRef idx="minor">
+            <a:schemeClr val="dk1"/>
+          </a:fontRef>
+        </p:style>
+        <p:txBody>
+          <a:bodyPr rtlCol="0" anchor="ctr"/>
+          <a:lstStyle/>
+          <a:p>
+            <a:pPr algn="ctr"/>
+            <a:r>
+              <a:rPr lang="zh-CN" altLang="en-US" sz="1600">
+                <a:solidFill>
+                  <a:schemeClr val="tx1"/>
+                </a:solidFill>
+              </a:rPr>
+              <a:t>观察者</a:t>
+            </a:r>
+          </a:p>
+        </p:txBody>
+      </p:sp>
+      <p:sp>
+        <p:nvSpPr>
+          <p:cNvPr id="32" name="矩形 31">
+            <a:extLst>
+              <a:ext uri="{FF2B5EF4-FFF2-40B4-BE49-F238E27FC236}">
+                <a16:creationId xmlns:a16="http://schemas.microsoft.com/office/drawing/2014/main" id="{32887CD0-25A8-4362-85EF-6FEFC3235C38}"/>
+              </a:ext>
+            </a:extLst>
+          </p:cNvPr>
+          <p:cNvSpPr/>
+          <p:nvPr/>
+        </p:nvSpPr>
+        <p:spPr>
+          <a:xfrm>
+            <a:off x="7733065" y="4128950"/>
+            <a:ext cx="881836" cy="374054"/>
+          </a:xfrm>
+          <a:prstGeom prst="rect">
+            <a:avLst/>
+          </a:prstGeom>
+        </p:spPr>
+        <p:style>
+          <a:lnRef idx="2">
+            <a:schemeClr val="accent3"/>
+          </a:lnRef>
+          <a:fillRef idx="1">
+            <a:schemeClr val="lt1"/>
+          </a:fillRef>
+          <a:effectRef idx="0">
+            <a:schemeClr val="accent3"/>
+          </a:effectRef>
+          <a:fontRef idx="minor">
+            <a:schemeClr val="dk1"/>
+          </a:fontRef>
+        </p:style>
+        <p:txBody>
+          <a:bodyPr rtlCol="0" anchor="ctr"/>
+          <a:lstStyle/>
+          <a:p>
+            <a:pPr algn="ctr"/>
+            <a:r>
+              <a:rPr lang="en-US" altLang="zh-CN" sz="1600">
+                <a:solidFill>
+                  <a:schemeClr val="tx1"/>
+                </a:solidFill>
+              </a:rPr>
+              <a:t>....</a:t>
+            </a:r>
+            <a:endParaRPr lang="zh-CN" altLang="en-US" sz="1600">
+              <a:solidFill>
+                <a:schemeClr val="tx1"/>
+              </a:solidFill>
+            </a:endParaRPr>
+          </a:p>
+        </p:txBody>
+      </p:sp>
+      <p:sp>
+        <p:nvSpPr>
+          <p:cNvPr id="33" name="矩形 32">
+            <a:extLst>
+              <a:ext uri="{FF2B5EF4-FFF2-40B4-BE49-F238E27FC236}">
+                <a16:creationId xmlns:a16="http://schemas.microsoft.com/office/drawing/2014/main" id="{D647646E-6E67-484B-85EC-73A04F1DAA9E}"/>
+              </a:ext>
+            </a:extLst>
+          </p:cNvPr>
+          <p:cNvSpPr/>
+          <p:nvPr/>
+        </p:nvSpPr>
+        <p:spPr>
+          <a:xfrm>
+            <a:off x="7718384" y="4639984"/>
+            <a:ext cx="896426" cy="374054"/>
+          </a:xfrm>
+          <a:prstGeom prst="rect">
+            <a:avLst/>
+          </a:prstGeom>
+        </p:spPr>
+        <p:style>
+          <a:lnRef idx="2">
+            <a:schemeClr val="accent3"/>
+          </a:lnRef>
+          <a:fillRef idx="1">
+            <a:schemeClr val="lt1"/>
+          </a:fillRef>
+          <a:effectRef idx="0">
+            <a:schemeClr val="accent3"/>
+          </a:effectRef>
+          <a:fontRef idx="minor">
+            <a:schemeClr val="dk1"/>
+          </a:fontRef>
+        </p:style>
+        <p:txBody>
+          <a:bodyPr rtlCol="0" anchor="ctr"/>
+          <a:lstStyle/>
+          <a:p>
+            <a:pPr algn="ctr"/>
+            <a:r>
+              <a:rPr lang="zh-CN" altLang="en-US" sz="1600">
+                <a:solidFill>
+                  <a:schemeClr val="tx1"/>
+                </a:solidFill>
+              </a:rPr>
+              <a:t>观察者</a:t>
+            </a:r>
+          </a:p>
+        </p:txBody>
+      </p:sp>
+      <p:sp>
+        <p:nvSpPr>
+          <p:cNvPr id="34" name="矩形 33">
+            <a:extLst>
+              <a:ext uri="{FF2B5EF4-FFF2-40B4-BE49-F238E27FC236}">
+                <a16:creationId xmlns:a16="http://schemas.microsoft.com/office/drawing/2014/main" id="{2B0B21F4-D452-4026-AD6E-C524522E4DD0}"/>
+              </a:ext>
+            </a:extLst>
+          </p:cNvPr>
+          <p:cNvSpPr/>
+          <p:nvPr/>
+        </p:nvSpPr>
+        <p:spPr>
+          <a:xfrm>
+            <a:off x="6234919" y="1014375"/>
+            <a:ext cx="1107996" cy="369332"/>
+          </a:xfrm>
+          <a:prstGeom prst="rect">
+            <a:avLst/>
+          </a:prstGeom>
+        </p:spPr>
+        <p:style>
+          <a:lnRef idx="2">
+            <a:schemeClr val="accent3"/>
+          </a:lnRef>
+          <a:fillRef idx="1">
+            <a:schemeClr val="lt1"/>
+          </a:fillRef>
+          <a:effectRef idx="0">
+            <a:schemeClr val="accent3"/>
+          </a:effectRef>
+          <a:fontRef idx="minor">
+            <a:schemeClr val="dk1"/>
+          </a:fontRef>
+        </p:style>
+        <p:txBody>
+          <a:bodyPr wrap="none">
             <a:spAutoFit/>
           </a:bodyPr>
           <a:lstStyle/>
           <a:p>
+            <a:r>
+              <a:rPr lang="zh-CN" altLang="en-US"/>
+              <a:t>事件中心</a:t>
+            </a:r>
+          </a:p>
+        </p:txBody>
+      </p:sp>
+      <p:cxnSp>
+        <p:nvCxnSpPr>
+          <p:cNvPr id="37" name="连接符: 曲线 36">
+            <a:extLst>
+              <a:ext uri="{FF2B5EF4-FFF2-40B4-BE49-F238E27FC236}">
+                <a16:creationId xmlns:a16="http://schemas.microsoft.com/office/drawing/2014/main" id="{C4937A12-78AF-4CC7-BCCC-8B273ADC8A94}"/>
+              </a:ext>
+            </a:extLst>
+          </p:cNvPr>
+          <p:cNvCxnSpPr>
+            <a:cxnSpLocks/>
+            <a:stCxn id="5" idx="3"/>
+            <a:endCxn id="13" idx="1"/>
+          </p:cNvCxnSpPr>
+          <p:nvPr/>
+        </p:nvCxnSpPr>
+        <p:spPr>
+          <a:xfrm>
+            <a:off x="3590674" y="1874454"/>
+            <a:ext cx="287847" cy="441115"/>
+          </a:xfrm>
+          <a:prstGeom prst="curvedConnector3">
+            <a:avLst/>
+          </a:prstGeom>
+          <a:ln>
+            <a:tailEnd type="triangle"/>
+          </a:ln>
+        </p:spPr>
+        <p:style>
+          <a:lnRef idx="2">
+            <a:schemeClr val="accent3"/>
+          </a:lnRef>
+          <a:fillRef idx="1">
+            <a:schemeClr val="lt1"/>
+          </a:fillRef>
+          <a:effectRef idx="0">
+            <a:schemeClr val="accent3"/>
+          </a:effectRef>
+          <a:fontRef idx="minor">
+            <a:schemeClr val="dk1"/>
+          </a:fontRef>
+        </p:style>
+      </p:cxnSp>
+      <p:sp>
+        <p:nvSpPr>
+          <p:cNvPr id="54" name="矩形 53">
+            <a:extLst>
+              <a:ext uri="{FF2B5EF4-FFF2-40B4-BE49-F238E27FC236}">
+                <a16:creationId xmlns:a16="http://schemas.microsoft.com/office/drawing/2014/main" id="{D32EC2C7-9C28-4674-945F-55F306827CDB}"/>
+              </a:ext>
+            </a:extLst>
+          </p:cNvPr>
+          <p:cNvSpPr/>
+          <p:nvPr/>
+        </p:nvSpPr>
+        <p:spPr>
+          <a:xfrm>
+            <a:off x="2282367" y="3985899"/>
+            <a:ext cx="1384282" cy="733794"/>
+          </a:xfrm>
+          <a:prstGeom prst="rect">
+            <a:avLst/>
+          </a:prstGeom>
+        </p:spPr>
+        <p:style>
+          <a:lnRef idx="2">
+            <a:schemeClr val="accent3"/>
+          </a:lnRef>
+          <a:fillRef idx="1">
+            <a:schemeClr val="lt1"/>
+          </a:fillRef>
+          <a:effectRef idx="0">
+            <a:schemeClr val="accent3"/>
+          </a:effectRef>
+          <a:fontRef idx="minor">
+            <a:schemeClr val="dk1"/>
+          </a:fontRef>
+        </p:style>
+        <p:txBody>
+          <a:bodyPr rtlCol="0" anchor="ctr"/>
+          <a:lstStyle/>
+          <a:p>
             <a:pPr algn="ctr"/>
             <a:r>
-              <a:rPr lang="en-US" altLang="zh-CN" sz="2800"/>
-              <a:t>andriod/ios</a:t>
-            </a:r>
+              <a:rPr lang="zh-CN" altLang="en-US" sz="1600">
+                <a:solidFill>
+                  <a:schemeClr val="tx1"/>
+                </a:solidFill>
+              </a:rPr>
+              <a:t>模板编译</a:t>
+            </a:r>
+            <a:endParaRPr lang="en-US" altLang="zh-CN" sz="1600">
+              <a:solidFill>
+                <a:schemeClr val="tx1"/>
+              </a:solidFill>
+            </a:endParaRPr>
           </a:p>
           <a:p>
             <a:pPr algn="ctr"/>
             <a:r>
-              <a:rPr lang="zh-CN" altLang="en-US" sz="1600"/>
-              <a:t>操作系统</a:t>
-            </a:r>
-          </a:p>
-        </p:txBody>
-      </p:sp>
-      <p:sp>
-        <p:nvSpPr>
-          <p:cNvPr id="15" name="矩形: 圆角 14">
-            <a:extLst>
-              <a:ext uri="{FF2B5EF4-FFF2-40B4-BE49-F238E27FC236}">
-                <a16:creationId xmlns:a16="http://schemas.microsoft.com/office/drawing/2014/main" id="{C138FF87-7335-4F78-A9B2-2B2B8C2C74F1}"/>
+              <a:rPr lang="zh-CN" altLang="en-US" sz="1200">
+                <a:solidFill>
+                  <a:schemeClr val="tx1"/>
+                </a:solidFill>
+              </a:rPr>
+              <a:t>处理每个节点</a:t>
+            </a:r>
+          </a:p>
+        </p:txBody>
+      </p:sp>
+      <p:sp>
+        <p:nvSpPr>
+          <p:cNvPr id="58" name="矩形 57">
+            <a:extLst>
+              <a:ext uri="{FF2B5EF4-FFF2-40B4-BE49-F238E27FC236}">
+                <a16:creationId xmlns:a16="http://schemas.microsoft.com/office/drawing/2014/main" id="{8A1440FD-BFA3-4E7B-87CE-115EDF95D6B2}"/>
               </a:ext>
             </a:extLst>
           </p:cNvPr>
@@ -5159,53 +8394,231 @@
         </p:nvSpPr>
         <p:spPr>
           <a:xfrm>
-            <a:off x="1320973" y="1023110"/>
-            <a:ext cx="3031424" cy="3049150"/>
-          </a:xfrm>
-          <a:prstGeom prst="roundRect">
+            <a:off x="3928582" y="3545749"/>
+            <a:ext cx="1433453" cy="407378"/>
+          </a:xfrm>
+          <a:prstGeom prst="rect">
+            <a:avLst/>
+          </a:prstGeom>
+        </p:spPr>
+        <p:style>
+          <a:lnRef idx="2">
+            <a:schemeClr val="accent3"/>
+          </a:lnRef>
+          <a:fillRef idx="1">
+            <a:schemeClr val="lt1"/>
+          </a:fillRef>
+          <a:effectRef idx="0">
+            <a:schemeClr val="accent3"/>
+          </a:effectRef>
+          <a:fontRef idx="minor">
+            <a:schemeClr val="dk1"/>
+          </a:fontRef>
+        </p:style>
+        <p:txBody>
+          <a:bodyPr rtlCol="0" anchor="ctr"/>
+          <a:lstStyle/>
+          <a:p>
+            <a:pPr algn="ctr"/>
+            <a:r>
+              <a:rPr lang="zh-CN" altLang="en-US" sz="1600">
+                <a:solidFill>
+                  <a:schemeClr val="tx1"/>
+                </a:solidFill>
+              </a:rPr>
+              <a:t>初始显示数据</a:t>
+            </a:r>
+          </a:p>
+        </p:txBody>
+      </p:sp>
+      <p:sp>
+        <p:nvSpPr>
+          <p:cNvPr id="59" name="矩形 58">
+            <a:extLst>
+              <a:ext uri="{FF2B5EF4-FFF2-40B4-BE49-F238E27FC236}">
+                <a16:creationId xmlns:a16="http://schemas.microsoft.com/office/drawing/2014/main" id="{692CE714-A893-4B44-94EC-B52FBFE869EA}"/>
+              </a:ext>
+            </a:extLst>
+          </p:cNvPr>
+          <p:cNvSpPr/>
+          <p:nvPr/>
+        </p:nvSpPr>
+        <p:spPr>
+          <a:xfrm>
+            <a:off x="3929107" y="4114963"/>
+            <a:ext cx="1461613" cy="449005"/>
+          </a:xfrm>
+          <a:prstGeom prst="rect">
+            <a:avLst/>
+          </a:prstGeom>
+        </p:spPr>
+        <p:style>
+          <a:lnRef idx="2">
+            <a:schemeClr val="accent3"/>
+          </a:lnRef>
+          <a:fillRef idx="1">
+            <a:schemeClr val="lt1"/>
+          </a:fillRef>
+          <a:effectRef idx="0">
+            <a:schemeClr val="accent3"/>
+          </a:effectRef>
+          <a:fontRef idx="minor">
+            <a:schemeClr val="dk1"/>
+          </a:fontRef>
+        </p:style>
+        <p:txBody>
+          <a:bodyPr rtlCol="0" anchor="ctr"/>
+          <a:lstStyle/>
+          <a:p>
+            <a:pPr algn="ctr"/>
+            <a:r>
+              <a:rPr lang="zh-CN" altLang="en-US" sz="1600">
+                <a:solidFill>
+                  <a:schemeClr val="tx1"/>
+                </a:solidFill>
+              </a:rPr>
+              <a:t>添加观察者</a:t>
+            </a:r>
+          </a:p>
+        </p:txBody>
+      </p:sp>
+      <p:cxnSp>
+        <p:nvCxnSpPr>
+          <p:cNvPr id="60" name="连接符: 曲线 59">
+            <a:extLst>
+              <a:ext uri="{FF2B5EF4-FFF2-40B4-BE49-F238E27FC236}">
+                <a16:creationId xmlns:a16="http://schemas.microsoft.com/office/drawing/2014/main" id="{AEE02C1E-4AAC-49A0-B886-1933608F1352}"/>
+              </a:ext>
+            </a:extLst>
+          </p:cNvPr>
+          <p:cNvCxnSpPr>
+            <a:cxnSpLocks/>
+            <a:stCxn id="54" idx="3"/>
+            <a:endCxn id="58" idx="1"/>
+          </p:cNvCxnSpPr>
+          <p:nvPr/>
+        </p:nvCxnSpPr>
+        <p:spPr>
+          <a:xfrm flipV="1">
+            <a:off x="3666649" y="3749438"/>
+            <a:ext cx="261933" cy="603358"/>
+          </a:xfrm>
+          <a:prstGeom prst="curvedConnector3">
+            <a:avLst/>
+          </a:prstGeom>
+          <a:ln>
+            <a:tailEnd type="triangle"/>
+          </a:ln>
+        </p:spPr>
+        <p:style>
+          <a:lnRef idx="2">
+            <a:schemeClr val="accent3"/>
+          </a:lnRef>
+          <a:fillRef idx="1">
+            <a:schemeClr val="lt1"/>
+          </a:fillRef>
+          <a:effectRef idx="0">
+            <a:schemeClr val="accent3"/>
+          </a:effectRef>
+          <a:fontRef idx="minor">
+            <a:schemeClr val="dk1"/>
+          </a:fontRef>
+        </p:style>
+      </p:cxnSp>
+      <p:cxnSp>
+        <p:nvCxnSpPr>
+          <p:cNvPr id="66" name="连接符: 曲线 65">
+            <a:extLst>
+              <a:ext uri="{FF2B5EF4-FFF2-40B4-BE49-F238E27FC236}">
+                <a16:creationId xmlns:a16="http://schemas.microsoft.com/office/drawing/2014/main" id="{D805F971-E9CE-4E40-8B84-CF13E4DE4B97}"/>
+              </a:ext>
+            </a:extLst>
+          </p:cNvPr>
+          <p:cNvCxnSpPr>
+            <a:cxnSpLocks/>
+            <a:stCxn id="54" idx="3"/>
+            <a:endCxn id="59" idx="1"/>
+          </p:cNvCxnSpPr>
+          <p:nvPr/>
+        </p:nvCxnSpPr>
+        <p:spPr>
+          <a:xfrm flipV="1">
+            <a:off x="3666649" y="4339466"/>
+            <a:ext cx="262458" cy="13330"/>
+          </a:xfrm>
+          <a:prstGeom prst="curvedConnector3">
+            <a:avLst/>
+          </a:prstGeom>
+          <a:ln>
+            <a:tailEnd type="triangle"/>
+          </a:ln>
+        </p:spPr>
+        <p:style>
+          <a:lnRef idx="2">
+            <a:schemeClr val="accent3"/>
+          </a:lnRef>
+          <a:fillRef idx="1">
+            <a:schemeClr val="lt1"/>
+          </a:fillRef>
+          <a:effectRef idx="0">
+            <a:schemeClr val="accent3"/>
+          </a:effectRef>
+          <a:fontRef idx="minor">
+            <a:schemeClr val="dk1"/>
+          </a:fontRef>
+        </p:style>
+      </p:cxnSp>
+      <p:cxnSp>
+        <p:nvCxnSpPr>
+          <p:cNvPr id="71" name="连接符: 曲线 70">
+            <a:extLst>
+              <a:ext uri="{FF2B5EF4-FFF2-40B4-BE49-F238E27FC236}">
+                <a16:creationId xmlns:a16="http://schemas.microsoft.com/office/drawing/2014/main" id="{69A2D62E-78B6-4E21-8944-99734B1B0CCD}"/>
+              </a:ext>
+            </a:extLst>
+          </p:cNvPr>
+          <p:cNvCxnSpPr>
+            <a:cxnSpLocks/>
+            <a:stCxn id="59" idx="3"/>
+            <a:endCxn id="91" idx="1"/>
+          </p:cNvCxnSpPr>
+          <p:nvPr/>
+        </p:nvCxnSpPr>
+        <p:spPr>
+          <a:xfrm flipV="1">
+            <a:off x="5390720" y="3381287"/>
+            <a:ext cx="926925" cy="958179"/>
+          </a:xfrm>
+          <a:prstGeom prst="curvedConnector3">
             <a:avLst>
-              <a:gd name="adj" fmla="val 5161"/>
+              <a:gd name="adj1" fmla="val 50000"/>
             </a:avLst>
           </a:prstGeom>
-          <a:effectLst>
-            <a:outerShdw blurRad="50800" dist="38100" dir="5400000" algn="t" rotWithShape="0">
-              <a:prstClr val="black">
-                <a:alpha val="40000"/>
-              </a:prstClr>
-            </a:outerShdw>
-          </a:effectLst>
+          <a:ln>
+            <a:tailEnd type="triangle"/>
+          </a:ln>
         </p:spPr>
         <p:style>
           <a:lnRef idx="2">
-            <a:schemeClr val="accent6">
-              <a:shade val="50000"/>
-            </a:schemeClr>
+            <a:schemeClr val="accent3"/>
           </a:lnRef>
           <a:fillRef idx="1">
-            <a:schemeClr val="accent6"/>
-          </a:fillRef>
-          <a:effectRef idx="0">
-            <a:schemeClr val="accent6"/>
-          </a:effectRef>
-          <a:fontRef idx="minor">
-            <a:schemeClr val="lt1"/>
-          </a:fontRef>
-        </p:style>
-        <p:txBody>
-          <a:bodyPr rtlCol="0" anchor="ctr"/>
-          <a:lstStyle/>
-          <a:p>
-            <a:pPr algn="ctr"/>
-            <a:endParaRPr lang="zh-CN" altLang="en-US"/>
-          </a:p>
-        </p:txBody>
-      </p:sp>
-      <p:sp>
-        <p:nvSpPr>
-          <p:cNvPr id="8" name="云形 7">
-            <a:extLst>
-              <a:ext uri="{FF2B5EF4-FFF2-40B4-BE49-F238E27FC236}">
-                <a16:creationId xmlns:a16="http://schemas.microsoft.com/office/drawing/2014/main" id="{282163BE-F6FD-4A92-BFC5-8F90E1B8CADA}"/>
+            <a:schemeClr val="lt1"/>
+          </a:fillRef>
+          <a:effectRef idx="0">
+            <a:schemeClr val="accent3"/>
+          </a:effectRef>
+          <a:fontRef idx="minor">
+            <a:schemeClr val="dk1"/>
+          </a:fontRef>
+        </p:style>
+      </p:cxnSp>
+      <p:sp>
+        <p:nvSpPr>
+          <p:cNvPr id="91" name="矩形 90">
+            <a:extLst>
+              <a:ext uri="{FF2B5EF4-FFF2-40B4-BE49-F238E27FC236}">
+                <a16:creationId xmlns:a16="http://schemas.microsoft.com/office/drawing/2014/main" id="{242D7195-9899-4BBD-94EF-133BD00F3CF8}"/>
               </a:ext>
             </a:extLst>
           </p:cNvPr>
@@ -5214,137 +8627,261 @@
         </p:nvSpPr>
         <p:spPr>
           <a:xfrm>
-            <a:off x="3024909" y="1250009"/>
-            <a:ext cx="1132000" cy="829384"/>
-          </a:xfrm>
-          <a:prstGeom prst="cloud">
-            <a:avLst/>
-          </a:prstGeom>
-        </p:spPr>
-        <p:style>
-          <a:lnRef idx="0">
-            <a:schemeClr val="accent4"/>
-          </a:lnRef>
-          <a:fillRef idx="3">
-            <a:schemeClr val="accent4"/>
-          </a:fillRef>
-          <a:effectRef idx="3">
-            <a:schemeClr val="accent4"/>
-          </a:effectRef>
-          <a:fontRef idx="minor">
-            <a:schemeClr val="lt1"/>
-          </a:fontRef>
-        </p:style>
-        <p:txBody>
-          <a:bodyPr rtlCol="0" anchor="ctr"/>
-          <a:lstStyle/>
-          <a:p>
-            <a:pPr algn="ctr"/>
-            <a:r>
-              <a:rPr lang="zh-CN" altLang="en-US"/>
-              <a:t>移动</a:t>
-            </a:r>
-            <a:r>
-              <a:rPr lang="en-US" altLang="zh-CN"/>
-              <a:t>web1</a:t>
-            </a:r>
-            <a:endParaRPr lang="zh-CN" altLang="en-US"/>
-          </a:p>
-        </p:txBody>
-      </p:sp>
-      <p:sp>
-        <p:nvSpPr>
-          <p:cNvPr id="14" name="云形 13">
-            <a:extLst>
-              <a:ext uri="{FF2B5EF4-FFF2-40B4-BE49-F238E27FC236}">
-                <a16:creationId xmlns:a16="http://schemas.microsoft.com/office/drawing/2014/main" id="{70B253B9-10B9-4833-AC97-B8D1827AC24E}"/>
-              </a:ext>
-            </a:extLst>
-          </p:cNvPr>
-          <p:cNvSpPr/>
-          <p:nvPr/>
-        </p:nvSpPr>
-        <p:spPr>
-          <a:xfrm>
-            <a:off x="1529362" y="2775007"/>
-            <a:ext cx="1128387" cy="890832"/>
-          </a:xfrm>
-          <a:prstGeom prst="cloud">
-            <a:avLst/>
-          </a:prstGeom>
-        </p:spPr>
-        <p:style>
-          <a:lnRef idx="0">
-            <a:schemeClr val="accent2"/>
-          </a:lnRef>
-          <a:fillRef idx="3">
-            <a:schemeClr val="accent2"/>
-          </a:fillRef>
-          <a:effectRef idx="3">
-            <a:schemeClr val="accent2"/>
-          </a:effectRef>
-          <a:fontRef idx="minor">
-            <a:schemeClr val="lt1"/>
-          </a:fontRef>
-        </p:style>
-        <p:txBody>
-          <a:bodyPr rtlCol="0" anchor="ctr"/>
-          <a:lstStyle/>
-          <a:p>
-            <a:pPr algn="ctr"/>
-            <a:r>
-              <a:rPr lang="zh-CN" altLang="en-US"/>
-              <a:t>移动</a:t>
-            </a:r>
-            <a:r>
-              <a:rPr lang="en-US" altLang="zh-CN"/>
-              <a:t>web2</a:t>
-            </a:r>
-            <a:endParaRPr lang="zh-CN" altLang="en-US"/>
-          </a:p>
-        </p:txBody>
-      </p:sp>
-      <p:sp>
-        <p:nvSpPr>
-          <p:cNvPr id="6" name="文本框 5">
-            <a:extLst>
-              <a:ext uri="{FF2B5EF4-FFF2-40B4-BE49-F238E27FC236}">
-                <a16:creationId xmlns:a16="http://schemas.microsoft.com/office/drawing/2014/main" id="{704DFC07-9B0E-4103-9257-03AB3A44F46D}"/>
-              </a:ext>
-            </a:extLst>
-          </p:cNvPr>
-          <p:cNvSpPr txBox="1"/>
-          <p:nvPr/>
-        </p:nvSpPr>
-        <p:spPr>
-          <a:xfrm>
-            <a:off x="3316821" y="3632666"/>
-            <a:ext cx="877163" cy="369332"/>
+            <a:off x="6317645" y="3150454"/>
+            <a:ext cx="1282718" cy="461665"/>
           </a:xfrm>
           <a:prstGeom prst="rect">
             <a:avLst/>
           </a:prstGeom>
-          <a:noFill/>
-        </p:spPr>
-        <p:txBody>
-          <a:bodyPr wrap="none" rtlCol="0">
+        </p:spPr>
+        <p:style>
+          <a:lnRef idx="2">
+            <a:schemeClr val="accent3"/>
+          </a:lnRef>
+          <a:fillRef idx="1">
+            <a:schemeClr val="lt1"/>
+          </a:fillRef>
+          <a:effectRef idx="0">
+            <a:schemeClr val="accent3"/>
+          </a:effectRef>
+          <a:fontRef idx="minor">
+            <a:schemeClr val="dk1"/>
+          </a:fontRef>
+        </p:style>
+        <p:txBody>
+          <a:bodyPr wrap="square">
             <a:spAutoFit/>
           </a:bodyPr>
           <a:lstStyle/>
           <a:p>
             <a:r>
+              <a:rPr lang="zh-CN" altLang="en-US" sz="1200"/>
+              <a:t>添加观察者</a:t>
+            </a:r>
+            <a:endParaRPr lang="en-US" altLang="zh-CN" sz="1200"/>
+          </a:p>
+          <a:p>
+            <a:r>
+              <a:rPr lang="zh-CN" altLang="en-US" sz="1200"/>
+              <a:t>监听指定事件名</a:t>
+            </a:r>
+          </a:p>
+        </p:txBody>
+      </p:sp>
+      <p:sp>
+        <p:nvSpPr>
+          <p:cNvPr id="93" name="矩形: 折角 92">
+            <a:extLst>
+              <a:ext uri="{FF2B5EF4-FFF2-40B4-BE49-F238E27FC236}">
+                <a16:creationId xmlns:a16="http://schemas.microsoft.com/office/drawing/2014/main" id="{48EE387A-96EE-4DFB-8883-9FD458BBBB6A}"/>
+              </a:ext>
+            </a:extLst>
+          </p:cNvPr>
+          <p:cNvSpPr/>
+          <p:nvPr/>
+        </p:nvSpPr>
+        <p:spPr>
+          <a:xfrm>
+            <a:off x="9735231" y="1843739"/>
+            <a:ext cx="2361364" cy="1344859"/>
+          </a:xfrm>
+          <a:prstGeom prst="foldedCorner">
+            <a:avLst/>
+          </a:prstGeom>
+        </p:spPr>
+        <p:style>
+          <a:lnRef idx="2">
+            <a:schemeClr val="accent3"/>
+          </a:lnRef>
+          <a:fillRef idx="1">
+            <a:schemeClr val="lt1"/>
+          </a:fillRef>
+          <a:effectRef idx="0">
+            <a:schemeClr val="accent3"/>
+          </a:effectRef>
+          <a:fontRef idx="minor">
+            <a:schemeClr val="dk1"/>
+          </a:fontRef>
+        </p:style>
+        <p:txBody>
+          <a:bodyPr rtlCol="0" anchor="ctr"/>
+          <a:lstStyle/>
+          <a:p>
+            <a:r>
+              <a:rPr lang="en-US" altLang="zh-CN" sz="1400">
+                <a:solidFill>
+                  <a:schemeClr val="tx1"/>
+                </a:solidFill>
+              </a:rPr>
+              <a:t>&lt;div&gt;</a:t>
+            </a:r>
+          </a:p>
+          <a:p>
+            <a:r>
+              <a:rPr lang="en-US" altLang="zh-CN" sz="1400">
+                <a:solidFill>
+                  <a:schemeClr val="tx1"/>
+                </a:solidFill>
+              </a:rPr>
+              <a:t>&lt;h2 v-html="salary"&gt;&lt;/h2&gt;</a:t>
+            </a:r>
+          </a:p>
+          <a:p>
+            <a:r>
+              <a:rPr lang="en-US" altLang="zh-CN" sz="1400">
+                <a:solidFill>
+                  <a:schemeClr val="tx1"/>
+                </a:solidFill>
+              </a:rPr>
+              <a:t>&lt;input v-model=“salary”/&gt;</a:t>
+            </a:r>
+          </a:p>
+          <a:p>
+            <a:r>
+              <a:rPr lang="en-US" altLang="zh-CN" sz="1400">
+                <a:solidFill>
+                  <a:schemeClr val="tx1"/>
+                </a:solidFill>
+              </a:rPr>
+              <a:t>&lt;p v-html="salary"&gt;&lt;/p&gt;</a:t>
+            </a:r>
+          </a:p>
+          <a:p>
+            <a:r>
+              <a:rPr lang="en-US" altLang="zh-CN" sz="1400">
+                <a:solidFill>
+                  <a:schemeClr val="tx1"/>
+                </a:solidFill>
+              </a:rPr>
+              <a:t>&lt;/div&gt;</a:t>
+            </a:r>
+            <a:endParaRPr lang="zh-CN" altLang="en-US" sz="1400">
+              <a:solidFill>
+                <a:schemeClr val="tx1"/>
+              </a:solidFill>
+            </a:endParaRPr>
+          </a:p>
+        </p:txBody>
+      </p:sp>
+      <p:sp>
+        <p:nvSpPr>
+          <p:cNvPr id="96" name="圆柱体 95">
+            <a:extLst>
+              <a:ext uri="{FF2B5EF4-FFF2-40B4-BE49-F238E27FC236}">
+                <a16:creationId xmlns:a16="http://schemas.microsoft.com/office/drawing/2014/main" id="{AC64C221-FF3F-47A1-8FCA-C03045D872F6}"/>
+              </a:ext>
+            </a:extLst>
+          </p:cNvPr>
+          <p:cNvSpPr/>
+          <p:nvPr/>
+        </p:nvSpPr>
+        <p:spPr>
+          <a:xfrm>
+            <a:off x="163480" y="643379"/>
+            <a:ext cx="1561137" cy="1736203"/>
+          </a:xfrm>
+          <a:prstGeom prst="can">
+            <a:avLst>
+              <a:gd name="adj" fmla="val 13398"/>
+            </a:avLst>
+          </a:prstGeom>
+        </p:spPr>
+        <p:style>
+          <a:lnRef idx="2">
+            <a:schemeClr val="accent3"/>
+          </a:lnRef>
+          <a:fillRef idx="1">
+            <a:schemeClr val="lt1"/>
+          </a:fillRef>
+          <a:effectRef idx="0">
+            <a:schemeClr val="accent3"/>
+          </a:effectRef>
+          <a:fontRef idx="minor">
+            <a:schemeClr val="dk1"/>
+          </a:fontRef>
+        </p:style>
+        <p:txBody>
+          <a:bodyPr rtlCol="0" anchor="ctr"/>
+          <a:lstStyle/>
+          <a:p>
+            <a:pPr algn="ctr"/>
+            <a:endParaRPr lang="zh-CN" altLang="en-US">
+              <a:solidFill>
+                <a:schemeClr val="tx1"/>
+              </a:solidFill>
+            </a:endParaRPr>
+          </a:p>
+        </p:txBody>
+      </p:sp>
+      <p:sp>
+        <p:nvSpPr>
+          <p:cNvPr id="97" name="矩形 96">
+            <a:extLst>
+              <a:ext uri="{FF2B5EF4-FFF2-40B4-BE49-F238E27FC236}">
+                <a16:creationId xmlns:a16="http://schemas.microsoft.com/office/drawing/2014/main" id="{224E9B5C-F922-42DC-BB81-5E9FBFDD5C3E}"/>
+              </a:ext>
+            </a:extLst>
+          </p:cNvPr>
+          <p:cNvSpPr/>
+          <p:nvPr/>
+        </p:nvSpPr>
+        <p:spPr>
+          <a:xfrm>
+            <a:off x="177210" y="1049815"/>
+            <a:ext cx="1514310" cy="923330"/>
+          </a:xfrm>
+          <a:prstGeom prst="rect">
+            <a:avLst/>
+          </a:prstGeom>
+          <a:ln>
+            <a:noFill/>
+          </a:ln>
+        </p:spPr>
+        <p:style>
+          <a:lnRef idx="2">
+            <a:schemeClr val="accent3"/>
+          </a:lnRef>
+          <a:fillRef idx="1">
+            <a:schemeClr val="lt1"/>
+          </a:fillRef>
+          <a:effectRef idx="0">
+            <a:schemeClr val="accent3"/>
+          </a:effectRef>
+          <a:fontRef idx="minor">
+            <a:schemeClr val="dk1"/>
+          </a:fontRef>
+        </p:style>
+        <p:txBody>
+          <a:bodyPr wrap="square">
+            <a:spAutoFit/>
+          </a:bodyPr>
+          <a:lstStyle/>
+          <a:p>
+            <a:r>
               <a:rPr lang="zh-CN" altLang="en-US"/>
-              <a:t>浏览器</a:t>
-            </a:r>
-          </a:p>
-        </p:txBody>
-      </p:sp>
-      <p:sp>
-        <p:nvSpPr>
-          <p:cNvPr id="16" name="箭头: 上下 15">
-            <a:extLst>
-              <a:ext uri="{FF2B5EF4-FFF2-40B4-BE49-F238E27FC236}">
-                <a16:creationId xmlns:a16="http://schemas.microsoft.com/office/drawing/2014/main" id="{BB44CF6C-79B4-44DE-BEEA-AA8EAA7AAF90}"/>
+              <a:t>var data = {</a:t>
+            </a:r>
+          </a:p>
+          <a:p>
+            <a:r>
+              <a:rPr lang="zh-CN" altLang="en-US"/>
+              <a:t>  salary: 1000</a:t>
+            </a:r>
+          </a:p>
+          <a:p>
+            <a:r>
+              <a:rPr lang="zh-CN" altLang="en-US"/>
+              <a:t>};</a:t>
+            </a:r>
+          </a:p>
+        </p:txBody>
+      </p:sp>
+      <p:sp>
+        <p:nvSpPr>
+          <p:cNvPr id="100" name="缺角矩形 99">
+            <a:extLst>
+              <a:ext uri="{FF2B5EF4-FFF2-40B4-BE49-F238E27FC236}">
+                <a16:creationId xmlns:a16="http://schemas.microsoft.com/office/drawing/2014/main" id="{3060236F-FC15-4B60-A680-A5C3A32705CE}"/>
               </a:ext>
             </a:extLst>
           </p:cNvPr>
@@ -5353,30 +8890,359 @@
         </p:nvSpPr>
         <p:spPr>
           <a:xfrm>
-            <a:off x="2619868" y="4189767"/>
-            <a:ext cx="433633" cy="754293"/>
-          </a:xfrm>
-          <a:prstGeom prst="upDownArrow">
+            <a:off x="6363852" y="1494152"/>
+            <a:ext cx="896427" cy="845795"/>
+          </a:xfrm>
+          <a:prstGeom prst="plaque">
+            <a:avLst/>
+          </a:prstGeom>
+        </p:spPr>
+        <p:style>
+          <a:lnRef idx="2">
+            <a:schemeClr val="accent2"/>
+          </a:lnRef>
+          <a:fillRef idx="1">
+            <a:schemeClr val="lt1"/>
+          </a:fillRef>
+          <a:effectRef idx="0">
+            <a:schemeClr val="accent2"/>
+          </a:effectRef>
+          <a:fontRef idx="minor">
+            <a:schemeClr val="dk1"/>
+          </a:fontRef>
+        </p:style>
+        <p:txBody>
+          <a:bodyPr rtlCol="0" anchor="ctr"/>
+          <a:lstStyle/>
+          <a:p>
+            <a:pPr algn="ctr"/>
+            <a:r>
+              <a:rPr lang="zh-CN" altLang="en-US">
+                <a:solidFill>
+                  <a:schemeClr val="tx1"/>
+                </a:solidFill>
+              </a:rPr>
+              <a:t>事件名</a:t>
+            </a:r>
+            <a:r>
+              <a:rPr lang="en-US" altLang="zh-CN">
+                <a:solidFill>
+                  <a:schemeClr val="tx1"/>
+                </a:solidFill>
+              </a:rPr>
+              <a:t>1</a:t>
+            </a:r>
+            <a:endParaRPr lang="zh-CN" altLang="en-US">
+              <a:solidFill>
+                <a:schemeClr val="tx1"/>
+              </a:solidFill>
+            </a:endParaRPr>
+          </a:p>
+        </p:txBody>
+      </p:sp>
+      <p:cxnSp>
+        <p:nvCxnSpPr>
+          <p:cNvPr id="104" name="连接符: 曲线 103">
+            <a:extLst>
+              <a:ext uri="{FF2B5EF4-FFF2-40B4-BE49-F238E27FC236}">
+                <a16:creationId xmlns:a16="http://schemas.microsoft.com/office/drawing/2014/main" id="{1D721AF0-2BCB-432D-A121-B176D27B9252}"/>
+              </a:ext>
+            </a:extLst>
+          </p:cNvPr>
+          <p:cNvCxnSpPr>
+            <a:cxnSpLocks/>
+            <a:stCxn id="100" idx="3"/>
+            <a:endCxn id="27" idx="1"/>
+          </p:cNvCxnSpPr>
+          <p:nvPr/>
+        </p:nvCxnSpPr>
+        <p:spPr>
+          <a:xfrm flipV="1">
+            <a:off x="7260279" y="1371255"/>
+            <a:ext cx="408470" cy="545795"/>
+          </a:xfrm>
+          <a:prstGeom prst="curvedConnector3">
             <a:avLst>
               <a:gd name="adj1" fmla="val 50000"/>
-              <a:gd name="adj2" fmla="val 43478"/>
             </a:avLst>
           </a:prstGeom>
+          <a:ln>
+            <a:tailEnd type="triangle"/>
+          </a:ln>
         </p:spPr>
         <p:style>
           <a:lnRef idx="2">
-            <a:schemeClr val="accent1">
-              <a:shade val="50000"/>
-            </a:schemeClr>
+            <a:schemeClr val="accent3"/>
           </a:lnRef>
           <a:fillRef idx="1">
-            <a:schemeClr val="accent1"/>
-          </a:fillRef>
-          <a:effectRef idx="0">
-            <a:schemeClr val="accent1"/>
-          </a:effectRef>
-          <a:fontRef idx="minor">
-            <a:schemeClr val="lt1"/>
+            <a:schemeClr val="lt1"/>
+          </a:fillRef>
+          <a:effectRef idx="0">
+            <a:schemeClr val="accent3"/>
+          </a:effectRef>
+          <a:fontRef idx="minor">
+            <a:schemeClr val="dk1"/>
+          </a:fontRef>
+        </p:style>
+      </p:cxnSp>
+      <p:cxnSp>
+        <p:nvCxnSpPr>
+          <p:cNvPr id="105" name="连接符: 曲线 104">
+            <a:extLst>
+              <a:ext uri="{FF2B5EF4-FFF2-40B4-BE49-F238E27FC236}">
+                <a16:creationId xmlns:a16="http://schemas.microsoft.com/office/drawing/2014/main" id="{BB2B3C49-CF85-445A-B051-44F4DF0C3FD7}"/>
+              </a:ext>
+            </a:extLst>
+          </p:cNvPr>
+          <p:cNvCxnSpPr>
+            <a:cxnSpLocks/>
+            <a:stCxn id="100" idx="3"/>
+            <a:endCxn id="29" idx="1"/>
+          </p:cNvCxnSpPr>
+          <p:nvPr/>
+        </p:nvCxnSpPr>
+        <p:spPr>
+          <a:xfrm>
+            <a:off x="7260279" y="1917050"/>
+            <a:ext cx="408469" cy="487062"/>
+          </a:xfrm>
+          <a:prstGeom prst="curvedConnector3">
+            <a:avLst>
+              <a:gd name="adj1" fmla="val 50000"/>
+            </a:avLst>
+          </a:prstGeom>
+          <a:ln>
+            <a:tailEnd type="triangle"/>
+          </a:ln>
+        </p:spPr>
+        <p:style>
+          <a:lnRef idx="2">
+            <a:schemeClr val="accent3"/>
+          </a:lnRef>
+          <a:fillRef idx="1">
+            <a:schemeClr val="lt1"/>
+          </a:fillRef>
+          <a:effectRef idx="0">
+            <a:schemeClr val="accent3"/>
+          </a:effectRef>
+          <a:fontRef idx="minor">
+            <a:schemeClr val="dk1"/>
+          </a:fontRef>
+        </p:style>
+      </p:cxnSp>
+      <p:cxnSp>
+        <p:nvCxnSpPr>
+          <p:cNvPr id="108" name="连接符: 曲线 107">
+            <a:extLst>
+              <a:ext uri="{FF2B5EF4-FFF2-40B4-BE49-F238E27FC236}">
+                <a16:creationId xmlns:a16="http://schemas.microsoft.com/office/drawing/2014/main" id="{C89A5181-D24D-40ED-9679-C0B6596FC496}"/>
+              </a:ext>
+            </a:extLst>
+          </p:cNvPr>
+          <p:cNvCxnSpPr>
+            <a:cxnSpLocks/>
+            <a:stCxn id="100" idx="3"/>
+            <a:endCxn id="28" idx="1"/>
+          </p:cNvCxnSpPr>
+          <p:nvPr/>
+        </p:nvCxnSpPr>
+        <p:spPr>
+          <a:xfrm flipV="1">
+            <a:off x="7260279" y="1893078"/>
+            <a:ext cx="408469" cy="23972"/>
+          </a:xfrm>
+          <a:prstGeom prst="curvedConnector3">
+            <a:avLst>
+              <a:gd name="adj1" fmla="val 50000"/>
+            </a:avLst>
+          </a:prstGeom>
+          <a:ln>
+            <a:tailEnd type="triangle"/>
+          </a:ln>
+        </p:spPr>
+        <p:style>
+          <a:lnRef idx="2">
+            <a:schemeClr val="accent3"/>
+          </a:lnRef>
+          <a:fillRef idx="1">
+            <a:schemeClr val="lt1"/>
+          </a:fillRef>
+          <a:effectRef idx="0">
+            <a:schemeClr val="accent3"/>
+          </a:effectRef>
+          <a:fontRef idx="minor">
+            <a:schemeClr val="dk1"/>
+          </a:fontRef>
+        </p:style>
+      </p:cxnSp>
+      <p:cxnSp>
+        <p:nvCxnSpPr>
+          <p:cNvPr id="112" name="连接符: 曲线 111">
+            <a:extLst>
+              <a:ext uri="{FF2B5EF4-FFF2-40B4-BE49-F238E27FC236}">
+                <a16:creationId xmlns:a16="http://schemas.microsoft.com/office/drawing/2014/main" id="{CCD842AA-111D-42D1-9BFF-887848310CCF}"/>
+              </a:ext>
+            </a:extLst>
+          </p:cNvPr>
+          <p:cNvCxnSpPr>
+            <a:cxnSpLocks/>
+            <a:stCxn id="101" idx="3"/>
+            <a:endCxn id="31" idx="1"/>
+          </p:cNvCxnSpPr>
+          <p:nvPr/>
+        </p:nvCxnSpPr>
+        <p:spPr>
+          <a:xfrm flipV="1">
+            <a:off x="7316185" y="3734319"/>
+            <a:ext cx="402290" cy="622087"/>
+          </a:xfrm>
+          <a:prstGeom prst="curvedConnector3">
+            <a:avLst>
+              <a:gd name="adj1" fmla="val 50000"/>
+            </a:avLst>
+          </a:prstGeom>
+          <a:ln>
+            <a:tailEnd type="triangle"/>
+          </a:ln>
+        </p:spPr>
+        <p:style>
+          <a:lnRef idx="2">
+            <a:schemeClr val="accent3"/>
+          </a:lnRef>
+          <a:fillRef idx="1">
+            <a:schemeClr val="lt1"/>
+          </a:fillRef>
+          <a:effectRef idx="0">
+            <a:schemeClr val="accent3"/>
+          </a:effectRef>
+          <a:fontRef idx="minor">
+            <a:schemeClr val="dk1"/>
+          </a:fontRef>
+        </p:style>
+      </p:cxnSp>
+      <p:cxnSp>
+        <p:nvCxnSpPr>
+          <p:cNvPr id="113" name="连接符: 曲线 112">
+            <a:extLst>
+              <a:ext uri="{FF2B5EF4-FFF2-40B4-BE49-F238E27FC236}">
+                <a16:creationId xmlns:a16="http://schemas.microsoft.com/office/drawing/2014/main" id="{AC362207-5A49-4E61-93F3-9262CA861F37}"/>
+              </a:ext>
+            </a:extLst>
+          </p:cNvPr>
+          <p:cNvCxnSpPr>
+            <a:cxnSpLocks/>
+            <a:stCxn id="101" idx="3"/>
+            <a:endCxn id="33" idx="1"/>
+          </p:cNvCxnSpPr>
+          <p:nvPr/>
+        </p:nvCxnSpPr>
+        <p:spPr>
+          <a:xfrm>
+            <a:off x="7316185" y="4356406"/>
+            <a:ext cx="402199" cy="470605"/>
+          </a:xfrm>
+          <a:prstGeom prst="curvedConnector3">
+            <a:avLst>
+              <a:gd name="adj1" fmla="val 50000"/>
+            </a:avLst>
+          </a:prstGeom>
+          <a:ln>
+            <a:tailEnd type="triangle"/>
+          </a:ln>
+        </p:spPr>
+        <p:style>
+          <a:lnRef idx="2">
+            <a:schemeClr val="accent3"/>
+          </a:lnRef>
+          <a:fillRef idx="1">
+            <a:schemeClr val="lt1"/>
+          </a:fillRef>
+          <a:effectRef idx="0">
+            <a:schemeClr val="accent3"/>
+          </a:effectRef>
+          <a:fontRef idx="minor">
+            <a:schemeClr val="dk1"/>
+          </a:fontRef>
+        </p:style>
+      </p:cxnSp>
+      <p:cxnSp>
+        <p:nvCxnSpPr>
+          <p:cNvPr id="114" name="连接符: 曲线 113">
+            <a:extLst>
+              <a:ext uri="{FF2B5EF4-FFF2-40B4-BE49-F238E27FC236}">
+                <a16:creationId xmlns:a16="http://schemas.microsoft.com/office/drawing/2014/main" id="{5404A64E-C95D-4BED-89B7-CF1859903A37}"/>
+              </a:ext>
+            </a:extLst>
+          </p:cNvPr>
+          <p:cNvCxnSpPr>
+            <a:cxnSpLocks/>
+            <a:stCxn id="101" idx="3"/>
+            <a:endCxn id="32" idx="1"/>
+          </p:cNvCxnSpPr>
+          <p:nvPr/>
+        </p:nvCxnSpPr>
+        <p:spPr>
+          <a:xfrm flipV="1">
+            <a:off x="7316185" y="4315977"/>
+            <a:ext cx="416880" cy="40429"/>
+          </a:xfrm>
+          <a:prstGeom prst="curvedConnector3">
+            <a:avLst>
+              <a:gd name="adj1" fmla="val 50000"/>
+            </a:avLst>
+          </a:prstGeom>
+          <a:ln>
+            <a:tailEnd type="triangle"/>
+          </a:ln>
+        </p:spPr>
+        <p:style>
+          <a:lnRef idx="2">
+            <a:schemeClr val="accent3"/>
+          </a:lnRef>
+          <a:fillRef idx="1">
+            <a:schemeClr val="lt1"/>
+          </a:fillRef>
+          <a:effectRef idx="0">
+            <a:schemeClr val="accent3"/>
+          </a:effectRef>
+          <a:fontRef idx="minor">
+            <a:schemeClr val="dk1"/>
+          </a:fontRef>
+        </p:style>
+      </p:cxnSp>
+      <p:sp>
+        <p:nvSpPr>
+          <p:cNvPr id="137" name="椭圆 136">
+            <a:extLst>
+              <a:ext uri="{FF2B5EF4-FFF2-40B4-BE49-F238E27FC236}">
+                <a16:creationId xmlns:a16="http://schemas.microsoft.com/office/drawing/2014/main" id="{496C8919-E950-4752-B00C-017C7B1F18CE}"/>
+              </a:ext>
+            </a:extLst>
+          </p:cNvPr>
+          <p:cNvSpPr/>
+          <p:nvPr/>
+        </p:nvSpPr>
+        <p:spPr>
+          <a:xfrm>
+            <a:off x="127420" y="2098701"/>
+            <a:ext cx="537493" cy="544541"/>
+          </a:xfrm>
+          <a:prstGeom prst="ellipse">
+            <a:avLst/>
+          </a:prstGeom>
+        </p:spPr>
+        <p:style>
+          <a:lnRef idx="2">
+            <a:schemeClr val="accent3"/>
+          </a:lnRef>
+          <a:fillRef idx="1">
+            <a:schemeClr val="lt1"/>
+          </a:fillRef>
+          <a:effectRef idx="0">
+            <a:schemeClr val="accent3"/>
+          </a:effectRef>
+          <a:fontRef idx="minor">
+            <a:schemeClr val="dk1"/>
           </a:fontRef>
         </p:style>
         <p:txBody>
@@ -5384,16 +9250,28 @@
           <a:lstStyle/>
           <a:p>
             <a:pPr algn="ctr"/>
-            <a:endParaRPr lang="zh-CN" altLang="en-US"/>
-          </a:p>
-        </p:txBody>
-      </p:sp>
-      <p:sp>
-        <p:nvSpPr>
-          <p:cNvPr id="9" name="矩形 8">
-            <a:extLst>
-              <a:ext uri="{FF2B5EF4-FFF2-40B4-BE49-F238E27FC236}">
-                <a16:creationId xmlns:a16="http://schemas.microsoft.com/office/drawing/2014/main" id="{E2CA9B2F-9C03-40A8-B0AA-26E242901B39}"/>
+            <a:r>
+              <a:rPr lang="en-US" altLang="zh-CN" sz="2800">
+                <a:solidFill>
+                  <a:schemeClr val="tx1"/>
+                </a:solidFill>
+              </a:rPr>
+              <a:t>M</a:t>
+            </a:r>
+            <a:endParaRPr lang="zh-CN" altLang="en-US" sz="2800">
+              <a:solidFill>
+                <a:schemeClr val="tx1"/>
+              </a:solidFill>
+            </a:endParaRPr>
+          </a:p>
+        </p:txBody>
+      </p:sp>
+      <p:sp>
+        <p:nvSpPr>
+          <p:cNvPr id="138" name="椭圆 137">
+            <a:extLst>
+              <a:ext uri="{FF2B5EF4-FFF2-40B4-BE49-F238E27FC236}">
+                <a16:creationId xmlns:a16="http://schemas.microsoft.com/office/drawing/2014/main" id="{6AC4D95D-6A34-4BC3-A30B-8199275295FA}"/>
               </a:ext>
             </a:extLst>
           </p:cNvPr>
@@ -5402,105 +9280,249 @@
         </p:nvSpPr>
         <p:spPr>
           <a:xfrm>
-            <a:off x="7060676" y="817775"/>
-            <a:ext cx="3374795" cy="5222450"/>
+            <a:off x="11550469" y="2824492"/>
+            <a:ext cx="537493" cy="544541"/>
+          </a:xfrm>
+          <a:prstGeom prst="ellipse">
+            <a:avLst/>
+          </a:prstGeom>
+        </p:spPr>
+        <p:style>
+          <a:lnRef idx="2">
+            <a:schemeClr val="accent3"/>
+          </a:lnRef>
+          <a:fillRef idx="1">
+            <a:schemeClr val="lt1"/>
+          </a:fillRef>
+          <a:effectRef idx="0">
+            <a:schemeClr val="accent3"/>
+          </a:effectRef>
+          <a:fontRef idx="minor">
+            <a:schemeClr val="dk1"/>
+          </a:fontRef>
+        </p:style>
+        <p:txBody>
+          <a:bodyPr rtlCol="0" anchor="ctr"/>
+          <a:lstStyle/>
+          <a:p>
+            <a:pPr algn="ctr"/>
+            <a:r>
+              <a:rPr lang="en-US" altLang="zh-CN" sz="2800">
+                <a:solidFill>
+                  <a:schemeClr val="tx1"/>
+                </a:solidFill>
+              </a:rPr>
+              <a:t>v</a:t>
+            </a:r>
+            <a:endParaRPr lang="zh-CN" altLang="en-US" sz="2800">
+              <a:solidFill>
+                <a:schemeClr val="tx1"/>
+              </a:solidFill>
+            </a:endParaRPr>
+          </a:p>
+        </p:txBody>
+      </p:sp>
+      <p:sp>
+        <p:nvSpPr>
+          <p:cNvPr id="140" name="矩形: 圆角 139">
+            <a:extLst>
+              <a:ext uri="{FF2B5EF4-FFF2-40B4-BE49-F238E27FC236}">
+                <a16:creationId xmlns:a16="http://schemas.microsoft.com/office/drawing/2014/main" id="{3B191D26-C276-42DE-B75B-C0364C899192}"/>
+              </a:ext>
+            </a:extLst>
+          </p:cNvPr>
+          <p:cNvSpPr/>
+          <p:nvPr/>
+        </p:nvSpPr>
+        <p:spPr>
+          <a:xfrm>
+            <a:off x="1387874" y="3249009"/>
+            <a:ext cx="876838" cy="544541"/>
+          </a:xfrm>
+          <a:prstGeom prst="roundRect">
+            <a:avLst/>
+          </a:prstGeom>
+        </p:spPr>
+        <p:style>
+          <a:lnRef idx="2">
+            <a:schemeClr val="accent3"/>
+          </a:lnRef>
+          <a:fillRef idx="1">
+            <a:schemeClr val="lt1"/>
+          </a:fillRef>
+          <a:effectRef idx="0">
+            <a:schemeClr val="accent3"/>
+          </a:effectRef>
+          <a:fontRef idx="minor">
+            <a:schemeClr val="dk1"/>
+          </a:fontRef>
+        </p:style>
+        <p:txBody>
+          <a:bodyPr rtlCol="0" anchor="ctr"/>
+          <a:lstStyle/>
+          <a:p>
+            <a:pPr algn="ctr"/>
+            <a:r>
+              <a:rPr lang="en-US" altLang="zh-CN" sz="2000">
+                <a:solidFill>
+                  <a:schemeClr val="tx1"/>
+                </a:solidFill>
+              </a:rPr>
+              <a:t>VM</a:t>
+            </a:r>
+            <a:endParaRPr lang="zh-CN" altLang="en-US" sz="2000">
+              <a:solidFill>
+                <a:schemeClr val="tx1"/>
+              </a:solidFill>
+            </a:endParaRPr>
+          </a:p>
+        </p:txBody>
+      </p:sp>
+      <p:cxnSp>
+        <p:nvCxnSpPr>
+          <p:cNvPr id="142" name="连接符: 曲线 141">
+            <a:extLst>
+              <a:ext uri="{FF2B5EF4-FFF2-40B4-BE49-F238E27FC236}">
+                <a16:creationId xmlns:a16="http://schemas.microsoft.com/office/drawing/2014/main" id="{0E0F810F-101E-4929-82BF-F6B0B2A7AFD3}"/>
+              </a:ext>
+            </a:extLst>
+          </p:cNvPr>
+          <p:cNvCxnSpPr>
+            <a:cxnSpLocks/>
+            <a:stCxn id="97" idx="3"/>
+            <a:endCxn id="6" idx="0"/>
+          </p:cNvCxnSpPr>
+          <p:nvPr/>
+        </p:nvCxnSpPr>
+        <p:spPr>
+          <a:xfrm flipV="1">
+            <a:off x="1691520" y="1456804"/>
+            <a:ext cx="2867907" cy="54676"/>
+          </a:xfrm>
+          <a:prstGeom prst="curvedConnector4">
+            <a:avLst>
+              <a:gd name="adj1" fmla="val 38129"/>
+              <a:gd name="adj2" fmla="val 1262464"/>
+            </a:avLst>
+          </a:prstGeom>
+          <a:ln>
+            <a:tailEnd type="triangle"/>
+          </a:ln>
+        </p:spPr>
+        <p:style>
+          <a:lnRef idx="2">
+            <a:schemeClr val="accent3"/>
+          </a:lnRef>
+          <a:fillRef idx="1">
+            <a:schemeClr val="lt1"/>
+          </a:fillRef>
+          <a:effectRef idx="0">
+            <a:schemeClr val="accent3"/>
+          </a:effectRef>
+          <a:fontRef idx="minor">
+            <a:schemeClr val="dk1"/>
+          </a:fontRef>
+        </p:style>
+      </p:cxnSp>
+      <p:sp>
+        <p:nvSpPr>
+          <p:cNvPr id="149" name="矩形 148">
+            <a:extLst>
+              <a:ext uri="{FF2B5EF4-FFF2-40B4-BE49-F238E27FC236}">
+                <a16:creationId xmlns:a16="http://schemas.microsoft.com/office/drawing/2014/main" id="{F3B9E50D-AE17-45F1-8481-3F53CA948CC6}"/>
+              </a:ext>
+            </a:extLst>
+          </p:cNvPr>
+          <p:cNvSpPr/>
+          <p:nvPr/>
+        </p:nvSpPr>
+        <p:spPr>
+          <a:xfrm>
+            <a:off x="2753541" y="806318"/>
+            <a:ext cx="902811" cy="307777"/>
           </a:xfrm>
           <a:prstGeom prst="rect">
             <a:avLst/>
           </a:prstGeom>
-          <a:effectLst>
-            <a:outerShdw blurRad="50800" dist="38100" dir="10800000" algn="r" rotWithShape="0">
-              <a:prstClr val="black">
-                <a:alpha val="40000"/>
-              </a:prstClr>
-            </a:outerShdw>
-          </a:effectLst>
-        </p:spPr>
-        <p:style>
-          <a:lnRef idx="1">
-            <a:schemeClr val="accent4"/>
-          </a:lnRef>
-          <a:fillRef idx="3">
-            <a:schemeClr val="accent4"/>
-          </a:fillRef>
-          <a:effectRef idx="2">
-            <a:schemeClr val="accent4"/>
-          </a:effectRef>
-          <a:fontRef idx="minor">
-            <a:schemeClr val="lt1"/>
-          </a:fontRef>
-        </p:style>
-        <p:txBody>
-          <a:bodyPr rtlCol="0" anchor="ctr"/>
-          <a:lstStyle/>
-          <a:p>
-            <a:pPr algn="ctr"/>
-            <a:endParaRPr lang="zh-CN" altLang="en-US"/>
-          </a:p>
-        </p:txBody>
-      </p:sp>
-      <p:sp>
-        <p:nvSpPr>
-          <p:cNvPr id="10" name="文本框 9">
-            <a:extLst>
-              <a:ext uri="{FF2B5EF4-FFF2-40B4-BE49-F238E27FC236}">
-                <a16:creationId xmlns:a16="http://schemas.microsoft.com/office/drawing/2014/main" id="{2EEC9105-5514-4FBB-AAEA-7FB1872DF9AD}"/>
-              </a:ext>
-            </a:extLst>
-          </p:cNvPr>
-          <p:cNvSpPr txBox="1"/>
-          <p:nvPr/>
-        </p:nvSpPr>
-        <p:spPr>
-          <a:xfrm>
-            <a:off x="7261112" y="5101085"/>
-            <a:ext cx="2973921" cy="769441"/>
-          </a:xfrm>
-          <a:prstGeom prst="rect">
-            <a:avLst/>
-          </a:prstGeom>
-        </p:spPr>
-        <p:style>
-          <a:lnRef idx="0">
-            <a:schemeClr val="accent3"/>
-          </a:lnRef>
-          <a:fillRef idx="3">
-            <a:schemeClr val="accent3"/>
-          </a:fillRef>
-          <a:effectRef idx="3">
-            <a:schemeClr val="accent3"/>
-          </a:effectRef>
-          <a:fontRef idx="minor">
-            <a:schemeClr val="lt1"/>
-          </a:fontRef>
-        </p:style>
-        <p:txBody>
-          <a:bodyPr wrap="square" rtlCol="0">
+        </p:spPr>
+        <p:style>
+          <a:lnRef idx="2">
+            <a:schemeClr val="accent3"/>
+          </a:lnRef>
+          <a:fillRef idx="1">
+            <a:schemeClr val="lt1"/>
+          </a:fillRef>
+          <a:effectRef idx="0">
+            <a:schemeClr val="accent3"/>
+          </a:effectRef>
+          <a:fontRef idx="minor">
+            <a:schemeClr val="dk1"/>
+          </a:fontRef>
+        </p:style>
+        <p:txBody>
+          <a:bodyPr wrap="none">
             <a:spAutoFit/>
           </a:bodyPr>
           <a:lstStyle/>
           <a:p>
-            <a:pPr algn="ctr"/>
-            <a:r>
-              <a:rPr lang="en-US" altLang="zh-CN" sz="2800"/>
-              <a:t>andriod/ios</a:t>
-            </a:r>
-          </a:p>
-          <a:p>
-            <a:pPr algn="ctr"/>
-            <a:r>
-              <a:rPr lang="zh-CN" altLang="en-US" sz="1600"/>
-              <a:t>操作系统</a:t>
-            </a:r>
-          </a:p>
-        </p:txBody>
-      </p:sp>
-      <p:sp>
-        <p:nvSpPr>
-          <p:cNvPr id="11" name="矩形: 圆角 10">
-            <a:extLst>
-              <a:ext uri="{FF2B5EF4-FFF2-40B4-BE49-F238E27FC236}">
-                <a16:creationId xmlns:a16="http://schemas.microsoft.com/office/drawing/2014/main" id="{44A3267B-46F7-4F8F-BAAE-36018C2702A1}"/>
+            <a:r>
+              <a:rPr lang="zh-CN" altLang="en-US" sz="1400"/>
+              <a:t>取出属性</a:t>
+            </a:r>
+          </a:p>
+        </p:txBody>
+      </p:sp>
+      <p:cxnSp>
+        <p:nvCxnSpPr>
+          <p:cNvPr id="154" name="连接符: 曲线 153">
+            <a:extLst>
+              <a:ext uri="{FF2B5EF4-FFF2-40B4-BE49-F238E27FC236}">
+                <a16:creationId xmlns:a16="http://schemas.microsoft.com/office/drawing/2014/main" id="{3F1D2D43-8103-4A8D-8624-27BDE9F55F4C}"/>
+              </a:ext>
+            </a:extLst>
+          </p:cNvPr>
+          <p:cNvCxnSpPr>
+            <a:cxnSpLocks/>
+            <a:stCxn id="13" idx="2"/>
+            <a:endCxn id="96" idx="3"/>
+          </p:cNvCxnSpPr>
+          <p:nvPr/>
+        </p:nvCxnSpPr>
+        <p:spPr>
+          <a:xfrm rot="5400000" flipH="1">
+            <a:off x="2681900" y="641732"/>
+            <a:ext cx="139676" cy="3615377"/>
+          </a:xfrm>
+          <a:prstGeom prst="curvedConnector3">
+            <a:avLst>
+              <a:gd name="adj1" fmla="val -163664"/>
+            </a:avLst>
+          </a:prstGeom>
+          <a:ln>
+            <a:tailEnd type="triangle"/>
+          </a:ln>
+        </p:spPr>
+        <p:style>
+          <a:lnRef idx="3">
+            <a:schemeClr val="accent2"/>
+          </a:lnRef>
+          <a:fillRef idx="0">
+            <a:schemeClr val="accent2"/>
+          </a:fillRef>
+          <a:effectRef idx="2">
+            <a:schemeClr val="accent2"/>
+          </a:effectRef>
+          <a:fontRef idx="minor">
+            <a:schemeClr val="tx1"/>
+          </a:fontRef>
+        </p:style>
+      </p:cxnSp>
+      <p:sp>
+        <p:nvSpPr>
+          <p:cNvPr id="150" name="矩形 149">
+            <a:extLst>
+              <a:ext uri="{FF2B5EF4-FFF2-40B4-BE49-F238E27FC236}">
+                <a16:creationId xmlns:a16="http://schemas.microsoft.com/office/drawing/2014/main" id="{3801FF16-C5C4-4109-B49D-7D1804C4A37F}"/>
               </a:ext>
             </a:extLst>
           </p:cNvPr>
@@ -5509,192 +9531,132 @@
         </p:nvSpPr>
         <p:spPr>
           <a:xfrm>
-            <a:off x="7250433" y="1023110"/>
-            <a:ext cx="3031424" cy="3049150"/>
-          </a:xfrm>
-          <a:prstGeom prst="roundRect">
-            <a:avLst>
-              <a:gd name="adj" fmla="val 5161"/>
-            </a:avLst>
-          </a:prstGeom>
-          <a:effectLst>
-            <a:outerShdw blurRad="50800" dist="38100" dir="5400000" algn="t" rotWithShape="0">
-              <a:prstClr val="black">
-                <a:alpha val="40000"/>
-              </a:prstClr>
-            </a:outerShdw>
-          </a:effectLst>
+            <a:off x="2334881" y="2601831"/>
+            <a:ext cx="1082348" cy="307777"/>
+          </a:xfrm>
+          <a:prstGeom prst="rect">
+            <a:avLst/>
+          </a:prstGeom>
         </p:spPr>
         <p:style>
           <a:lnRef idx="2">
-            <a:schemeClr val="accent6">
-              <a:shade val="50000"/>
-            </a:schemeClr>
+            <a:schemeClr val="accent2"/>
           </a:lnRef>
           <a:fillRef idx="1">
-            <a:schemeClr val="accent6"/>
-          </a:fillRef>
-          <a:effectRef idx="0">
-            <a:schemeClr val="accent6"/>
-          </a:effectRef>
-          <a:fontRef idx="minor">
-            <a:schemeClr val="lt1"/>
-          </a:fontRef>
-        </p:style>
-        <p:txBody>
-          <a:bodyPr rtlCol="0" anchor="ctr"/>
-          <a:lstStyle/>
-          <a:p>
-            <a:pPr algn="ctr"/>
-            <a:endParaRPr lang="zh-CN" altLang="en-US"/>
-          </a:p>
-        </p:txBody>
-      </p:sp>
-      <p:sp>
-        <p:nvSpPr>
-          <p:cNvPr id="12" name="云形 11">
-            <a:extLst>
-              <a:ext uri="{FF2B5EF4-FFF2-40B4-BE49-F238E27FC236}">
-                <a16:creationId xmlns:a16="http://schemas.microsoft.com/office/drawing/2014/main" id="{AC6539C3-A5E9-4FBD-810D-75EAE0D93C09}"/>
-              </a:ext>
-            </a:extLst>
-          </p:cNvPr>
-          <p:cNvSpPr/>
-          <p:nvPr/>
-        </p:nvSpPr>
-        <p:spPr>
-          <a:xfrm>
-            <a:off x="8954369" y="1250009"/>
-            <a:ext cx="1132000" cy="829384"/>
-          </a:xfrm>
-          <a:prstGeom prst="cloud">
-            <a:avLst/>
-          </a:prstGeom>
-        </p:spPr>
-        <p:style>
-          <a:lnRef idx="0">
-            <a:schemeClr val="accent4"/>
-          </a:lnRef>
-          <a:fillRef idx="3">
-            <a:schemeClr val="accent4"/>
-          </a:fillRef>
-          <a:effectRef idx="3">
-            <a:schemeClr val="accent4"/>
-          </a:effectRef>
-          <a:fontRef idx="minor">
-            <a:schemeClr val="lt1"/>
-          </a:fontRef>
-        </p:style>
-        <p:txBody>
-          <a:bodyPr rtlCol="0" anchor="ctr"/>
-          <a:lstStyle/>
-          <a:p>
-            <a:pPr algn="ctr"/>
-            <a:r>
-              <a:rPr lang="zh-CN" altLang="en-US"/>
-              <a:t>移动</a:t>
-            </a:r>
-            <a:r>
-              <a:rPr lang="en-US" altLang="zh-CN"/>
-              <a:t>web1</a:t>
-            </a:r>
-            <a:endParaRPr lang="zh-CN" altLang="en-US"/>
-          </a:p>
-        </p:txBody>
-      </p:sp>
-      <p:sp>
-        <p:nvSpPr>
-          <p:cNvPr id="13" name="云形 12">
-            <a:extLst>
-              <a:ext uri="{FF2B5EF4-FFF2-40B4-BE49-F238E27FC236}">
-                <a16:creationId xmlns:a16="http://schemas.microsoft.com/office/drawing/2014/main" id="{16CC9B90-5433-44E9-91A7-75350DD9CF2E}"/>
-              </a:ext>
-            </a:extLst>
-          </p:cNvPr>
-          <p:cNvSpPr/>
-          <p:nvPr/>
-        </p:nvSpPr>
-        <p:spPr>
-          <a:xfrm>
-            <a:off x="7458822" y="2775007"/>
-            <a:ext cx="1128387" cy="890832"/>
-          </a:xfrm>
-          <a:prstGeom prst="cloud">
-            <a:avLst/>
-          </a:prstGeom>
-        </p:spPr>
-        <p:style>
-          <a:lnRef idx="0">
+            <a:schemeClr val="lt1"/>
+          </a:fillRef>
+          <a:effectRef idx="0">
             <a:schemeClr val="accent2"/>
-          </a:lnRef>
-          <a:fillRef idx="3">
-            <a:schemeClr val="accent2"/>
-          </a:fillRef>
-          <a:effectRef idx="3">
-            <a:schemeClr val="accent2"/>
-          </a:effectRef>
-          <a:fontRef idx="minor">
-            <a:schemeClr val="lt1"/>
-          </a:fontRef>
-        </p:style>
-        <p:txBody>
-          <a:bodyPr rtlCol="0" anchor="ctr"/>
-          <a:lstStyle/>
-          <a:p>
-            <a:pPr algn="ctr"/>
-            <a:r>
-              <a:rPr lang="zh-CN" altLang="en-US"/>
-              <a:t>移动</a:t>
-            </a:r>
-            <a:r>
-              <a:rPr lang="en-US" altLang="zh-CN"/>
-              <a:t>web2</a:t>
-            </a:r>
-            <a:endParaRPr lang="zh-CN" altLang="en-US"/>
-          </a:p>
-        </p:txBody>
-      </p:sp>
-      <p:sp>
-        <p:nvSpPr>
-          <p:cNvPr id="17" name="文本框 16">
-            <a:extLst>
-              <a:ext uri="{FF2B5EF4-FFF2-40B4-BE49-F238E27FC236}">
-                <a16:creationId xmlns:a16="http://schemas.microsoft.com/office/drawing/2014/main" id="{72A316DD-7DF3-40B3-B32D-C25E208A97A5}"/>
-              </a:ext>
-            </a:extLst>
-          </p:cNvPr>
-          <p:cNvSpPr txBox="1"/>
-          <p:nvPr/>
-        </p:nvSpPr>
-        <p:spPr>
-          <a:xfrm>
-            <a:off x="9246281" y="3632666"/>
-            <a:ext cx="877163" cy="369332"/>
-          </a:xfrm>
-          <a:prstGeom prst="rect">
-            <a:avLst/>
-          </a:prstGeom>
-          <a:noFill/>
-        </p:spPr>
-        <p:txBody>
-          <a:bodyPr wrap="none" rtlCol="0">
+          </a:effectRef>
+          <a:fontRef idx="minor">
+            <a:schemeClr val="dk1"/>
+          </a:fontRef>
+        </p:style>
+        <p:txBody>
+          <a:bodyPr wrap="none">
             <a:spAutoFit/>
           </a:bodyPr>
           <a:lstStyle/>
           <a:p>
             <a:r>
-              <a:rPr lang="zh-CN" altLang="en-US"/>
-              <a:t>浏览器</a:t>
-            </a:r>
-          </a:p>
-        </p:txBody>
-      </p:sp>
-      <p:sp>
-        <p:nvSpPr>
-          <p:cNvPr id="18" name="箭头: 上下 17">
-            <a:extLst>
-              <a:ext uri="{FF2B5EF4-FFF2-40B4-BE49-F238E27FC236}">
-                <a16:creationId xmlns:a16="http://schemas.microsoft.com/office/drawing/2014/main" id="{377EAB35-513D-4D93-B9B1-BBAB0D5264AA}"/>
+              <a:rPr lang="zh-CN" altLang="en-US" sz="1400"/>
+              <a:t>更新属性值</a:t>
+            </a:r>
+          </a:p>
+        </p:txBody>
+      </p:sp>
+      <p:cxnSp>
+        <p:nvCxnSpPr>
+          <p:cNvPr id="166" name="连接符: 曲线 165">
+            <a:extLst>
+              <a:ext uri="{FF2B5EF4-FFF2-40B4-BE49-F238E27FC236}">
+                <a16:creationId xmlns:a16="http://schemas.microsoft.com/office/drawing/2014/main" id="{6EF13F2C-3A56-4EFD-B907-A019BE3A1530}"/>
+              </a:ext>
+            </a:extLst>
+          </p:cNvPr>
+          <p:cNvCxnSpPr>
+            <a:cxnSpLocks/>
+            <a:stCxn id="140" idx="0"/>
+            <a:endCxn id="5" idx="1"/>
+          </p:cNvCxnSpPr>
+          <p:nvPr/>
+        </p:nvCxnSpPr>
+        <p:spPr>
+          <a:xfrm rot="5400000" flipH="1" flipV="1">
+            <a:off x="1363385" y="2337363"/>
+            <a:ext cx="1374555" cy="448739"/>
+          </a:xfrm>
+          <a:prstGeom prst="curvedConnector2">
+            <a:avLst/>
+          </a:prstGeom>
+          <a:ln>
+            <a:tailEnd type="triangle"/>
+          </a:ln>
+        </p:spPr>
+        <p:style>
+          <a:lnRef idx="2">
+            <a:schemeClr val="accent3"/>
+          </a:lnRef>
+          <a:fillRef idx="1">
+            <a:schemeClr val="lt1"/>
+          </a:fillRef>
+          <a:effectRef idx="0">
+            <a:schemeClr val="accent3"/>
+          </a:effectRef>
+          <a:fontRef idx="minor">
+            <a:schemeClr val="dk1"/>
+          </a:fontRef>
+        </p:style>
+      </p:cxnSp>
+      <p:cxnSp>
+        <p:nvCxnSpPr>
+          <p:cNvPr id="170" name="连接符: 曲线 169">
+            <a:extLst>
+              <a:ext uri="{FF2B5EF4-FFF2-40B4-BE49-F238E27FC236}">
+                <a16:creationId xmlns:a16="http://schemas.microsoft.com/office/drawing/2014/main" id="{8D16456A-48DF-4EA1-B6BF-C130043F09BA}"/>
+              </a:ext>
+            </a:extLst>
+          </p:cNvPr>
+          <p:cNvCxnSpPr>
+            <a:cxnSpLocks/>
+            <a:stCxn id="140" idx="2"/>
+            <a:endCxn id="54" idx="1"/>
+          </p:cNvCxnSpPr>
+          <p:nvPr/>
+        </p:nvCxnSpPr>
+        <p:spPr>
+          <a:xfrm rot="16200000" flipH="1">
+            <a:off x="1774707" y="3845136"/>
+            <a:ext cx="559246" cy="456074"/>
+          </a:xfrm>
+          <a:prstGeom prst="curvedConnector2">
+            <a:avLst/>
+          </a:prstGeom>
+          <a:ln>
+            <a:tailEnd type="triangle"/>
+          </a:ln>
+        </p:spPr>
+        <p:style>
+          <a:lnRef idx="2">
+            <a:schemeClr val="accent3"/>
+          </a:lnRef>
+          <a:fillRef idx="1">
+            <a:schemeClr val="lt1"/>
+          </a:fillRef>
+          <a:effectRef idx="0">
+            <a:schemeClr val="accent3"/>
+          </a:effectRef>
+          <a:fontRef idx="minor">
+            <a:schemeClr val="dk1"/>
+          </a:fontRef>
+        </p:style>
+      </p:cxnSp>
+      <p:sp>
+        <p:nvSpPr>
+          <p:cNvPr id="191" name="矩形 190">
+            <a:extLst>
+              <a:ext uri="{FF2B5EF4-FFF2-40B4-BE49-F238E27FC236}">
+                <a16:creationId xmlns:a16="http://schemas.microsoft.com/office/drawing/2014/main" id="{D89AF707-7B98-4DE0-8C7B-99E5B09C5EC7}"/>
               </a:ext>
             </a:extLst>
           </p:cNvPr>
@@ -5703,30 +9665,274 @@
         </p:nvSpPr>
         <p:spPr>
           <a:xfrm>
-            <a:off x="8549328" y="4189767"/>
-            <a:ext cx="433633" cy="754293"/>
-          </a:xfrm>
-          <a:prstGeom prst="upDownArrow">
+            <a:off x="3928582" y="4728775"/>
+            <a:ext cx="1461613" cy="449005"/>
+          </a:xfrm>
+          <a:prstGeom prst="rect">
+            <a:avLst/>
+          </a:prstGeom>
+        </p:spPr>
+        <p:style>
+          <a:lnRef idx="2">
+            <a:schemeClr val="accent3"/>
+          </a:lnRef>
+          <a:fillRef idx="1">
+            <a:schemeClr val="lt1"/>
+          </a:fillRef>
+          <a:effectRef idx="0">
+            <a:schemeClr val="accent3"/>
+          </a:effectRef>
+          <a:fontRef idx="minor">
+            <a:schemeClr val="dk1"/>
+          </a:fontRef>
+        </p:style>
+        <p:txBody>
+          <a:bodyPr rtlCol="0" anchor="ctr"/>
+          <a:lstStyle/>
+          <a:p>
+            <a:pPr algn="ctr"/>
+            <a:r>
+              <a:rPr lang="en-US" altLang="zh-CN" sz="1600">
+                <a:solidFill>
+                  <a:schemeClr val="tx1"/>
+                </a:solidFill>
+              </a:rPr>
+              <a:t>v-model</a:t>
+            </a:r>
+            <a:endParaRPr lang="zh-CN" altLang="en-US" sz="1600">
+              <a:solidFill>
+                <a:schemeClr val="tx1"/>
+              </a:solidFill>
+            </a:endParaRPr>
+          </a:p>
+        </p:txBody>
+      </p:sp>
+      <p:cxnSp>
+        <p:nvCxnSpPr>
+          <p:cNvPr id="192" name="连接符: 曲线 191">
+            <a:extLst>
+              <a:ext uri="{FF2B5EF4-FFF2-40B4-BE49-F238E27FC236}">
+                <a16:creationId xmlns:a16="http://schemas.microsoft.com/office/drawing/2014/main" id="{278A3B55-19E3-4FB4-9992-47378CAD2BBD}"/>
+              </a:ext>
+            </a:extLst>
+          </p:cNvPr>
+          <p:cNvCxnSpPr>
+            <a:cxnSpLocks/>
+            <a:stCxn id="54" idx="3"/>
+            <a:endCxn id="191" idx="1"/>
+          </p:cNvCxnSpPr>
+          <p:nvPr/>
+        </p:nvCxnSpPr>
+        <p:spPr>
+          <a:xfrm>
+            <a:off x="3666649" y="4352796"/>
+            <a:ext cx="261933" cy="600482"/>
+          </a:xfrm>
+          <a:prstGeom prst="curvedConnector3">
             <a:avLst>
               <a:gd name="adj1" fmla="val 50000"/>
-              <a:gd name="adj2" fmla="val 43478"/>
             </a:avLst>
           </a:prstGeom>
+          <a:ln>
+            <a:tailEnd type="triangle"/>
+          </a:ln>
         </p:spPr>
         <p:style>
           <a:lnRef idx="2">
-            <a:schemeClr val="accent1">
-              <a:shade val="50000"/>
-            </a:schemeClr>
+            <a:schemeClr val="accent3"/>
           </a:lnRef>
           <a:fillRef idx="1">
-            <a:schemeClr val="accent1"/>
-          </a:fillRef>
-          <a:effectRef idx="0">
-            <a:schemeClr val="accent1"/>
-          </a:effectRef>
-          <a:fontRef idx="minor">
-            <a:schemeClr val="lt1"/>
+            <a:schemeClr val="lt1"/>
+          </a:fillRef>
+          <a:effectRef idx="0">
+            <a:schemeClr val="accent3"/>
+          </a:effectRef>
+          <a:fontRef idx="minor">
+            <a:schemeClr val="dk1"/>
+          </a:fontRef>
+        </p:style>
+      </p:cxnSp>
+      <p:cxnSp>
+        <p:nvCxnSpPr>
+          <p:cNvPr id="197" name="连接符: 曲线 196">
+            <a:extLst>
+              <a:ext uri="{FF2B5EF4-FFF2-40B4-BE49-F238E27FC236}">
+                <a16:creationId xmlns:a16="http://schemas.microsoft.com/office/drawing/2014/main" id="{D3548C1C-9DD0-441B-9BEA-EFD1D992D606}"/>
+              </a:ext>
+            </a:extLst>
+          </p:cNvPr>
+          <p:cNvCxnSpPr>
+            <a:cxnSpLocks/>
+            <a:stCxn id="226" idx="3"/>
+            <a:endCxn id="13" idx="0"/>
+          </p:cNvCxnSpPr>
+          <p:nvPr/>
+        </p:nvCxnSpPr>
+        <p:spPr>
+          <a:xfrm rot="16200000" flipH="1" flipV="1">
+            <a:off x="7495478" y="-1538090"/>
+            <a:ext cx="713918" cy="6586022"/>
+          </a:xfrm>
+          <a:prstGeom prst="curvedConnector3">
+            <a:avLst>
+              <a:gd name="adj1" fmla="val -97018"/>
+            </a:avLst>
+          </a:prstGeom>
+          <a:ln>
+            <a:tailEnd type="triangle"/>
+          </a:ln>
+        </p:spPr>
+        <p:style>
+          <a:lnRef idx="3">
+            <a:schemeClr val="accent2"/>
+          </a:lnRef>
+          <a:fillRef idx="0">
+            <a:schemeClr val="accent2"/>
+          </a:fillRef>
+          <a:effectRef idx="2">
+            <a:schemeClr val="accent2"/>
+          </a:effectRef>
+          <a:fontRef idx="minor">
+            <a:schemeClr val="tx1"/>
+          </a:fontRef>
+        </p:style>
+      </p:cxnSp>
+      <p:sp>
+        <p:nvSpPr>
+          <p:cNvPr id="43" name="矩形 42">
+            <a:extLst>
+              <a:ext uri="{FF2B5EF4-FFF2-40B4-BE49-F238E27FC236}">
+                <a16:creationId xmlns:a16="http://schemas.microsoft.com/office/drawing/2014/main" id="{2739A8A2-3422-45B2-BB05-340A39A7B6B3}"/>
+              </a:ext>
+            </a:extLst>
+          </p:cNvPr>
+          <p:cNvSpPr/>
+          <p:nvPr/>
+        </p:nvSpPr>
+        <p:spPr>
+          <a:xfrm>
+            <a:off x="6315951" y="2572832"/>
+            <a:ext cx="954107" cy="461665"/>
+          </a:xfrm>
+          <a:prstGeom prst="rect">
+            <a:avLst/>
+          </a:prstGeom>
+        </p:spPr>
+        <p:style>
+          <a:lnRef idx="2">
+            <a:schemeClr val="accent4"/>
+          </a:lnRef>
+          <a:fillRef idx="1">
+            <a:schemeClr val="lt1"/>
+          </a:fillRef>
+          <a:effectRef idx="0">
+            <a:schemeClr val="accent4"/>
+          </a:effectRef>
+          <a:fontRef idx="minor">
+            <a:schemeClr val="dk1"/>
+          </a:fontRef>
+        </p:style>
+        <p:txBody>
+          <a:bodyPr wrap="none">
+            <a:spAutoFit/>
+          </a:bodyPr>
+          <a:lstStyle/>
+          <a:p>
+            <a:r>
+              <a:rPr lang="zh-CN" altLang="en-US" sz="1200"/>
+              <a:t>触发事件</a:t>
+            </a:r>
+            <a:endParaRPr lang="en-US" altLang="zh-CN" sz="1200"/>
+          </a:p>
+          <a:p>
+            <a:r>
+              <a:rPr lang="zh-CN" altLang="en-US" sz="1200"/>
+              <a:t>执行观察者</a:t>
+            </a:r>
+          </a:p>
+        </p:txBody>
+      </p:sp>
+      <p:sp>
+        <p:nvSpPr>
+          <p:cNvPr id="81" name="矩形 80">
+            <a:extLst>
+              <a:ext uri="{FF2B5EF4-FFF2-40B4-BE49-F238E27FC236}">
+                <a16:creationId xmlns:a16="http://schemas.microsoft.com/office/drawing/2014/main" id="{4F635D67-274B-44E1-B00A-CC6C4DB99810}"/>
+              </a:ext>
+            </a:extLst>
+          </p:cNvPr>
+          <p:cNvSpPr/>
+          <p:nvPr/>
+        </p:nvSpPr>
+        <p:spPr>
+          <a:xfrm>
+            <a:off x="9406036" y="737444"/>
+            <a:ext cx="1107996" cy="276999"/>
+          </a:xfrm>
+          <a:prstGeom prst="rect">
+            <a:avLst/>
+          </a:prstGeom>
+        </p:spPr>
+        <p:style>
+          <a:lnRef idx="2">
+            <a:schemeClr val="accent4"/>
+          </a:lnRef>
+          <a:fillRef idx="1">
+            <a:schemeClr val="lt1"/>
+          </a:fillRef>
+          <a:effectRef idx="0">
+            <a:schemeClr val="accent4"/>
+          </a:effectRef>
+          <a:fontRef idx="minor">
+            <a:schemeClr val="dk1"/>
+          </a:fontRef>
+        </p:style>
+        <p:txBody>
+          <a:bodyPr wrap="none">
+            <a:spAutoFit/>
+          </a:bodyPr>
+          <a:lstStyle/>
+          <a:p>
+            <a:r>
+              <a:rPr lang="zh-CN" altLang="en-US" sz="1200"/>
+              <a:t>从视图到数据</a:t>
+            </a:r>
+          </a:p>
+        </p:txBody>
+      </p:sp>
+      <p:sp>
+        <p:nvSpPr>
+          <p:cNvPr id="101" name="缺角矩形 100">
+            <a:extLst>
+              <a:ext uri="{FF2B5EF4-FFF2-40B4-BE49-F238E27FC236}">
+                <a16:creationId xmlns:a16="http://schemas.microsoft.com/office/drawing/2014/main" id="{82F75096-EB12-4A21-AB74-45C47AE8C96C}"/>
+              </a:ext>
+            </a:extLst>
+          </p:cNvPr>
+          <p:cNvSpPr/>
+          <p:nvPr/>
+        </p:nvSpPr>
+        <p:spPr>
+          <a:xfrm>
+            <a:off x="6419759" y="3959780"/>
+            <a:ext cx="896426" cy="793252"/>
+          </a:xfrm>
+          <a:prstGeom prst="plaque">
+            <a:avLst/>
+          </a:prstGeom>
+        </p:spPr>
+        <p:style>
+          <a:lnRef idx="2">
+            <a:schemeClr val="accent3"/>
+          </a:lnRef>
+          <a:fillRef idx="1">
+            <a:schemeClr val="lt1"/>
+          </a:fillRef>
+          <a:effectRef idx="0">
+            <a:schemeClr val="accent3"/>
+          </a:effectRef>
+          <a:fontRef idx="minor">
+            <a:schemeClr val="dk1"/>
           </a:fontRef>
         </p:style>
         <p:txBody>
@@ -5734,14 +9940,498 @@
           <a:lstStyle/>
           <a:p>
             <a:pPr algn="ctr"/>
-            <a:endParaRPr lang="zh-CN" altLang="en-US"/>
-          </a:p>
-        </p:txBody>
-      </p:sp>
+            <a:r>
+              <a:rPr lang="zh-CN" altLang="en-US">
+                <a:solidFill>
+                  <a:schemeClr val="tx1"/>
+                </a:solidFill>
+              </a:rPr>
+              <a:t>事件名</a:t>
+            </a:r>
+            <a:r>
+              <a:rPr lang="en-US" altLang="zh-CN">
+                <a:solidFill>
+                  <a:schemeClr val="tx1"/>
+                </a:solidFill>
+              </a:rPr>
+              <a:t>2</a:t>
+            </a:r>
+            <a:endParaRPr lang="zh-CN" altLang="en-US">
+              <a:solidFill>
+                <a:schemeClr val="tx1"/>
+              </a:solidFill>
+            </a:endParaRPr>
+          </a:p>
+        </p:txBody>
+      </p:sp>
+      <p:cxnSp>
+        <p:nvCxnSpPr>
+          <p:cNvPr id="106" name="连接符: 曲线 105">
+            <a:extLst>
+              <a:ext uri="{FF2B5EF4-FFF2-40B4-BE49-F238E27FC236}">
+                <a16:creationId xmlns:a16="http://schemas.microsoft.com/office/drawing/2014/main" id="{7BBF49DB-B969-464C-834C-42CA178B3815}"/>
+              </a:ext>
+            </a:extLst>
+          </p:cNvPr>
+          <p:cNvCxnSpPr>
+            <a:cxnSpLocks/>
+            <a:stCxn id="27" idx="3"/>
+          </p:cNvCxnSpPr>
+          <p:nvPr/>
+        </p:nvCxnSpPr>
+        <p:spPr>
+          <a:xfrm>
+            <a:off x="8614901" y="1371255"/>
+            <a:ext cx="1129573" cy="864381"/>
+          </a:xfrm>
+          <a:prstGeom prst="curvedConnector3">
+            <a:avLst>
+              <a:gd name="adj1" fmla="val 50000"/>
+            </a:avLst>
+          </a:prstGeom>
+          <a:ln>
+            <a:tailEnd type="triangle"/>
+          </a:ln>
+        </p:spPr>
+        <p:style>
+          <a:lnRef idx="2">
+            <a:schemeClr val="accent3"/>
+          </a:lnRef>
+          <a:fillRef idx="1">
+            <a:schemeClr val="lt1"/>
+          </a:fillRef>
+          <a:effectRef idx="0">
+            <a:schemeClr val="accent3"/>
+          </a:effectRef>
+          <a:fontRef idx="minor">
+            <a:schemeClr val="dk1"/>
+          </a:fontRef>
+        </p:style>
+      </p:cxnSp>
+      <p:cxnSp>
+        <p:nvCxnSpPr>
+          <p:cNvPr id="107" name="连接符: 曲线 106">
+            <a:extLst>
+              <a:ext uri="{FF2B5EF4-FFF2-40B4-BE49-F238E27FC236}">
+                <a16:creationId xmlns:a16="http://schemas.microsoft.com/office/drawing/2014/main" id="{F7B30DEA-781A-4C6C-B641-206BDC834063}"/>
+              </a:ext>
+            </a:extLst>
+          </p:cNvPr>
+          <p:cNvCxnSpPr>
+            <a:cxnSpLocks/>
+            <a:stCxn id="28" idx="3"/>
+          </p:cNvCxnSpPr>
+          <p:nvPr/>
+        </p:nvCxnSpPr>
+        <p:spPr>
+          <a:xfrm>
+            <a:off x="8614900" y="1893078"/>
+            <a:ext cx="1129574" cy="469452"/>
+          </a:xfrm>
+          <a:prstGeom prst="curvedConnector3">
+            <a:avLst>
+              <a:gd name="adj1" fmla="val 50000"/>
+            </a:avLst>
+          </a:prstGeom>
+          <a:ln>
+            <a:tailEnd type="triangle"/>
+          </a:ln>
+        </p:spPr>
+        <p:style>
+          <a:lnRef idx="2">
+            <a:schemeClr val="accent3"/>
+          </a:lnRef>
+          <a:fillRef idx="1">
+            <a:schemeClr val="lt1"/>
+          </a:fillRef>
+          <a:effectRef idx="0">
+            <a:schemeClr val="accent3"/>
+          </a:effectRef>
+          <a:fontRef idx="minor">
+            <a:schemeClr val="dk1"/>
+          </a:fontRef>
+        </p:style>
+      </p:cxnSp>
+      <p:cxnSp>
+        <p:nvCxnSpPr>
+          <p:cNvPr id="109" name="连接符: 曲线 108">
+            <a:extLst>
+              <a:ext uri="{FF2B5EF4-FFF2-40B4-BE49-F238E27FC236}">
+                <a16:creationId xmlns:a16="http://schemas.microsoft.com/office/drawing/2014/main" id="{E531C2C9-3BCE-4597-A806-25AA73A2A423}"/>
+              </a:ext>
+            </a:extLst>
+          </p:cNvPr>
+          <p:cNvCxnSpPr>
+            <a:cxnSpLocks/>
+            <a:stCxn id="29" idx="3"/>
+          </p:cNvCxnSpPr>
+          <p:nvPr/>
+        </p:nvCxnSpPr>
+        <p:spPr>
+          <a:xfrm>
+            <a:off x="8633684" y="2404112"/>
+            <a:ext cx="1085271" cy="276742"/>
+          </a:xfrm>
+          <a:prstGeom prst="curvedConnector3">
+            <a:avLst>
+              <a:gd name="adj1" fmla="val 50000"/>
+            </a:avLst>
+          </a:prstGeom>
+          <a:ln>
+            <a:tailEnd type="triangle"/>
+          </a:ln>
+        </p:spPr>
+        <p:style>
+          <a:lnRef idx="2">
+            <a:schemeClr val="accent3"/>
+          </a:lnRef>
+          <a:fillRef idx="1">
+            <a:schemeClr val="lt1"/>
+          </a:fillRef>
+          <a:effectRef idx="0">
+            <a:schemeClr val="accent3"/>
+          </a:effectRef>
+          <a:fontRef idx="minor">
+            <a:schemeClr val="dk1"/>
+          </a:fontRef>
+        </p:style>
+      </p:cxnSp>
+      <p:sp>
+        <p:nvSpPr>
+          <p:cNvPr id="163" name="矩形 162">
+            <a:extLst>
+              <a:ext uri="{FF2B5EF4-FFF2-40B4-BE49-F238E27FC236}">
+                <a16:creationId xmlns:a16="http://schemas.microsoft.com/office/drawing/2014/main" id="{AC24166C-EAB6-4A35-9D8C-0B1EC70107F0}"/>
+              </a:ext>
+            </a:extLst>
+          </p:cNvPr>
+          <p:cNvSpPr/>
+          <p:nvPr/>
+        </p:nvSpPr>
+        <p:spPr>
+          <a:xfrm rot="17177135">
+            <a:off x="9018769" y="2166298"/>
+            <a:ext cx="902811" cy="307777"/>
+          </a:xfrm>
+          <a:prstGeom prst="rect">
+            <a:avLst/>
+          </a:prstGeom>
+        </p:spPr>
+        <p:style>
+          <a:lnRef idx="2">
+            <a:schemeClr val="accent2"/>
+          </a:lnRef>
+          <a:fillRef idx="1">
+            <a:schemeClr val="lt1"/>
+          </a:fillRef>
+          <a:effectRef idx="0">
+            <a:schemeClr val="accent2"/>
+          </a:effectRef>
+          <a:fontRef idx="minor">
+            <a:schemeClr val="dk1"/>
+          </a:fontRef>
+        </p:style>
+        <p:txBody>
+          <a:bodyPr wrap="none">
+            <a:spAutoFit/>
+          </a:bodyPr>
+          <a:lstStyle/>
+          <a:p>
+            <a:r>
+              <a:rPr lang="zh-CN" altLang="en-US" sz="1400"/>
+              <a:t>更新视图</a:t>
+            </a:r>
+          </a:p>
+        </p:txBody>
+      </p:sp>
+      <p:sp>
+        <p:nvSpPr>
+          <p:cNvPr id="226" name="闪电形 225">
+            <a:extLst>
+              <a:ext uri="{FF2B5EF4-FFF2-40B4-BE49-F238E27FC236}">
+                <a16:creationId xmlns:a16="http://schemas.microsoft.com/office/drawing/2014/main" id="{187F8742-F1E2-4666-B2F9-03F2603627C8}"/>
+              </a:ext>
+            </a:extLst>
+          </p:cNvPr>
+          <p:cNvSpPr/>
+          <p:nvPr/>
+        </p:nvSpPr>
+        <p:spPr>
+          <a:xfrm rot="4838958">
+            <a:off x="10833033" y="933936"/>
+            <a:ext cx="990380" cy="941093"/>
+          </a:xfrm>
+          <a:prstGeom prst="lightningBolt">
+            <a:avLst/>
+          </a:prstGeom>
+        </p:spPr>
+        <p:style>
+          <a:lnRef idx="2">
+            <a:schemeClr val="accent4"/>
+          </a:lnRef>
+          <a:fillRef idx="1">
+            <a:schemeClr val="lt1"/>
+          </a:fillRef>
+          <a:effectRef idx="0">
+            <a:schemeClr val="accent4"/>
+          </a:effectRef>
+          <a:fontRef idx="minor">
+            <a:schemeClr val="dk1"/>
+          </a:fontRef>
+        </p:style>
+        <p:txBody>
+          <a:bodyPr rtlCol="0" anchor="ctr"/>
+          <a:lstStyle/>
+          <a:p>
+            <a:pPr algn="ctr"/>
+            <a:endParaRPr lang="zh-CN" altLang="en-US">
+              <a:solidFill>
+                <a:schemeClr val="tx1"/>
+              </a:solidFill>
+            </a:endParaRPr>
+          </a:p>
+        </p:txBody>
+      </p:sp>
+      <p:sp>
+        <p:nvSpPr>
+          <p:cNvPr id="227" name="矩形 226">
+            <a:extLst>
+              <a:ext uri="{FF2B5EF4-FFF2-40B4-BE49-F238E27FC236}">
+                <a16:creationId xmlns:a16="http://schemas.microsoft.com/office/drawing/2014/main" id="{B2BE4379-8055-4E4C-B63E-5DE483B67EC3}"/>
+              </a:ext>
+            </a:extLst>
+          </p:cNvPr>
+          <p:cNvSpPr/>
+          <p:nvPr/>
+        </p:nvSpPr>
+        <p:spPr>
+          <a:xfrm rot="18508605">
+            <a:off x="10716049" y="1104031"/>
+            <a:ext cx="1347313" cy="307777"/>
+          </a:xfrm>
+          <a:prstGeom prst="rect">
+            <a:avLst/>
+          </a:prstGeom>
+          <a:ln>
+            <a:noFill/>
+          </a:ln>
+        </p:spPr>
+        <p:style>
+          <a:lnRef idx="2">
+            <a:schemeClr val="accent3"/>
+          </a:lnRef>
+          <a:fillRef idx="1">
+            <a:schemeClr val="lt1"/>
+          </a:fillRef>
+          <a:effectRef idx="0">
+            <a:schemeClr val="accent3"/>
+          </a:effectRef>
+          <a:fontRef idx="minor">
+            <a:schemeClr val="dk1"/>
+          </a:fontRef>
+        </p:style>
+        <p:txBody>
+          <a:bodyPr wrap="square">
+            <a:spAutoFit/>
+          </a:bodyPr>
+          <a:lstStyle/>
+          <a:p>
+            <a:pPr algn="ctr"/>
+            <a:r>
+              <a:rPr lang="en-US" altLang="zh-CN" sz="1400"/>
+              <a:t>input</a:t>
+            </a:r>
+            <a:r>
+              <a:rPr lang="zh-CN" altLang="en-US" sz="1400"/>
+              <a:t>事件</a:t>
+            </a:r>
+          </a:p>
+        </p:txBody>
+      </p:sp>
+      <p:cxnSp>
+        <p:nvCxnSpPr>
+          <p:cNvPr id="257" name="连接符: 曲线 256">
+            <a:extLst>
+              <a:ext uri="{FF2B5EF4-FFF2-40B4-BE49-F238E27FC236}">
+                <a16:creationId xmlns:a16="http://schemas.microsoft.com/office/drawing/2014/main" id="{563DA110-7062-4A1C-9C9C-35B7B8A66277}"/>
+              </a:ext>
+            </a:extLst>
+          </p:cNvPr>
+          <p:cNvCxnSpPr>
+            <a:cxnSpLocks/>
+            <a:stCxn id="58" idx="3"/>
+            <a:endCxn id="93" idx="2"/>
+          </p:cNvCxnSpPr>
+          <p:nvPr/>
+        </p:nvCxnSpPr>
+        <p:spPr>
+          <a:xfrm flipV="1">
+            <a:off x="5362035" y="3188598"/>
+            <a:ext cx="5553878" cy="560840"/>
+          </a:xfrm>
+          <a:prstGeom prst="curvedConnector2">
+            <a:avLst/>
+          </a:prstGeom>
+          <a:ln>
+            <a:tailEnd type="triangle"/>
+          </a:ln>
+        </p:spPr>
+        <p:style>
+          <a:lnRef idx="2">
+            <a:schemeClr val="accent3"/>
+          </a:lnRef>
+          <a:fillRef idx="1">
+            <a:schemeClr val="lt1"/>
+          </a:fillRef>
+          <a:effectRef idx="0">
+            <a:schemeClr val="accent3"/>
+          </a:effectRef>
+          <a:fontRef idx="minor">
+            <a:schemeClr val="dk1"/>
+          </a:fontRef>
+        </p:style>
+      </p:cxnSp>
+      <p:sp>
+        <p:nvSpPr>
+          <p:cNvPr id="209" name="矩形 208">
+            <a:extLst>
+              <a:ext uri="{FF2B5EF4-FFF2-40B4-BE49-F238E27FC236}">
+                <a16:creationId xmlns:a16="http://schemas.microsoft.com/office/drawing/2014/main" id="{46758EF9-3B60-492A-AD2B-1E68A85CE0E7}"/>
+              </a:ext>
+            </a:extLst>
+          </p:cNvPr>
+          <p:cNvSpPr/>
+          <p:nvPr/>
+        </p:nvSpPr>
+        <p:spPr>
+          <a:xfrm>
+            <a:off x="9293829" y="3336945"/>
+            <a:ext cx="1107996" cy="276999"/>
+          </a:xfrm>
+          <a:prstGeom prst="rect">
+            <a:avLst/>
+          </a:prstGeom>
+        </p:spPr>
+        <p:style>
+          <a:lnRef idx="2">
+            <a:schemeClr val="accent3"/>
+          </a:lnRef>
+          <a:fillRef idx="1">
+            <a:schemeClr val="lt1"/>
+          </a:fillRef>
+          <a:effectRef idx="0">
+            <a:schemeClr val="accent3"/>
+          </a:effectRef>
+          <a:fontRef idx="minor">
+            <a:schemeClr val="dk1"/>
+          </a:fontRef>
+        </p:style>
+        <p:txBody>
+          <a:bodyPr wrap="none">
+            <a:spAutoFit/>
+          </a:bodyPr>
+          <a:lstStyle/>
+          <a:p>
+            <a:r>
+              <a:rPr lang="zh-CN" altLang="en-US" sz="1200"/>
+              <a:t>从数据到视图</a:t>
+            </a:r>
+          </a:p>
+        </p:txBody>
+      </p:sp>
+      <p:cxnSp>
+        <p:nvCxnSpPr>
+          <p:cNvPr id="266" name="连接符: 曲线 265">
+            <a:extLst>
+              <a:ext uri="{FF2B5EF4-FFF2-40B4-BE49-F238E27FC236}">
+                <a16:creationId xmlns:a16="http://schemas.microsoft.com/office/drawing/2014/main" id="{14138094-EE4A-4B1E-B070-752FFCB1D5F7}"/>
+              </a:ext>
+            </a:extLst>
+          </p:cNvPr>
+          <p:cNvCxnSpPr>
+            <a:cxnSpLocks/>
+            <a:stCxn id="6" idx="3"/>
+            <a:endCxn id="58" idx="0"/>
+          </p:cNvCxnSpPr>
+          <p:nvPr/>
+        </p:nvCxnSpPr>
+        <p:spPr>
+          <a:xfrm flipH="1">
+            <a:off x="4645309" y="1646841"/>
+            <a:ext cx="595022" cy="1898908"/>
+          </a:xfrm>
+          <a:prstGeom prst="curvedConnector4">
+            <a:avLst>
+              <a:gd name="adj1" fmla="val -38419"/>
+              <a:gd name="adj2" fmla="val 55004"/>
+            </a:avLst>
+          </a:prstGeom>
+          <a:ln>
+            <a:tailEnd type="triangle"/>
+          </a:ln>
+        </p:spPr>
+        <p:style>
+          <a:lnRef idx="2">
+            <a:schemeClr val="accent3"/>
+          </a:lnRef>
+          <a:fillRef idx="1">
+            <a:schemeClr val="lt1"/>
+          </a:fillRef>
+          <a:effectRef idx="0">
+            <a:schemeClr val="accent3"/>
+          </a:effectRef>
+          <a:fontRef idx="minor">
+            <a:schemeClr val="dk1"/>
+          </a:fontRef>
+        </p:style>
+      </p:cxnSp>
+      <p:cxnSp>
+        <p:nvCxnSpPr>
+          <p:cNvPr id="11" name="连接符: 曲线 10">
+            <a:extLst>
+              <a:ext uri="{FF2B5EF4-FFF2-40B4-BE49-F238E27FC236}">
+                <a16:creationId xmlns:a16="http://schemas.microsoft.com/office/drawing/2014/main" id="{D1DA8355-13B9-4163-8AA9-DD1C83FB873C}"/>
+              </a:ext>
+            </a:extLst>
+          </p:cNvPr>
+          <p:cNvCxnSpPr>
+            <a:cxnSpLocks/>
+            <a:stCxn id="13" idx="3"/>
+            <a:endCxn id="43" idx="1"/>
+          </p:cNvCxnSpPr>
+          <p:nvPr/>
+        </p:nvCxnSpPr>
+        <p:spPr>
+          <a:xfrm>
+            <a:off x="5240330" y="2315569"/>
+            <a:ext cx="1075621" cy="488096"/>
+          </a:xfrm>
+          <a:prstGeom prst="curvedConnector3">
+            <a:avLst/>
+          </a:prstGeom>
+          <a:ln>
+            <a:tailEnd type="triangle"/>
+          </a:ln>
+        </p:spPr>
+        <p:style>
+          <a:lnRef idx="1">
+            <a:schemeClr val="accent2"/>
+          </a:lnRef>
+          <a:fillRef idx="0">
+            <a:schemeClr val="accent2"/>
+          </a:fillRef>
+          <a:effectRef idx="0">
+            <a:schemeClr val="accent2"/>
+          </a:effectRef>
+          <a:fontRef idx="minor">
+            <a:schemeClr val="tx1"/>
+          </a:fontRef>
+        </p:style>
+      </p:cxnSp>
     </p:spTree>
     <p:extLst>
       <p:ext uri="{BB962C8B-B14F-4D97-AF65-F5344CB8AC3E}">
-        <p14:creationId xmlns:p14="http://schemas.microsoft.com/office/powerpoint/2010/main" val="148758837"/>
+        <p14:creationId xmlns:p14="http://schemas.microsoft.com/office/powerpoint/2010/main" val="276146941"/>
       </p:ext>
     </p:extLst>
   </p:cSld>
@@ -5782,6 +10472,2909 @@
         </p:nvSpPr>
         <p:spPr>
           <a:xfrm>
+            <a:off x="2099990" y="643380"/>
+            <a:ext cx="6947261" cy="4843366"/>
+          </a:xfrm>
+          <a:prstGeom prst="roundRect">
+            <a:avLst>
+              <a:gd name="adj" fmla="val 3702"/>
+            </a:avLst>
+          </a:prstGeom>
+        </p:spPr>
+        <p:style>
+          <a:lnRef idx="2">
+            <a:schemeClr val="accent3"/>
+          </a:lnRef>
+          <a:fillRef idx="1">
+            <a:schemeClr val="lt1"/>
+          </a:fillRef>
+          <a:effectRef idx="0">
+            <a:schemeClr val="accent3"/>
+          </a:effectRef>
+          <a:fontRef idx="minor">
+            <a:schemeClr val="dk1"/>
+          </a:fontRef>
+        </p:style>
+        <p:txBody>
+          <a:bodyPr rtlCol="0" anchor="ctr"/>
+          <a:lstStyle/>
+          <a:p>
+            <a:pPr algn="ctr"/>
+            <a:endParaRPr lang="zh-CN" altLang="en-US" sz="1400">
+              <a:solidFill>
+                <a:schemeClr val="tx1"/>
+              </a:solidFill>
+            </a:endParaRPr>
+          </a:p>
+        </p:txBody>
+      </p:sp>
+      <p:sp>
+        <p:nvSpPr>
+          <p:cNvPr id="5" name="矩形 4">
+            <a:extLst>
+              <a:ext uri="{FF2B5EF4-FFF2-40B4-BE49-F238E27FC236}">
+                <a16:creationId xmlns:a16="http://schemas.microsoft.com/office/drawing/2014/main" id="{B839201F-1FAC-487B-BCBA-6C7B69356EA0}"/>
+              </a:ext>
+            </a:extLst>
+          </p:cNvPr>
+          <p:cNvSpPr/>
+          <p:nvPr/>
+        </p:nvSpPr>
+        <p:spPr>
+          <a:xfrm>
+            <a:off x="2275032" y="1551288"/>
+            <a:ext cx="1315642" cy="646331"/>
+          </a:xfrm>
+          <a:prstGeom prst="rect">
+            <a:avLst/>
+          </a:prstGeom>
+        </p:spPr>
+        <p:style>
+          <a:lnRef idx="2">
+            <a:schemeClr val="accent3"/>
+          </a:lnRef>
+          <a:fillRef idx="1">
+            <a:schemeClr val="lt1"/>
+          </a:fillRef>
+          <a:effectRef idx="0">
+            <a:schemeClr val="accent3"/>
+          </a:effectRef>
+          <a:fontRef idx="minor">
+            <a:schemeClr val="dk1"/>
+          </a:fontRef>
+        </p:style>
+        <p:txBody>
+          <a:bodyPr rtlCol="0" anchor="ctr"/>
+          <a:lstStyle/>
+          <a:p>
+            <a:pPr algn="ctr"/>
+            <a:r>
+              <a:rPr lang="zh-CN" altLang="en-US" sz="1600">
+                <a:solidFill>
+                  <a:schemeClr val="tx1"/>
+                </a:solidFill>
+              </a:rPr>
+              <a:t>数据拦截</a:t>
+            </a:r>
+            <a:endParaRPr lang="en-US" altLang="zh-CN" sz="1600">
+              <a:solidFill>
+                <a:schemeClr val="tx1"/>
+              </a:solidFill>
+            </a:endParaRPr>
+          </a:p>
+          <a:p>
+            <a:pPr algn="ctr"/>
+            <a:r>
+              <a:rPr lang="zh-CN" altLang="en-US" sz="1200">
+                <a:solidFill>
+                  <a:schemeClr val="tx1"/>
+                </a:solidFill>
+              </a:rPr>
+              <a:t>处理每个属性</a:t>
+            </a:r>
+          </a:p>
+        </p:txBody>
+      </p:sp>
+      <p:sp>
+        <p:nvSpPr>
+          <p:cNvPr id="6" name="矩形 5">
+            <a:extLst>
+              <a:ext uri="{FF2B5EF4-FFF2-40B4-BE49-F238E27FC236}">
+                <a16:creationId xmlns:a16="http://schemas.microsoft.com/office/drawing/2014/main" id="{3D5302A7-922F-4FBC-8F03-1BFF71439B5F}"/>
+              </a:ext>
+            </a:extLst>
+          </p:cNvPr>
+          <p:cNvSpPr/>
+          <p:nvPr/>
+        </p:nvSpPr>
+        <p:spPr>
+          <a:xfrm>
+            <a:off x="3878522" y="1456804"/>
+            <a:ext cx="1361809" cy="380073"/>
+          </a:xfrm>
+          <a:prstGeom prst="rect">
+            <a:avLst/>
+          </a:prstGeom>
+        </p:spPr>
+        <p:style>
+          <a:lnRef idx="2">
+            <a:schemeClr val="accent3"/>
+          </a:lnRef>
+          <a:fillRef idx="1">
+            <a:schemeClr val="lt1"/>
+          </a:fillRef>
+          <a:effectRef idx="0">
+            <a:schemeClr val="accent3"/>
+          </a:effectRef>
+          <a:fontRef idx="minor">
+            <a:schemeClr val="dk1"/>
+          </a:fontRef>
+        </p:style>
+        <p:txBody>
+          <a:bodyPr rtlCol="0" anchor="ctr"/>
+          <a:lstStyle/>
+          <a:p>
+            <a:pPr algn="ctr"/>
+            <a:r>
+              <a:rPr lang="en-US" altLang="zh-CN" sz="1600">
+                <a:solidFill>
+                  <a:schemeClr val="tx1"/>
+                </a:solidFill>
+              </a:rPr>
+              <a:t>get</a:t>
+            </a:r>
+            <a:endParaRPr lang="zh-CN" altLang="en-US" sz="1600">
+              <a:solidFill>
+                <a:schemeClr val="tx1"/>
+              </a:solidFill>
+            </a:endParaRPr>
+          </a:p>
+        </p:txBody>
+      </p:sp>
+      <p:cxnSp>
+        <p:nvCxnSpPr>
+          <p:cNvPr id="8" name="连接符: 曲线 7">
+            <a:extLst>
+              <a:ext uri="{FF2B5EF4-FFF2-40B4-BE49-F238E27FC236}">
+                <a16:creationId xmlns:a16="http://schemas.microsoft.com/office/drawing/2014/main" id="{210C8A4E-2F1D-4CBA-91DB-E7C572162EC9}"/>
+              </a:ext>
+            </a:extLst>
+          </p:cNvPr>
+          <p:cNvCxnSpPr>
+            <a:cxnSpLocks/>
+            <a:stCxn id="5" idx="3"/>
+            <a:endCxn id="6" idx="1"/>
+          </p:cNvCxnSpPr>
+          <p:nvPr/>
+        </p:nvCxnSpPr>
+        <p:spPr>
+          <a:xfrm flipV="1">
+            <a:off x="3590674" y="1646841"/>
+            <a:ext cx="287848" cy="227613"/>
+          </a:xfrm>
+          <a:prstGeom prst="curvedConnector3">
+            <a:avLst/>
+          </a:prstGeom>
+          <a:ln>
+            <a:tailEnd type="triangle"/>
+          </a:ln>
+        </p:spPr>
+        <p:style>
+          <a:lnRef idx="2">
+            <a:schemeClr val="accent3"/>
+          </a:lnRef>
+          <a:fillRef idx="1">
+            <a:schemeClr val="lt1"/>
+          </a:fillRef>
+          <a:effectRef idx="0">
+            <a:schemeClr val="accent3"/>
+          </a:effectRef>
+          <a:fontRef idx="minor">
+            <a:schemeClr val="dk1"/>
+          </a:fontRef>
+        </p:style>
+      </p:cxnSp>
+      <p:sp>
+        <p:nvSpPr>
+          <p:cNvPr id="13" name="矩形 12">
+            <a:extLst>
+              <a:ext uri="{FF2B5EF4-FFF2-40B4-BE49-F238E27FC236}">
+                <a16:creationId xmlns:a16="http://schemas.microsoft.com/office/drawing/2014/main" id="{EFC51569-861D-4EB2-85AD-657A8B0F7238}"/>
+              </a:ext>
+            </a:extLst>
+          </p:cNvPr>
+          <p:cNvSpPr/>
+          <p:nvPr/>
+        </p:nvSpPr>
+        <p:spPr>
+          <a:xfrm>
+            <a:off x="3878521" y="2111880"/>
+            <a:ext cx="1361809" cy="407378"/>
+          </a:xfrm>
+          <a:prstGeom prst="rect">
+            <a:avLst/>
+          </a:prstGeom>
+        </p:spPr>
+        <p:style>
+          <a:lnRef idx="2">
+            <a:schemeClr val="accent3"/>
+          </a:lnRef>
+          <a:fillRef idx="1">
+            <a:schemeClr val="lt1"/>
+          </a:fillRef>
+          <a:effectRef idx="0">
+            <a:schemeClr val="accent3"/>
+          </a:effectRef>
+          <a:fontRef idx="minor">
+            <a:schemeClr val="dk1"/>
+          </a:fontRef>
+        </p:style>
+        <p:txBody>
+          <a:bodyPr rtlCol="0" anchor="ctr"/>
+          <a:lstStyle/>
+          <a:p>
+            <a:pPr algn="ctr"/>
+            <a:r>
+              <a:rPr lang="en-US" altLang="zh-CN" sz="1600">
+                <a:solidFill>
+                  <a:schemeClr val="tx1"/>
+                </a:solidFill>
+              </a:rPr>
+              <a:t>set</a:t>
+            </a:r>
+            <a:endParaRPr lang="zh-CN" altLang="en-US" sz="1600">
+              <a:solidFill>
+                <a:schemeClr val="tx1"/>
+              </a:solidFill>
+            </a:endParaRPr>
+          </a:p>
+        </p:txBody>
+      </p:sp>
+      <p:sp>
+        <p:nvSpPr>
+          <p:cNvPr id="19" name="矩形 18">
+            <a:extLst>
+              <a:ext uri="{FF2B5EF4-FFF2-40B4-BE49-F238E27FC236}">
+                <a16:creationId xmlns:a16="http://schemas.microsoft.com/office/drawing/2014/main" id="{F54A3790-1D3B-4CD9-8310-F9CC61D7184F}"/>
+              </a:ext>
+            </a:extLst>
+          </p:cNvPr>
+          <p:cNvSpPr/>
+          <p:nvPr/>
+        </p:nvSpPr>
+        <p:spPr>
+          <a:xfrm>
+            <a:off x="6206826" y="946049"/>
+            <a:ext cx="2608913" cy="4256704"/>
+          </a:xfrm>
+          <a:prstGeom prst="rect">
+            <a:avLst/>
+          </a:prstGeom>
+        </p:spPr>
+        <p:style>
+          <a:lnRef idx="2">
+            <a:schemeClr val="accent3"/>
+          </a:lnRef>
+          <a:fillRef idx="1">
+            <a:schemeClr val="lt1"/>
+          </a:fillRef>
+          <a:effectRef idx="0">
+            <a:schemeClr val="accent3"/>
+          </a:effectRef>
+          <a:fontRef idx="minor">
+            <a:schemeClr val="dk1"/>
+          </a:fontRef>
+        </p:style>
+        <p:txBody>
+          <a:bodyPr rtlCol="0" anchor="ctr"/>
+          <a:lstStyle/>
+          <a:p>
+            <a:pPr algn="ctr"/>
+            <a:endParaRPr lang="zh-CN" altLang="en-US" sz="3200">
+              <a:solidFill>
+                <a:schemeClr val="tx1"/>
+              </a:solidFill>
+            </a:endParaRPr>
+          </a:p>
+        </p:txBody>
+      </p:sp>
+      <p:sp>
+        <p:nvSpPr>
+          <p:cNvPr id="27" name="矩形 26">
+            <a:extLst>
+              <a:ext uri="{FF2B5EF4-FFF2-40B4-BE49-F238E27FC236}">
+                <a16:creationId xmlns:a16="http://schemas.microsoft.com/office/drawing/2014/main" id="{CF2A3FF5-12A8-4B8E-833B-907830FDBC50}"/>
+              </a:ext>
+            </a:extLst>
+          </p:cNvPr>
+          <p:cNvSpPr/>
+          <p:nvPr/>
+        </p:nvSpPr>
+        <p:spPr>
+          <a:xfrm>
+            <a:off x="7668749" y="1184228"/>
+            <a:ext cx="946152" cy="374054"/>
+          </a:xfrm>
+          <a:prstGeom prst="rect">
+            <a:avLst/>
+          </a:prstGeom>
+        </p:spPr>
+        <p:style>
+          <a:lnRef idx="2">
+            <a:schemeClr val="accent4"/>
+          </a:lnRef>
+          <a:fillRef idx="1">
+            <a:schemeClr val="lt1"/>
+          </a:fillRef>
+          <a:effectRef idx="0">
+            <a:schemeClr val="accent4"/>
+          </a:effectRef>
+          <a:fontRef idx="minor">
+            <a:schemeClr val="dk1"/>
+          </a:fontRef>
+        </p:style>
+        <p:txBody>
+          <a:bodyPr rtlCol="0" anchor="ctr"/>
+          <a:lstStyle/>
+          <a:p>
+            <a:pPr algn="ctr"/>
+            <a:r>
+              <a:rPr lang="zh-CN" altLang="en-US" sz="1600">
+                <a:solidFill>
+                  <a:schemeClr val="tx1"/>
+                </a:solidFill>
+              </a:rPr>
+              <a:t>观察者</a:t>
+            </a:r>
+            <a:r>
+              <a:rPr lang="en-US" altLang="zh-CN" sz="1600">
+                <a:solidFill>
+                  <a:schemeClr val="tx1"/>
+                </a:solidFill>
+              </a:rPr>
+              <a:t>1</a:t>
+            </a:r>
+            <a:endParaRPr lang="zh-CN" altLang="en-US" sz="1600">
+              <a:solidFill>
+                <a:schemeClr val="tx1"/>
+              </a:solidFill>
+            </a:endParaRPr>
+          </a:p>
+        </p:txBody>
+      </p:sp>
+      <p:sp>
+        <p:nvSpPr>
+          <p:cNvPr id="28" name="矩形 27">
+            <a:extLst>
+              <a:ext uri="{FF2B5EF4-FFF2-40B4-BE49-F238E27FC236}">
+                <a16:creationId xmlns:a16="http://schemas.microsoft.com/office/drawing/2014/main" id="{D848238F-DE16-4393-80B4-769A04D040E0}"/>
+              </a:ext>
+            </a:extLst>
+          </p:cNvPr>
+          <p:cNvSpPr/>
+          <p:nvPr/>
+        </p:nvSpPr>
+        <p:spPr>
+          <a:xfrm>
+            <a:off x="7668748" y="1706051"/>
+            <a:ext cx="946152" cy="374054"/>
+          </a:xfrm>
+          <a:prstGeom prst="rect">
+            <a:avLst/>
+          </a:prstGeom>
+        </p:spPr>
+        <p:style>
+          <a:lnRef idx="2">
+            <a:schemeClr val="accent4"/>
+          </a:lnRef>
+          <a:fillRef idx="1">
+            <a:schemeClr val="lt1"/>
+          </a:fillRef>
+          <a:effectRef idx="0">
+            <a:schemeClr val="accent4"/>
+          </a:effectRef>
+          <a:fontRef idx="minor">
+            <a:schemeClr val="dk1"/>
+          </a:fontRef>
+        </p:style>
+        <p:txBody>
+          <a:bodyPr rtlCol="0" anchor="ctr"/>
+          <a:lstStyle/>
+          <a:p>
+            <a:pPr algn="ctr"/>
+            <a:r>
+              <a:rPr lang="zh-CN" altLang="en-US" sz="1600">
+                <a:solidFill>
+                  <a:schemeClr val="tx1"/>
+                </a:solidFill>
+              </a:rPr>
+              <a:t>观察者</a:t>
+            </a:r>
+            <a:r>
+              <a:rPr lang="en-US" altLang="zh-CN" sz="1600">
+                <a:solidFill>
+                  <a:schemeClr val="tx1"/>
+                </a:solidFill>
+              </a:rPr>
+              <a:t>2</a:t>
+            </a:r>
+            <a:endParaRPr lang="zh-CN" altLang="en-US" sz="1600">
+              <a:solidFill>
+                <a:schemeClr val="tx1"/>
+              </a:solidFill>
+            </a:endParaRPr>
+          </a:p>
+        </p:txBody>
+      </p:sp>
+      <p:sp>
+        <p:nvSpPr>
+          <p:cNvPr id="29" name="矩形 28">
+            <a:extLst>
+              <a:ext uri="{FF2B5EF4-FFF2-40B4-BE49-F238E27FC236}">
+                <a16:creationId xmlns:a16="http://schemas.microsoft.com/office/drawing/2014/main" id="{C61636AD-3CF7-41DF-8EE6-C53F496F2E9F}"/>
+              </a:ext>
+            </a:extLst>
+          </p:cNvPr>
+          <p:cNvSpPr/>
+          <p:nvPr/>
+        </p:nvSpPr>
+        <p:spPr>
+          <a:xfrm>
+            <a:off x="7668748" y="2217085"/>
+            <a:ext cx="964936" cy="374054"/>
+          </a:xfrm>
+          <a:prstGeom prst="rect">
+            <a:avLst/>
+          </a:prstGeom>
+        </p:spPr>
+        <p:style>
+          <a:lnRef idx="2">
+            <a:schemeClr val="accent4"/>
+          </a:lnRef>
+          <a:fillRef idx="1">
+            <a:schemeClr val="lt1"/>
+          </a:fillRef>
+          <a:effectRef idx="0">
+            <a:schemeClr val="accent4"/>
+          </a:effectRef>
+          <a:fontRef idx="minor">
+            <a:schemeClr val="dk1"/>
+          </a:fontRef>
+        </p:style>
+        <p:txBody>
+          <a:bodyPr rtlCol="0" anchor="ctr"/>
+          <a:lstStyle/>
+          <a:p>
+            <a:pPr algn="ctr"/>
+            <a:r>
+              <a:rPr lang="zh-CN" altLang="en-US" sz="1600">
+                <a:solidFill>
+                  <a:schemeClr val="tx1"/>
+                </a:solidFill>
+              </a:rPr>
+              <a:t>观察者</a:t>
+            </a:r>
+            <a:r>
+              <a:rPr lang="en-US" altLang="zh-CN" sz="1600">
+                <a:solidFill>
+                  <a:schemeClr val="tx1"/>
+                </a:solidFill>
+              </a:rPr>
+              <a:t>3</a:t>
+            </a:r>
+            <a:endParaRPr lang="zh-CN" altLang="en-US" sz="1600">
+              <a:solidFill>
+                <a:schemeClr val="tx1"/>
+              </a:solidFill>
+            </a:endParaRPr>
+          </a:p>
+        </p:txBody>
+      </p:sp>
+      <p:sp>
+        <p:nvSpPr>
+          <p:cNvPr id="31" name="矩形 30">
+            <a:extLst>
+              <a:ext uri="{FF2B5EF4-FFF2-40B4-BE49-F238E27FC236}">
+                <a16:creationId xmlns:a16="http://schemas.microsoft.com/office/drawing/2014/main" id="{95CF0D5E-51D9-46B6-AD0E-9D330AB548B1}"/>
+              </a:ext>
+            </a:extLst>
+          </p:cNvPr>
+          <p:cNvSpPr/>
+          <p:nvPr/>
+        </p:nvSpPr>
+        <p:spPr>
+          <a:xfrm>
+            <a:off x="7718475" y="3547292"/>
+            <a:ext cx="896426" cy="374054"/>
+          </a:xfrm>
+          <a:prstGeom prst="rect">
+            <a:avLst/>
+          </a:prstGeom>
+        </p:spPr>
+        <p:style>
+          <a:lnRef idx="2">
+            <a:schemeClr val="accent3"/>
+          </a:lnRef>
+          <a:fillRef idx="1">
+            <a:schemeClr val="lt1"/>
+          </a:fillRef>
+          <a:effectRef idx="0">
+            <a:schemeClr val="accent3"/>
+          </a:effectRef>
+          <a:fontRef idx="minor">
+            <a:schemeClr val="dk1"/>
+          </a:fontRef>
+        </p:style>
+        <p:txBody>
+          <a:bodyPr rtlCol="0" anchor="ctr"/>
+          <a:lstStyle/>
+          <a:p>
+            <a:pPr algn="ctr"/>
+            <a:r>
+              <a:rPr lang="zh-CN" altLang="en-US" sz="1600">
+                <a:solidFill>
+                  <a:schemeClr val="tx1"/>
+                </a:solidFill>
+              </a:rPr>
+              <a:t>观察者</a:t>
+            </a:r>
+          </a:p>
+        </p:txBody>
+      </p:sp>
+      <p:sp>
+        <p:nvSpPr>
+          <p:cNvPr id="32" name="矩形 31">
+            <a:extLst>
+              <a:ext uri="{FF2B5EF4-FFF2-40B4-BE49-F238E27FC236}">
+                <a16:creationId xmlns:a16="http://schemas.microsoft.com/office/drawing/2014/main" id="{32887CD0-25A8-4362-85EF-6FEFC3235C38}"/>
+              </a:ext>
+            </a:extLst>
+          </p:cNvPr>
+          <p:cNvSpPr/>
+          <p:nvPr/>
+        </p:nvSpPr>
+        <p:spPr>
+          <a:xfrm>
+            <a:off x="7733065" y="4128950"/>
+            <a:ext cx="881836" cy="374054"/>
+          </a:xfrm>
+          <a:prstGeom prst="rect">
+            <a:avLst/>
+          </a:prstGeom>
+        </p:spPr>
+        <p:style>
+          <a:lnRef idx="2">
+            <a:schemeClr val="accent3"/>
+          </a:lnRef>
+          <a:fillRef idx="1">
+            <a:schemeClr val="lt1"/>
+          </a:fillRef>
+          <a:effectRef idx="0">
+            <a:schemeClr val="accent3"/>
+          </a:effectRef>
+          <a:fontRef idx="minor">
+            <a:schemeClr val="dk1"/>
+          </a:fontRef>
+        </p:style>
+        <p:txBody>
+          <a:bodyPr rtlCol="0" anchor="ctr"/>
+          <a:lstStyle/>
+          <a:p>
+            <a:pPr algn="ctr"/>
+            <a:r>
+              <a:rPr lang="en-US" altLang="zh-CN" sz="1600">
+                <a:solidFill>
+                  <a:schemeClr val="tx1"/>
+                </a:solidFill>
+              </a:rPr>
+              <a:t>....</a:t>
+            </a:r>
+            <a:endParaRPr lang="zh-CN" altLang="en-US" sz="1600">
+              <a:solidFill>
+                <a:schemeClr val="tx1"/>
+              </a:solidFill>
+            </a:endParaRPr>
+          </a:p>
+        </p:txBody>
+      </p:sp>
+      <p:sp>
+        <p:nvSpPr>
+          <p:cNvPr id="33" name="矩形 32">
+            <a:extLst>
+              <a:ext uri="{FF2B5EF4-FFF2-40B4-BE49-F238E27FC236}">
+                <a16:creationId xmlns:a16="http://schemas.microsoft.com/office/drawing/2014/main" id="{D647646E-6E67-484B-85EC-73A04F1DAA9E}"/>
+              </a:ext>
+            </a:extLst>
+          </p:cNvPr>
+          <p:cNvSpPr/>
+          <p:nvPr/>
+        </p:nvSpPr>
+        <p:spPr>
+          <a:xfrm>
+            <a:off x="7718384" y="4639984"/>
+            <a:ext cx="896426" cy="374054"/>
+          </a:xfrm>
+          <a:prstGeom prst="rect">
+            <a:avLst/>
+          </a:prstGeom>
+        </p:spPr>
+        <p:style>
+          <a:lnRef idx="2">
+            <a:schemeClr val="accent3"/>
+          </a:lnRef>
+          <a:fillRef idx="1">
+            <a:schemeClr val="lt1"/>
+          </a:fillRef>
+          <a:effectRef idx="0">
+            <a:schemeClr val="accent3"/>
+          </a:effectRef>
+          <a:fontRef idx="minor">
+            <a:schemeClr val="dk1"/>
+          </a:fontRef>
+        </p:style>
+        <p:txBody>
+          <a:bodyPr rtlCol="0" anchor="ctr"/>
+          <a:lstStyle/>
+          <a:p>
+            <a:pPr algn="ctr"/>
+            <a:r>
+              <a:rPr lang="zh-CN" altLang="en-US" sz="1600">
+                <a:solidFill>
+                  <a:schemeClr val="tx1"/>
+                </a:solidFill>
+              </a:rPr>
+              <a:t>观察者</a:t>
+            </a:r>
+          </a:p>
+        </p:txBody>
+      </p:sp>
+      <p:sp>
+        <p:nvSpPr>
+          <p:cNvPr id="34" name="矩形 33">
+            <a:extLst>
+              <a:ext uri="{FF2B5EF4-FFF2-40B4-BE49-F238E27FC236}">
+                <a16:creationId xmlns:a16="http://schemas.microsoft.com/office/drawing/2014/main" id="{2B0B21F4-D452-4026-AD6E-C524522E4DD0}"/>
+              </a:ext>
+            </a:extLst>
+          </p:cNvPr>
+          <p:cNvSpPr/>
+          <p:nvPr/>
+        </p:nvSpPr>
+        <p:spPr>
+          <a:xfrm>
+            <a:off x="6234919" y="1014375"/>
+            <a:ext cx="1107996" cy="369332"/>
+          </a:xfrm>
+          <a:prstGeom prst="rect">
+            <a:avLst/>
+          </a:prstGeom>
+        </p:spPr>
+        <p:style>
+          <a:lnRef idx="2">
+            <a:schemeClr val="accent3"/>
+          </a:lnRef>
+          <a:fillRef idx="1">
+            <a:schemeClr val="lt1"/>
+          </a:fillRef>
+          <a:effectRef idx="0">
+            <a:schemeClr val="accent3"/>
+          </a:effectRef>
+          <a:fontRef idx="minor">
+            <a:schemeClr val="dk1"/>
+          </a:fontRef>
+        </p:style>
+        <p:txBody>
+          <a:bodyPr wrap="none">
+            <a:spAutoFit/>
+          </a:bodyPr>
+          <a:lstStyle/>
+          <a:p>
+            <a:r>
+              <a:rPr lang="zh-CN" altLang="en-US"/>
+              <a:t>事件中心</a:t>
+            </a:r>
+          </a:p>
+        </p:txBody>
+      </p:sp>
+      <p:cxnSp>
+        <p:nvCxnSpPr>
+          <p:cNvPr id="37" name="连接符: 曲线 36">
+            <a:extLst>
+              <a:ext uri="{FF2B5EF4-FFF2-40B4-BE49-F238E27FC236}">
+                <a16:creationId xmlns:a16="http://schemas.microsoft.com/office/drawing/2014/main" id="{C4937A12-78AF-4CC7-BCCC-8B273ADC8A94}"/>
+              </a:ext>
+            </a:extLst>
+          </p:cNvPr>
+          <p:cNvCxnSpPr>
+            <a:cxnSpLocks/>
+            <a:stCxn id="5" idx="3"/>
+            <a:endCxn id="13" idx="1"/>
+          </p:cNvCxnSpPr>
+          <p:nvPr/>
+        </p:nvCxnSpPr>
+        <p:spPr>
+          <a:xfrm>
+            <a:off x="3590674" y="1874454"/>
+            <a:ext cx="287847" cy="441115"/>
+          </a:xfrm>
+          <a:prstGeom prst="curvedConnector3">
+            <a:avLst/>
+          </a:prstGeom>
+          <a:ln>
+            <a:tailEnd type="triangle"/>
+          </a:ln>
+        </p:spPr>
+        <p:style>
+          <a:lnRef idx="2">
+            <a:schemeClr val="accent3"/>
+          </a:lnRef>
+          <a:fillRef idx="1">
+            <a:schemeClr val="lt1"/>
+          </a:fillRef>
+          <a:effectRef idx="0">
+            <a:schemeClr val="accent3"/>
+          </a:effectRef>
+          <a:fontRef idx="minor">
+            <a:schemeClr val="dk1"/>
+          </a:fontRef>
+        </p:style>
+      </p:cxnSp>
+      <p:sp>
+        <p:nvSpPr>
+          <p:cNvPr id="54" name="矩形 53">
+            <a:extLst>
+              <a:ext uri="{FF2B5EF4-FFF2-40B4-BE49-F238E27FC236}">
+                <a16:creationId xmlns:a16="http://schemas.microsoft.com/office/drawing/2014/main" id="{D32EC2C7-9C28-4674-945F-55F306827CDB}"/>
+              </a:ext>
+            </a:extLst>
+          </p:cNvPr>
+          <p:cNvSpPr/>
+          <p:nvPr/>
+        </p:nvSpPr>
+        <p:spPr>
+          <a:xfrm>
+            <a:off x="2282367" y="3985899"/>
+            <a:ext cx="1384282" cy="733794"/>
+          </a:xfrm>
+          <a:prstGeom prst="rect">
+            <a:avLst/>
+          </a:prstGeom>
+        </p:spPr>
+        <p:style>
+          <a:lnRef idx="2">
+            <a:schemeClr val="accent3"/>
+          </a:lnRef>
+          <a:fillRef idx="1">
+            <a:schemeClr val="lt1"/>
+          </a:fillRef>
+          <a:effectRef idx="0">
+            <a:schemeClr val="accent3"/>
+          </a:effectRef>
+          <a:fontRef idx="minor">
+            <a:schemeClr val="dk1"/>
+          </a:fontRef>
+        </p:style>
+        <p:txBody>
+          <a:bodyPr rtlCol="0" anchor="ctr"/>
+          <a:lstStyle/>
+          <a:p>
+            <a:pPr algn="ctr"/>
+            <a:r>
+              <a:rPr lang="zh-CN" altLang="en-US" sz="1600">
+                <a:solidFill>
+                  <a:schemeClr val="tx1"/>
+                </a:solidFill>
+              </a:rPr>
+              <a:t>模板编译</a:t>
+            </a:r>
+            <a:endParaRPr lang="en-US" altLang="zh-CN" sz="1600">
+              <a:solidFill>
+                <a:schemeClr val="tx1"/>
+              </a:solidFill>
+            </a:endParaRPr>
+          </a:p>
+          <a:p>
+            <a:pPr algn="ctr"/>
+            <a:r>
+              <a:rPr lang="zh-CN" altLang="en-US" sz="1200">
+                <a:solidFill>
+                  <a:schemeClr val="tx1"/>
+                </a:solidFill>
+              </a:rPr>
+              <a:t>处理每个节点</a:t>
+            </a:r>
+          </a:p>
+        </p:txBody>
+      </p:sp>
+      <p:sp>
+        <p:nvSpPr>
+          <p:cNvPr id="58" name="矩形 57">
+            <a:extLst>
+              <a:ext uri="{FF2B5EF4-FFF2-40B4-BE49-F238E27FC236}">
+                <a16:creationId xmlns:a16="http://schemas.microsoft.com/office/drawing/2014/main" id="{8A1440FD-BFA3-4E7B-87CE-115EDF95D6B2}"/>
+              </a:ext>
+            </a:extLst>
+          </p:cNvPr>
+          <p:cNvSpPr/>
+          <p:nvPr/>
+        </p:nvSpPr>
+        <p:spPr>
+          <a:xfrm>
+            <a:off x="3928582" y="3545749"/>
+            <a:ext cx="1433453" cy="407378"/>
+          </a:xfrm>
+          <a:prstGeom prst="rect">
+            <a:avLst/>
+          </a:prstGeom>
+        </p:spPr>
+        <p:style>
+          <a:lnRef idx="2">
+            <a:schemeClr val="accent3"/>
+          </a:lnRef>
+          <a:fillRef idx="1">
+            <a:schemeClr val="lt1"/>
+          </a:fillRef>
+          <a:effectRef idx="0">
+            <a:schemeClr val="accent3"/>
+          </a:effectRef>
+          <a:fontRef idx="minor">
+            <a:schemeClr val="dk1"/>
+          </a:fontRef>
+        </p:style>
+        <p:txBody>
+          <a:bodyPr rtlCol="0" anchor="ctr"/>
+          <a:lstStyle/>
+          <a:p>
+            <a:pPr algn="ctr"/>
+            <a:r>
+              <a:rPr lang="zh-CN" altLang="en-US" sz="1600">
+                <a:solidFill>
+                  <a:schemeClr val="tx1"/>
+                </a:solidFill>
+              </a:rPr>
+              <a:t>初始显示数据</a:t>
+            </a:r>
+          </a:p>
+        </p:txBody>
+      </p:sp>
+      <p:sp>
+        <p:nvSpPr>
+          <p:cNvPr id="59" name="矩形 58">
+            <a:extLst>
+              <a:ext uri="{FF2B5EF4-FFF2-40B4-BE49-F238E27FC236}">
+                <a16:creationId xmlns:a16="http://schemas.microsoft.com/office/drawing/2014/main" id="{692CE714-A893-4B44-94EC-B52FBFE869EA}"/>
+              </a:ext>
+            </a:extLst>
+          </p:cNvPr>
+          <p:cNvSpPr/>
+          <p:nvPr/>
+        </p:nvSpPr>
+        <p:spPr>
+          <a:xfrm>
+            <a:off x="3929107" y="4114963"/>
+            <a:ext cx="1461613" cy="449005"/>
+          </a:xfrm>
+          <a:prstGeom prst="rect">
+            <a:avLst/>
+          </a:prstGeom>
+        </p:spPr>
+        <p:style>
+          <a:lnRef idx="2">
+            <a:schemeClr val="accent3"/>
+          </a:lnRef>
+          <a:fillRef idx="1">
+            <a:schemeClr val="lt1"/>
+          </a:fillRef>
+          <a:effectRef idx="0">
+            <a:schemeClr val="accent3"/>
+          </a:effectRef>
+          <a:fontRef idx="minor">
+            <a:schemeClr val="dk1"/>
+          </a:fontRef>
+        </p:style>
+        <p:txBody>
+          <a:bodyPr rtlCol="0" anchor="ctr"/>
+          <a:lstStyle/>
+          <a:p>
+            <a:pPr algn="ctr"/>
+            <a:r>
+              <a:rPr lang="zh-CN" altLang="en-US" sz="1600">
+                <a:solidFill>
+                  <a:schemeClr val="tx1"/>
+                </a:solidFill>
+              </a:rPr>
+              <a:t>添加观察者</a:t>
+            </a:r>
+          </a:p>
+        </p:txBody>
+      </p:sp>
+      <p:cxnSp>
+        <p:nvCxnSpPr>
+          <p:cNvPr id="60" name="连接符: 曲线 59">
+            <a:extLst>
+              <a:ext uri="{FF2B5EF4-FFF2-40B4-BE49-F238E27FC236}">
+                <a16:creationId xmlns:a16="http://schemas.microsoft.com/office/drawing/2014/main" id="{AEE02C1E-4AAC-49A0-B886-1933608F1352}"/>
+              </a:ext>
+            </a:extLst>
+          </p:cNvPr>
+          <p:cNvCxnSpPr>
+            <a:cxnSpLocks/>
+            <a:stCxn id="54" idx="3"/>
+            <a:endCxn id="58" idx="1"/>
+          </p:cNvCxnSpPr>
+          <p:nvPr/>
+        </p:nvCxnSpPr>
+        <p:spPr>
+          <a:xfrm flipV="1">
+            <a:off x="3666649" y="3749438"/>
+            <a:ext cx="261933" cy="603358"/>
+          </a:xfrm>
+          <a:prstGeom prst="curvedConnector3">
+            <a:avLst/>
+          </a:prstGeom>
+          <a:ln>
+            <a:tailEnd type="triangle"/>
+          </a:ln>
+        </p:spPr>
+        <p:style>
+          <a:lnRef idx="2">
+            <a:schemeClr val="accent3"/>
+          </a:lnRef>
+          <a:fillRef idx="1">
+            <a:schemeClr val="lt1"/>
+          </a:fillRef>
+          <a:effectRef idx="0">
+            <a:schemeClr val="accent3"/>
+          </a:effectRef>
+          <a:fontRef idx="minor">
+            <a:schemeClr val="dk1"/>
+          </a:fontRef>
+        </p:style>
+      </p:cxnSp>
+      <p:cxnSp>
+        <p:nvCxnSpPr>
+          <p:cNvPr id="66" name="连接符: 曲线 65">
+            <a:extLst>
+              <a:ext uri="{FF2B5EF4-FFF2-40B4-BE49-F238E27FC236}">
+                <a16:creationId xmlns:a16="http://schemas.microsoft.com/office/drawing/2014/main" id="{D805F971-E9CE-4E40-8B84-CF13E4DE4B97}"/>
+              </a:ext>
+            </a:extLst>
+          </p:cNvPr>
+          <p:cNvCxnSpPr>
+            <a:cxnSpLocks/>
+            <a:stCxn id="54" idx="3"/>
+            <a:endCxn id="59" idx="1"/>
+          </p:cNvCxnSpPr>
+          <p:nvPr/>
+        </p:nvCxnSpPr>
+        <p:spPr>
+          <a:xfrm flipV="1">
+            <a:off x="3666649" y="4339466"/>
+            <a:ext cx="262458" cy="13330"/>
+          </a:xfrm>
+          <a:prstGeom prst="curvedConnector3">
+            <a:avLst/>
+          </a:prstGeom>
+          <a:ln>
+            <a:tailEnd type="triangle"/>
+          </a:ln>
+        </p:spPr>
+        <p:style>
+          <a:lnRef idx="2">
+            <a:schemeClr val="accent3"/>
+          </a:lnRef>
+          <a:fillRef idx="1">
+            <a:schemeClr val="lt1"/>
+          </a:fillRef>
+          <a:effectRef idx="0">
+            <a:schemeClr val="accent3"/>
+          </a:effectRef>
+          <a:fontRef idx="minor">
+            <a:schemeClr val="dk1"/>
+          </a:fontRef>
+        </p:style>
+      </p:cxnSp>
+      <p:cxnSp>
+        <p:nvCxnSpPr>
+          <p:cNvPr id="71" name="连接符: 曲线 70">
+            <a:extLst>
+              <a:ext uri="{FF2B5EF4-FFF2-40B4-BE49-F238E27FC236}">
+                <a16:creationId xmlns:a16="http://schemas.microsoft.com/office/drawing/2014/main" id="{69A2D62E-78B6-4E21-8944-99734B1B0CCD}"/>
+              </a:ext>
+            </a:extLst>
+          </p:cNvPr>
+          <p:cNvCxnSpPr>
+            <a:cxnSpLocks/>
+            <a:stCxn id="59" idx="3"/>
+            <a:endCxn id="91" idx="1"/>
+          </p:cNvCxnSpPr>
+          <p:nvPr/>
+        </p:nvCxnSpPr>
+        <p:spPr>
+          <a:xfrm flipV="1">
+            <a:off x="5390720" y="3381287"/>
+            <a:ext cx="926925" cy="958179"/>
+          </a:xfrm>
+          <a:prstGeom prst="curvedConnector3">
+            <a:avLst>
+              <a:gd name="adj1" fmla="val 50000"/>
+            </a:avLst>
+          </a:prstGeom>
+          <a:ln>
+            <a:tailEnd type="triangle"/>
+          </a:ln>
+        </p:spPr>
+        <p:style>
+          <a:lnRef idx="2">
+            <a:schemeClr val="accent3"/>
+          </a:lnRef>
+          <a:fillRef idx="1">
+            <a:schemeClr val="lt1"/>
+          </a:fillRef>
+          <a:effectRef idx="0">
+            <a:schemeClr val="accent3"/>
+          </a:effectRef>
+          <a:fontRef idx="minor">
+            <a:schemeClr val="dk1"/>
+          </a:fontRef>
+        </p:style>
+      </p:cxnSp>
+      <p:sp>
+        <p:nvSpPr>
+          <p:cNvPr id="91" name="矩形 90">
+            <a:extLst>
+              <a:ext uri="{FF2B5EF4-FFF2-40B4-BE49-F238E27FC236}">
+                <a16:creationId xmlns:a16="http://schemas.microsoft.com/office/drawing/2014/main" id="{242D7195-9899-4BBD-94EF-133BD00F3CF8}"/>
+              </a:ext>
+            </a:extLst>
+          </p:cNvPr>
+          <p:cNvSpPr/>
+          <p:nvPr/>
+        </p:nvSpPr>
+        <p:spPr>
+          <a:xfrm>
+            <a:off x="6317645" y="3150454"/>
+            <a:ext cx="1282718" cy="461665"/>
+          </a:xfrm>
+          <a:prstGeom prst="rect">
+            <a:avLst/>
+          </a:prstGeom>
+        </p:spPr>
+        <p:style>
+          <a:lnRef idx="2">
+            <a:schemeClr val="accent3"/>
+          </a:lnRef>
+          <a:fillRef idx="1">
+            <a:schemeClr val="lt1"/>
+          </a:fillRef>
+          <a:effectRef idx="0">
+            <a:schemeClr val="accent3"/>
+          </a:effectRef>
+          <a:fontRef idx="minor">
+            <a:schemeClr val="dk1"/>
+          </a:fontRef>
+        </p:style>
+        <p:txBody>
+          <a:bodyPr wrap="square">
+            <a:spAutoFit/>
+          </a:bodyPr>
+          <a:lstStyle/>
+          <a:p>
+            <a:r>
+              <a:rPr lang="zh-CN" altLang="en-US" sz="1200"/>
+              <a:t>添加观察者</a:t>
+            </a:r>
+            <a:endParaRPr lang="en-US" altLang="zh-CN" sz="1200"/>
+          </a:p>
+          <a:p>
+            <a:r>
+              <a:rPr lang="zh-CN" altLang="en-US" sz="1200"/>
+              <a:t>监听指定事件名</a:t>
+            </a:r>
+          </a:p>
+        </p:txBody>
+      </p:sp>
+      <p:sp>
+        <p:nvSpPr>
+          <p:cNvPr id="93" name="矩形: 折角 92">
+            <a:extLst>
+              <a:ext uri="{FF2B5EF4-FFF2-40B4-BE49-F238E27FC236}">
+                <a16:creationId xmlns:a16="http://schemas.microsoft.com/office/drawing/2014/main" id="{48EE387A-96EE-4DFB-8883-9FD458BBBB6A}"/>
+              </a:ext>
+            </a:extLst>
+          </p:cNvPr>
+          <p:cNvSpPr/>
+          <p:nvPr/>
+        </p:nvSpPr>
+        <p:spPr>
+          <a:xfrm>
+            <a:off x="9735231" y="1843739"/>
+            <a:ext cx="2361364" cy="1344859"/>
+          </a:xfrm>
+          <a:prstGeom prst="foldedCorner">
+            <a:avLst/>
+          </a:prstGeom>
+        </p:spPr>
+        <p:style>
+          <a:lnRef idx="2">
+            <a:schemeClr val="accent3"/>
+          </a:lnRef>
+          <a:fillRef idx="1">
+            <a:schemeClr val="lt1"/>
+          </a:fillRef>
+          <a:effectRef idx="0">
+            <a:schemeClr val="accent3"/>
+          </a:effectRef>
+          <a:fontRef idx="minor">
+            <a:schemeClr val="dk1"/>
+          </a:fontRef>
+        </p:style>
+        <p:txBody>
+          <a:bodyPr rtlCol="0" anchor="ctr"/>
+          <a:lstStyle/>
+          <a:p>
+            <a:r>
+              <a:rPr lang="en-US" altLang="zh-CN" sz="1400">
+                <a:solidFill>
+                  <a:schemeClr val="tx1"/>
+                </a:solidFill>
+              </a:rPr>
+              <a:t>&lt;div&gt;</a:t>
+            </a:r>
+          </a:p>
+          <a:p>
+            <a:r>
+              <a:rPr lang="en-US" altLang="zh-CN" sz="1400">
+                <a:solidFill>
+                  <a:schemeClr val="tx1"/>
+                </a:solidFill>
+              </a:rPr>
+              <a:t>&lt;h2 v-html="salary"&gt;&lt;/h2&gt;</a:t>
+            </a:r>
+          </a:p>
+          <a:p>
+            <a:r>
+              <a:rPr lang="en-US" altLang="zh-CN" sz="1400">
+                <a:solidFill>
+                  <a:schemeClr val="tx1"/>
+                </a:solidFill>
+              </a:rPr>
+              <a:t>&lt;input v-model=“salary”/&gt;</a:t>
+            </a:r>
+          </a:p>
+          <a:p>
+            <a:r>
+              <a:rPr lang="en-US" altLang="zh-CN" sz="1400">
+                <a:solidFill>
+                  <a:schemeClr val="tx1"/>
+                </a:solidFill>
+              </a:rPr>
+              <a:t>&lt;p v-html="salary"&gt;&lt;/p&gt;</a:t>
+            </a:r>
+          </a:p>
+          <a:p>
+            <a:r>
+              <a:rPr lang="en-US" altLang="zh-CN" sz="1400">
+                <a:solidFill>
+                  <a:schemeClr val="tx1"/>
+                </a:solidFill>
+              </a:rPr>
+              <a:t>&lt;/div&gt;</a:t>
+            </a:r>
+            <a:endParaRPr lang="zh-CN" altLang="en-US" sz="1400">
+              <a:solidFill>
+                <a:schemeClr val="tx1"/>
+              </a:solidFill>
+            </a:endParaRPr>
+          </a:p>
+        </p:txBody>
+      </p:sp>
+      <p:sp>
+        <p:nvSpPr>
+          <p:cNvPr id="96" name="圆柱体 95">
+            <a:extLst>
+              <a:ext uri="{FF2B5EF4-FFF2-40B4-BE49-F238E27FC236}">
+                <a16:creationId xmlns:a16="http://schemas.microsoft.com/office/drawing/2014/main" id="{AC64C221-FF3F-47A1-8FCA-C03045D872F6}"/>
+              </a:ext>
+            </a:extLst>
+          </p:cNvPr>
+          <p:cNvSpPr/>
+          <p:nvPr/>
+        </p:nvSpPr>
+        <p:spPr>
+          <a:xfrm>
+            <a:off x="163480" y="643379"/>
+            <a:ext cx="1561137" cy="1736203"/>
+          </a:xfrm>
+          <a:prstGeom prst="can">
+            <a:avLst>
+              <a:gd name="adj" fmla="val 13398"/>
+            </a:avLst>
+          </a:prstGeom>
+        </p:spPr>
+        <p:style>
+          <a:lnRef idx="2">
+            <a:schemeClr val="accent3"/>
+          </a:lnRef>
+          <a:fillRef idx="1">
+            <a:schemeClr val="lt1"/>
+          </a:fillRef>
+          <a:effectRef idx="0">
+            <a:schemeClr val="accent3"/>
+          </a:effectRef>
+          <a:fontRef idx="minor">
+            <a:schemeClr val="dk1"/>
+          </a:fontRef>
+        </p:style>
+        <p:txBody>
+          <a:bodyPr rtlCol="0" anchor="ctr"/>
+          <a:lstStyle/>
+          <a:p>
+            <a:pPr algn="ctr"/>
+            <a:endParaRPr lang="zh-CN" altLang="en-US">
+              <a:solidFill>
+                <a:schemeClr val="tx1"/>
+              </a:solidFill>
+            </a:endParaRPr>
+          </a:p>
+        </p:txBody>
+      </p:sp>
+      <p:sp>
+        <p:nvSpPr>
+          <p:cNvPr id="97" name="矩形 96">
+            <a:extLst>
+              <a:ext uri="{FF2B5EF4-FFF2-40B4-BE49-F238E27FC236}">
+                <a16:creationId xmlns:a16="http://schemas.microsoft.com/office/drawing/2014/main" id="{224E9B5C-F922-42DC-BB81-5E9FBFDD5C3E}"/>
+              </a:ext>
+            </a:extLst>
+          </p:cNvPr>
+          <p:cNvSpPr/>
+          <p:nvPr/>
+        </p:nvSpPr>
+        <p:spPr>
+          <a:xfrm>
+            <a:off x="177210" y="1049815"/>
+            <a:ext cx="1634932" cy="923330"/>
+          </a:xfrm>
+          <a:prstGeom prst="rect">
+            <a:avLst/>
+          </a:prstGeom>
+        </p:spPr>
+        <p:style>
+          <a:lnRef idx="2">
+            <a:schemeClr val="accent3"/>
+          </a:lnRef>
+          <a:fillRef idx="1">
+            <a:schemeClr val="lt1"/>
+          </a:fillRef>
+          <a:effectRef idx="0">
+            <a:schemeClr val="accent3"/>
+          </a:effectRef>
+          <a:fontRef idx="minor">
+            <a:schemeClr val="dk1"/>
+          </a:fontRef>
+        </p:style>
+        <p:txBody>
+          <a:bodyPr wrap="square">
+            <a:spAutoFit/>
+          </a:bodyPr>
+          <a:lstStyle/>
+          <a:p>
+            <a:r>
+              <a:rPr lang="zh-CN" altLang="en-US"/>
+              <a:t>var data = {</a:t>
+            </a:r>
+          </a:p>
+          <a:p>
+            <a:r>
+              <a:rPr lang="zh-CN" altLang="en-US"/>
+              <a:t>  salary: 1000</a:t>
+            </a:r>
+          </a:p>
+          <a:p>
+            <a:r>
+              <a:rPr lang="zh-CN" altLang="en-US"/>
+              <a:t>};</a:t>
+            </a:r>
+          </a:p>
+        </p:txBody>
+      </p:sp>
+      <p:sp>
+        <p:nvSpPr>
+          <p:cNvPr id="100" name="缺角矩形 99">
+            <a:extLst>
+              <a:ext uri="{FF2B5EF4-FFF2-40B4-BE49-F238E27FC236}">
+                <a16:creationId xmlns:a16="http://schemas.microsoft.com/office/drawing/2014/main" id="{3060236F-FC15-4B60-A680-A5C3A32705CE}"/>
+              </a:ext>
+            </a:extLst>
+          </p:cNvPr>
+          <p:cNvSpPr/>
+          <p:nvPr/>
+        </p:nvSpPr>
+        <p:spPr>
+          <a:xfrm>
+            <a:off x="6363852" y="1494152"/>
+            <a:ext cx="896427" cy="845795"/>
+          </a:xfrm>
+          <a:prstGeom prst="plaque">
+            <a:avLst/>
+          </a:prstGeom>
+        </p:spPr>
+        <p:style>
+          <a:lnRef idx="2">
+            <a:schemeClr val="accent2"/>
+          </a:lnRef>
+          <a:fillRef idx="1">
+            <a:schemeClr val="lt1"/>
+          </a:fillRef>
+          <a:effectRef idx="0">
+            <a:schemeClr val="accent2"/>
+          </a:effectRef>
+          <a:fontRef idx="minor">
+            <a:schemeClr val="dk1"/>
+          </a:fontRef>
+        </p:style>
+        <p:txBody>
+          <a:bodyPr rtlCol="0" anchor="ctr"/>
+          <a:lstStyle/>
+          <a:p>
+            <a:pPr algn="ctr"/>
+            <a:r>
+              <a:rPr lang="zh-CN" altLang="en-US">
+                <a:solidFill>
+                  <a:schemeClr val="tx1"/>
+                </a:solidFill>
+              </a:rPr>
+              <a:t>事件名</a:t>
+            </a:r>
+            <a:r>
+              <a:rPr lang="en-US" altLang="zh-CN">
+                <a:solidFill>
+                  <a:schemeClr val="tx1"/>
+                </a:solidFill>
+              </a:rPr>
+              <a:t>1</a:t>
+            </a:r>
+            <a:endParaRPr lang="zh-CN" altLang="en-US">
+              <a:solidFill>
+                <a:schemeClr val="tx1"/>
+              </a:solidFill>
+            </a:endParaRPr>
+          </a:p>
+        </p:txBody>
+      </p:sp>
+      <p:cxnSp>
+        <p:nvCxnSpPr>
+          <p:cNvPr id="104" name="连接符: 曲线 103">
+            <a:extLst>
+              <a:ext uri="{FF2B5EF4-FFF2-40B4-BE49-F238E27FC236}">
+                <a16:creationId xmlns:a16="http://schemas.microsoft.com/office/drawing/2014/main" id="{1D721AF0-2BCB-432D-A121-B176D27B9252}"/>
+              </a:ext>
+            </a:extLst>
+          </p:cNvPr>
+          <p:cNvCxnSpPr>
+            <a:cxnSpLocks/>
+            <a:stCxn id="100" idx="3"/>
+            <a:endCxn id="27" idx="1"/>
+          </p:cNvCxnSpPr>
+          <p:nvPr/>
+        </p:nvCxnSpPr>
+        <p:spPr>
+          <a:xfrm flipV="1">
+            <a:off x="7260279" y="1371255"/>
+            <a:ext cx="408470" cy="545795"/>
+          </a:xfrm>
+          <a:prstGeom prst="curvedConnector3">
+            <a:avLst>
+              <a:gd name="adj1" fmla="val 50000"/>
+            </a:avLst>
+          </a:prstGeom>
+          <a:ln>
+            <a:tailEnd type="triangle"/>
+          </a:ln>
+        </p:spPr>
+        <p:style>
+          <a:lnRef idx="2">
+            <a:schemeClr val="accent3"/>
+          </a:lnRef>
+          <a:fillRef idx="1">
+            <a:schemeClr val="lt1"/>
+          </a:fillRef>
+          <a:effectRef idx="0">
+            <a:schemeClr val="accent3"/>
+          </a:effectRef>
+          <a:fontRef idx="minor">
+            <a:schemeClr val="dk1"/>
+          </a:fontRef>
+        </p:style>
+      </p:cxnSp>
+      <p:cxnSp>
+        <p:nvCxnSpPr>
+          <p:cNvPr id="105" name="连接符: 曲线 104">
+            <a:extLst>
+              <a:ext uri="{FF2B5EF4-FFF2-40B4-BE49-F238E27FC236}">
+                <a16:creationId xmlns:a16="http://schemas.microsoft.com/office/drawing/2014/main" id="{BB2B3C49-CF85-445A-B051-44F4DF0C3FD7}"/>
+              </a:ext>
+            </a:extLst>
+          </p:cNvPr>
+          <p:cNvCxnSpPr>
+            <a:cxnSpLocks/>
+            <a:stCxn id="100" idx="3"/>
+            <a:endCxn id="29" idx="1"/>
+          </p:cNvCxnSpPr>
+          <p:nvPr/>
+        </p:nvCxnSpPr>
+        <p:spPr>
+          <a:xfrm>
+            <a:off x="7260279" y="1917050"/>
+            <a:ext cx="408469" cy="487062"/>
+          </a:xfrm>
+          <a:prstGeom prst="curvedConnector3">
+            <a:avLst>
+              <a:gd name="adj1" fmla="val 50000"/>
+            </a:avLst>
+          </a:prstGeom>
+          <a:ln>
+            <a:tailEnd type="triangle"/>
+          </a:ln>
+        </p:spPr>
+        <p:style>
+          <a:lnRef idx="2">
+            <a:schemeClr val="accent3"/>
+          </a:lnRef>
+          <a:fillRef idx="1">
+            <a:schemeClr val="lt1"/>
+          </a:fillRef>
+          <a:effectRef idx="0">
+            <a:schemeClr val="accent3"/>
+          </a:effectRef>
+          <a:fontRef idx="minor">
+            <a:schemeClr val="dk1"/>
+          </a:fontRef>
+        </p:style>
+      </p:cxnSp>
+      <p:cxnSp>
+        <p:nvCxnSpPr>
+          <p:cNvPr id="108" name="连接符: 曲线 107">
+            <a:extLst>
+              <a:ext uri="{FF2B5EF4-FFF2-40B4-BE49-F238E27FC236}">
+                <a16:creationId xmlns:a16="http://schemas.microsoft.com/office/drawing/2014/main" id="{C89A5181-D24D-40ED-9679-C0B6596FC496}"/>
+              </a:ext>
+            </a:extLst>
+          </p:cNvPr>
+          <p:cNvCxnSpPr>
+            <a:cxnSpLocks/>
+            <a:stCxn id="100" idx="3"/>
+            <a:endCxn id="28" idx="1"/>
+          </p:cNvCxnSpPr>
+          <p:nvPr/>
+        </p:nvCxnSpPr>
+        <p:spPr>
+          <a:xfrm flipV="1">
+            <a:off x="7260279" y="1893078"/>
+            <a:ext cx="408469" cy="23972"/>
+          </a:xfrm>
+          <a:prstGeom prst="curvedConnector3">
+            <a:avLst>
+              <a:gd name="adj1" fmla="val 50000"/>
+            </a:avLst>
+          </a:prstGeom>
+          <a:ln>
+            <a:tailEnd type="triangle"/>
+          </a:ln>
+        </p:spPr>
+        <p:style>
+          <a:lnRef idx="2">
+            <a:schemeClr val="accent3"/>
+          </a:lnRef>
+          <a:fillRef idx="1">
+            <a:schemeClr val="lt1"/>
+          </a:fillRef>
+          <a:effectRef idx="0">
+            <a:schemeClr val="accent3"/>
+          </a:effectRef>
+          <a:fontRef idx="minor">
+            <a:schemeClr val="dk1"/>
+          </a:fontRef>
+        </p:style>
+      </p:cxnSp>
+      <p:cxnSp>
+        <p:nvCxnSpPr>
+          <p:cNvPr id="112" name="连接符: 曲线 111">
+            <a:extLst>
+              <a:ext uri="{FF2B5EF4-FFF2-40B4-BE49-F238E27FC236}">
+                <a16:creationId xmlns:a16="http://schemas.microsoft.com/office/drawing/2014/main" id="{CCD842AA-111D-42D1-9BFF-887848310CCF}"/>
+              </a:ext>
+            </a:extLst>
+          </p:cNvPr>
+          <p:cNvCxnSpPr>
+            <a:cxnSpLocks/>
+            <a:stCxn id="101" idx="3"/>
+            <a:endCxn id="31" idx="1"/>
+          </p:cNvCxnSpPr>
+          <p:nvPr/>
+        </p:nvCxnSpPr>
+        <p:spPr>
+          <a:xfrm flipV="1">
+            <a:off x="7316185" y="3734319"/>
+            <a:ext cx="402290" cy="622087"/>
+          </a:xfrm>
+          <a:prstGeom prst="curvedConnector3">
+            <a:avLst>
+              <a:gd name="adj1" fmla="val 50000"/>
+            </a:avLst>
+          </a:prstGeom>
+          <a:ln>
+            <a:tailEnd type="triangle"/>
+          </a:ln>
+        </p:spPr>
+        <p:style>
+          <a:lnRef idx="2">
+            <a:schemeClr val="accent3"/>
+          </a:lnRef>
+          <a:fillRef idx="1">
+            <a:schemeClr val="lt1"/>
+          </a:fillRef>
+          <a:effectRef idx="0">
+            <a:schemeClr val="accent3"/>
+          </a:effectRef>
+          <a:fontRef idx="minor">
+            <a:schemeClr val="dk1"/>
+          </a:fontRef>
+        </p:style>
+      </p:cxnSp>
+      <p:cxnSp>
+        <p:nvCxnSpPr>
+          <p:cNvPr id="113" name="连接符: 曲线 112">
+            <a:extLst>
+              <a:ext uri="{FF2B5EF4-FFF2-40B4-BE49-F238E27FC236}">
+                <a16:creationId xmlns:a16="http://schemas.microsoft.com/office/drawing/2014/main" id="{AC362207-5A49-4E61-93F3-9262CA861F37}"/>
+              </a:ext>
+            </a:extLst>
+          </p:cNvPr>
+          <p:cNvCxnSpPr>
+            <a:cxnSpLocks/>
+            <a:stCxn id="101" idx="3"/>
+            <a:endCxn id="33" idx="1"/>
+          </p:cNvCxnSpPr>
+          <p:nvPr/>
+        </p:nvCxnSpPr>
+        <p:spPr>
+          <a:xfrm>
+            <a:off x="7316185" y="4356406"/>
+            <a:ext cx="402199" cy="470605"/>
+          </a:xfrm>
+          <a:prstGeom prst="curvedConnector3">
+            <a:avLst>
+              <a:gd name="adj1" fmla="val 50000"/>
+            </a:avLst>
+          </a:prstGeom>
+          <a:ln>
+            <a:tailEnd type="triangle"/>
+          </a:ln>
+        </p:spPr>
+        <p:style>
+          <a:lnRef idx="2">
+            <a:schemeClr val="accent3"/>
+          </a:lnRef>
+          <a:fillRef idx="1">
+            <a:schemeClr val="lt1"/>
+          </a:fillRef>
+          <a:effectRef idx="0">
+            <a:schemeClr val="accent3"/>
+          </a:effectRef>
+          <a:fontRef idx="minor">
+            <a:schemeClr val="dk1"/>
+          </a:fontRef>
+        </p:style>
+      </p:cxnSp>
+      <p:cxnSp>
+        <p:nvCxnSpPr>
+          <p:cNvPr id="114" name="连接符: 曲线 113">
+            <a:extLst>
+              <a:ext uri="{FF2B5EF4-FFF2-40B4-BE49-F238E27FC236}">
+                <a16:creationId xmlns:a16="http://schemas.microsoft.com/office/drawing/2014/main" id="{5404A64E-C95D-4BED-89B7-CF1859903A37}"/>
+              </a:ext>
+            </a:extLst>
+          </p:cNvPr>
+          <p:cNvCxnSpPr>
+            <a:cxnSpLocks/>
+            <a:stCxn id="101" idx="3"/>
+            <a:endCxn id="32" idx="1"/>
+          </p:cNvCxnSpPr>
+          <p:nvPr/>
+        </p:nvCxnSpPr>
+        <p:spPr>
+          <a:xfrm flipV="1">
+            <a:off x="7316185" y="4315977"/>
+            <a:ext cx="416880" cy="40429"/>
+          </a:xfrm>
+          <a:prstGeom prst="curvedConnector3">
+            <a:avLst>
+              <a:gd name="adj1" fmla="val 50000"/>
+            </a:avLst>
+          </a:prstGeom>
+          <a:ln>
+            <a:tailEnd type="triangle"/>
+          </a:ln>
+        </p:spPr>
+        <p:style>
+          <a:lnRef idx="2">
+            <a:schemeClr val="accent3"/>
+          </a:lnRef>
+          <a:fillRef idx="1">
+            <a:schemeClr val="lt1"/>
+          </a:fillRef>
+          <a:effectRef idx="0">
+            <a:schemeClr val="accent3"/>
+          </a:effectRef>
+          <a:fontRef idx="minor">
+            <a:schemeClr val="dk1"/>
+          </a:fontRef>
+        </p:style>
+      </p:cxnSp>
+      <p:sp>
+        <p:nvSpPr>
+          <p:cNvPr id="137" name="椭圆 136">
+            <a:extLst>
+              <a:ext uri="{FF2B5EF4-FFF2-40B4-BE49-F238E27FC236}">
+                <a16:creationId xmlns:a16="http://schemas.microsoft.com/office/drawing/2014/main" id="{496C8919-E950-4752-B00C-017C7B1F18CE}"/>
+              </a:ext>
+            </a:extLst>
+          </p:cNvPr>
+          <p:cNvSpPr/>
+          <p:nvPr/>
+        </p:nvSpPr>
+        <p:spPr>
+          <a:xfrm>
+            <a:off x="127420" y="2098701"/>
+            <a:ext cx="537493" cy="544541"/>
+          </a:xfrm>
+          <a:prstGeom prst="ellipse">
+            <a:avLst/>
+          </a:prstGeom>
+        </p:spPr>
+        <p:style>
+          <a:lnRef idx="2">
+            <a:schemeClr val="accent3"/>
+          </a:lnRef>
+          <a:fillRef idx="1">
+            <a:schemeClr val="lt1"/>
+          </a:fillRef>
+          <a:effectRef idx="0">
+            <a:schemeClr val="accent3"/>
+          </a:effectRef>
+          <a:fontRef idx="minor">
+            <a:schemeClr val="dk1"/>
+          </a:fontRef>
+        </p:style>
+        <p:txBody>
+          <a:bodyPr rtlCol="0" anchor="ctr"/>
+          <a:lstStyle/>
+          <a:p>
+            <a:pPr algn="ctr"/>
+            <a:r>
+              <a:rPr lang="en-US" altLang="zh-CN" sz="2800">
+                <a:solidFill>
+                  <a:schemeClr val="tx1"/>
+                </a:solidFill>
+              </a:rPr>
+              <a:t>M</a:t>
+            </a:r>
+            <a:endParaRPr lang="zh-CN" altLang="en-US" sz="2800">
+              <a:solidFill>
+                <a:schemeClr val="tx1"/>
+              </a:solidFill>
+            </a:endParaRPr>
+          </a:p>
+        </p:txBody>
+      </p:sp>
+      <p:sp>
+        <p:nvSpPr>
+          <p:cNvPr id="138" name="椭圆 137">
+            <a:extLst>
+              <a:ext uri="{FF2B5EF4-FFF2-40B4-BE49-F238E27FC236}">
+                <a16:creationId xmlns:a16="http://schemas.microsoft.com/office/drawing/2014/main" id="{6AC4D95D-6A34-4BC3-A30B-8199275295FA}"/>
+              </a:ext>
+            </a:extLst>
+          </p:cNvPr>
+          <p:cNvSpPr/>
+          <p:nvPr/>
+        </p:nvSpPr>
+        <p:spPr>
+          <a:xfrm>
+            <a:off x="11550469" y="2824492"/>
+            <a:ext cx="537493" cy="544541"/>
+          </a:xfrm>
+          <a:prstGeom prst="ellipse">
+            <a:avLst/>
+          </a:prstGeom>
+        </p:spPr>
+        <p:style>
+          <a:lnRef idx="2">
+            <a:schemeClr val="accent3"/>
+          </a:lnRef>
+          <a:fillRef idx="1">
+            <a:schemeClr val="lt1"/>
+          </a:fillRef>
+          <a:effectRef idx="0">
+            <a:schemeClr val="accent3"/>
+          </a:effectRef>
+          <a:fontRef idx="minor">
+            <a:schemeClr val="dk1"/>
+          </a:fontRef>
+        </p:style>
+        <p:txBody>
+          <a:bodyPr rtlCol="0" anchor="ctr"/>
+          <a:lstStyle/>
+          <a:p>
+            <a:pPr algn="ctr"/>
+            <a:r>
+              <a:rPr lang="en-US" altLang="zh-CN" sz="2800">
+                <a:solidFill>
+                  <a:schemeClr val="tx1"/>
+                </a:solidFill>
+              </a:rPr>
+              <a:t>v</a:t>
+            </a:r>
+            <a:endParaRPr lang="zh-CN" altLang="en-US" sz="2800">
+              <a:solidFill>
+                <a:schemeClr val="tx1"/>
+              </a:solidFill>
+            </a:endParaRPr>
+          </a:p>
+        </p:txBody>
+      </p:sp>
+      <p:sp>
+        <p:nvSpPr>
+          <p:cNvPr id="140" name="矩形: 圆角 139">
+            <a:extLst>
+              <a:ext uri="{FF2B5EF4-FFF2-40B4-BE49-F238E27FC236}">
+                <a16:creationId xmlns:a16="http://schemas.microsoft.com/office/drawing/2014/main" id="{3B191D26-C276-42DE-B75B-C0364C899192}"/>
+              </a:ext>
+            </a:extLst>
+          </p:cNvPr>
+          <p:cNvSpPr/>
+          <p:nvPr/>
+        </p:nvSpPr>
+        <p:spPr>
+          <a:xfrm>
+            <a:off x="1387874" y="3249009"/>
+            <a:ext cx="876838" cy="544541"/>
+          </a:xfrm>
+          <a:prstGeom prst="roundRect">
+            <a:avLst/>
+          </a:prstGeom>
+        </p:spPr>
+        <p:style>
+          <a:lnRef idx="2">
+            <a:schemeClr val="accent3"/>
+          </a:lnRef>
+          <a:fillRef idx="1">
+            <a:schemeClr val="lt1"/>
+          </a:fillRef>
+          <a:effectRef idx="0">
+            <a:schemeClr val="accent3"/>
+          </a:effectRef>
+          <a:fontRef idx="minor">
+            <a:schemeClr val="dk1"/>
+          </a:fontRef>
+        </p:style>
+        <p:txBody>
+          <a:bodyPr rtlCol="0" anchor="ctr"/>
+          <a:lstStyle/>
+          <a:p>
+            <a:pPr algn="ctr"/>
+            <a:r>
+              <a:rPr lang="en-US" altLang="zh-CN" sz="2000">
+                <a:solidFill>
+                  <a:schemeClr val="tx1"/>
+                </a:solidFill>
+              </a:rPr>
+              <a:t>VM</a:t>
+            </a:r>
+            <a:endParaRPr lang="zh-CN" altLang="en-US" sz="2000">
+              <a:solidFill>
+                <a:schemeClr val="tx1"/>
+              </a:solidFill>
+            </a:endParaRPr>
+          </a:p>
+        </p:txBody>
+      </p:sp>
+      <p:cxnSp>
+        <p:nvCxnSpPr>
+          <p:cNvPr id="142" name="连接符: 曲线 141">
+            <a:extLst>
+              <a:ext uri="{FF2B5EF4-FFF2-40B4-BE49-F238E27FC236}">
+                <a16:creationId xmlns:a16="http://schemas.microsoft.com/office/drawing/2014/main" id="{0E0F810F-101E-4929-82BF-F6B0B2A7AFD3}"/>
+              </a:ext>
+            </a:extLst>
+          </p:cNvPr>
+          <p:cNvCxnSpPr>
+            <a:cxnSpLocks/>
+            <a:stCxn id="97" idx="3"/>
+            <a:endCxn id="6" idx="0"/>
+          </p:cNvCxnSpPr>
+          <p:nvPr/>
+        </p:nvCxnSpPr>
+        <p:spPr>
+          <a:xfrm flipV="1">
+            <a:off x="1812142" y="1456804"/>
+            <a:ext cx="2747285" cy="54676"/>
+          </a:xfrm>
+          <a:prstGeom prst="curvedConnector4">
+            <a:avLst>
+              <a:gd name="adj1" fmla="val 37608"/>
+              <a:gd name="adj2" fmla="val 1262464"/>
+            </a:avLst>
+          </a:prstGeom>
+          <a:ln>
+            <a:tailEnd type="triangle"/>
+          </a:ln>
+        </p:spPr>
+        <p:style>
+          <a:lnRef idx="2">
+            <a:schemeClr val="accent3"/>
+          </a:lnRef>
+          <a:fillRef idx="1">
+            <a:schemeClr val="lt1"/>
+          </a:fillRef>
+          <a:effectRef idx="0">
+            <a:schemeClr val="accent3"/>
+          </a:effectRef>
+          <a:fontRef idx="minor">
+            <a:schemeClr val="dk1"/>
+          </a:fontRef>
+        </p:style>
+      </p:cxnSp>
+      <p:sp>
+        <p:nvSpPr>
+          <p:cNvPr id="149" name="矩形 148">
+            <a:extLst>
+              <a:ext uri="{FF2B5EF4-FFF2-40B4-BE49-F238E27FC236}">
+                <a16:creationId xmlns:a16="http://schemas.microsoft.com/office/drawing/2014/main" id="{F3B9E50D-AE17-45F1-8481-3F53CA948CC6}"/>
+              </a:ext>
+            </a:extLst>
+          </p:cNvPr>
+          <p:cNvSpPr/>
+          <p:nvPr/>
+        </p:nvSpPr>
+        <p:spPr>
+          <a:xfrm>
+            <a:off x="2753541" y="806318"/>
+            <a:ext cx="902811" cy="307777"/>
+          </a:xfrm>
+          <a:prstGeom prst="rect">
+            <a:avLst/>
+          </a:prstGeom>
+        </p:spPr>
+        <p:style>
+          <a:lnRef idx="2">
+            <a:schemeClr val="accent3"/>
+          </a:lnRef>
+          <a:fillRef idx="1">
+            <a:schemeClr val="lt1"/>
+          </a:fillRef>
+          <a:effectRef idx="0">
+            <a:schemeClr val="accent3"/>
+          </a:effectRef>
+          <a:fontRef idx="minor">
+            <a:schemeClr val="dk1"/>
+          </a:fontRef>
+        </p:style>
+        <p:txBody>
+          <a:bodyPr wrap="none">
+            <a:spAutoFit/>
+          </a:bodyPr>
+          <a:lstStyle/>
+          <a:p>
+            <a:r>
+              <a:rPr lang="zh-CN" altLang="en-US" sz="1400"/>
+              <a:t>取出属性</a:t>
+            </a:r>
+          </a:p>
+        </p:txBody>
+      </p:sp>
+      <p:cxnSp>
+        <p:nvCxnSpPr>
+          <p:cNvPr id="154" name="连接符: 曲线 153">
+            <a:extLst>
+              <a:ext uri="{FF2B5EF4-FFF2-40B4-BE49-F238E27FC236}">
+                <a16:creationId xmlns:a16="http://schemas.microsoft.com/office/drawing/2014/main" id="{3F1D2D43-8103-4A8D-8624-27BDE9F55F4C}"/>
+              </a:ext>
+            </a:extLst>
+          </p:cNvPr>
+          <p:cNvCxnSpPr>
+            <a:cxnSpLocks/>
+            <a:stCxn id="13" idx="2"/>
+            <a:endCxn id="96" idx="3"/>
+          </p:cNvCxnSpPr>
+          <p:nvPr/>
+        </p:nvCxnSpPr>
+        <p:spPr>
+          <a:xfrm rot="5400000" flipH="1">
+            <a:off x="2681900" y="641732"/>
+            <a:ext cx="139676" cy="3615377"/>
+          </a:xfrm>
+          <a:prstGeom prst="curvedConnector3">
+            <a:avLst>
+              <a:gd name="adj1" fmla="val -163664"/>
+            </a:avLst>
+          </a:prstGeom>
+          <a:ln>
+            <a:tailEnd type="triangle"/>
+          </a:ln>
+        </p:spPr>
+        <p:style>
+          <a:lnRef idx="2">
+            <a:schemeClr val="accent4"/>
+          </a:lnRef>
+          <a:fillRef idx="1">
+            <a:schemeClr val="lt1"/>
+          </a:fillRef>
+          <a:effectRef idx="0">
+            <a:schemeClr val="accent4"/>
+          </a:effectRef>
+          <a:fontRef idx="minor">
+            <a:schemeClr val="dk1"/>
+          </a:fontRef>
+        </p:style>
+      </p:cxnSp>
+      <p:sp>
+        <p:nvSpPr>
+          <p:cNvPr id="150" name="矩形 149">
+            <a:extLst>
+              <a:ext uri="{FF2B5EF4-FFF2-40B4-BE49-F238E27FC236}">
+                <a16:creationId xmlns:a16="http://schemas.microsoft.com/office/drawing/2014/main" id="{3801FF16-C5C4-4109-B49D-7D1804C4A37F}"/>
+              </a:ext>
+            </a:extLst>
+          </p:cNvPr>
+          <p:cNvSpPr/>
+          <p:nvPr/>
+        </p:nvSpPr>
+        <p:spPr>
+          <a:xfrm>
+            <a:off x="2334881" y="2601831"/>
+            <a:ext cx="1082348" cy="307777"/>
+          </a:xfrm>
+          <a:prstGeom prst="rect">
+            <a:avLst/>
+          </a:prstGeom>
+        </p:spPr>
+        <p:style>
+          <a:lnRef idx="2">
+            <a:schemeClr val="accent4"/>
+          </a:lnRef>
+          <a:fillRef idx="1">
+            <a:schemeClr val="lt1"/>
+          </a:fillRef>
+          <a:effectRef idx="0">
+            <a:schemeClr val="accent4"/>
+          </a:effectRef>
+          <a:fontRef idx="minor">
+            <a:schemeClr val="dk1"/>
+          </a:fontRef>
+        </p:style>
+        <p:txBody>
+          <a:bodyPr wrap="none">
+            <a:spAutoFit/>
+          </a:bodyPr>
+          <a:lstStyle/>
+          <a:p>
+            <a:r>
+              <a:rPr lang="zh-CN" altLang="en-US" sz="1400"/>
+              <a:t>更新属性值</a:t>
+            </a:r>
+          </a:p>
+        </p:txBody>
+      </p:sp>
+      <p:cxnSp>
+        <p:nvCxnSpPr>
+          <p:cNvPr id="166" name="连接符: 曲线 165">
+            <a:extLst>
+              <a:ext uri="{FF2B5EF4-FFF2-40B4-BE49-F238E27FC236}">
+                <a16:creationId xmlns:a16="http://schemas.microsoft.com/office/drawing/2014/main" id="{6EF13F2C-3A56-4EFD-B907-A019BE3A1530}"/>
+              </a:ext>
+            </a:extLst>
+          </p:cNvPr>
+          <p:cNvCxnSpPr>
+            <a:cxnSpLocks/>
+            <a:stCxn id="140" idx="0"/>
+            <a:endCxn id="5" idx="1"/>
+          </p:cNvCxnSpPr>
+          <p:nvPr/>
+        </p:nvCxnSpPr>
+        <p:spPr>
+          <a:xfrm rot="5400000" flipH="1" flipV="1">
+            <a:off x="1363385" y="2337363"/>
+            <a:ext cx="1374555" cy="448739"/>
+          </a:xfrm>
+          <a:prstGeom prst="curvedConnector2">
+            <a:avLst/>
+          </a:prstGeom>
+          <a:ln>
+            <a:tailEnd type="triangle"/>
+          </a:ln>
+        </p:spPr>
+        <p:style>
+          <a:lnRef idx="2">
+            <a:schemeClr val="accent3"/>
+          </a:lnRef>
+          <a:fillRef idx="1">
+            <a:schemeClr val="lt1"/>
+          </a:fillRef>
+          <a:effectRef idx="0">
+            <a:schemeClr val="accent3"/>
+          </a:effectRef>
+          <a:fontRef idx="minor">
+            <a:schemeClr val="dk1"/>
+          </a:fontRef>
+        </p:style>
+      </p:cxnSp>
+      <p:cxnSp>
+        <p:nvCxnSpPr>
+          <p:cNvPr id="170" name="连接符: 曲线 169">
+            <a:extLst>
+              <a:ext uri="{FF2B5EF4-FFF2-40B4-BE49-F238E27FC236}">
+                <a16:creationId xmlns:a16="http://schemas.microsoft.com/office/drawing/2014/main" id="{8D16456A-48DF-4EA1-B6BF-C130043F09BA}"/>
+              </a:ext>
+            </a:extLst>
+          </p:cNvPr>
+          <p:cNvCxnSpPr>
+            <a:cxnSpLocks/>
+            <a:stCxn id="140" idx="2"/>
+            <a:endCxn id="54" idx="1"/>
+          </p:cNvCxnSpPr>
+          <p:nvPr/>
+        </p:nvCxnSpPr>
+        <p:spPr>
+          <a:xfrm rot="16200000" flipH="1">
+            <a:off x="1774707" y="3845136"/>
+            <a:ext cx="559246" cy="456074"/>
+          </a:xfrm>
+          <a:prstGeom prst="curvedConnector2">
+            <a:avLst/>
+          </a:prstGeom>
+          <a:ln>
+            <a:tailEnd type="triangle"/>
+          </a:ln>
+        </p:spPr>
+        <p:style>
+          <a:lnRef idx="2">
+            <a:schemeClr val="accent3"/>
+          </a:lnRef>
+          <a:fillRef idx="1">
+            <a:schemeClr val="lt1"/>
+          </a:fillRef>
+          <a:effectRef idx="0">
+            <a:schemeClr val="accent3"/>
+          </a:effectRef>
+          <a:fontRef idx="minor">
+            <a:schemeClr val="dk1"/>
+          </a:fontRef>
+        </p:style>
+      </p:cxnSp>
+      <p:sp>
+        <p:nvSpPr>
+          <p:cNvPr id="191" name="矩形 190">
+            <a:extLst>
+              <a:ext uri="{FF2B5EF4-FFF2-40B4-BE49-F238E27FC236}">
+                <a16:creationId xmlns:a16="http://schemas.microsoft.com/office/drawing/2014/main" id="{D89AF707-7B98-4DE0-8C7B-99E5B09C5EC7}"/>
+              </a:ext>
+            </a:extLst>
+          </p:cNvPr>
+          <p:cNvSpPr/>
+          <p:nvPr/>
+        </p:nvSpPr>
+        <p:spPr>
+          <a:xfrm>
+            <a:off x="3928582" y="4728775"/>
+            <a:ext cx="1461613" cy="449005"/>
+          </a:xfrm>
+          <a:prstGeom prst="rect">
+            <a:avLst/>
+          </a:prstGeom>
+        </p:spPr>
+        <p:style>
+          <a:lnRef idx="2">
+            <a:schemeClr val="accent3"/>
+          </a:lnRef>
+          <a:fillRef idx="1">
+            <a:schemeClr val="lt1"/>
+          </a:fillRef>
+          <a:effectRef idx="0">
+            <a:schemeClr val="accent3"/>
+          </a:effectRef>
+          <a:fontRef idx="minor">
+            <a:schemeClr val="dk1"/>
+          </a:fontRef>
+        </p:style>
+        <p:txBody>
+          <a:bodyPr rtlCol="0" anchor="ctr"/>
+          <a:lstStyle/>
+          <a:p>
+            <a:pPr algn="ctr"/>
+            <a:r>
+              <a:rPr lang="en-US" altLang="zh-CN" sz="1600">
+                <a:solidFill>
+                  <a:schemeClr val="tx1"/>
+                </a:solidFill>
+              </a:rPr>
+              <a:t>v-model</a:t>
+            </a:r>
+            <a:endParaRPr lang="zh-CN" altLang="en-US" sz="1600">
+              <a:solidFill>
+                <a:schemeClr val="tx1"/>
+              </a:solidFill>
+            </a:endParaRPr>
+          </a:p>
+        </p:txBody>
+      </p:sp>
+      <p:cxnSp>
+        <p:nvCxnSpPr>
+          <p:cNvPr id="192" name="连接符: 曲线 191">
+            <a:extLst>
+              <a:ext uri="{FF2B5EF4-FFF2-40B4-BE49-F238E27FC236}">
+                <a16:creationId xmlns:a16="http://schemas.microsoft.com/office/drawing/2014/main" id="{278A3B55-19E3-4FB4-9992-47378CAD2BBD}"/>
+              </a:ext>
+            </a:extLst>
+          </p:cNvPr>
+          <p:cNvCxnSpPr>
+            <a:cxnSpLocks/>
+            <a:stCxn id="54" idx="3"/>
+            <a:endCxn id="191" idx="1"/>
+          </p:cNvCxnSpPr>
+          <p:nvPr/>
+        </p:nvCxnSpPr>
+        <p:spPr>
+          <a:xfrm>
+            <a:off x="3666649" y="4352796"/>
+            <a:ext cx="261933" cy="600482"/>
+          </a:xfrm>
+          <a:prstGeom prst="curvedConnector3">
+            <a:avLst>
+              <a:gd name="adj1" fmla="val 50000"/>
+            </a:avLst>
+          </a:prstGeom>
+          <a:ln>
+            <a:tailEnd type="triangle"/>
+          </a:ln>
+        </p:spPr>
+        <p:style>
+          <a:lnRef idx="2">
+            <a:schemeClr val="accent3"/>
+          </a:lnRef>
+          <a:fillRef idx="1">
+            <a:schemeClr val="lt1"/>
+          </a:fillRef>
+          <a:effectRef idx="0">
+            <a:schemeClr val="accent3"/>
+          </a:effectRef>
+          <a:fontRef idx="minor">
+            <a:schemeClr val="dk1"/>
+          </a:fontRef>
+        </p:style>
+      </p:cxnSp>
+      <p:cxnSp>
+        <p:nvCxnSpPr>
+          <p:cNvPr id="197" name="连接符: 曲线 196">
+            <a:extLst>
+              <a:ext uri="{FF2B5EF4-FFF2-40B4-BE49-F238E27FC236}">
+                <a16:creationId xmlns:a16="http://schemas.microsoft.com/office/drawing/2014/main" id="{D3548C1C-9DD0-441B-9BEA-EFD1D992D606}"/>
+              </a:ext>
+            </a:extLst>
+          </p:cNvPr>
+          <p:cNvCxnSpPr>
+            <a:cxnSpLocks/>
+            <a:stCxn id="226" idx="3"/>
+            <a:endCxn id="13" idx="0"/>
+          </p:cNvCxnSpPr>
+          <p:nvPr/>
+        </p:nvCxnSpPr>
+        <p:spPr>
+          <a:xfrm rot="16200000" flipH="1" flipV="1">
+            <a:off x="7495478" y="-1538090"/>
+            <a:ext cx="713918" cy="6586022"/>
+          </a:xfrm>
+          <a:prstGeom prst="curvedConnector3">
+            <a:avLst>
+              <a:gd name="adj1" fmla="val -97018"/>
+            </a:avLst>
+          </a:prstGeom>
+          <a:ln>
+            <a:tailEnd type="triangle"/>
+          </a:ln>
+        </p:spPr>
+        <p:style>
+          <a:lnRef idx="2">
+            <a:schemeClr val="accent3"/>
+          </a:lnRef>
+          <a:fillRef idx="1">
+            <a:schemeClr val="lt1"/>
+          </a:fillRef>
+          <a:effectRef idx="0">
+            <a:schemeClr val="accent3"/>
+          </a:effectRef>
+          <a:fontRef idx="minor">
+            <a:schemeClr val="dk1"/>
+          </a:fontRef>
+        </p:style>
+      </p:cxnSp>
+      <p:sp>
+        <p:nvSpPr>
+          <p:cNvPr id="43" name="矩形 42">
+            <a:extLst>
+              <a:ext uri="{FF2B5EF4-FFF2-40B4-BE49-F238E27FC236}">
+                <a16:creationId xmlns:a16="http://schemas.microsoft.com/office/drawing/2014/main" id="{2739A8A2-3422-45B2-BB05-340A39A7B6B3}"/>
+              </a:ext>
+            </a:extLst>
+          </p:cNvPr>
+          <p:cNvSpPr/>
+          <p:nvPr/>
+        </p:nvSpPr>
+        <p:spPr>
+          <a:xfrm>
+            <a:off x="6315951" y="2572832"/>
+            <a:ext cx="954107" cy="461665"/>
+          </a:xfrm>
+          <a:prstGeom prst="rect">
+            <a:avLst/>
+          </a:prstGeom>
+        </p:spPr>
+        <p:style>
+          <a:lnRef idx="2">
+            <a:schemeClr val="accent2"/>
+          </a:lnRef>
+          <a:fillRef idx="1">
+            <a:schemeClr val="lt1"/>
+          </a:fillRef>
+          <a:effectRef idx="0">
+            <a:schemeClr val="accent2"/>
+          </a:effectRef>
+          <a:fontRef idx="minor">
+            <a:schemeClr val="dk1"/>
+          </a:fontRef>
+        </p:style>
+        <p:txBody>
+          <a:bodyPr wrap="none">
+            <a:spAutoFit/>
+          </a:bodyPr>
+          <a:lstStyle/>
+          <a:p>
+            <a:r>
+              <a:rPr lang="zh-CN" altLang="en-US" sz="1200"/>
+              <a:t>触发事件</a:t>
+            </a:r>
+            <a:endParaRPr lang="en-US" altLang="zh-CN" sz="1200"/>
+          </a:p>
+          <a:p>
+            <a:r>
+              <a:rPr lang="zh-CN" altLang="en-US" sz="1200"/>
+              <a:t>执行观察者</a:t>
+            </a:r>
+          </a:p>
+        </p:txBody>
+      </p:sp>
+      <p:sp>
+        <p:nvSpPr>
+          <p:cNvPr id="81" name="矩形 80">
+            <a:extLst>
+              <a:ext uri="{FF2B5EF4-FFF2-40B4-BE49-F238E27FC236}">
+                <a16:creationId xmlns:a16="http://schemas.microsoft.com/office/drawing/2014/main" id="{4F635D67-274B-44E1-B00A-CC6C4DB99810}"/>
+              </a:ext>
+            </a:extLst>
+          </p:cNvPr>
+          <p:cNvSpPr/>
+          <p:nvPr/>
+        </p:nvSpPr>
+        <p:spPr>
+          <a:xfrm>
+            <a:off x="9406036" y="737444"/>
+            <a:ext cx="1107996" cy="276999"/>
+          </a:xfrm>
+          <a:prstGeom prst="rect">
+            <a:avLst/>
+          </a:prstGeom>
+        </p:spPr>
+        <p:style>
+          <a:lnRef idx="2">
+            <a:schemeClr val="accent3"/>
+          </a:lnRef>
+          <a:fillRef idx="1">
+            <a:schemeClr val="lt1"/>
+          </a:fillRef>
+          <a:effectRef idx="0">
+            <a:schemeClr val="accent3"/>
+          </a:effectRef>
+          <a:fontRef idx="minor">
+            <a:schemeClr val="dk1"/>
+          </a:fontRef>
+        </p:style>
+        <p:txBody>
+          <a:bodyPr wrap="none">
+            <a:spAutoFit/>
+          </a:bodyPr>
+          <a:lstStyle/>
+          <a:p>
+            <a:r>
+              <a:rPr lang="zh-CN" altLang="en-US" sz="1200"/>
+              <a:t>从视图到数据</a:t>
+            </a:r>
+          </a:p>
+        </p:txBody>
+      </p:sp>
+      <p:sp>
+        <p:nvSpPr>
+          <p:cNvPr id="101" name="缺角矩形 100">
+            <a:extLst>
+              <a:ext uri="{FF2B5EF4-FFF2-40B4-BE49-F238E27FC236}">
+                <a16:creationId xmlns:a16="http://schemas.microsoft.com/office/drawing/2014/main" id="{82F75096-EB12-4A21-AB74-45C47AE8C96C}"/>
+              </a:ext>
+            </a:extLst>
+          </p:cNvPr>
+          <p:cNvSpPr/>
+          <p:nvPr/>
+        </p:nvSpPr>
+        <p:spPr>
+          <a:xfrm>
+            <a:off x="6419759" y="3959780"/>
+            <a:ext cx="896426" cy="793252"/>
+          </a:xfrm>
+          <a:prstGeom prst="plaque">
+            <a:avLst/>
+          </a:prstGeom>
+        </p:spPr>
+        <p:style>
+          <a:lnRef idx="2">
+            <a:schemeClr val="accent3"/>
+          </a:lnRef>
+          <a:fillRef idx="1">
+            <a:schemeClr val="lt1"/>
+          </a:fillRef>
+          <a:effectRef idx="0">
+            <a:schemeClr val="accent3"/>
+          </a:effectRef>
+          <a:fontRef idx="minor">
+            <a:schemeClr val="dk1"/>
+          </a:fontRef>
+        </p:style>
+        <p:txBody>
+          <a:bodyPr rtlCol="0" anchor="ctr"/>
+          <a:lstStyle/>
+          <a:p>
+            <a:pPr algn="ctr"/>
+            <a:r>
+              <a:rPr lang="zh-CN" altLang="en-US">
+                <a:solidFill>
+                  <a:schemeClr val="tx1"/>
+                </a:solidFill>
+              </a:rPr>
+              <a:t>事件名</a:t>
+            </a:r>
+            <a:r>
+              <a:rPr lang="en-US" altLang="zh-CN">
+                <a:solidFill>
+                  <a:schemeClr val="tx1"/>
+                </a:solidFill>
+              </a:rPr>
+              <a:t>2</a:t>
+            </a:r>
+            <a:endParaRPr lang="zh-CN" altLang="en-US">
+              <a:solidFill>
+                <a:schemeClr val="tx1"/>
+              </a:solidFill>
+            </a:endParaRPr>
+          </a:p>
+        </p:txBody>
+      </p:sp>
+      <p:cxnSp>
+        <p:nvCxnSpPr>
+          <p:cNvPr id="106" name="连接符: 曲线 105">
+            <a:extLst>
+              <a:ext uri="{FF2B5EF4-FFF2-40B4-BE49-F238E27FC236}">
+                <a16:creationId xmlns:a16="http://schemas.microsoft.com/office/drawing/2014/main" id="{7BBF49DB-B969-464C-834C-42CA178B3815}"/>
+              </a:ext>
+            </a:extLst>
+          </p:cNvPr>
+          <p:cNvCxnSpPr>
+            <a:cxnSpLocks/>
+            <a:stCxn id="27" idx="3"/>
+          </p:cNvCxnSpPr>
+          <p:nvPr/>
+        </p:nvCxnSpPr>
+        <p:spPr>
+          <a:xfrm>
+            <a:off x="8614901" y="1371255"/>
+            <a:ext cx="1129573" cy="864381"/>
+          </a:xfrm>
+          <a:prstGeom prst="curvedConnector3">
+            <a:avLst>
+              <a:gd name="adj1" fmla="val 50000"/>
+            </a:avLst>
+          </a:prstGeom>
+          <a:ln>
+            <a:tailEnd type="triangle"/>
+          </a:ln>
+        </p:spPr>
+        <p:style>
+          <a:lnRef idx="2">
+            <a:schemeClr val="accent3"/>
+          </a:lnRef>
+          <a:fillRef idx="1">
+            <a:schemeClr val="lt1"/>
+          </a:fillRef>
+          <a:effectRef idx="0">
+            <a:schemeClr val="accent3"/>
+          </a:effectRef>
+          <a:fontRef idx="minor">
+            <a:schemeClr val="dk1"/>
+          </a:fontRef>
+        </p:style>
+      </p:cxnSp>
+      <p:cxnSp>
+        <p:nvCxnSpPr>
+          <p:cNvPr id="107" name="连接符: 曲线 106">
+            <a:extLst>
+              <a:ext uri="{FF2B5EF4-FFF2-40B4-BE49-F238E27FC236}">
+                <a16:creationId xmlns:a16="http://schemas.microsoft.com/office/drawing/2014/main" id="{F7B30DEA-781A-4C6C-B641-206BDC834063}"/>
+              </a:ext>
+            </a:extLst>
+          </p:cNvPr>
+          <p:cNvCxnSpPr>
+            <a:cxnSpLocks/>
+            <a:stCxn id="28" idx="3"/>
+          </p:cNvCxnSpPr>
+          <p:nvPr/>
+        </p:nvCxnSpPr>
+        <p:spPr>
+          <a:xfrm>
+            <a:off x="8614900" y="1893078"/>
+            <a:ext cx="1129574" cy="469452"/>
+          </a:xfrm>
+          <a:prstGeom prst="curvedConnector3">
+            <a:avLst>
+              <a:gd name="adj1" fmla="val 50000"/>
+            </a:avLst>
+          </a:prstGeom>
+          <a:ln>
+            <a:tailEnd type="triangle"/>
+          </a:ln>
+        </p:spPr>
+        <p:style>
+          <a:lnRef idx="2">
+            <a:schemeClr val="accent3"/>
+          </a:lnRef>
+          <a:fillRef idx="1">
+            <a:schemeClr val="lt1"/>
+          </a:fillRef>
+          <a:effectRef idx="0">
+            <a:schemeClr val="accent3"/>
+          </a:effectRef>
+          <a:fontRef idx="minor">
+            <a:schemeClr val="dk1"/>
+          </a:fontRef>
+        </p:style>
+      </p:cxnSp>
+      <p:cxnSp>
+        <p:nvCxnSpPr>
+          <p:cNvPr id="109" name="连接符: 曲线 108">
+            <a:extLst>
+              <a:ext uri="{FF2B5EF4-FFF2-40B4-BE49-F238E27FC236}">
+                <a16:creationId xmlns:a16="http://schemas.microsoft.com/office/drawing/2014/main" id="{E531C2C9-3BCE-4597-A806-25AA73A2A423}"/>
+              </a:ext>
+            </a:extLst>
+          </p:cNvPr>
+          <p:cNvCxnSpPr>
+            <a:cxnSpLocks/>
+            <a:stCxn id="29" idx="3"/>
+          </p:cNvCxnSpPr>
+          <p:nvPr/>
+        </p:nvCxnSpPr>
+        <p:spPr>
+          <a:xfrm>
+            <a:off x="8633684" y="2404112"/>
+            <a:ext cx="1085271" cy="276742"/>
+          </a:xfrm>
+          <a:prstGeom prst="curvedConnector3">
+            <a:avLst>
+              <a:gd name="adj1" fmla="val 50000"/>
+            </a:avLst>
+          </a:prstGeom>
+          <a:ln>
+            <a:tailEnd type="triangle"/>
+          </a:ln>
+        </p:spPr>
+        <p:style>
+          <a:lnRef idx="2">
+            <a:schemeClr val="accent3"/>
+          </a:lnRef>
+          <a:fillRef idx="1">
+            <a:schemeClr val="lt1"/>
+          </a:fillRef>
+          <a:effectRef idx="0">
+            <a:schemeClr val="accent3"/>
+          </a:effectRef>
+          <a:fontRef idx="minor">
+            <a:schemeClr val="dk1"/>
+          </a:fontRef>
+        </p:style>
+      </p:cxnSp>
+      <p:sp>
+        <p:nvSpPr>
+          <p:cNvPr id="163" name="矩形 162">
+            <a:extLst>
+              <a:ext uri="{FF2B5EF4-FFF2-40B4-BE49-F238E27FC236}">
+                <a16:creationId xmlns:a16="http://schemas.microsoft.com/office/drawing/2014/main" id="{AC24166C-EAB6-4A35-9D8C-0B1EC70107F0}"/>
+              </a:ext>
+            </a:extLst>
+          </p:cNvPr>
+          <p:cNvSpPr/>
+          <p:nvPr/>
+        </p:nvSpPr>
+        <p:spPr>
+          <a:xfrm rot="17177135">
+            <a:off x="9018769" y="2166298"/>
+            <a:ext cx="902811" cy="307777"/>
+          </a:xfrm>
+          <a:prstGeom prst="rect">
+            <a:avLst/>
+          </a:prstGeom>
+        </p:spPr>
+        <p:style>
+          <a:lnRef idx="2">
+            <a:schemeClr val="accent4"/>
+          </a:lnRef>
+          <a:fillRef idx="1">
+            <a:schemeClr val="lt1"/>
+          </a:fillRef>
+          <a:effectRef idx="0">
+            <a:schemeClr val="accent4"/>
+          </a:effectRef>
+          <a:fontRef idx="minor">
+            <a:schemeClr val="dk1"/>
+          </a:fontRef>
+        </p:style>
+        <p:txBody>
+          <a:bodyPr wrap="none">
+            <a:spAutoFit/>
+          </a:bodyPr>
+          <a:lstStyle/>
+          <a:p>
+            <a:r>
+              <a:rPr lang="zh-CN" altLang="en-US" sz="1400"/>
+              <a:t>更新视图</a:t>
+            </a:r>
+          </a:p>
+        </p:txBody>
+      </p:sp>
+      <p:sp>
+        <p:nvSpPr>
+          <p:cNvPr id="226" name="闪电形 225">
+            <a:extLst>
+              <a:ext uri="{FF2B5EF4-FFF2-40B4-BE49-F238E27FC236}">
+                <a16:creationId xmlns:a16="http://schemas.microsoft.com/office/drawing/2014/main" id="{187F8742-F1E2-4666-B2F9-03F2603627C8}"/>
+              </a:ext>
+            </a:extLst>
+          </p:cNvPr>
+          <p:cNvSpPr/>
+          <p:nvPr/>
+        </p:nvSpPr>
+        <p:spPr>
+          <a:xfrm rot="4838958">
+            <a:off x="10833033" y="933936"/>
+            <a:ext cx="990380" cy="941093"/>
+          </a:xfrm>
+          <a:prstGeom prst="lightningBolt">
+            <a:avLst/>
+          </a:prstGeom>
+        </p:spPr>
+        <p:style>
+          <a:lnRef idx="2">
+            <a:schemeClr val="accent3"/>
+          </a:lnRef>
+          <a:fillRef idx="1">
+            <a:schemeClr val="lt1"/>
+          </a:fillRef>
+          <a:effectRef idx="0">
+            <a:schemeClr val="accent3"/>
+          </a:effectRef>
+          <a:fontRef idx="minor">
+            <a:schemeClr val="dk1"/>
+          </a:fontRef>
+        </p:style>
+        <p:txBody>
+          <a:bodyPr rtlCol="0" anchor="ctr"/>
+          <a:lstStyle/>
+          <a:p>
+            <a:pPr algn="ctr"/>
+            <a:endParaRPr lang="zh-CN" altLang="en-US">
+              <a:solidFill>
+                <a:schemeClr val="tx1"/>
+              </a:solidFill>
+            </a:endParaRPr>
+          </a:p>
+        </p:txBody>
+      </p:sp>
+      <p:sp>
+        <p:nvSpPr>
+          <p:cNvPr id="227" name="矩形 226">
+            <a:extLst>
+              <a:ext uri="{FF2B5EF4-FFF2-40B4-BE49-F238E27FC236}">
+                <a16:creationId xmlns:a16="http://schemas.microsoft.com/office/drawing/2014/main" id="{B2BE4379-8055-4E4C-B63E-5DE483B67EC3}"/>
+              </a:ext>
+            </a:extLst>
+          </p:cNvPr>
+          <p:cNvSpPr/>
+          <p:nvPr/>
+        </p:nvSpPr>
+        <p:spPr>
+          <a:xfrm rot="18508605">
+            <a:off x="10716049" y="1104031"/>
+            <a:ext cx="1347313" cy="307777"/>
+          </a:xfrm>
+          <a:prstGeom prst="rect">
+            <a:avLst/>
+          </a:prstGeom>
+          <a:ln>
+            <a:noFill/>
+          </a:ln>
+        </p:spPr>
+        <p:style>
+          <a:lnRef idx="2">
+            <a:schemeClr val="accent3"/>
+          </a:lnRef>
+          <a:fillRef idx="1">
+            <a:schemeClr val="lt1"/>
+          </a:fillRef>
+          <a:effectRef idx="0">
+            <a:schemeClr val="accent3"/>
+          </a:effectRef>
+          <a:fontRef idx="minor">
+            <a:schemeClr val="dk1"/>
+          </a:fontRef>
+        </p:style>
+        <p:txBody>
+          <a:bodyPr wrap="square">
+            <a:spAutoFit/>
+          </a:bodyPr>
+          <a:lstStyle/>
+          <a:p>
+            <a:pPr algn="ctr"/>
+            <a:r>
+              <a:rPr lang="en-US" altLang="zh-CN" sz="1400"/>
+              <a:t>input</a:t>
+            </a:r>
+            <a:r>
+              <a:rPr lang="zh-CN" altLang="en-US" sz="1400"/>
+              <a:t>事件</a:t>
+            </a:r>
+          </a:p>
+        </p:txBody>
+      </p:sp>
+      <p:cxnSp>
+        <p:nvCxnSpPr>
+          <p:cNvPr id="257" name="连接符: 曲线 256">
+            <a:extLst>
+              <a:ext uri="{FF2B5EF4-FFF2-40B4-BE49-F238E27FC236}">
+                <a16:creationId xmlns:a16="http://schemas.microsoft.com/office/drawing/2014/main" id="{563DA110-7062-4A1C-9C9C-35B7B8A66277}"/>
+              </a:ext>
+            </a:extLst>
+          </p:cNvPr>
+          <p:cNvCxnSpPr>
+            <a:cxnSpLocks/>
+            <a:stCxn id="58" idx="3"/>
+            <a:endCxn id="93" idx="2"/>
+          </p:cNvCxnSpPr>
+          <p:nvPr/>
+        </p:nvCxnSpPr>
+        <p:spPr>
+          <a:xfrm flipV="1">
+            <a:off x="5362035" y="3188598"/>
+            <a:ext cx="5553878" cy="560840"/>
+          </a:xfrm>
+          <a:prstGeom prst="curvedConnector2">
+            <a:avLst/>
+          </a:prstGeom>
+          <a:ln>
+            <a:tailEnd type="triangle"/>
+          </a:ln>
+        </p:spPr>
+        <p:style>
+          <a:lnRef idx="1">
+            <a:schemeClr val="accent2"/>
+          </a:lnRef>
+          <a:fillRef idx="0">
+            <a:schemeClr val="accent2"/>
+          </a:fillRef>
+          <a:effectRef idx="0">
+            <a:schemeClr val="accent2"/>
+          </a:effectRef>
+          <a:fontRef idx="minor">
+            <a:schemeClr val="tx1"/>
+          </a:fontRef>
+        </p:style>
+      </p:cxnSp>
+      <p:sp>
+        <p:nvSpPr>
+          <p:cNvPr id="209" name="矩形 208">
+            <a:extLst>
+              <a:ext uri="{FF2B5EF4-FFF2-40B4-BE49-F238E27FC236}">
+                <a16:creationId xmlns:a16="http://schemas.microsoft.com/office/drawing/2014/main" id="{46758EF9-3B60-492A-AD2B-1E68A85CE0E7}"/>
+              </a:ext>
+            </a:extLst>
+          </p:cNvPr>
+          <p:cNvSpPr/>
+          <p:nvPr/>
+        </p:nvSpPr>
+        <p:spPr>
+          <a:xfrm>
+            <a:off x="9293829" y="3336945"/>
+            <a:ext cx="1107996" cy="276999"/>
+          </a:xfrm>
+          <a:prstGeom prst="rect">
+            <a:avLst/>
+          </a:prstGeom>
+        </p:spPr>
+        <p:style>
+          <a:lnRef idx="2">
+            <a:schemeClr val="accent4"/>
+          </a:lnRef>
+          <a:fillRef idx="1">
+            <a:schemeClr val="lt1"/>
+          </a:fillRef>
+          <a:effectRef idx="0">
+            <a:schemeClr val="accent4"/>
+          </a:effectRef>
+          <a:fontRef idx="minor">
+            <a:schemeClr val="dk1"/>
+          </a:fontRef>
+        </p:style>
+        <p:txBody>
+          <a:bodyPr wrap="none">
+            <a:spAutoFit/>
+          </a:bodyPr>
+          <a:lstStyle/>
+          <a:p>
+            <a:r>
+              <a:rPr lang="zh-CN" altLang="en-US" sz="1200"/>
+              <a:t>从数据到视图</a:t>
+            </a:r>
+          </a:p>
+        </p:txBody>
+      </p:sp>
+      <p:cxnSp>
+        <p:nvCxnSpPr>
+          <p:cNvPr id="266" name="连接符: 曲线 265">
+            <a:extLst>
+              <a:ext uri="{FF2B5EF4-FFF2-40B4-BE49-F238E27FC236}">
+                <a16:creationId xmlns:a16="http://schemas.microsoft.com/office/drawing/2014/main" id="{14138094-EE4A-4B1E-B070-752FFCB1D5F7}"/>
+              </a:ext>
+            </a:extLst>
+          </p:cNvPr>
+          <p:cNvCxnSpPr>
+            <a:cxnSpLocks/>
+            <a:stCxn id="6" idx="3"/>
+            <a:endCxn id="58" idx="0"/>
+          </p:cNvCxnSpPr>
+          <p:nvPr/>
+        </p:nvCxnSpPr>
+        <p:spPr>
+          <a:xfrm flipH="1">
+            <a:off x="4645309" y="1646841"/>
+            <a:ext cx="595022" cy="1898908"/>
+          </a:xfrm>
+          <a:prstGeom prst="curvedConnector4">
+            <a:avLst>
+              <a:gd name="adj1" fmla="val -38419"/>
+              <a:gd name="adj2" fmla="val 55004"/>
+            </a:avLst>
+          </a:prstGeom>
+          <a:ln>
+            <a:tailEnd type="triangle"/>
+          </a:ln>
+        </p:spPr>
+        <p:style>
+          <a:lnRef idx="2">
+            <a:schemeClr val="accent3"/>
+          </a:lnRef>
+          <a:fillRef idx="1">
+            <a:schemeClr val="lt1"/>
+          </a:fillRef>
+          <a:effectRef idx="0">
+            <a:schemeClr val="accent3"/>
+          </a:effectRef>
+          <a:fontRef idx="minor">
+            <a:schemeClr val="dk1"/>
+          </a:fontRef>
+        </p:style>
+      </p:cxnSp>
+      <p:cxnSp>
+        <p:nvCxnSpPr>
+          <p:cNvPr id="11" name="连接符: 曲线 10">
+            <a:extLst>
+              <a:ext uri="{FF2B5EF4-FFF2-40B4-BE49-F238E27FC236}">
+                <a16:creationId xmlns:a16="http://schemas.microsoft.com/office/drawing/2014/main" id="{D1DA8355-13B9-4163-8AA9-DD1C83FB873C}"/>
+              </a:ext>
+            </a:extLst>
+          </p:cNvPr>
+          <p:cNvCxnSpPr>
+            <a:cxnSpLocks/>
+            <a:stCxn id="13" idx="3"/>
+            <a:endCxn id="43" idx="1"/>
+          </p:cNvCxnSpPr>
+          <p:nvPr/>
+        </p:nvCxnSpPr>
+        <p:spPr>
+          <a:xfrm>
+            <a:off x="5240330" y="2315569"/>
+            <a:ext cx="1075621" cy="488096"/>
+          </a:xfrm>
+          <a:prstGeom prst="curvedConnector3">
+            <a:avLst/>
+          </a:prstGeom>
+          <a:ln>
+            <a:tailEnd type="triangle"/>
+          </a:ln>
+        </p:spPr>
+        <p:style>
+          <a:lnRef idx="1">
+            <a:schemeClr val="accent2"/>
+          </a:lnRef>
+          <a:fillRef idx="0">
+            <a:schemeClr val="accent2"/>
+          </a:fillRef>
+          <a:effectRef idx="0">
+            <a:schemeClr val="accent2"/>
+          </a:effectRef>
+          <a:fontRef idx="minor">
+            <a:schemeClr val="tx1"/>
+          </a:fontRef>
+        </p:style>
+      </p:cxnSp>
+    </p:spTree>
+    <p:extLst>
+      <p:ext uri="{BB962C8B-B14F-4D97-AF65-F5344CB8AC3E}">
+        <p14:creationId xmlns:p14="http://schemas.microsoft.com/office/powerpoint/2010/main" val="2246155545"/>
+      </p:ext>
+    </p:extLst>
+  </p:cSld>
+  <p:clrMapOvr>
+    <a:masterClrMapping/>
+  </p:clrMapOvr>
+</p:sld>
+</file>
+
+<file path=ppt/slides/slide5.xml><?xml version="1.0" encoding="utf-8"?>
+<p:sld xmlns:a="http://schemas.openxmlformats.org/drawingml/2006/main" xmlns:r="http://schemas.openxmlformats.org/officeDocument/2006/relationships" xmlns:p="http://schemas.openxmlformats.org/presentationml/2006/main">
+  <p:cSld>
+    <p:spTree>
+      <p:nvGrpSpPr>
+        <p:cNvPr id="1" name=""/>
+        <p:cNvGrpSpPr/>
+        <p:nvPr/>
+      </p:nvGrpSpPr>
+      <p:grpSpPr>
+        <a:xfrm>
+          <a:off x="0" y="0"/>
+          <a:ext cx="0" cy="0"/>
+          <a:chOff x="0" y="0"/>
+          <a:chExt cx="0" cy="0"/>
+        </a:xfrm>
+      </p:grpSpPr>
+      <p:sp>
+        <p:nvSpPr>
+          <p:cNvPr id="131" name="矩形: 圆角 130">
+            <a:extLst>
+              <a:ext uri="{FF2B5EF4-FFF2-40B4-BE49-F238E27FC236}">
+                <a16:creationId xmlns:a16="http://schemas.microsoft.com/office/drawing/2014/main" id="{F4EBF2B2-1ADB-4D1E-8AE4-A7307EFE3592}"/>
+              </a:ext>
+            </a:extLst>
+          </p:cNvPr>
+          <p:cNvSpPr/>
+          <p:nvPr/>
+        </p:nvSpPr>
+        <p:spPr>
+          <a:xfrm>
             <a:off x="3341562" y="254645"/>
             <a:ext cx="8639906" cy="6036199"/>
           </a:xfrm>
@@ -6585,58 +14178,6 @@
       </p:cxnSp>
       <p:sp>
         <p:nvSpPr>
-          <p:cNvPr id="43" name="矩形 42">
-            <a:extLst>
-              <a:ext uri="{FF2B5EF4-FFF2-40B4-BE49-F238E27FC236}">
-                <a16:creationId xmlns:a16="http://schemas.microsoft.com/office/drawing/2014/main" id="{2739A8A2-3422-45B2-BB05-340A39A7B6B3}"/>
-              </a:ext>
-            </a:extLst>
-          </p:cNvPr>
-          <p:cNvSpPr/>
-          <p:nvPr/>
-        </p:nvSpPr>
-        <p:spPr>
-          <a:xfrm>
-            <a:off x="7238583" y="2741088"/>
-            <a:ext cx="954107" cy="461665"/>
-          </a:xfrm>
-          <a:prstGeom prst="rect">
-            <a:avLst/>
-          </a:prstGeom>
-          <a:solidFill>
-            <a:schemeClr val="bg1"/>
-          </a:solidFill>
-        </p:spPr>
-        <p:txBody>
-          <a:bodyPr wrap="none">
-            <a:spAutoFit/>
-          </a:bodyPr>
-          <a:lstStyle/>
-          <a:p>
-            <a:r>
-              <a:rPr lang="zh-CN" altLang="en-US" sz="1200">
-                <a:solidFill>
-                  <a:srgbClr val="002060"/>
-                </a:solidFill>
-              </a:rPr>
-              <a:t>触发事件</a:t>
-            </a:r>
-            <a:endParaRPr lang="en-US" altLang="zh-CN" sz="1200">
-              <a:solidFill>
-                <a:srgbClr val="002060"/>
-              </a:solidFill>
-            </a:endParaRPr>
-          </a:p>
-          <a:p>
-            <a:r>
-              <a:rPr lang="zh-CN" altLang="en-US" sz="1200"/>
-              <a:t>执行观察者</a:t>
-            </a:r>
-          </a:p>
-        </p:txBody>
-      </p:sp>
-      <p:sp>
-        <p:nvSpPr>
           <p:cNvPr id="54" name="矩形 53">
             <a:extLst>
               <a:ext uri="{FF2B5EF4-FFF2-40B4-BE49-F238E27FC236}">
@@ -7001,8 +14542,8 @@
         </p:nvSpPr>
         <p:spPr>
           <a:xfrm>
-            <a:off x="291872" y="5068933"/>
-            <a:ext cx="2789065" cy="1573015"/>
+            <a:off x="210532" y="4736250"/>
+            <a:ext cx="2870405" cy="1573015"/>
           </a:xfrm>
           <a:prstGeom prst="foldedCorner">
             <a:avLst/>
@@ -7042,17 +14583,7 @@
                   <a:srgbClr val="002060"/>
                 </a:solidFill>
               </a:rPr>
-              <a:t>{{salary}}</a:t>
-            </a:r>
-          </a:p>
-          <a:p>
-            <a:r>
-              <a:rPr lang="en-US" altLang="zh-CN">
-                <a:solidFill>
-                  <a:srgbClr val="002060"/>
-                </a:solidFill>
-              </a:rPr>
-              <a:t>&lt;input v-model=“bous”/&gt;</a:t>
+              <a:t>&lt;input v-model=“salary”/&gt;</a:t>
             </a:r>
           </a:p>
           <a:p>
@@ -7133,7 +14664,7 @@
         <p:spPr>
           <a:xfrm>
             <a:off x="542512" y="676513"/>
-            <a:ext cx="1634932" cy="1200329"/>
+            <a:ext cx="1634932" cy="923330"/>
           </a:xfrm>
           <a:prstGeom prst="rect">
             <a:avLst/>
@@ -7161,17 +14692,7 @@
                   <a:schemeClr val="bg1"/>
                 </a:solidFill>
               </a:rPr>
-              <a:t>  salary: 1000,   </a:t>
-            </a:r>
-          </a:p>
-          <a:p>
-            <a:r>
-              <a:rPr lang="zh-CN" altLang="en-US">
-                <a:solidFill>
-                  <a:schemeClr val="bg1"/>
-                </a:solidFill>
-              </a:rPr>
-              <a:t>  bonus: 5000</a:t>
+              <a:t>  salary: 1000</a:t>
             </a:r>
           </a:p>
           <a:p>
@@ -7657,7 +15178,7 @@
         </p:nvSpPr>
         <p:spPr>
           <a:xfrm>
-            <a:off x="2198125" y="4878463"/>
+            <a:off x="2555092" y="4467210"/>
             <a:ext cx="537493" cy="544541"/>
           </a:xfrm>
           <a:prstGeom prst="ellipse">
@@ -7707,8 +15228,8 @@
         </p:nvSpPr>
         <p:spPr>
           <a:xfrm>
-            <a:off x="2753264" y="3135420"/>
-            <a:ext cx="876838" cy="467645"/>
+            <a:off x="2753264" y="3058524"/>
+            <a:ext cx="876838" cy="544541"/>
           </a:xfrm>
           <a:prstGeom prst="roundRect">
             <a:avLst/>
@@ -7736,10 +15257,10 @@
           <a:p>
             <a:pPr algn="ctr"/>
             <a:r>
-              <a:rPr lang="en-US" altLang="zh-CN"/>
+              <a:rPr lang="en-US" altLang="zh-CN" sz="2000"/>
               <a:t>vm</a:t>
             </a:r>
-            <a:endParaRPr lang="zh-CN" altLang="en-US"/>
+            <a:endParaRPr lang="zh-CN" altLang="en-US" sz="2000"/>
           </a:p>
         </p:txBody>
       </p:sp>
@@ -7762,12 +15283,12 @@
         <p:spPr>
           <a:xfrm flipV="1">
             <a:off x="2177444" y="1003560"/>
-            <a:ext cx="4141669" cy="273118"/>
+            <a:ext cx="4141669" cy="134618"/>
           </a:xfrm>
           <a:prstGeom prst="curvedConnector4">
             <a:avLst>
               <a:gd name="adj1" fmla="val 42064"/>
-              <a:gd name="adj2" fmla="val 303446"/>
+              <a:gd name="adj2" fmla="val 512758"/>
             </a:avLst>
           </a:prstGeom>
           <a:ln w="38100">
@@ -7810,8 +15331,8 @@
         </p:nvCxnSpPr>
         <p:spPr>
           <a:xfrm rot="10800000" flipV="1">
-            <a:off x="1686405" y="3452905"/>
-            <a:ext cx="6555636" cy="1616028"/>
+            <a:off x="1645735" y="3120222"/>
+            <a:ext cx="6596306" cy="1616028"/>
           </a:xfrm>
           <a:prstGeom prst="curvedConnector2">
             <a:avLst/>
@@ -7976,7 +15497,7 @@
         </p:nvSpPr>
         <p:spPr>
           <a:xfrm>
-            <a:off x="4341905" y="3437884"/>
+            <a:off x="3916972" y="3351180"/>
             <a:ext cx="1980029" cy="307777"/>
           </a:xfrm>
           <a:prstGeom prst="rect">
@@ -8017,8 +15538,8 @@
         </p:nvCxnSpPr>
         <p:spPr>
           <a:xfrm rot="5400000">
-            <a:off x="4325487" y="3865565"/>
-            <a:ext cx="745327" cy="3234425"/>
+            <a:off x="4491828" y="3699224"/>
+            <a:ext cx="412644" cy="3234425"/>
           </a:xfrm>
           <a:prstGeom prst="curvedConnector2">
             <a:avLst/>
@@ -8103,8 +15624,8 @@
         </p:nvCxnSpPr>
         <p:spPr>
           <a:xfrm rot="5400000" flipH="1" flipV="1">
-            <a:off x="2949734" y="2344045"/>
-            <a:ext cx="1033325" cy="549426"/>
+            <a:off x="2988182" y="2305597"/>
+            <a:ext cx="956429" cy="549426"/>
           </a:xfrm>
           <a:prstGeom prst="curvedConnector2">
             <a:avLst/>
@@ -8295,15 +15816,15 @@
         </p:spPr>
         <p:style>
           <a:lnRef idx="2">
-            <a:schemeClr val="accent1">
+            <a:schemeClr val="accent3">
               <a:shade val="50000"/>
             </a:schemeClr>
           </a:lnRef>
           <a:fillRef idx="1">
-            <a:schemeClr val="accent1"/>
-          </a:fillRef>
-          <a:effectRef idx="0">
-            <a:schemeClr val="accent1"/>
+            <a:schemeClr val="accent3"/>
+          </a:fillRef>
+          <a:effectRef idx="0">
+            <a:schemeClr val="accent3"/>
           </a:effectRef>
           <a:fontRef idx="minor">
             <a:schemeClr val="lt1"/>
@@ -8415,6 +15936,58 @@
               <a:t>从视图到页面</a:t>
             </a:r>
             <a:endParaRPr lang="zh-CN" altLang="en-US" sz="1200"/>
+          </a:p>
+        </p:txBody>
+      </p:sp>
+      <p:sp>
+        <p:nvSpPr>
+          <p:cNvPr id="43" name="矩形 42">
+            <a:extLst>
+              <a:ext uri="{FF2B5EF4-FFF2-40B4-BE49-F238E27FC236}">
+                <a16:creationId xmlns:a16="http://schemas.microsoft.com/office/drawing/2014/main" id="{2739A8A2-3422-45B2-BB05-340A39A7B6B3}"/>
+              </a:ext>
+            </a:extLst>
+          </p:cNvPr>
+          <p:cNvSpPr/>
+          <p:nvPr/>
+        </p:nvSpPr>
+        <p:spPr>
+          <a:xfrm>
+            <a:off x="7166782" y="2777569"/>
+            <a:ext cx="954107" cy="461665"/>
+          </a:xfrm>
+          <a:prstGeom prst="rect">
+            <a:avLst/>
+          </a:prstGeom>
+          <a:solidFill>
+            <a:schemeClr val="bg1"/>
+          </a:solidFill>
+        </p:spPr>
+        <p:txBody>
+          <a:bodyPr wrap="none">
+            <a:spAutoFit/>
+          </a:bodyPr>
+          <a:lstStyle/>
+          <a:p>
+            <a:r>
+              <a:rPr lang="zh-CN" altLang="en-US" sz="1200">
+                <a:solidFill>
+                  <a:srgbClr val="002060"/>
+                </a:solidFill>
+              </a:rPr>
+              <a:t>触发事件</a:t>
+            </a:r>
+            <a:endParaRPr lang="en-US" altLang="zh-CN" sz="1200">
+              <a:solidFill>
+                <a:srgbClr val="002060"/>
+              </a:solidFill>
+            </a:endParaRPr>
+          </a:p>
+          <a:p>
+            <a:r>
+              <a:rPr lang="zh-CN" altLang="en-US" sz="1200"/>
+              <a:t>执行观察者</a:t>
+            </a:r>
           </a:p>
         </p:txBody>
       </p:sp>

--- a/讲义/09_vue进阶-mvvm/ppt.pptx
+++ b/讲义/09_vue进阶-mvvm/ppt.pptx
@@ -3345,7 +3345,7 @@
         <p:spPr>
           <a:xfrm>
             <a:off x="168582" y="131774"/>
-            <a:ext cx="5896780" cy="1236859"/>
+            <a:ext cx="2942263" cy="2038295"/>
           </a:xfrm>
           <a:prstGeom prst="roundRect">
             <a:avLst>
@@ -3378,10 +3378,10 @@
       </p:sp>
       <p:sp>
         <p:nvSpPr>
-          <p:cNvPr id="33" name="矩形: 圆角 32">
-            <a:extLst>
-              <a:ext uri="{FF2B5EF4-FFF2-40B4-BE49-F238E27FC236}">
-                <a16:creationId xmlns:a16="http://schemas.microsoft.com/office/drawing/2014/main" id="{407005EA-BEC7-4C6E-9439-6FA3E7609F90}"/>
+          <p:cNvPr id="32" name="矩形: 圆角 31">
+            <a:extLst>
+              <a:ext uri="{FF2B5EF4-FFF2-40B4-BE49-F238E27FC236}">
+                <a16:creationId xmlns:a16="http://schemas.microsoft.com/office/drawing/2014/main" id="{98704EDC-9887-4B88-AAF6-BCE348C78DCC}"/>
               </a:ext>
             </a:extLst>
           </p:cNvPr>
@@ -3390,12 +3390,56 @@
         </p:nvSpPr>
         <p:spPr>
           <a:xfrm>
-            <a:off x="186906" y="1505932"/>
-            <a:ext cx="3649479" cy="1802619"/>
+            <a:off x="186906" y="5194275"/>
+            <a:ext cx="7117236" cy="1228084"/>
+          </a:xfrm>
+          <a:prstGeom prst="roundRect">
+            <a:avLst/>
+          </a:prstGeom>
+        </p:spPr>
+        <p:style>
+          <a:lnRef idx="2">
+            <a:schemeClr val="accent6"/>
+          </a:lnRef>
+          <a:fillRef idx="1">
+            <a:schemeClr val="lt1"/>
+          </a:fillRef>
+          <a:effectRef idx="0">
+            <a:schemeClr val="accent6"/>
+          </a:effectRef>
+          <a:fontRef idx="minor">
+            <a:schemeClr val="dk1"/>
+          </a:fontRef>
+        </p:style>
+        <p:txBody>
+          <a:bodyPr rtlCol="0" anchor="ctr"/>
+          <a:lstStyle/>
+          <a:p>
+            <a:pPr algn="ctr"/>
+            <a:endParaRPr lang="zh-CN" altLang="en-US"/>
+          </a:p>
+        </p:txBody>
+      </p:sp>
+      <p:sp>
+        <p:nvSpPr>
+          <p:cNvPr id="31" name="矩形: 圆角 30">
+            <a:extLst>
+              <a:ext uri="{FF2B5EF4-FFF2-40B4-BE49-F238E27FC236}">
+                <a16:creationId xmlns:a16="http://schemas.microsoft.com/office/drawing/2014/main" id="{130D0906-1306-4005-8CDF-310E7886F58D}"/>
+              </a:ext>
+            </a:extLst>
+          </p:cNvPr>
+          <p:cNvSpPr/>
+          <p:nvPr/>
+        </p:nvSpPr>
+        <p:spPr>
+          <a:xfrm>
+            <a:off x="186906" y="2340443"/>
+            <a:ext cx="3301012" cy="2722744"/>
           </a:xfrm>
           <a:prstGeom prst="roundRect">
             <a:avLst>
-              <a:gd name="adj" fmla="val 8441"/>
+              <a:gd name="adj" fmla="val 4891"/>
             </a:avLst>
           </a:prstGeom>
         </p:spPr>
@@ -3424,10 +3468,10 @@
       </p:sp>
       <p:sp>
         <p:nvSpPr>
-          <p:cNvPr id="32" name="矩形: 圆角 31">
-            <a:extLst>
-              <a:ext uri="{FF2B5EF4-FFF2-40B4-BE49-F238E27FC236}">
-                <a16:creationId xmlns:a16="http://schemas.microsoft.com/office/drawing/2014/main" id="{98704EDC-9887-4B88-AAF6-BCE348C78DCC}"/>
+          <p:cNvPr id="4" name="矩形 3">
+            <a:extLst>
+              <a:ext uri="{FF2B5EF4-FFF2-40B4-BE49-F238E27FC236}">
+                <a16:creationId xmlns:a16="http://schemas.microsoft.com/office/drawing/2014/main" id="{A99987A7-2933-4EA7-B8EE-32233A4B7F0B}"/>
               </a:ext>
             </a:extLst>
           </p:cNvPr>
@@ -3436,96 +3480,8 @@
         </p:nvSpPr>
         <p:spPr>
           <a:xfrm>
-            <a:off x="186906" y="5063187"/>
-            <a:ext cx="7117236" cy="1359172"/>
-          </a:xfrm>
-          <a:prstGeom prst="roundRect">
-            <a:avLst/>
-          </a:prstGeom>
-        </p:spPr>
-        <p:style>
-          <a:lnRef idx="2">
-            <a:schemeClr val="accent6"/>
-          </a:lnRef>
-          <a:fillRef idx="1">
-            <a:schemeClr val="lt1"/>
-          </a:fillRef>
-          <a:effectRef idx="0">
-            <a:schemeClr val="accent6"/>
-          </a:effectRef>
-          <a:fontRef idx="minor">
-            <a:schemeClr val="dk1"/>
-          </a:fontRef>
-        </p:style>
-        <p:txBody>
-          <a:bodyPr rtlCol="0" anchor="ctr"/>
-          <a:lstStyle/>
-          <a:p>
-            <a:pPr algn="ctr"/>
-            <a:endParaRPr lang="zh-CN" altLang="en-US"/>
-          </a:p>
-        </p:txBody>
-      </p:sp>
-      <p:sp>
-        <p:nvSpPr>
-          <p:cNvPr id="31" name="矩形: 圆角 30">
-            <a:extLst>
-              <a:ext uri="{FF2B5EF4-FFF2-40B4-BE49-F238E27FC236}">
-                <a16:creationId xmlns:a16="http://schemas.microsoft.com/office/drawing/2014/main" id="{130D0906-1306-4005-8CDF-310E7886F58D}"/>
-              </a:ext>
-            </a:extLst>
-          </p:cNvPr>
-          <p:cNvSpPr/>
-          <p:nvPr/>
-        </p:nvSpPr>
-        <p:spPr>
-          <a:xfrm>
-            <a:off x="197964" y="3462792"/>
-            <a:ext cx="7117236" cy="1359172"/>
-          </a:xfrm>
-          <a:prstGeom prst="roundRect">
-            <a:avLst/>
-          </a:prstGeom>
-        </p:spPr>
-        <p:style>
-          <a:lnRef idx="2">
-            <a:schemeClr val="accent6"/>
-          </a:lnRef>
-          <a:fillRef idx="1">
-            <a:schemeClr val="lt1"/>
-          </a:fillRef>
-          <a:effectRef idx="0">
-            <a:schemeClr val="accent6"/>
-          </a:effectRef>
-          <a:fontRef idx="minor">
-            <a:schemeClr val="dk1"/>
-          </a:fontRef>
-        </p:style>
-        <p:txBody>
-          <a:bodyPr rtlCol="0" anchor="ctr"/>
-          <a:lstStyle/>
-          <a:p>
-            <a:pPr algn="ctr"/>
-            <a:endParaRPr lang="zh-CN" altLang="en-US"/>
-          </a:p>
-        </p:txBody>
-      </p:sp>
-      <p:sp>
-        <p:nvSpPr>
-          <p:cNvPr id="4" name="矩形 3">
-            <a:extLst>
-              <a:ext uri="{FF2B5EF4-FFF2-40B4-BE49-F238E27FC236}">
-                <a16:creationId xmlns:a16="http://schemas.microsoft.com/office/drawing/2014/main" id="{A99987A7-2933-4EA7-B8EE-32233A4B7F0B}"/>
-              </a:ext>
-            </a:extLst>
-          </p:cNvPr>
-          <p:cNvSpPr/>
-          <p:nvPr/>
-        </p:nvSpPr>
-        <p:spPr>
-          <a:xfrm>
-            <a:off x="8135332" y="653790"/>
-            <a:ext cx="3478732" cy="4421529"/>
+            <a:off x="8421239" y="2000831"/>
+            <a:ext cx="3478732" cy="3834362"/>
           </a:xfrm>
           <a:prstGeom prst="rect">
             <a:avLst/>
@@ -3572,7 +3528,7 @@
         </p:nvSpPr>
         <p:spPr>
           <a:xfrm>
-            <a:off x="9892012" y="819772"/>
+            <a:off x="10277844" y="2166812"/>
             <a:ext cx="1338507" cy="374054"/>
           </a:xfrm>
           <a:prstGeom prst="rect">
@@ -3606,19 +3562,6 @@
               </a:rPr>
               <a:t>观察者：</a:t>
             </a:r>
-            <a:r>
-              <a:rPr lang="en-US" altLang="zh-CN" sz="1600">
-                <a:solidFill>
-                  <a:srgbClr val="002060"/>
-                </a:solidFill>
-              </a:rPr>
-              <a:t>f1</a:t>
-            </a:r>
-            <a:endParaRPr lang="zh-CN" altLang="en-US" sz="1600">
-              <a:solidFill>
-                <a:srgbClr val="002060"/>
-              </a:solidFill>
-            </a:endParaRPr>
           </a:p>
         </p:txBody>
       </p:sp>
@@ -3636,7 +3579,7 @@
         </p:nvSpPr>
         <p:spPr>
           <a:xfrm>
-            <a:off x="9892011" y="1341595"/>
+            <a:off x="10326285" y="3055611"/>
             <a:ext cx="1338507" cy="374054"/>
           </a:xfrm>
           <a:prstGeom prst="rect">
@@ -3670,19 +3613,6 @@
               </a:rPr>
               <a:t>观察者：</a:t>
             </a:r>
-            <a:r>
-              <a:rPr lang="en-US" altLang="zh-CN" sz="1600">
-                <a:solidFill>
-                  <a:srgbClr val="002060"/>
-                </a:solidFill>
-              </a:rPr>
-              <a:t>f2</a:t>
-            </a:r>
-            <a:endParaRPr lang="zh-CN" altLang="en-US" sz="1600">
-              <a:solidFill>
-                <a:srgbClr val="002060"/>
-              </a:solidFill>
-            </a:endParaRPr>
           </a:p>
         </p:txBody>
       </p:sp>
@@ -3700,7 +3630,7 @@
         </p:nvSpPr>
         <p:spPr>
           <a:xfrm>
-            <a:off x="10040378" y="3088738"/>
+            <a:off x="10326285" y="4435778"/>
             <a:ext cx="1338507" cy="374054"/>
           </a:xfrm>
           <a:prstGeom prst="rect">
@@ -3739,10 +3669,10 @@
       </p:sp>
       <p:sp>
         <p:nvSpPr>
-          <p:cNvPr id="8" name="矩形 7">
-            <a:extLst>
-              <a:ext uri="{FF2B5EF4-FFF2-40B4-BE49-F238E27FC236}">
-                <a16:creationId xmlns:a16="http://schemas.microsoft.com/office/drawing/2014/main" id="{D25404B0-F614-4DAD-A057-43F103B86177}"/>
+          <p:cNvPr id="10" name="缺角矩形 9">
+            <a:extLst>
+              <a:ext uri="{FF2B5EF4-FFF2-40B4-BE49-F238E27FC236}">
+                <a16:creationId xmlns:a16="http://schemas.microsoft.com/office/drawing/2014/main" id="{AAB1E68F-5C53-48EA-979B-DDF83F347B24}"/>
               </a:ext>
             </a:extLst>
           </p:cNvPr>
@@ -3751,114 +3681,7 @@
         </p:nvSpPr>
         <p:spPr>
           <a:xfrm>
-            <a:off x="10054968" y="3670396"/>
-            <a:ext cx="1338507" cy="374054"/>
-          </a:xfrm>
-          <a:prstGeom prst="rect">
-            <a:avLst/>
-          </a:prstGeom>
-        </p:spPr>
-        <p:style>
-          <a:lnRef idx="0">
-            <a:schemeClr val="accent5"/>
-          </a:lnRef>
-          <a:fillRef idx="3">
-            <a:schemeClr val="accent5"/>
-          </a:fillRef>
-          <a:effectRef idx="3">
-            <a:schemeClr val="accent5"/>
-          </a:effectRef>
-          <a:fontRef idx="minor">
-            <a:schemeClr val="lt1"/>
-          </a:fontRef>
-        </p:style>
-        <p:txBody>
-          <a:bodyPr rtlCol="0" anchor="ctr"/>
-          <a:lstStyle/>
-          <a:p>
-            <a:pPr algn="ctr"/>
-            <a:r>
-              <a:rPr lang="en-US" altLang="zh-CN" sz="1600">
-                <a:solidFill>
-                  <a:srgbClr val="002060"/>
-                </a:solidFill>
-              </a:rPr>
-              <a:t>....</a:t>
-            </a:r>
-            <a:endParaRPr lang="zh-CN" altLang="en-US" sz="1600">
-              <a:solidFill>
-                <a:srgbClr val="002060"/>
-              </a:solidFill>
-            </a:endParaRPr>
-          </a:p>
-        </p:txBody>
-      </p:sp>
-      <p:sp>
-        <p:nvSpPr>
-          <p:cNvPr id="9" name="矩形 8">
-            <a:extLst>
-              <a:ext uri="{FF2B5EF4-FFF2-40B4-BE49-F238E27FC236}">
-                <a16:creationId xmlns:a16="http://schemas.microsoft.com/office/drawing/2014/main" id="{C392727A-DE04-41EF-B741-5AE9A9028E4E}"/>
-              </a:ext>
-            </a:extLst>
-          </p:cNvPr>
-          <p:cNvSpPr/>
-          <p:nvPr/>
-        </p:nvSpPr>
-        <p:spPr>
-          <a:xfrm>
-            <a:off x="10040287" y="4181430"/>
-            <a:ext cx="1338507" cy="374054"/>
-          </a:xfrm>
-          <a:prstGeom prst="rect">
-            <a:avLst/>
-          </a:prstGeom>
-        </p:spPr>
-        <p:style>
-          <a:lnRef idx="0">
-            <a:schemeClr val="accent5"/>
-          </a:lnRef>
-          <a:fillRef idx="3">
-            <a:schemeClr val="accent5"/>
-          </a:fillRef>
-          <a:effectRef idx="3">
-            <a:schemeClr val="accent5"/>
-          </a:effectRef>
-          <a:fontRef idx="minor">
-            <a:schemeClr val="lt1"/>
-          </a:fontRef>
-        </p:style>
-        <p:txBody>
-          <a:bodyPr rtlCol="0" anchor="ctr"/>
-          <a:lstStyle/>
-          <a:p>
-            <a:pPr algn="ctr"/>
-            <a:r>
-              <a:rPr lang="zh-CN" altLang="en-US" sz="1600">
-                <a:solidFill>
-                  <a:srgbClr val="002060"/>
-                </a:solidFill>
-              </a:rPr>
-              <a:t>观察者</a:t>
-            </a:r>
-          </a:p>
-        </p:txBody>
-      </p:sp>
-      <p:sp>
-        <p:nvSpPr>
-          <p:cNvPr id="10" name="缺角矩形 9">
-            <a:extLst>
-              <a:ext uri="{FF2B5EF4-FFF2-40B4-BE49-F238E27FC236}">
-                <a16:creationId xmlns:a16="http://schemas.microsoft.com/office/drawing/2014/main" id="{AAB1E68F-5C53-48EA-979B-DDF83F347B24}"/>
-              </a:ext>
-            </a:extLst>
-          </p:cNvPr>
-          <p:cNvSpPr/>
-          <p:nvPr/>
-        </p:nvSpPr>
-        <p:spPr>
-          <a:xfrm>
-            <a:off x="8296779" y="1069219"/>
+            <a:off x="8582686" y="2416259"/>
             <a:ext cx="1247315" cy="987959"/>
           </a:xfrm>
           <a:prstGeom prst="plaque">
@@ -3890,7 +3713,7 @@
                   <a:srgbClr val="002060"/>
                 </a:solidFill>
               </a:rPr>
-              <a:t>wuhan</a:t>
+              <a:t>qishen</a:t>
             </a:r>
             <a:endParaRPr lang="zh-CN" altLang="en-US">
               <a:solidFill>
@@ -3914,7 +3737,7 @@
         </p:nvSpPr>
         <p:spPr>
           <a:xfrm>
-            <a:off x="8296779" y="3275765"/>
+            <a:off x="8582686" y="4622805"/>
             <a:ext cx="1350977" cy="987959"/>
           </a:xfrm>
           <a:prstGeom prst="plaque">
@@ -3946,7 +3769,7 @@
                   <a:srgbClr val="002060"/>
                 </a:solidFill>
               </a:rPr>
-              <a:t>beijing</a:t>
+              <a:t>haqie</a:t>
             </a:r>
             <a:endParaRPr lang="zh-CN" altLang="en-US">
               <a:solidFill>
@@ -3974,52 +3797,8 @@
         </p:nvCxnSpPr>
         <p:spPr>
           <a:xfrm flipV="1">
-            <a:off x="9544094" y="1006799"/>
-            <a:ext cx="347918" cy="556400"/>
-          </a:xfrm>
-          <a:prstGeom prst="curvedConnector3">
-            <a:avLst>
-              <a:gd name="adj1" fmla="val 50000"/>
-            </a:avLst>
-          </a:prstGeom>
-          <a:ln w="38100">
-            <a:tailEnd type="triangle"/>
-          </a:ln>
-        </p:spPr>
-        <p:style>
-          <a:lnRef idx="1">
-            <a:schemeClr val="accent2"/>
-          </a:lnRef>
-          <a:fillRef idx="0">
-            <a:schemeClr val="accent2"/>
-          </a:fillRef>
-          <a:effectRef idx="0">
-            <a:schemeClr val="accent2"/>
-          </a:effectRef>
-          <a:fontRef idx="minor">
-            <a:schemeClr val="tx1"/>
-          </a:fontRef>
-        </p:style>
-      </p:cxnSp>
-      <p:cxnSp>
-        <p:nvCxnSpPr>
-          <p:cNvPr id="13" name="连接符: 曲线 12">
-            <a:extLst>
-              <a:ext uri="{FF2B5EF4-FFF2-40B4-BE49-F238E27FC236}">
-                <a16:creationId xmlns:a16="http://schemas.microsoft.com/office/drawing/2014/main" id="{7E14AF96-2D3D-45E0-8DE8-50852E3D393C}"/>
-              </a:ext>
-            </a:extLst>
-          </p:cNvPr>
-          <p:cNvCxnSpPr>
-            <a:cxnSpLocks/>
-            <a:stCxn id="10" idx="3"/>
-          </p:cNvCxnSpPr>
-          <p:nvPr/>
-        </p:nvCxnSpPr>
-        <p:spPr>
-          <a:xfrm>
-            <a:off x="9544094" y="1563199"/>
-            <a:ext cx="347917" cy="476457"/>
+            <a:off x="9830001" y="2353839"/>
+            <a:ext cx="447843" cy="556400"/>
           </a:xfrm>
           <a:prstGeom prst="curvedConnector3">
             <a:avLst>
@@ -4062,9 +3841,9 @@
           <p:nvPr/>
         </p:nvCxnSpPr>
         <p:spPr>
-          <a:xfrm flipV="1">
-            <a:off x="9544094" y="1528622"/>
-            <a:ext cx="347917" cy="34577"/>
+          <a:xfrm>
+            <a:off x="9830001" y="2910239"/>
+            <a:ext cx="496284" cy="332399"/>
           </a:xfrm>
           <a:prstGeom prst="curvedConnector3">
             <a:avLst>
@@ -4106,7 +3885,7 @@
         </p:nvCxnSpPr>
         <p:spPr>
           <a:xfrm flipV="1">
-            <a:off x="9673345" y="3242638"/>
+            <a:off x="9959252" y="4589678"/>
             <a:ext cx="347917" cy="556400"/>
           </a:xfrm>
           <a:prstGeom prst="curvedConnector3">
@@ -4138,108 +3917,166 @@
           </a:fontRef>
         </p:style>
       </p:cxnSp>
-      <p:cxnSp>
-        <p:nvCxnSpPr>
-          <p:cNvPr id="16" name="连接符: 曲线 15">
-            <a:extLst>
-              <a:ext uri="{FF2B5EF4-FFF2-40B4-BE49-F238E27FC236}">
-                <a16:creationId xmlns:a16="http://schemas.microsoft.com/office/drawing/2014/main" id="{4970B53B-A6AB-44E3-9441-5020B7813A4D}"/>
-              </a:ext>
-            </a:extLst>
-          </p:cNvPr>
-          <p:cNvCxnSpPr>
-            <a:cxnSpLocks/>
-          </p:cNvCxnSpPr>
-          <p:nvPr/>
-        </p:nvCxnSpPr>
-        <p:spPr>
-          <a:xfrm>
-            <a:off x="9673345" y="3799038"/>
-            <a:ext cx="347916" cy="476457"/>
-          </a:xfrm>
-          <a:prstGeom prst="curvedConnector3">
-            <a:avLst>
-              <a:gd name="adj1" fmla="val 50000"/>
-            </a:avLst>
-          </a:prstGeom>
-          <a:ln w="38100">
-            <a:solidFill>
-              <a:schemeClr val="accent5">
-                <a:lumMod val="75000"/>
-              </a:schemeClr>
-            </a:solidFill>
-            <a:tailEnd type="triangle"/>
-          </a:ln>
-        </p:spPr>
-        <p:style>
-          <a:lnRef idx="1">
-            <a:schemeClr val="accent2"/>
-          </a:lnRef>
-          <a:fillRef idx="0">
-            <a:schemeClr val="accent2"/>
-          </a:fillRef>
-          <a:effectRef idx="0">
-            <a:schemeClr val="accent2"/>
-          </a:effectRef>
-          <a:fontRef idx="minor">
-            <a:schemeClr val="tx1"/>
-          </a:fontRef>
-        </p:style>
-      </p:cxnSp>
-      <p:cxnSp>
-        <p:nvCxnSpPr>
-          <p:cNvPr id="17" name="连接符: 曲线 16">
-            <a:extLst>
-              <a:ext uri="{FF2B5EF4-FFF2-40B4-BE49-F238E27FC236}">
-                <a16:creationId xmlns:a16="http://schemas.microsoft.com/office/drawing/2014/main" id="{AD8F48F5-F29D-49DC-8E86-42B8FE3DAA03}"/>
-              </a:ext>
-            </a:extLst>
-          </p:cNvPr>
-          <p:cNvCxnSpPr>
-            <a:cxnSpLocks/>
-          </p:cNvCxnSpPr>
-          <p:nvPr/>
-        </p:nvCxnSpPr>
-        <p:spPr>
-          <a:xfrm flipV="1">
-            <a:off x="9673345" y="3764461"/>
-            <a:ext cx="347916" cy="34577"/>
-          </a:xfrm>
-          <a:prstGeom prst="curvedConnector3">
-            <a:avLst>
-              <a:gd name="adj1" fmla="val 50000"/>
-            </a:avLst>
-          </a:prstGeom>
-          <a:ln w="38100">
-            <a:solidFill>
-              <a:schemeClr val="accent5">
-                <a:lumMod val="75000"/>
-              </a:schemeClr>
-            </a:solidFill>
-            <a:tailEnd type="triangle"/>
-          </a:ln>
-        </p:spPr>
-        <p:style>
-          <a:lnRef idx="1">
-            <a:schemeClr val="accent2"/>
-          </a:lnRef>
-          <a:fillRef idx="0">
-            <a:schemeClr val="accent2"/>
-          </a:fillRef>
-          <a:effectRef idx="0">
-            <a:schemeClr val="accent2"/>
-          </a:effectRef>
-          <a:fontRef idx="minor">
-            <a:schemeClr val="tx1"/>
-          </a:fontRef>
-        </p:style>
-      </p:cxnSp>
+      <p:sp>
+        <p:nvSpPr>
+          <p:cNvPr id="27" name="矩形 26">
+            <a:extLst>
+              <a:ext uri="{FF2B5EF4-FFF2-40B4-BE49-F238E27FC236}">
+                <a16:creationId xmlns:a16="http://schemas.microsoft.com/office/drawing/2014/main" id="{03966E73-E542-4231-9706-D0D99BB746C3}"/>
+              </a:ext>
+            </a:extLst>
+          </p:cNvPr>
+          <p:cNvSpPr/>
+          <p:nvPr/>
+        </p:nvSpPr>
+        <p:spPr>
+          <a:xfrm>
+            <a:off x="8501796" y="2057142"/>
+            <a:ext cx="1329674" cy="276999"/>
+          </a:xfrm>
+          <a:prstGeom prst="rect">
+            <a:avLst/>
+          </a:prstGeom>
+        </p:spPr>
+        <p:style>
+          <a:lnRef idx="2">
+            <a:schemeClr val="accent3"/>
+          </a:lnRef>
+          <a:fillRef idx="1">
+            <a:schemeClr val="lt1"/>
+          </a:fillRef>
+          <a:effectRef idx="0">
+            <a:schemeClr val="accent3"/>
+          </a:effectRef>
+          <a:fontRef idx="minor">
+            <a:schemeClr val="dk1"/>
+          </a:fontRef>
+        </p:style>
+        <p:txBody>
+          <a:bodyPr wrap="square">
+            <a:spAutoFit/>
+          </a:bodyPr>
+          <a:lstStyle/>
+          <a:p>
+            <a:r>
+              <a:rPr lang="zh-CN" altLang="en-US" sz="1200"/>
+              <a:t>事件管理中心</a:t>
+            </a:r>
+          </a:p>
+        </p:txBody>
+      </p:sp>
+      <p:sp>
+        <p:nvSpPr>
+          <p:cNvPr id="29" name="矩形 28">
+            <a:extLst>
+              <a:ext uri="{FF2B5EF4-FFF2-40B4-BE49-F238E27FC236}">
+                <a16:creationId xmlns:a16="http://schemas.microsoft.com/office/drawing/2014/main" id="{1E8A08C7-3385-41BD-AE32-AAFDA646AFD3}"/>
+              </a:ext>
+            </a:extLst>
+          </p:cNvPr>
+          <p:cNvSpPr/>
+          <p:nvPr/>
+        </p:nvSpPr>
+        <p:spPr>
+          <a:xfrm>
+            <a:off x="3368397" y="3242638"/>
+            <a:ext cx="1535998" cy="369332"/>
+          </a:xfrm>
+          <a:prstGeom prst="rect">
+            <a:avLst/>
+          </a:prstGeom>
+        </p:spPr>
+        <p:style>
+          <a:lnRef idx="2">
+            <a:schemeClr val="accent3"/>
+          </a:lnRef>
+          <a:fillRef idx="1">
+            <a:schemeClr val="lt1"/>
+          </a:fillRef>
+          <a:effectRef idx="0">
+            <a:schemeClr val="accent3"/>
+          </a:effectRef>
+          <a:fontRef idx="minor">
+            <a:schemeClr val="dk1"/>
+          </a:fontRef>
+        </p:style>
+        <p:txBody>
+          <a:bodyPr wrap="none">
+            <a:spAutoFit/>
+          </a:bodyPr>
+          <a:lstStyle/>
+          <a:p>
+            <a:r>
+              <a:rPr lang="zh-CN" altLang="en-US"/>
+              <a:t>添加观察者</a:t>
+            </a:r>
+            <a:r>
+              <a:rPr lang="en-US" altLang="zh-CN"/>
+              <a:t>( )</a:t>
+            </a:r>
+            <a:endParaRPr lang="zh-CN" altLang="en-US"/>
+          </a:p>
+        </p:txBody>
+      </p:sp>
+      <p:sp>
+        <p:nvSpPr>
+          <p:cNvPr id="30" name="矩形 29">
+            <a:extLst>
+              <a:ext uri="{FF2B5EF4-FFF2-40B4-BE49-F238E27FC236}">
+                <a16:creationId xmlns:a16="http://schemas.microsoft.com/office/drawing/2014/main" id="{AB01F5A7-6616-4740-81D3-AF53FD1B32BE}"/>
+              </a:ext>
+            </a:extLst>
+          </p:cNvPr>
+          <p:cNvSpPr/>
+          <p:nvPr/>
+        </p:nvSpPr>
+        <p:spPr>
+          <a:xfrm>
+            <a:off x="5907361" y="4925611"/>
+            <a:ext cx="1305165" cy="369332"/>
+          </a:xfrm>
+          <a:prstGeom prst="rect">
+            <a:avLst/>
+          </a:prstGeom>
+        </p:spPr>
+        <p:style>
+          <a:lnRef idx="2">
+            <a:schemeClr val="accent3"/>
+          </a:lnRef>
+          <a:fillRef idx="1">
+            <a:schemeClr val="lt1"/>
+          </a:fillRef>
+          <a:effectRef idx="0">
+            <a:schemeClr val="accent3"/>
+          </a:effectRef>
+          <a:fontRef idx="minor">
+            <a:schemeClr val="dk1"/>
+          </a:fontRef>
+        </p:style>
+        <p:txBody>
+          <a:bodyPr wrap="none">
+            <a:spAutoFit/>
+          </a:bodyPr>
+          <a:lstStyle/>
+          <a:p>
+            <a:r>
+              <a:rPr lang="zh-CN" altLang="en-US"/>
+              <a:t>发布消息</a:t>
+            </a:r>
+            <a:r>
+              <a:rPr lang="en-US" altLang="zh-CN"/>
+              <a:t>( )</a:t>
+            </a:r>
+            <a:endParaRPr lang="zh-CN" altLang="en-US"/>
+          </a:p>
+        </p:txBody>
+      </p:sp>
       <p:pic>
         <p:nvPicPr>
-          <p:cNvPr id="18" name="图片 17">
-            <a:extLst>
-              <a:ext uri="{FF2B5EF4-FFF2-40B4-BE49-F238E27FC236}">
-                <a16:creationId xmlns:a16="http://schemas.microsoft.com/office/drawing/2014/main" id="{B585AF7B-1AA4-4398-B663-B711EE1FCCC7}"/>
+          <p:cNvPr id="2" name="图片 1">
+            <a:extLst>
+              <a:ext uri="{FF2B5EF4-FFF2-40B4-BE49-F238E27FC236}">
+                <a16:creationId xmlns:a16="http://schemas.microsoft.com/office/drawing/2014/main" id="{15146A60-6FC6-40BA-A58A-0128E9199DF3}"/>
               </a:ext>
             </a:extLst>
           </p:cNvPr>
@@ -4256,8 +4093,8 @@
         </p:blipFill>
         <p:spPr>
           <a:xfrm>
-            <a:off x="300586" y="1591335"/>
-            <a:ext cx="3170195" cy="1658560"/>
+            <a:off x="314026" y="2471531"/>
+            <a:ext cx="2983604" cy="2506469"/>
           </a:xfrm>
           <a:prstGeom prst="rect">
             <a:avLst/>
@@ -4266,10 +4103,10 @@
       </p:pic>
       <p:pic>
         <p:nvPicPr>
-          <p:cNvPr id="19" name="图片 18">
-            <a:extLst>
-              <a:ext uri="{FF2B5EF4-FFF2-40B4-BE49-F238E27FC236}">
-                <a16:creationId xmlns:a16="http://schemas.microsoft.com/office/drawing/2014/main" id="{BE81316B-818A-4691-B52D-CF35286E8FE4}"/>
+          <p:cNvPr id="3" name="图片 2">
+            <a:extLst>
+              <a:ext uri="{FF2B5EF4-FFF2-40B4-BE49-F238E27FC236}">
+                <a16:creationId xmlns:a16="http://schemas.microsoft.com/office/drawing/2014/main" id="{1F80E556-7EB7-439E-AD21-90AF8CC16E55}"/>
               </a:ext>
             </a:extLst>
           </p:cNvPr>
@@ -4286,8 +4123,8 @@
         </p:blipFill>
         <p:spPr>
           <a:xfrm>
-            <a:off x="300586" y="233227"/>
-            <a:ext cx="5189670" cy="998307"/>
+            <a:off x="341023" y="5439514"/>
+            <a:ext cx="6690940" cy="838273"/>
           </a:xfrm>
           <a:prstGeom prst="rect">
             <a:avLst/>
@@ -4296,10 +4133,10 @@
       </p:pic>
       <p:pic>
         <p:nvPicPr>
-          <p:cNvPr id="20" name="图片 19">
-            <a:extLst>
-              <a:ext uri="{FF2B5EF4-FFF2-40B4-BE49-F238E27FC236}">
-                <a16:creationId xmlns:a16="http://schemas.microsoft.com/office/drawing/2014/main" id="{27F71ADC-7F6F-4BB5-87C7-7117E2616D14}"/>
+          <p:cNvPr id="23" name="图片 22">
+            <a:extLst>
+              <a:ext uri="{FF2B5EF4-FFF2-40B4-BE49-F238E27FC236}">
+                <a16:creationId xmlns:a16="http://schemas.microsoft.com/office/drawing/2014/main" id="{E5ABBE73-AE4B-4D1F-88F1-9252E63FE139}"/>
               </a:ext>
             </a:extLst>
           </p:cNvPr>
@@ -4316,20 +4153,116 @@
         </p:blipFill>
         <p:spPr>
           <a:xfrm>
-            <a:off x="315828" y="3585937"/>
-            <a:ext cx="6896698" cy="266723"/>
+            <a:off x="314026" y="281510"/>
+            <a:ext cx="2531905" cy="1669590"/>
           </a:xfrm>
           <a:prstGeom prst="rect">
             <a:avLst/>
           </a:prstGeom>
         </p:spPr>
       </p:pic>
+      <p:sp>
+        <p:nvSpPr>
+          <p:cNvPr id="26" name="矩形 25">
+            <a:extLst>
+              <a:ext uri="{FF2B5EF4-FFF2-40B4-BE49-F238E27FC236}">
+                <a16:creationId xmlns:a16="http://schemas.microsoft.com/office/drawing/2014/main" id="{8F964AD5-EE87-4F2A-8A41-C32DE3DAAE81}"/>
+              </a:ext>
+            </a:extLst>
+          </p:cNvPr>
+          <p:cNvSpPr/>
+          <p:nvPr/>
+        </p:nvSpPr>
+        <p:spPr>
+          <a:xfrm>
+            <a:off x="2310521" y="977738"/>
+            <a:ext cx="1569660" cy="369332"/>
+          </a:xfrm>
+          <a:prstGeom prst="rect">
+            <a:avLst/>
+          </a:prstGeom>
+        </p:spPr>
+        <p:style>
+          <a:lnRef idx="2">
+            <a:schemeClr val="accent3"/>
+          </a:lnRef>
+          <a:fillRef idx="1">
+            <a:schemeClr val="lt1"/>
+          </a:fillRef>
+          <a:effectRef idx="0">
+            <a:schemeClr val="accent3"/>
+          </a:effectRef>
+          <a:fontRef idx="minor">
+            <a:schemeClr val="dk1"/>
+          </a:fontRef>
+        </p:style>
+        <p:txBody>
+          <a:bodyPr wrap="none">
+            <a:spAutoFit/>
+          </a:bodyPr>
+          <a:lstStyle/>
+          <a:p>
+            <a:r>
+              <a:rPr lang="zh-CN" altLang="en-US"/>
+              <a:t>事件管理中心</a:t>
+            </a:r>
+          </a:p>
+        </p:txBody>
+      </p:sp>
+      <p:sp>
+        <p:nvSpPr>
+          <p:cNvPr id="25" name="矩形 24">
+            <a:extLst>
+              <a:ext uri="{FF2B5EF4-FFF2-40B4-BE49-F238E27FC236}">
+                <a16:creationId xmlns:a16="http://schemas.microsoft.com/office/drawing/2014/main" id="{9D54948E-A8C0-45FB-9750-350D0E189E4F}"/>
+              </a:ext>
+            </a:extLst>
+          </p:cNvPr>
+          <p:cNvSpPr/>
+          <p:nvPr/>
+        </p:nvSpPr>
+        <p:spPr>
+          <a:xfrm>
+            <a:off x="2709893" y="33431"/>
+            <a:ext cx="877163" cy="369332"/>
+          </a:xfrm>
+          <a:prstGeom prst="rect">
+            <a:avLst/>
+          </a:prstGeom>
+        </p:spPr>
+        <p:style>
+          <a:lnRef idx="2">
+            <a:schemeClr val="accent4"/>
+          </a:lnRef>
+          <a:fillRef idx="1">
+            <a:schemeClr val="lt1"/>
+          </a:fillRef>
+          <a:effectRef idx="0">
+            <a:schemeClr val="accent4"/>
+          </a:effectRef>
+          <a:fontRef idx="minor">
+            <a:schemeClr val="dk1"/>
+          </a:fontRef>
+        </p:style>
+        <p:txBody>
+          <a:bodyPr wrap="none">
+            <a:spAutoFit/>
+          </a:bodyPr>
+          <a:lstStyle/>
+          <a:p>
+            <a:r>
+              <a:rPr lang="zh-CN" altLang="en-US"/>
+              <a:t>观察者</a:t>
+            </a:r>
+          </a:p>
+        </p:txBody>
+      </p:sp>
       <p:pic>
         <p:nvPicPr>
-          <p:cNvPr id="21" name="图片 20">
-            <a:extLst>
-              <a:ext uri="{FF2B5EF4-FFF2-40B4-BE49-F238E27FC236}">
-                <a16:creationId xmlns:a16="http://schemas.microsoft.com/office/drawing/2014/main" id="{FAF40B18-DF73-4FB8-B5A3-5F64151E31DA}"/>
+          <p:cNvPr id="37" name="图片 36">
+            <a:extLst>
+              <a:ext uri="{FF2B5EF4-FFF2-40B4-BE49-F238E27FC236}">
+                <a16:creationId xmlns:a16="http://schemas.microsoft.com/office/drawing/2014/main" id="{A08648FD-0639-4318-8B7F-6EE9A31F6B00}"/>
               </a:ext>
             </a:extLst>
           </p:cNvPr>
@@ -4346,8 +4279,8 @@
         </p:blipFill>
         <p:spPr>
           <a:xfrm>
-            <a:off x="300586" y="5158847"/>
-            <a:ext cx="5159187" cy="259102"/>
+            <a:off x="4063811" y="368905"/>
+            <a:ext cx="4715361" cy="1121642"/>
           </a:xfrm>
           <a:prstGeom prst="rect">
             <a:avLst/>
@@ -4356,87 +4289,10 @@
       </p:pic>
       <p:sp>
         <p:nvSpPr>
-          <p:cNvPr id="22" name="文本框 21">
-            <a:extLst>
-              <a:ext uri="{FF2B5EF4-FFF2-40B4-BE49-F238E27FC236}">
-                <a16:creationId xmlns:a16="http://schemas.microsoft.com/office/drawing/2014/main" id="{B87F6740-D17C-4CEE-89CB-15A98326F731}"/>
-              </a:ext>
-            </a:extLst>
-          </p:cNvPr>
-          <p:cNvSpPr txBox="1"/>
-          <p:nvPr/>
-        </p:nvSpPr>
-        <p:spPr>
-          <a:xfrm>
-            <a:off x="562418" y="4006900"/>
-            <a:ext cx="6186309" cy="646331"/>
-          </a:xfrm>
-          <a:prstGeom prst="rect">
-            <a:avLst/>
-          </a:prstGeom>
-          <a:noFill/>
-        </p:spPr>
-        <p:txBody>
-          <a:bodyPr wrap="none" rtlCol="0">
-            <a:spAutoFit/>
-          </a:bodyPr>
-          <a:lstStyle/>
-          <a:p>
-            <a:r>
-              <a:rPr lang="zh-CN" altLang="en-US"/>
-              <a:t>事件名存在，则直接向数组中添加观察者</a:t>
-            </a:r>
-            <a:endParaRPr lang="en-US" altLang="zh-CN"/>
-          </a:p>
-          <a:p>
-            <a:r>
-              <a:rPr lang="zh-CN" altLang="en-US"/>
-              <a:t>事件名不存在，则先登记这个事件，再向数组中添加观察者</a:t>
-            </a:r>
-          </a:p>
-        </p:txBody>
-      </p:sp>
-      <p:sp>
-        <p:nvSpPr>
-          <p:cNvPr id="24" name="文本框 23">
-            <a:extLst>
-              <a:ext uri="{FF2B5EF4-FFF2-40B4-BE49-F238E27FC236}">
-                <a16:creationId xmlns:a16="http://schemas.microsoft.com/office/drawing/2014/main" id="{9FBE6386-8B5D-467B-A839-194F491CCFE8}"/>
-              </a:ext>
-            </a:extLst>
-          </p:cNvPr>
-          <p:cNvSpPr txBox="1"/>
-          <p:nvPr/>
-        </p:nvSpPr>
-        <p:spPr>
-          <a:xfrm>
-            <a:off x="592659" y="5602384"/>
-            <a:ext cx="4801314" cy="369332"/>
-          </a:xfrm>
-          <a:prstGeom prst="rect">
-            <a:avLst/>
-          </a:prstGeom>
-          <a:noFill/>
-        </p:spPr>
-        <p:txBody>
-          <a:bodyPr wrap="none" rtlCol="0">
-            <a:spAutoFit/>
-          </a:bodyPr>
-          <a:lstStyle/>
-          <a:p>
-            <a:r>
-              <a:rPr lang="zh-CN" altLang="en-US"/>
-              <a:t>找出监听这个事件的所有观察者，并执行它们</a:t>
-            </a:r>
-          </a:p>
-        </p:txBody>
-      </p:sp>
-      <p:sp>
-        <p:nvSpPr>
-          <p:cNvPr id="25" name="矩形 24">
-            <a:extLst>
-              <a:ext uri="{FF2B5EF4-FFF2-40B4-BE49-F238E27FC236}">
-                <a16:creationId xmlns:a16="http://schemas.microsoft.com/office/drawing/2014/main" id="{9D54948E-A8C0-45FB-9750-350D0E189E4F}"/>
+          <p:cNvPr id="40" name="箭头: 燕尾形 39">
+            <a:extLst>
+              <a:ext uri="{FF2B5EF4-FFF2-40B4-BE49-F238E27FC236}">
+                <a16:creationId xmlns:a16="http://schemas.microsoft.com/office/drawing/2014/main" id="{F7D457DA-AB15-42B5-83DE-11A564634214}"/>
               </a:ext>
             </a:extLst>
           </p:cNvPr>
@@ -4445,238 +4301,34 @@
         </p:nvSpPr>
         <p:spPr>
           <a:xfrm>
-            <a:off x="5249477" y="15927"/>
-            <a:ext cx="877163" cy="369332"/>
-          </a:xfrm>
-          <a:prstGeom prst="rect">
+            <a:off x="3275110" y="606015"/>
+            <a:ext cx="623892" cy="309077"/>
+          </a:xfrm>
+          <a:prstGeom prst="notchedRightArrow">
             <a:avLst/>
           </a:prstGeom>
         </p:spPr>
         <p:style>
           <a:lnRef idx="2">
-            <a:schemeClr val="accent4"/>
+            <a:schemeClr val="accent6">
+              <a:shade val="50000"/>
+            </a:schemeClr>
           </a:lnRef>
           <a:fillRef idx="1">
-            <a:schemeClr val="lt1"/>
-          </a:fillRef>
-          <a:effectRef idx="0">
-            <a:schemeClr val="accent4"/>
-          </a:effectRef>
-          <a:fontRef idx="minor">
-            <a:schemeClr val="dk1"/>
-          </a:fontRef>
-        </p:style>
-        <p:txBody>
-          <a:bodyPr wrap="none">
-            <a:spAutoFit/>
-          </a:bodyPr>
-          <a:lstStyle/>
-          <a:p>
-            <a:r>
-              <a:rPr lang="zh-CN" altLang="en-US"/>
-              <a:t>观察者</a:t>
-            </a:r>
-          </a:p>
-        </p:txBody>
-      </p:sp>
-      <p:sp>
-        <p:nvSpPr>
-          <p:cNvPr id="26" name="矩形 25">
-            <a:extLst>
-              <a:ext uri="{FF2B5EF4-FFF2-40B4-BE49-F238E27FC236}">
-                <a16:creationId xmlns:a16="http://schemas.microsoft.com/office/drawing/2014/main" id="{8F964AD5-EE87-4F2A-8A41-C32DE3DAAE81}"/>
-              </a:ext>
-            </a:extLst>
-          </p:cNvPr>
-          <p:cNvSpPr/>
-          <p:nvPr/>
-        </p:nvSpPr>
-        <p:spPr>
-          <a:xfrm>
-            <a:off x="3301710" y="2031476"/>
-            <a:ext cx="1569660" cy="369332"/>
-          </a:xfrm>
-          <a:prstGeom prst="rect">
-            <a:avLst/>
-          </a:prstGeom>
-        </p:spPr>
-        <p:style>
-          <a:lnRef idx="2">
-            <a:schemeClr val="accent3"/>
-          </a:lnRef>
-          <a:fillRef idx="1">
-            <a:schemeClr val="lt1"/>
-          </a:fillRef>
-          <a:effectRef idx="0">
-            <a:schemeClr val="accent3"/>
-          </a:effectRef>
-          <a:fontRef idx="minor">
-            <a:schemeClr val="dk1"/>
-          </a:fontRef>
-        </p:style>
-        <p:txBody>
-          <a:bodyPr wrap="none">
-            <a:spAutoFit/>
-          </a:bodyPr>
-          <a:lstStyle/>
-          <a:p>
-            <a:r>
-              <a:rPr lang="zh-CN" altLang="en-US"/>
-              <a:t>事件管理中心</a:t>
-            </a:r>
-          </a:p>
-        </p:txBody>
-      </p:sp>
-      <p:sp>
-        <p:nvSpPr>
-          <p:cNvPr id="27" name="矩形 26">
-            <a:extLst>
-              <a:ext uri="{FF2B5EF4-FFF2-40B4-BE49-F238E27FC236}">
-                <a16:creationId xmlns:a16="http://schemas.microsoft.com/office/drawing/2014/main" id="{03966E73-E542-4231-9706-D0D99BB746C3}"/>
-              </a:ext>
-            </a:extLst>
-          </p:cNvPr>
-          <p:cNvSpPr/>
-          <p:nvPr/>
-        </p:nvSpPr>
-        <p:spPr>
-          <a:xfrm>
-            <a:off x="8215889" y="710102"/>
-            <a:ext cx="1329674" cy="276999"/>
-          </a:xfrm>
-          <a:prstGeom prst="rect">
-            <a:avLst/>
-          </a:prstGeom>
-        </p:spPr>
-        <p:style>
-          <a:lnRef idx="2">
-            <a:schemeClr val="accent3"/>
-          </a:lnRef>
-          <a:fillRef idx="1">
-            <a:schemeClr val="lt1"/>
-          </a:fillRef>
-          <a:effectRef idx="0">
-            <a:schemeClr val="accent3"/>
-          </a:effectRef>
-          <a:fontRef idx="minor">
-            <a:schemeClr val="dk1"/>
-          </a:fontRef>
-        </p:style>
-        <p:txBody>
-          <a:bodyPr wrap="square">
-            <a:spAutoFit/>
-          </a:bodyPr>
-          <a:lstStyle/>
-          <a:p>
-            <a:r>
-              <a:rPr lang="zh-CN" altLang="en-US" sz="1200"/>
-              <a:t>事件管理中心</a:t>
-            </a:r>
-          </a:p>
-        </p:txBody>
-      </p:sp>
-      <p:sp>
-        <p:nvSpPr>
-          <p:cNvPr id="29" name="矩形 28">
-            <a:extLst>
-              <a:ext uri="{FF2B5EF4-FFF2-40B4-BE49-F238E27FC236}">
-                <a16:creationId xmlns:a16="http://schemas.microsoft.com/office/drawing/2014/main" id="{1E8A08C7-3385-41BD-AE32-AAFDA646AFD3}"/>
-              </a:ext>
-            </a:extLst>
-          </p:cNvPr>
-          <p:cNvSpPr/>
-          <p:nvPr/>
-        </p:nvSpPr>
-        <p:spPr>
-          <a:xfrm>
-            <a:off x="5558438" y="3174479"/>
-            <a:ext cx="1535998" cy="369332"/>
-          </a:xfrm>
-          <a:prstGeom prst="rect">
-            <a:avLst/>
-          </a:prstGeom>
-        </p:spPr>
-        <p:style>
-          <a:lnRef idx="2">
-            <a:schemeClr val="accent3"/>
-          </a:lnRef>
-          <a:fillRef idx="1">
-            <a:schemeClr val="lt1"/>
-          </a:fillRef>
-          <a:effectRef idx="0">
-            <a:schemeClr val="accent3"/>
-          </a:effectRef>
-          <a:fontRef idx="minor">
-            <a:schemeClr val="dk1"/>
-          </a:fontRef>
-        </p:style>
-        <p:txBody>
-          <a:bodyPr wrap="none">
-            <a:spAutoFit/>
-          </a:bodyPr>
-          <a:lstStyle/>
-          <a:p>
-            <a:r>
-              <a:rPr lang="zh-CN" altLang="en-US"/>
-              <a:t>添加观察者</a:t>
-            </a:r>
-            <a:r>
-              <a:rPr lang="en-US" altLang="zh-CN"/>
-              <a:t>( )</a:t>
-            </a:r>
-            <a:endParaRPr lang="zh-CN" altLang="en-US"/>
-          </a:p>
-        </p:txBody>
-      </p:sp>
-      <p:sp>
-        <p:nvSpPr>
-          <p:cNvPr id="30" name="矩形 29">
-            <a:extLst>
-              <a:ext uri="{FF2B5EF4-FFF2-40B4-BE49-F238E27FC236}">
-                <a16:creationId xmlns:a16="http://schemas.microsoft.com/office/drawing/2014/main" id="{AB01F5A7-6616-4740-81D3-AF53FD1B32BE}"/>
-              </a:ext>
-            </a:extLst>
-          </p:cNvPr>
-          <p:cNvSpPr/>
-          <p:nvPr/>
-        </p:nvSpPr>
-        <p:spPr>
-          <a:xfrm>
-            <a:off x="5907361" y="4925611"/>
-            <a:ext cx="1305165" cy="369332"/>
-          </a:xfrm>
-          <a:prstGeom prst="rect">
-            <a:avLst/>
-          </a:prstGeom>
-        </p:spPr>
-        <p:style>
-          <a:lnRef idx="2">
-            <a:schemeClr val="accent3"/>
-          </a:lnRef>
-          <a:fillRef idx="1">
-            <a:schemeClr val="lt1"/>
-          </a:fillRef>
-          <a:effectRef idx="0">
-            <a:schemeClr val="accent3"/>
-          </a:effectRef>
-          <a:fontRef idx="minor">
-            <a:schemeClr val="dk1"/>
-          </a:fontRef>
-        </p:style>
-        <p:txBody>
-          <a:bodyPr wrap="none">
-            <a:spAutoFit/>
-          </a:bodyPr>
-          <a:lstStyle/>
-          <a:p>
-            <a:r>
-              <a:rPr lang="zh-CN" altLang="en-US"/>
-              <a:t>发布消息</a:t>
-            </a:r>
-            <a:r>
-              <a:rPr lang="en-US" altLang="zh-CN"/>
-              <a:t>( )</a:t>
-            </a:r>
+            <a:schemeClr val="accent6"/>
+          </a:fillRef>
+          <a:effectRef idx="0">
+            <a:schemeClr val="accent6"/>
+          </a:effectRef>
+          <a:fontRef idx="minor">
+            <a:schemeClr val="lt1"/>
+          </a:fontRef>
+        </p:style>
+        <p:txBody>
+          <a:bodyPr rtlCol="0" anchor="ctr"/>
+          <a:lstStyle/>
+          <a:p>
+            <a:pPr algn="ctr"/>
             <a:endParaRPr lang="zh-CN" altLang="en-US"/>
           </a:p>
         </p:txBody>
@@ -6489,7 +6141,7 @@
         </p:nvSpPr>
         <p:spPr>
           <a:xfrm>
-            <a:off x="1387874" y="3249009"/>
+            <a:off x="1276087" y="2971467"/>
             <a:ext cx="876838" cy="544541"/>
           </a:xfrm>
           <a:prstGeom prst="roundRect">
@@ -6716,8 +6368,8 @@
         </p:nvCxnSpPr>
         <p:spPr>
           <a:xfrm rot="5400000" flipH="1" flipV="1">
-            <a:off x="1363385" y="2337363"/>
-            <a:ext cx="1374555" cy="448739"/>
+            <a:off x="1446263" y="2142698"/>
+            <a:ext cx="1097013" cy="560526"/>
           </a:xfrm>
           <a:prstGeom prst="curvedConnector2">
             <a:avLst/>
@@ -6759,8 +6411,8 @@
         </p:nvCxnSpPr>
         <p:spPr>
           <a:xfrm rot="16200000" flipH="1">
-            <a:off x="1774707" y="3845136"/>
-            <a:ext cx="559246" cy="456074"/>
+            <a:off x="1580042" y="3650471"/>
+            <a:ext cx="836788" cy="567861"/>
           </a:xfrm>
           <a:prstGeom prst="curvedConnector2">
             <a:avLst/>
